--- a/NHOM19-CNWEB/NHÓM 19-HTMLCSSJS.pptx
+++ b/NHOM19-CNWEB/NHÓM 19-HTMLCSSJS.pptx
@@ -18,22 +18,27 @@
     <p:sldId id="1943" r:id="rId11"/>
     <p:sldId id="1951" r:id="rId12"/>
     <p:sldId id="1952" r:id="rId13"/>
-    <p:sldId id="1944" r:id="rId14"/>
-    <p:sldId id="1945" r:id="rId15"/>
-    <p:sldId id="1953" r:id="rId16"/>
-    <p:sldId id="1954" r:id="rId17"/>
-    <p:sldId id="1955" r:id="rId18"/>
-    <p:sldId id="1946" r:id="rId19"/>
-    <p:sldId id="1956" r:id="rId20"/>
-    <p:sldId id="1957" r:id="rId21"/>
-    <p:sldId id="1958" r:id="rId22"/>
-    <p:sldId id="1967" r:id="rId23"/>
-    <p:sldId id="1968" r:id="rId24"/>
-    <p:sldId id="1969" r:id="rId25"/>
-    <p:sldId id="1970" r:id="rId26"/>
-    <p:sldId id="1971" r:id="rId27"/>
-    <p:sldId id="1959" r:id="rId28"/>
-    <p:sldId id="1948" r:id="rId29"/>
+    <p:sldId id="1975" r:id="rId14"/>
+    <p:sldId id="1944" r:id="rId15"/>
+    <p:sldId id="1945" r:id="rId16"/>
+    <p:sldId id="1953" r:id="rId17"/>
+    <p:sldId id="1954" r:id="rId18"/>
+    <p:sldId id="1955" r:id="rId19"/>
+    <p:sldId id="1946" r:id="rId20"/>
+    <p:sldId id="1956" r:id="rId21"/>
+    <p:sldId id="1957" r:id="rId22"/>
+    <p:sldId id="1974" r:id="rId23"/>
+    <p:sldId id="1958" r:id="rId24"/>
+    <p:sldId id="1993" r:id="rId25"/>
+    <p:sldId id="1994" r:id="rId26"/>
+    <p:sldId id="1995" r:id="rId27"/>
+    <p:sldId id="1967" r:id="rId28"/>
+    <p:sldId id="1968" r:id="rId29"/>
+    <p:sldId id="1969" r:id="rId30"/>
+    <p:sldId id="1970" r:id="rId31"/>
+    <p:sldId id="1971" r:id="rId32"/>
+    <p:sldId id="1959" r:id="rId33"/>
+    <p:sldId id="1948" r:id="rId34"/>
   </p:sldIdLst>
   <p:sldSz cx="12192000" cy="6858000"/>
   <p:notesSz cx="6858000" cy="9144000"/>
@@ -135,12 +140,12 @@
   <p:extLst>
     <p:ext uri="{EFAFB233-063F-42B5-8137-9DF3F51BA10A}">
       <p15:sldGuideLst xmlns:p15="http://schemas.microsoft.com/office/powerpoint/2012/main">
-        <p15:guide id="1" orient="horz" pos="2191" userDrawn="1">
+        <p15:guide id="1" orient="horz" pos="2160" userDrawn="1">
           <p15:clr>
             <a:srgbClr val="A4A3A4"/>
           </p15:clr>
         </p15:guide>
-        <p15:guide id="2" pos="3830" userDrawn="1">
+        <p15:guide id="2" pos="3925" userDrawn="1">
           <p15:clr>
             <a:srgbClr val="A4A3A4"/>
           </p15:clr>
@@ -10119,6 +10124,98 @@
         <p:cNvGrpSpPr/>
         <p:nvPr/>
       </p:nvGrpSpPr>
+      <p:grpSpPr/>
+      <p:sp>
+        <p:nvSpPr>
+          <p:cNvPr id="2" name="Title 1"/>
+          <p:cNvSpPr>
+            <a:spLocks noGrp="1"/>
+          </p:cNvSpPr>
+          <p:nvPr>
+            <p:ph type="title"/>
+          </p:nvPr>
+        </p:nvSpPr>
+        <p:spPr>
+          <a:xfrm>
+            <a:off x="1533271" y="2674112"/>
+            <a:ext cx="4590288" cy="1764792"/>
+          </a:xfrm>
+        </p:spPr>
+        <p:txBody>
+          <a:bodyPr/>
+          <a:p>
+            <a:r>
+              <a:rPr lang="en-US"/>
+              <a:t>Khái niệm</a:t>
+            </a:r>
+            <a:endParaRPr lang="en-US"/>
+          </a:p>
+        </p:txBody>
+      </p:sp>
+      <p:sp>
+        <p:nvSpPr>
+          <p:cNvPr id="8" name="Title 1"/>
+          <p:cNvSpPr>
+            <a:spLocks noGrp="1"/>
+          </p:cNvSpPr>
+          <p:nvPr/>
+        </p:nvSpPr>
+        <p:spPr>
+          <a:xfrm>
+            <a:off x="6307455" y="1470025"/>
+            <a:ext cx="5137150" cy="4171950"/>
+          </a:xfrm>
+          <a:prstGeom prst="rect">
+            <a:avLst/>
+          </a:prstGeom>
+        </p:spPr>
+        <p:txBody>
+          <a:bodyPr vert="horz" lIns="91440" tIns="45720" rIns="91440" bIns="45720" rtlCol="0" anchor="t" anchorCtr="0">
+            <a:noAutofit/>
+          </a:bodyPr>
+          <a:lstStyle>
+            <a:lvl1pPr algn="ctr" defTabSz="914400" rtl="0" eaLnBrk="1" latinLnBrk="0" hangingPunct="1">
+              <a:spcBef>
+                <a:spcPct val="0"/>
+              </a:spcBef>
+              <a:buNone/>
+              <a:defRPr sz="3200" b="1" kern="1200">
+                <a:solidFill>
+                  <a:schemeClr val="tx2"/>
+                </a:solidFill>
+                <a:latin typeface="+mn-lt"/>
+                <a:ea typeface="+mj-ea"/>
+                <a:cs typeface="+mj-cs"/>
+              </a:defRPr>
+            </a:lvl1pPr>
+          </a:lstStyle>
+          <a:p>
+            <a:pPr algn="l"/>
+            <a:r>
+              <a:rPr lang="en-US" sz="2400" dirty="0"/>
+              <a:t>CSS (Cascading Style Sheet) là một ngôn ngữ định dạng và trình bày và được sử dụng để mô tả cách các trang web và tài liệu HTML được hiển thị trên trình duyệt web. CSS cho phép bạn chỉnh sửa màu sắc, font chữ, khoảng cách, kích thước và kiểu định dạng của các phần tử HTML</a:t>
+            </a:r>
+            <a:endParaRPr lang="en-US" sz="2400" dirty="0"/>
+          </a:p>
+        </p:txBody>
+      </p:sp>
+    </p:spTree>
+  </p:cSld>
+  <p:clrMapOvr>
+    <a:masterClrMapping/>
+  </p:clrMapOvr>
+</p:sld>
+</file>
+
+<file path=ppt/slides/slide12.xml><?xml version="1.0" encoding="utf-8"?>
+<p:sld xmlns:a="http://schemas.openxmlformats.org/drawingml/2006/main" xmlns:r="http://schemas.openxmlformats.org/officeDocument/2006/relationships" xmlns:p="http://schemas.openxmlformats.org/presentationml/2006/main">
+  <p:cSld>
+    <p:spTree>
+      <p:nvGrpSpPr>
+        <p:cNvPr id="1" name=""/>
+        <p:cNvGrpSpPr/>
+        <p:nvPr/>
+      </p:nvGrpSpPr>
       <p:grpSpPr>
         <a:xfrm>
           <a:off x="0" y="0"/>
@@ -10129,270 +10226,257 @@
       </p:grpSpPr>
       <p:sp>
         <p:nvSpPr>
-          <p:cNvPr id="2" name="Title 1"/>
+          <p:cNvPr id="3" name="Title 5"/>
           <p:cNvSpPr>
             <a:spLocks noGrp="1"/>
           </p:cNvSpPr>
+          <p:nvPr/>
+        </p:nvSpPr>
+        <p:spPr>
+          <a:xfrm>
+            <a:off x="521335" y="0"/>
+            <a:ext cx="10000615" cy="958215"/>
+          </a:xfrm>
+          <a:prstGeom prst="rect">
+            <a:avLst/>
+          </a:prstGeom>
+        </p:spPr>
+        <p:txBody>
+          <a:bodyPr vert="horz" lIns="91440" tIns="45720" rIns="91440" bIns="45720" rtlCol="0" anchor="t" anchorCtr="0">
+            <a:noAutofit/>
+          </a:bodyPr>
+          <a:lstStyle>
+            <a:lvl1pPr algn="l" defTabSz="914400" rtl="0" eaLnBrk="1" latinLnBrk="0" hangingPunct="1">
+              <a:spcBef>
+                <a:spcPct val="0"/>
+              </a:spcBef>
+              <a:buNone/>
+              <a:defRPr sz="5400" b="1" kern="1200">
+                <a:solidFill>
+                  <a:schemeClr val="tx2"/>
+                </a:solidFill>
+                <a:latin typeface="+mn-lt"/>
+                <a:ea typeface="+mj-ea"/>
+                <a:cs typeface="+mj-cs"/>
+              </a:defRPr>
+            </a:lvl1pPr>
+          </a:lstStyle>
+          <a:p>
+            <a:r>
+              <a:rPr lang="en-US" sz="3600"/>
+              <a:t>II. CSS </a:t>
+            </a:r>
+            <a:endParaRPr lang="en-US" sz="3600"/>
+          </a:p>
+        </p:txBody>
+      </p:sp>
+      <p:sp>
+        <p:nvSpPr>
+          <p:cNvPr id="10" name="Title 9"/>
+          <p:cNvSpPr/>
           <p:nvPr>
             <p:ph type="title"/>
           </p:nvPr>
         </p:nvSpPr>
         <p:spPr>
           <a:xfrm>
-            <a:off x="521335" y="184150"/>
-            <a:ext cx="11118850" cy="1612900"/>
+            <a:off x="671703" y="805053"/>
+            <a:ext cx="11119104" cy="640080"/>
           </a:xfrm>
         </p:spPr>
         <p:txBody>
           <a:bodyPr/>
-          <a:lstStyle/>
           <a:p>
             <a:pPr algn="l"/>
             <a:r>
-              <a:rPr lang="en-US" altLang="vi-VN" i="0" dirty="0">
-                <a:solidFill>
-                  <a:srgbClr val="0070C0"/>
-                </a:solidFill>
-                <a:effectLst/>
-                <a:latin typeface="Times New Roman" panose="02020603050405020304" pitchFamily="18" charset="0"/>
-              </a:rPr>
-              <a:t>II.</a:t>
-            </a:r>
-            <a:r>
-              <a:rPr lang="vi-VN" i="0" dirty="0">
-                <a:solidFill>
-                  <a:srgbClr val="0070C0"/>
-                </a:solidFill>
-                <a:effectLst/>
-                <a:latin typeface="Times New Roman" panose="02020603050405020304" pitchFamily="18" charset="0"/>
-              </a:rPr>
-              <a:t> </a:t>
-            </a:r>
-            <a:r>
-              <a:rPr lang="en-US" altLang="vi-VN" i="0" dirty="0">
-                <a:solidFill>
-                  <a:srgbClr val="0070C0"/>
-                </a:solidFill>
-                <a:effectLst/>
-                <a:latin typeface="Times New Roman" panose="02020603050405020304" pitchFamily="18" charset="0"/>
-              </a:rPr>
-              <a:t>CSS</a:t>
-            </a:r>
-            <a:br>
-              <a:rPr lang="vi-VN" sz="1800" b="0" i="0" dirty="0">
-                <a:solidFill>
-                  <a:srgbClr val="000000"/>
-                </a:solidFill>
-                <a:effectLst/>
-                <a:latin typeface="Times New Roman" panose="02020603050405020304" pitchFamily="18" charset="0"/>
-              </a:rPr>
-            </a:br>
-            <a:r>
-              <a:rPr lang="vi-VN" sz="1800" b="0" i="0" dirty="0">
-                <a:solidFill>
-                  <a:srgbClr val="000000"/>
-                </a:solidFill>
-                <a:effectLst/>
-                <a:latin typeface="Times New Roman" panose="02020603050405020304" pitchFamily="18" charset="0"/>
-              </a:rPr>
-              <a:t>CSS (Cascading Style Sheets) là một ngôn ngữ định dạng và trình bày được sử dụng để mô tả cách các trang web và tài liệu HTML được hiển thị trên trình duyệt web. CSS cho phép bạn điều chỉnh màu sắc, font chữ, khoảng cách, kích thước và kiểu định dạng của các phần tử HTML. </a:t>
-            </a:r>
-            <a:br>
-              <a:rPr lang="vi-VN" sz="1800" b="0" i="0" dirty="0">
-                <a:solidFill>
-                  <a:srgbClr val="000000"/>
-                </a:solidFill>
-                <a:effectLst/>
-                <a:latin typeface="Times New Roman" panose="02020603050405020304" pitchFamily="18" charset="0"/>
-              </a:rPr>
-            </a:br>
-            <a:endParaRPr lang="vi-VN" sz="1800" b="0" i="0" dirty="0">
-              <a:solidFill>
-                <a:srgbClr val="000000"/>
-              </a:solidFill>
-              <a:effectLst/>
-              <a:latin typeface="Times New Roman" panose="02020603050405020304" pitchFamily="18" charset="0"/>
-            </a:endParaRPr>
-          </a:p>
-        </p:txBody>
-      </p:sp>
-      <p:sp>
-        <p:nvSpPr>
-          <p:cNvPr id="5" name="Text Box 4"/>
-          <p:cNvSpPr txBox="1"/>
+              <a:rPr lang="en-US" sz="2400"/>
+              <a:t>Một số thuộc tính cơ bản của css</a:t>
+            </a:r>
+            <a:endParaRPr lang="en-US" sz="2400"/>
+          </a:p>
+        </p:txBody>
+      </p:sp>
+      <p:sp>
+        <p:nvSpPr>
+          <p:cNvPr id="12" name="Title 9"/>
+          <p:cNvSpPr/>
           <p:nvPr/>
         </p:nvSpPr>
         <p:spPr>
           <a:xfrm>
-            <a:off x="671830" y="1894205"/>
-            <a:ext cx="5201920" cy="460375"/>
+            <a:off x="671830" y="1384935"/>
+            <a:ext cx="5709920" cy="640080"/>
           </a:xfrm>
           <a:prstGeom prst="rect">
             <a:avLst/>
           </a:prstGeom>
-          <a:noFill/>
-        </p:spPr>
-        <p:txBody>
-          <a:bodyPr wrap="square" rtlCol="0">
-            <a:spAutoFit/>
+        </p:spPr>
+        <p:txBody>
+          <a:bodyPr vert="horz" lIns="91440" tIns="45720" rIns="91440" bIns="45720" rtlCol="0" anchor="t" anchorCtr="0">
+            <a:noAutofit/>
           </a:bodyPr>
-          <a:p>
+          <a:lstStyle>
+            <a:lvl1pPr algn="ctr" defTabSz="914400" rtl="0" eaLnBrk="1" latinLnBrk="0" hangingPunct="1">
+              <a:spcBef>
+                <a:spcPct val="0"/>
+              </a:spcBef>
+              <a:buNone/>
+              <a:defRPr sz="3200" b="1" kern="1200">
+                <a:solidFill>
+                  <a:schemeClr val="tx2"/>
+                </a:solidFill>
+                <a:latin typeface="+mn-lt"/>
+                <a:ea typeface="+mj-ea"/>
+                <a:cs typeface="+mj-cs"/>
+              </a:defRPr>
+            </a:lvl1pPr>
+          </a:lstStyle>
+          <a:p>
+            <a:pPr algn="l"/>
             <a:r>
               <a:rPr lang="en-US" sz="2400"/>
-              <a:t>Một số thuộc tính cơ bản của css</a:t>
+              <a:t>width: Xác định chiều rộng của phần tử.</a:t>
             </a:r>
             <a:endParaRPr lang="en-US" sz="2400"/>
           </a:p>
-        </p:txBody>
-      </p:sp>
-      <p:sp>
-        <p:nvSpPr>
-          <p:cNvPr id="6" name="Text Box 5"/>
-          <p:cNvSpPr txBox="1"/>
+          <a:p>
+            <a:pPr algn="l"/>
+            <a:r>
+              <a:rPr lang="en-US" sz="2400"/>
+              <a:t>height: Xác định chiều rộng của phần tử.</a:t>
+            </a:r>
+            <a:endParaRPr lang="en-US" sz="2400"/>
+          </a:p>
+          <a:p>
+            <a:pPr algn="l"/>
+            <a:r>
+              <a:rPr lang="en-US" sz="2400"/>
+              <a:t>margin: Xác định khoảng cách giữa các phần tử</a:t>
+            </a:r>
+            <a:endParaRPr lang="en-US" sz="2400"/>
+          </a:p>
+          <a:p>
+            <a:pPr algn="l"/>
+            <a:r>
+              <a:rPr lang="en-US" sz="2400"/>
+              <a:t>border: Định dạng viền của phần tử.</a:t>
+            </a:r>
+            <a:endParaRPr lang="en-US" sz="2400"/>
+          </a:p>
+          <a:p>
+            <a:pPr algn="l"/>
+            <a:r>
+              <a:rPr lang="en-US" sz="2400"/>
+              <a:t>background-color: Đặt màu nền cho phần tử</a:t>
+            </a:r>
+            <a:endParaRPr lang="en-US" sz="2400"/>
+          </a:p>
+          <a:p>
+            <a:pPr algn="l"/>
+            <a:r>
+              <a:rPr lang="en-US" sz="2400"/>
+              <a:t>padding: Xác định khoảng cách bên trong phần tử từ nội dung đến viền</a:t>
+            </a:r>
+            <a:endParaRPr lang="en-US" sz="2400"/>
+          </a:p>
+          <a:p>
+            <a:pPr algn="l"/>
+            <a:endParaRPr lang="en-US" sz="2400"/>
+          </a:p>
+        </p:txBody>
+      </p:sp>
+      <p:sp>
+        <p:nvSpPr>
+          <p:cNvPr id="13" name="Title 9"/>
+          <p:cNvSpPr/>
           <p:nvPr/>
         </p:nvSpPr>
         <p:spPr>
           <a:xfrm>
-            <a:off x="671830" y="2451735"/>
-            <a:ext cx="5523230" cy="3725545"/>
+            <a:off x="6405880" y="1384935"/>
+            <a:ext cx="5158740" cy="640080"/>
           </a:xfrm>
           <a:prstGeom prst="rect">
             <a:avLst/>
           </a:prstGeom>
-          <a:noFill/>
-        </p:spPr>
-        <p:txBody>
-          <a:bodyPr wrap="square" rtlCol="0">
+        </p:spPr>
+        <p:txBody>
+          <a:bodyPr vert="horz" lIns="91440" tIns="45720" rIns="91440" bIns="45720" rtlCol="0" anchor="t" anchorCtr="0">
             <a:noAutofit/>
           </a:bodyPr>
-          <a:p>
-            <a:r>
-              <a:rPr lang="en-US" sz="2400"/>
-              <a:t>width: Xác định chiều rộng của phần tử. </a:t>
-            </a:r>
-            <a:endParaRPr lang="en-US" sz="2400"/>
-          </a:p>
-          <a:p>
-            <a:r>
-              <a:rPr lang="en-US" sz="2400"/>
-              <a:t>height: Xác định chiều cao của phần tử. </a:t>
-            </a:r>
-            <a:endParaRPr lang="en-US" sz="2400"/>
-          </a:p>
-          <a:p>
-            <a:r>
-              <a:rPr lang="en-US" sz="2400"/>
-              <a:t>margin: Xác định khoảng cách giữa các phần tử.</a:t>
-            </a:r>
-            <a:endParaRPr lang="en-US" sz="2400"/>
-          </a:p>
-          <a:p>
-            <a:r>
-              <a:rPr lang="en-US" sz="2400"/>
-              <a:t>border: Định dạng viền của phần tử. </a:t>
-            </a:r>
-            <a:endParaRPr lang="en-US" sz="2400"/>
-          </a:p>
-          <a:p>
-            <a:r>
-              <a:rPr lang="en-US" sz="2400"/>
-              <a:t>background-color: Đặt màu nền cho phần tử. </a:t>
-            </a:r>
-            <a:endParaRPr lang="en-US" sz="2400"/>
-          </a:p>
-          <a:p>
-            <a:r>
-              <a:rPr lang="en-US" sz="2400"/>
-              <a:t>padding: Xác định khoảng cách bên trong của phần tử từ nội dung đến viền.</a:t>
-            </a:r>
-            <a:endParaRPr lang="en-US" sz="2400"/>
-          </a:p>
-          <a:p>
+          <a:lstStyle>
+            <a:lvl1pPr algn="ctr" defTabSz="914400" rtl="0" eaLnBrk="1" latinLnBrk="0" hangingPunct="1">
+              <a:spcBef>
+                <a:spcPct val="0"/>
+              </a:spcBef>
+              <a:buNone/>
+              <a:defRPr sz="3200" b="1" kern="1200">
+                <a:solidFill>
+                  <a:schemeClr val="tx2"/>
+                </a:solidFill>
+                <a:latin typeface="+mn-lt"/>
+                <a:ea typeface="+mj-ea"/>
+                <a:cs typeface="+mj-cs"/>
+              </a:defRPr>
+            </a:lvl1pPr>
+          </a:lstStyle>
+          <a:p>
+            <a:pPr algn="l"/>
             <a:r>
               <a:rPr lang="en-US" sz="2400">
                 <a:sym typeface="+mn-ea"/>
               </a:rPr>
-              <a:t>color: Định dạng màu chữ cho phần tử. </a:t>
+              <a:t>color: Định dạng màu chữ cho phần tử</a:t>
             </a:r>
             <a:endParaRPr lang="en-US" sz="2400"/>
           </a:p>
           <a:p>
+            <a:pPr algn="l"/>
             <a:r>
               <a:rPr lang="en-US" sz="2400">
                 <a:sym typeface="+mn-ea"/>
               </a:rPr>
-              <a:t>font-family: Chọn font chữ cho phần tử. </a:t>
+              <a:t>font-family: Chọn chữ cho phần tử</a:t>
             </a:r>
             <a:endParaRPr lang="en-US" sz="2400"/>
           </a:p>
           <a:p>
+            <a:pPr algn="l"/>
+            <a:r>
+              <a:rPr lang="en-US" sz="2400"/>
+              <a:t>font-size: Định kích thước font chữ.</a:t>
+            </a:r>
             <a:endParaRPr lang="en-US" sz="2400"/>
           </a:p>
           <a:p>
+            <a:pPr algn="l"/>
             <a:r>
               <a:rPr lang="en-US" sz="2400"/>
-              <a:t> </a:t>
+              <a:t>font-weight: Đặt độ đậm cho chữ.</a:t>
             </a:r>
             <a:endParaRPr lang="en-US" sz="2400"/>
           </a:p>
-        </p:txBody>
-      </p:sp>
-      <p:sp>
-        <p:nvSpPr>
-          <p:cNvPr id="7" name="Text Box 6"/>
-          <p:cNvSpPr txBox="1"/>
-          <p:nvPr/>
-        </p:nvSpPr>
-        <p:spPr>
-          <a:xfrm>
-            <a:off x="6644005" y="2338070"/>
-            <a:ext cx="5170805" cy="4154170"/>
-          </a:xfrm>
-          <a:prstGeom prst="rect">
-            <a:avLst/>
-          </a:prstGeom>
-          <a:noFill/>
-        </p:spPr>
-        <p:txBody>
-          <a:bodyPr wrap="square" rtlCol="0">
-            <a:spAutoFit/>
-          </a:bodyPr>
-          <a:p>
-            <a:r>
-              <a:rPr lang="en-US" sz="2400">
-                <a:sym typeface="+mn-ea"/>
-              </a:rPr>
-              <a:t>font-size: Định kích thước font chữ.</a:t>
+          <a:p>
+            <a:pPr algn="l"/>
+            <a:r>
+              <a:rPr lang="en-US" sz="2400"/>
+              <a:t>text-align: Định căn chỉnh văn bản trong phần tử.</a:t>
             </a:r>
             <a:endParaRPr lang="en-US" sz="2400"/>
           </a:p>
           <a:p>
-            <a:r>
-              <a:rPr lang="en-US" sz="2400">
-                <a:sym typeface="+mn-ea"/>
-              </a:rPr>
-              <a:t>font-weight: Đặt độ đậm cho font chữ.</a:t>
+            <a:pPr algn="l"/>
+            <a:r>
+              <a:rPr lang="en-US" sz="2400"/>
+              <a:t>position: Xác định các phần tử được định vị trong tài liệu</a:t>
             </a:r>
             <a:endParaRPr lang="en-US" sz="2400"/>
           </a:p>
           <a:p>
+            <a:pPr algn="l"/>
             <a:r>
               <a:rPr lang="en-US" sz="2400"/>
-              <a:t>text-align: Định căn chỉnh văn bản trong phần tử. </a:t>
-            </a:r>
-            <a:endParaRPr lang="en-US" sz="2400"/>
-          </a:p>
-          <a:p>
-            <a:r>
-              <a:rPr lang="en-US" sz="2400"/>
-              <a:t>position: Xác định cách phần tử được định vị trong tài liệu </a:t>
-            </a:r>
-            <a:endParaRPr lang="en-US" sz="2400"/>
-          </a:p>
-          <a:p>
-            <a:r>
-              <a:rPr lang="en-US" sz="2400"/>
-              <a:t>align-items: Đặt căn chỉnh dọc (đối với hướng dọc) hoặc căn chỉnh ngang (đối với hướng ngang) của các phần tử con trong container.</a:t>
+              <a:t>align-items: Đặt căn chỉnh dọc(đối với hướng dọc) hoặc căn chỉnh ngang (đối cới hướng ngang) của các phần tử con trong vùng chứa</a:t>
             </a:r>
             <a:endParaRPr lang="en-US" sz="2400"/>
           </a:p>
@@ -10418,7 +10502,7 @@
 </p:sld>
 </file>
 
-<file path=ppt/slides/slide12.xml><?xml version="1.0" encoding="utf-8"?>
+<file path=ppt/slides/slide13.xml><?xml version="1.0" encoding="utf-8"?>
 <p:sld xmlns:a="http://schemas.openxmlformats.org/drawingml/2006/main" xmlns:r="http://schemas.openxmlformats.org/officeDocument/2006/relationships" xmlns:p="http://schemas.openxmlformats.org/presentationml/2006/main">
   <p:cSld>
     <p:spTree>
@@ -10435,144 +10519,6 @@
           <a:chExt cx="0" cy="0"/>
         </a:xfrm>
       </p:grpSpPr>
-      <p:sp>
-        <p:nvSpPr>
-          <p:cNvPr id="2" name="Title 1"/>
-          <p:cNvSpPr>
-            <a:spLocks noGrp="1"/>
-          </p:cNvSpPr>
-          <p:nvPr>
-            <p:ph type="title"/>
-          </p:nvPr>
-        </p:nvSpPr>
-        <p:spPr>
-          <a:xfrm>
-            <a:off x="521208" y="256413"/>
-            <a:ext cx="11119104" cy="640080"/>
-          </a:xfrm>
-        </p:spPr>
-        <p:txBody>
-          <a:bodyPr/>
-          <a:lstStyle/>
-          <a:p>
-            <a:pPr algn="l"/>
-            <a:r>
-              <a:rPr lang="vi-VN" sz="3600" i="0" dirty="0">
-                <a:solidFill>
-                  <a:srgbClr val="0070C0"/>
-                </a:solidFill>
-                <a:effectLst/>
-                <a:latin typeface="Times New Roman" panose="02020603050405020304" pitchFamily="18" charset="0"/>
-              </a:rPr>
-              <a:t>2.</a:t>
-            </a:r>
-            <a:r>
-              <a:rPr lang="en-US" altLang="vi-VN" sz="3600" i="0" dirty="0">
-                <a:solidFill>
-                  <a:srgbClr val="0070C0"/>
-                </a:solidFill>
-                <a:effectLst/>
-                <a:latin typeface="Times New Roman" panose="02020603050405020304" pitchFamily="18" charset="0"/>
-              </a:rPr>
-              <a:t>2</a:t>
-            </a:r>
-            <a:r>
-              <a:rPr lang="vi-VN" sz="3600" i="0" dirty="0">
-                <a:solidFill>
-                  <a:srgbClr val="0070C0"/>
-                </a:solidFill>
-                <a:effectLst/>
-                <a:latin typeface="Times New Roman" panose="02020603050405020304" pitchFamily="18" charset="0"/>
-              </a:rPr>
-              <a:t> </a:t>
-            </a:r>
-            <a:r>
-              <a:rPr lang="vi-VN" sz="3600" i="0" dirty="0" err="1">
-                <a:solidFill>
-                  <a:srgbClr val="0070C0"/>
-                </a:solidFill>
-                <a:effectLst/>
-                <a:latin typeface="Times New Roman" panose="02020603050405020304" pitchFamily="18" charset="0"/>
-              </a:rPr>
-              <a:t>Ứng</a:t>
-            </a:r>
-            <a:r>
-              <a:rPr lang="vi-VN" sz="3600" i="0" dirty="0">
-                <a:solidFill>
-                  <a:srgbClr val="0070C0"/>
-                </a:solidFill>
-                <a:effectLst/>
-                <a:latin typeface="Times New Roman" panose="02020603050405020304" pitchFamily="18" charset="0"/>
-              </a:rPr>
-              <a:t> </a:t>
-            </a:r>
-            <a:r>
-              <a:rPr lang="vi-VN" sz="3600" i="0" dirty="0" err="1">
-                <a:solidFill>
-                  <a:srgbClr val="0070C0"/>
-                </a:solidFill>
-                <a:effectLst/>
-                <a:latin typeface="Times New Roman" panose="02020603050405020304" pitchFamily="18" charset="0"/>
-              </a:rPr>
-              <a:t>dụng</a:t>
-            </a:r>
-            <a:r>
-              <a:rPr lang="vi-VN" sz="3600" i="0" dirty="0">
-                <a:solidFill>
-                  <a:srgbClr val="0070C0"/>
-                </a:solidFill>
-                <a:effectLst/>
-                <a:latin typeface="Times New Roman" panose="02020603050405020304" pitchFamily="18" charset="0"/>
-              </a:rPr>
-              <a:t> </a:t>
-            </a:r>
-            <a:br>
-              <a:rPr lang="vi-VN" sz="3600" i="0" dirty="0">
-                <a:solidFill>
-                  <a:srgbClr val="0070C0"/>
-                </a:solidFill>
-                <a:effectLst/>
-                <a:latin typeface="Times New Roman" panose="02020603050405020304" pitchFamily="18" charset="0"/>
-              </a:rPr>
-            </a:br>
-            <a:br>
-              <a:rPr lang="vi-VN" sz="1800" b="0" i="0" dirty="0">
-                <a:solidFill>
-                  <a:srgbClr val="000000"/>
-                </a:solidFill>
-                <a:effectLst/>
-                <a:latin typeface="Times New Roman" panose="02020603050405020304" pitchFamily="18" charset="0"/>
-              </a:rPr>
-            </a:br>
-            <a:r>
-              <a:rPr lang="en-US" altLang="vi-VN" sz="2400" b="0" i="0" dirty="0">
-                <a:solidFill>
-                  <a:srgbClr val="000000"/>
-                </a:solidFill>
-                <a:effectLst/>
-                <a:latin typeface="Times New Roman" panose="02020603050405020304" pitchFamily="18" charset="0"/>
-              </a:rPr>
-              <a:t>Cách 1:CSS Nội tuyến (Inline CSS): </a:t>
-            </a:r>
-            <a:br>
-              <a:rPr lang="en-US" altLang="vi-VN" sz="1800" b="0" i="0" dirty="0">
-                <a:solidFill>
-                  <a:srgbClr val="000000"/>
-                </a:solidFill>
-                <a:effectLst/>
-                <a:latin typeface="Times New Roman" panose="02020603050405020304" pitchFamily="18" charset="0"/>
-              </a:rPr>
-            </a:br>
-            <a:endParaRPr lang="en-US" altLang="vi-VN" sz="1800" b="0" i="0" dirty="0">
-              <a:solidFill>
-                <a:srgbClr val="000000"/>
-              </a:solidFill>
-              <a:effectLst/>
-              <a:latin typeface="Times New Roman" panose="02020603050405020304" pitchFamily="18" charset="0"/>
-            </a:endParaRPr>
-          </a:p>
-        </p:txBody>
-      </p:sp>
       <p:pic>
         <p:nvPicPr>
           <p:cNvPr id="23" name="Picture 23"/>
@@ -10591,8 +10537,8 @@
         </p:blipFill>
         <p:spPr>
           <a:xfrm>
-            <a:off x="504825" y="1832610"/>
-            <a:ext cx="5118100" cy="1924685"/>
+            <a:off x="504190" y="2541270"/>
+            <a:ext cx="5118100" cy="2249170"/>
           </a:xfrm>
           <a:prstGeom prst="rect">
             <a:avLst/>
@@ -10603,41 +10549,6 @@
           </a:ln>
         </p:spPr>
       </p:pic>
-      <p:sp>
-        <p:nvSpPr>
-          <p:cNvPr id="4" name="Text Box 3"/>
-          <p:cNvSpPr txBox="1"/>
-          <p:nvPr/>
-        </p:nvSpPr>
-        <p:spPr>
-          <a:xfrm>
-            <a:off x="5950585" y="1109980"/>
-            <a:ext cx="5315585" cy="460375"/>
-          </a:xfrm>
-          <a:prstGeom prst="rect">
-            <a:avLst/>
-          </a:prstGeom>
-          <a:noFill/>
-        </p:spPr>
-        <p:txBody>
-          <a:bodyPr wrap="square" rtlCol="0">
-            <a:spAutoFit/>
-          </a:bodyPr>
-          <a:p>
-            <a:r>
-              <a:rPr lang="en-US" sz="2400">
-                <a:latin typeface="Times New Roman" panose="02020603050405020304" pitchFamily="18" charset="0"/>
-                <a:cs typeface="Times New Roman" panose="02020603050405020304" pitchFamily="18" charset="0"/>
-              </a:rPr>
-              <a:t>Cách 2:CSS Nhúng (Embedded CSS):  </a:t>
-            </a:r>
-            <a:endParaRPr lang="en-US" sz="2400">
-              <a:latin typeface="Times New Roman" panose="02020603050405020304" pitchFamily="18" charset="0"/>
-              <a:cs typeface="Times New Roman" panose="02020603050405020304" pitchFamily="18" charset="0"/>
-            </a:endParaRPr>
-          </a:p>
-        </p:txBody>
-      </p:sp>
       <p:pic>
         <p:nvPicPr>
           <p:cNvPr id="24" name="Picture 24"/>
@@ -10656,7 +10567,7 @@
         </p:blipFill>
         <p:spPr>
           <a:xfrm>
-            <a:off x="6054090" y="1783715"/>
+            <a:off x="6313805" y="2270760"/>
             <a:ext cx="5285740" cy="3935095"/>
           </a:xfrm>
           <a:prstGeom prst="rect">
@@ -10668,6 +10579,123 @@
           </a:ln>
         </p:spPr>
       </p:pic>
+      <p:sp>
+        <p:nvSpPr>
+          <p:cNvPr id="3" name="Title 5"/>
+          <p:cNvSpPr>
+            <a:spLocks noGrp="1"/>
+          </p:cNvSpPr>
+          <p:nvPr/>
+        </p:nvSpPr>
+        <p:spPr>
+          <a:xfrm>
+            <a:off x="521335" y="205105"/>
+            <a:ext cx="5100955" cy="958215"/>
+          </a:xfrm>
+          <a:prstGeom prst="rect">
+            <a:avLst/>
+          </a:prstGeom>
+        </p:spPr>
+        <p:txBody>
+          <a:bodyPr vert="horz" lIns="91440" tIns="45720" rIns="91440" bIns="45720" rtlCol="0" anchor="t" anchorCtr="0">
+            <a:noAutofit/>
+          </a:bodyPr>
+          <a:lstStyle>
+            <a:lvl1pPr algn="l" defTabSz="914400" rtl="0" eaLnBrk="1" latinLnBrk="0" hangingPunct="1">
+              <a:spcBef>
+                <a:spcPct val="0"/>
+              </a:spcBef>
+              <a:buNone/>
+              <a:defRPr sz="5400" b="1" kern="1200">
+                <a:solidFill>
+                  <a:schemeClr val="tx2"/>
+                </a:solidFill>
+                <a:latin typeface="+mn-lt"/>
+                <a:ea typeface="+mj-ea"/>
+                <a:cs typeface="+mj-cs"/>
+              </a:defRPr>
+            </a:lvl1pPr>
+          </a:lstStyle>
+          <a:p>
+            <a:r>
+              <a:rPr lang="en-US" sz="3600"/>
+              <a:t>Ứng dụng </a:t>
+            </a:r>
+            <a:endParaRPr lang="en-US" sz="3600"/>
+          </a:p>
+        </p:txBody>
+      </p:sp>
+      <p:sp>
+        <p:nvSpPr>
+          <p:cNvPr id="6" name="Title 5"/>
+          <p:cNvSpPr/>
+          <p:nvPr>
+            <p:ph type="title"/>
+          </p:nvPr>
+        </p:nvSpPr>
+        <p:spPr>
+          <a:xfrm>
+            <a:off x="396875" y="1050925"/>
+            <a:ext cx="7246620" cy="640080"/>
+          </a:xfrm>
+        </p:spPr>
+        <p:txBody>
+          <a:bodyPr/>
+          <a:p>
+            <a:pPr algn="l"/>
+            <a:r>
+              <a:rPr lang="en-US"/>
+              <a:t>Cách 1 : Viết inline</a:t>
+            </a:r>
+            <a:endParaRPr lang="en-US"/>
+          </a:p>
+        </p:txBody>
+      </p:sp>
+      <p:sp>
+        <p:nvSpPr>
+          <p:cNvPr id="7" name="Title 5"/>
+          <p:cNvSpPr/>
+          <p:nvPr/>
+        </p:nvSpPr>
+        <p:spPr>
+          <a:xfrm>
+            <a:off x="6247130" y="1050925"/>
+            <a:ext cx="4899660" cy="640080"/>
+          </a:xfrm>
+          <a:prstGeom prst="rect">
+            <a:avLst/>
+          </a:prstGeom>
+        </p:spPr>
+        <p:txBody>
+          <a:bodyPr vert="horz" lIns="91440" tIns="45720" rIns="91440" bIns="45720" rtlCol="0" anchor="t" anchorCtr="0">
+            <a:noAutofit/>
+          </a:bodyPr>
+          <a:lstStyle>
+            <a:lvl1pPr algn="ctr" defTabSz="914400" rtl="0" eaLnBrk="1" latinLnBrk="0" hangingPunct="1">
+              <a:spcBef>
+                <a:spcPct val="0"/>
+              </a:spcBef>
+              <a:buNone/>
+              <a:defRPr sz="3200" b="1" kern="1200">
+                <a:solidFill>
+                  <a:schemeClr val="tx2"/>
+                </a:solidFill>
+                <a:latin typeface="+mn-lt"/>
+                <a:ea typeface="+mj-ea"/>
+                <a:cs typeface="+mj-cs"/>
+              </a:defRPr>
+            </a:lvl1pPr>
+          </a:lstStyle>
+          <a:p>
+            <a:pPr algn="l"/>
+            <a:r>
+              <a:rPr lang="en-US"/>
+              <a:t>Cách 2 : CSS Nhúng (Embedded CSS)</a:t>
+            </a:r>
+            <a:endParaRPr lang="en-US"/>
+          </a:p>
+        </p:txBody>
+      </p:sp>
     </p:spTree>
   </p:cSld>
   <p:clrMapOvr>
@@ -10688,7 +10716,7 @@
 </p:sld>
 </file>
 
-<file path=ppt/slides/slide13.xml><?xml version="1.0" encoding="utf-8"?>
+<file path=ppt/slides/slide14.xml><?xml version="1.0" encoding="utf-8"?>
 <p:sld xmlns:a="http://schemas.openxmlformats.org/drawingml/2006/main" xmlns:r="http://schemas.openxmlformats.org/officeDocument/2006/relationships" xmlns:p="http://schemas.openxmlformats.org/presentationml/2006/main">
   <p:cSld>
     <p:spTree>
@@ -10698,41 +10726,6 @@
         <p:nvPr/>
       </p:nvGrpSpPr>
       <p:grpSpPr/>
-      <p:sp>
-        <p:nvSpPr>
-          <p:cNvPr id="5" name="Text Box 4"/>
-          <p:cNvSpPr txBox="1"/>
-          <p:nvPr/>
-        </p:nvSpPr>
-        <p:spPr>
-          <a:xfrm>
-            <a:off x="710565" y="220980"/>
-            <a:ext cx="7447915" cy="583565"/>
-          </a:xfrm>
-          <a:prstGeom prst="rect">
-            <a:avLst/>
-          </a:prstGeom>
-          <a:noFill/>
-        </p:spPr>
-        <p:txBody>
-          <a:bodyPr wrap="square" rtlCol="0">
-            <a:spAutoFit/>
-          </a:bodyPr>
-          <a:p>
-            <a:r>
-              <a:rPr lang="en-US" sz="3200">
-                <a:latin typeface="Times New Roman" panose="02020603050405020304" pitchFamily="18" charset="0"/>
-                <a:cs typeface="Times New Roman" panose="02020603050405020304" pitchFamily="18" charset="0"/>
-              </a:rPr>
-              <a:t>Cách 3:CSS Ngoại tuyến (External CSS)</a:t>
-            </a:r>
-            <a:endParaRPr lang="en-US" sz="3200">
-              <a:latin typeface="Times New Roman" panose="02020603050405020304" pitchFamily="18" charset="0"/>
-              <a:cs typeface="Times New Roman" panose="02020603050405020304" pitchFamily="18" charset="0"/>
-            </a:endParaRPr>
-          </a:p>
-        </p:txBody>
-      </p:sp>
       <p:pic>
         <p:nvPicPr>
           <p:cNvPr id="25" name="Picture 25"/>
@@ -10761,6 +10754,32 @@
           </a:ln>
         </p:spPr>
       </p:pic>
+      <p:sp>
+        <p:nvSpPr>
+          <p:cNvPr id="6" name="Title 5"/>
+          <p:cNvSpPr/>
+          <p:nvPr>
+            <p:ph type="title"/>
+          </p:nvPr>
+        </p:nvSpPr>
+        <p:spPr>
+          <a:xfrm>
+            <a:off x="721360" y="410845"/>
+            <a:ext cx="9182735" cy="640080"/>
+          </a:xfrm>
+        </p:spPr>
+        <p:txBody>
+          <a:bodyPr/>
+          <a:p>
+            <a:pPr algn="l"/>
+            <a:r>
+              <a:rPr lang="en-US" sz="3200"/>
+              <a:t>Cách 3: CSS Ngoại tuyến (External CSS)</a:t>
+            </a:r>
+            <a:endParaRPr lang="en-US" sz="3200"/>
+          </a:p>
+        </p:txBody>
+      </p:sp>
     </p:spTree>
   </p:cSld>
   <p:clrMapOvr>
@@ -10781,7 +10800,7 @@
 </p:sld>
 </file>
 
-<file path=ppt/slides/slide14.xml><?xml version="1.0" encoding="utf-8"?>
+<file path=ppt/slides/slide15.xml><?xml version="1.0" encoding="utf-8"?>
 <p:sld xmlns:a="http://schemas.openxmlformats.org/drawingml/2006/main" xmlns:r="http://schemas.openxmlformats.org/officeDocument/2006/relationships" xmlns:p="http://schemas.openxmlformats.org/presentationml/2006/main">
   <p:cSld>
     <p:spTree>
@@ -10855,46 +10874,46 @@
       </p:pic>
       <p:sp>
         <p:nvSpPr>
-          <p:cNvPr id="6" name="Text Box 5"/>
-          <p:cNvSpPr txBox="1"/>
+          <p:cNvPr id="3" name="Title 5"/>
+          <p:cNvSpPr/>
           <p:nvPr/>
         </p:nvSpPr>
         <p:spPr>
           <a:xfrm>
-            <a:off x="4863465" y="147320"/>
-            <a:ext cx="4064000" cy="645160"/>
+            <a:off x="4949190" y="207010"/>
+            <a:ext cx="2693035" cy="640080"/>
           </a:xfrm>
           <a:prstGeom prst="rect">
             <a:avLst/>
           </a:prstGeom>
-          <a:noFill/>
-        </p:spPr>
-        <p:txBody>
-          <a:bodyPr wrap="square" rtlCol="0">
-            <a:spAutoFit/>
+        </p:spPr>
+        <p:txBody>
+          <a:bodyPr vert="horz" lIns="91440" tIns="45720" rIns="91440" bIns="45720" rtlCol="0" anchor="t" anchorCtr="0">
+            <a:noAutofit/>
           </a:bodyPr>
-          <a:p>
-            <a:r>
-              <a:rPr lang="en-US" sz="3600">
-                <a:solidFill>
-                  <a:schemeClr val="accent5">
-                    <a:lumMod val="50000"/>
-                  </a:schemeClr>
-                </a:solidFill>
-                <a:latin typeface="Times New Roman" panose="02020603050405020304" pitchFamily="18" charset="0"/>
-                <a:cs typeface="Times New Roman" panose="02020603050405020304" pitchFamily="18" charset="0"/>
-              </a:rPr>
+          <a:lstStyle>
+            <a:lvl1pPr algn="ctr" defTabSz="914400" rtl="0" eaLnBrk="1" latinLnBrk="0" hangingPunct="1">
+              <a:spcBef>
+                <a:spcPct val="0"/>
+              </a:spcBef>
+              <a:buNone/>
+              <a:defRPr sz="3200" b="1" kern="1200">
+                <a:solidFill>
+                  <a:schemeClr val="tx2"/>
+                </a:solidFill>
+                <a:latin typeface="+mn-lt"/>
+                <a:ea typeface="+mj-ea"/>
+                <a:cs typeface="+mj-cs"/>
+              </a:defRPr>
+            </a:lvl1pPr>
+          </a:lstStyle>
+          <a:p>
+            <a:pPr algn="ctr"/>
+            <a:r>
+              <a:rPr lang="en-US"/>
               <a:t>Thu được</a:t>
             </a:r>
-            <a:endParaRPr lang="en-US" sz="3600">
-              <a:solidFill>
-                <a:schemeClr val="accent5">
-                  <a:lumMod val="50000"/>
-                </a:schemeClr>
-              </a:solidFill>
-              <a:latin typeface="Times New Roman" panose="02020603050405020304" pitchFamily="18" charset="0"/>
-              <a:cs typeface="Times New Roman" panose="02020603050405020304" pitchFamily="18" charset="0"/>
-            </a:endParaRPr>
+            <a:endParaRPr lang="en-US"/>
           </a:p>
         </p:txBody>
       </p:sp>
@@ -10918,7 +10937,7 @@
 </p:sld>
 </file>
 
-<file path=ppt/slides/slide15.xml><?xml version="1.0" encoding="utf-8"?>
+<file path=ppt/slides/slide16.xml><?xml version="1.0" encoding="utf-8"?>
 <p:sld xmlns:a="http://schemas.openxmlformats.org/drawingml/2006/main" xmlns:r="http://schemas.openxmlformats.org/officeDocument/2006/relationships" xmlns:p="http://schemas.openxmlformats.org/presentationml/2006/main">
   <p:cSld>
     <p:spTree>
@@ -11018,7 +11037,7 @@
 </p:sld>
 </file>
 
-<file path=ppt/slides/slide16.xml><?xml version="1.0" encoding="utf-8"?>
+<file path=ppt/slides/slide17.xml><?xml version="1.0" encoding="utf-8"?>
 <p:sld xmlns:a="http://schemas.openxmlformats.org/drawingml/2006/main" xmlns:r="http://schemas.openxmlformats.org/officeDocument/2006/relationships" xmlns:p="http://schemas.openxmlformats.org/presentationml/2006/main">
   <p:cSld>
     <p:spTree>
@@ -11047,28 +11066,17 @@
         </p:nvSpPr>
         <p:spPr>
           <a:xfrm>
-            <a:off x="548640" y="2386584"/>
-            <a:ext cx="4837176" cy="2103120"/>
+            <a:off x="548640" y="1904365"/>
+            <a:ext cx="4956175" cy="2103120"/>
           </a:xfrm>
         </p:spPr>
         <p:txBody>
           <a:bodyPr>
-            <a:normAutofit fontScale="90000"/>
+            <a:normAutofit/>
           </a:bodyPr>
           <a:lstStyle/>
           <a:p>
             <a:pPr algn="l"/>
-            <a:r>
-              <a:rPr lang="en-US" altLang="vi-VN" sz="4000" dirty="0" err="1">
-                <a:solidFill>
-                  <a:srgbClr val="0070C0"/>
-                </a:solidFill>
-                <a:effectLst/>
-                <a:latin typeface="Times New Roman" panose="02020603050405020304" pitchFamily="18" charset="0"/>
-                <a:sym typeface="+mn-ea"/>
-              </a:rPr>
-              <a:t>III. JAVA SCRIPT</a:t>
-            </a:r>
             <a:br>
               <a:rPr lang="en-US" sz="1800" dirty="0">
                 <a:solidFill>
@@ -11085,46 +11093,6 @@
                 <a:latin typeface="Times New Roman" panose="02020603050405020304" pitchFamily="18" charset="0"/>
               </a:rPr>
             </a:br>
-            <a:r>
-              <a:rPr lang="vi-VN" sz="1800" i="0" dirty="0">
-                <a:solidFill>
-                  <a:srgbClr val="0070C0"/>
-                </a:solidFill>
-                <a:effectLst/>
-                <a:latin typeface="Times New Roman" panose="02020603050405020304" pitchFamily="18" charset="0"/>
-              </a:rPr>
-              <a:t>3.1 </a:t>
-            </a:r>
-            <a:r>
-              <a:rPr lang="vi-VN" sz="1800" i="0" dirty="0" err="1">
-                <a:solidFill>
-                  <a:srgbClr val="0070C0"/>
-                </a:solidFill>
-                <a:effectLst/>
-                <a:latin typeface="Times New Roman" panose="02020603050405020304" pitchFamily="18" charset="0"/>
-              </a:rPr>
-              <a:t>Định</a:t>
-            </a:r>
-            <a:r>
-              <a:rPr lang="vi-VN" sz="1800" i="0" dirty="0">
-                <a:solidFill>
-                  <a:srgbClr val="0070C0"/>
-                </a:solidFill>
-                <a:effectLst/>
-                <a:latin typeface="Times New Roman" panose="02020603050405020304" pitchFamily="18" charset="0"/>
-              </a:rPr>
-              <a:t> </a:t>
-            </a:r>
-            <a:r>
-              <a:rPr lang="vi-VN" sz="1800" i="0" dirty="0" err="1">
-                <a:solidFill>
-                  <a:srgbClr val="0070C0"/>
-                </a:solidFill>
-                <a:effectLst/>
-                <a:latin typeface="Times New Roman" panose="02020603050405020304" pitchFamily="18" charset="0"/>
-              </a:rPr>
-              <a:t>nghĩa</a:t>
-            </a:r>
             <a:br>
               <a:rPr lang="vi-VN" sz="1800" b="0" i="0" dirty="0">
                 <a:solidFill>
@@ -11143,27 +11111,7 @@
                 <a:latin typeface="Times New Roman" panose="02020603050405020304" pitchFamily="18" charset="0"/>
               </a:rPr>
             </a:br>
-            <a:r>
-              <a:rPr lang="en-US" altLang="vi-VN" sz="1800" b="0" i="0" dirty="0">
-                <a:solidFill>
-                  <a:srgbClr val="000000"/>
-                </a:solidFill>
-                <a:effectLst/>
-                <a:latin typeface="Times New Roman" panose="02020603050405020304" pitchFamily="18" charset="0"/>
-              </a:rPr>
-              <a:t>J</a:t>
-            </a:r>
-            <a:r>
-              <a:rPr lang="vi-VN" sz="1800" b="0" i="0" dirty="0">
-                <a:solidFill>
-                  <a:srgbClr val="000000"/>
-                </a:solidFill>
-                <a:effectLst/>
-                <a:latin typeface="Times New Roman" panose="02020603050405020304" pitchFamily="18" charset="0"/>
-              </a:rPr>
-              <a:t>avaScript (JS) là một ngôn ngữ lập trình thông dịch (interpreted) và đa năng, thường được sử dụng cho phía máy khách (client-side) để tạo ra các ứng dụng web tương tác và động. </a:t>
-            </a:r>
-            <a:endParaRPr lang="vi-VN" sz="1800" b="0" i="0" dirty="0">
+            <a:endParaRPr lang="vi-VN" sz="2665" b="0" i="0" dirty="0">
               <a:solidFill>
                 <a:srgbClr val="000000"/>
               </a:solidFill>
@@ -11191,14 +11139,149 @@
         </p:blipFill>
         <p:spPr>
           <a:xfrm>
-            <a:off x="5447665" y="2131060"/>
-            <a:ext cx="6194425" cy="3414395"/>
+            <a:off x="6129655" y="1904365"/>
+            <a:ext cx="5483860" cy="3414395"/>
           </a:xfrm>
           <a:prstGeom prst="rect">
             <a:avLst/>
           </a:prstGeom>
         </p:spPr>
       </p:pic>
+      <p:sp>
+        <p:nvSpPr>
+          <p:cNvPr id="6" name="Title 5"/>
+          <p:cNvSpPr/>
+          <p:nvPr/>
+        </p:nvSpPr>
+        <p:spPr>
+          <a:xfrm>
+            <a:off x="548640" y="1711325"/>
+            <a:ext cx="4152900" cy="640080"/>
+          </a:xfrm>
+          <a:prstGeom prst="rect">
+            <a:avLst/>
+          </a:prstGeom>
+        </p:spPr>
+        <p:txBody>
+          <a:bodyPr vert="horz" lIns="91440" tIns="45720" rIns="91440" bIns="45720" rtlCol="0" anchor="t" anchorCtr="0">
+            <a:noAutofit/>
+          </a:bodyPr>
+          <a:lstStyle>
+            <a:lvl1pPr algn="ctr" defTabSz="914400" rtl="0" eaLnBrk="1" latinLnBrk="0" hangingPunct="1">
+              <a:spcBef>
+                <a:spcPct val="0"/>
+              </a:spcBef>
+              <a:buNone/>
+              <a:defRPr sz="3200" b="1" kern="1200">
+                <a:solidFill>
+                  <a:schemeClr val="tx2"/>
+                </a:solidFill>
+                <a:latin typeface="+mn-lt"/>
+                <a:ea typeface="+mj-ea"/>
+                <a:cs typeface="+mj-cs"/>
+              </a:defRPr>
+            </a:lvl1pPr>
+          </a:lstStyle>
+          <a:p>
+            <a:pPr algn="l"/>
+            <a:r>
+              <a:rPr lang="en-US" sz="3600"/>
+              <a:t>III. JAVA SCRIPT</a:t>
+            </a:r>
+            <a:endParaRPr lang="en-US" sz="3600"/>
+          </a:p>
+        </p:txBody>
+      </p:sp>
+      <p:sp>
+        <p:nvSpPr>
+          <p:cNvPr id="4" name="Title 5"/>
+          <p:cNvSpPr/>
+          <p:nvPr/>
+        </p:nvSpPr>
+        <p:spPr>
+          <a:xfrm>
+            <a:off x="548640" y="2351405"/>
+            <a:ext cx="3222625" cy="640080"/>
+          </a:xfrm>
+          <a:prstGeom prst="rect">
+            <a:avLst/>
+          </a:prstGeom>
+        </p:spPr>
+        <p:txBody>
+          <a:bodyPr vert="horz" lIns="91440" tIns="45720" rIns="91440" bIns="45720" rtlCol="0" anchor="t" anchorCtr="0">
+            <a:noAutofit/>
+          </a:bodyPr>
+          <a:lstStyle>
+            <a:lvl1pPr algn="ctr" defTabSz="914400" rtl="0" eaLnBrk="1" latinLnBrk="0" hangingPunct="1">
+              <a:spcBef>
+                <a:spcPct val="0"/>
+              </a:spcBef>
+              <a:buNone/>
+              <a:defRPr sz="3200" b="1" kern="1200">
+                <a:solidFill>
+                  <a:schemeClr val="tx2"/>
+                </a:solidFill>
+                <a:latin typeface="+mn-lt"/>
+                <a:ea typeface="+mj-ea"/>
+                <a:cs typeface="+mj-cs"/>
+              </a:defRPr>
+            </a:lvl1pPr>
+          </a:lstStyle>
+          <a:p>
+            <a:pPr algn="l"/>
+            <a:r>
+              <a:rPr lang="en-US" sz="2800"/>
+              <a:t>Định nghĩa</a:t>
+            </a:r>
+            <a:endParaRPr lang="en-US" sz="2800"/>
+          </a:p>
+        </p:txBody>
+      </p:sp>
+      <p:sp>
+        <p:nvSpPr>
+          <p:cNvPr id="5" name="Title 5"/>
+          <p:cNvSpPr/>
+          <p:nvPr/>
+        </p:nvSpPr>
+        <p:spPr>
+          <a:xfrm>
+            <a:off x="472440" y="2882265"/>
+            <a:ext cx="5288280" cy="640080"/>
+          </a:xfrm>
+          <a:prstGeom prst="rect">
+            <a:avLst/>
+          </a:prstGeom>
+        </p:spPr>
+        <p:txBody>
+          <a:bodyPr vert="horz" lIns="91440" tIns="45720" rIns="91440" bIns="45720" rtlCol="0" anchor="t" anchorCtr="0">
+            <a:noAutofit/>
+          </a:bodyPr>
+          <a:lstStyle>
+            <a:lvl1pPr algn="ctr" defTabSz="914400" rtl="0" eaLnBrk="1" latinLnBrk="0" hangingPunct="1">
+              <a:spcBef>
+                <a:spcPct val="0"/>
+              </a:spcBef>
+              <a:buNone/>
+              <a:defRPr sz="3200" b="1" kern="1200">
+                <a:solidFill>
+                  <a:schemeClr val="tx2"/>
+                </a:solidFill>
+                <a:latin typeface="+mn-lt"/>
+                <a:ea typeface="+mj-ea"/>
+                <a:cs typeface="+mj-cs"/>
+              </a:defRPr>
+            </a:lvl1pPr>
+          </a:lstStyle>
+          <a:p>
+            <a:pPr algn="l"/>
+            <a:r>
+              <a:rPr lang="en-US" sz="2400"/>
+              <a:t>JavaScript (JS) là một ngôn ngữ lập trình thông dịch (interpreted) và đa năng, thường được sử dụng cho phía máy khách (client-side) để tạo ra các ứng dụng web tương tác </a:t>
+            </a:r>
+            <a:endParaRPr lang="en-US" sz="2400"/>
+          </a:p>
+        </p:txBody>
+      </p:sp>
     </p:spTree>
   </p:cSld>
   <p:clrMapOvr>
@@ -11219,7 +11302,7 @@
 </p:sld>
 </file>
 
-<file path=ppt/slides/slide17.xml><?xml version="1.0" encoding="utf-8"?>
+<file path=ppt/slides/slide18.xml><?xml version="1.0" encoding="utf-8"?>
 <p:sld xmlns:a="http://schemas.openxmlformats.org/drawingml/2006/main" xmlns:r="http://schemas.openxmlformats.org/officeDocument/2006/relationships" xmlns:p="http://schemas.openxmlformats.org/presentationml/2006/main">
   <p:cSld>
     <p:spTree>
@@ -11241,102 +11324,134 @@
         </p:nvSpPr>
         <p:spPr>
           <a:xfrm>
-            <a:off x="854710" y="567690"/>
-            <a:ext cx="8389620" cy="5722620"/>
+            <a:off x="840105" y="871220"/>
+            <a:ext cx="9555480" cy="5722620"/>
           </a:xfrm>
         </p:spPr>
         <p:txBody>
           <a:bodyPr/>
           <a:p>
             <a:r>
-              <a:rPr lang="en-US" sz="1800">
+              <a:rPr lang="en-US" sz="2400">
                 <a:latin typeface="Times New Roman" panose="02020603050405020304" pitchFamily="18" charset="0"/>
                 <a:cs typeface="Times New Roman" panose="02020603050405020304" pitchFamily="18" charset="0"/>
               </a:rPr>
-              <a:t> Dưới đây là một số sự kiện phổ biến của các phần tử HTML:</a:t>
-            </a:r>
-            <a:endParaRPr lang="en-US" sz="1800">
+              <a:t>*click: Sự kiện này xảy ra khi người dùng nhấp chuột lên một phần tử, chẳng hạn như nút hoặc liên kết.</a:t>
+            </a:r>
+            <a:endParaRPr lang="en-US" sz="2400">
               <a:latin typeface="Times New Roman" panose="02020603050405020304" pitchFamily="18" charset="0"/>
               <a:cs typeface="Times New Roman" panose="02020603050405020304" pitchFamily="18" charset="0"/>
             </a:endParaRPr>
           </a:p>
           <a:p>
             <a:r>
-              <a:rPr lang="en-US" sz="1800">
+              <a:rPr lang="en-US" sz="2400">
                 <a:latin typeface="Times New Roman" panose="02020603050405020304" pitchFamily="18" charset="0"/>
                 <a:cs typeface="Times New Roman" panose="02020603050405020304" pitchFamily="18" charset="0"/>
               </a:rPr>
-              <a:t>click: Sự kiện này xảy ra khi người dùng nhấp chuột lên một phần tử, chẳng hạn như nút hoặc liên kết.</a:t>
-            </a:r>
-            <a:endParaRPr lang="en-US" sz="1800">
+              <a:t>2 người dùng gửi một biểu mẫu (form) bằng cách nhấn nút "Gửi" hoặc tương tự.</a:t>
+            </a:r>
+            <a:endParaRPr lang="en-US" sz="2400">
               <a:latin typeface="Times New Roman" panose="02020603050405020304" pitchFamily="18" charset="0"/>
               <a:cs typeface="Times New Roman" panose="02020603050405020304" pitchFamily="18" charset="0"/>
             </a:endParaRPr>
           </a:p>
           <a:p>
             <a:r>
-              <a:rPr lang="en-US" sz="1800">
+              <a:rPr lang="en-US" sz="2400">
                 <a:latin typeface="Times New Roman" panose="02020603050405020304" pitchFamily="18" charset="0"/>
                 <a:cs typeface="Times New Roman" panose="02020603050405020304" pitchFamily="18" charset="0"/>
               </a:rPr>
-              <a:t>submit: Xảy ra khi người dùng gửi một biểu mẫu (form) bằng cách nhấn nút "Gửi" hoặc tương tự.</a:t>
-            </a:r>
-            <a:endParaRPr lang="en-US" sz="1800">
+              <a:t>*change: Sự kiện này xảy ra khi giá trị của một phần tử đầu vào (input) thay đổi, chẳng hạn như khi chọn một tùy chọn từ danh sách thả xuống (dropdown).</a:t>
+            </a:r>
+            <a:endParaRPr lang="en-US" sz="2400">
               <a:latin typeface="Times New Roman" panose="02020603050405020304" pitchFamily="18" charset="0"/>
               <a:cs typeface="Times New Roman" panose="02020603050405020304" pitchFamily="18" charset="0"/>
             </a:endParaRPr>
           </a:p>
           <a:p>
             <a:r>
-              <a:rPr lang="en-US" sz="1800">
+              <a:rPr lang="en-US" sz="2400">
                 <a:latin typeface="Times New Roman" panose="02020603050405020304" pitchFamily="18" charset="0"/>
                 <a:cs typeface="Times New Roman" panose="02020603050405020304" pitchFamily="18" charset="0"/>
               </a:rPr>
-              <a:t>change: Sự kiện này xảy ra khi giá trị của một phần tử đầu vào (input) thay đổi, chẳng hạn như khi chọn một tùy chọn từ danh sách thả xuống (dropdown).</a:t>
-            </a:r>
-            <a:endParaRPr lang="en-US" sz="1800">
+              <a:t>*keydown, keyup: Xảy ra khi người dùng nhấn phím xuống và nhả phím lên, tương ứng.</a:t>
+            </a:r>
+            <a:endParaRPr lang="en-US" sz="2400">
               <a:latin typeface="Times New Roman" panose="02020603050405020304" pitchFamily="18" charset="0"/>
               <a:cs typeface="Times New Roman" panose="02020603050405020304" pitchFamily="18" charset="0"/>
             </a:endParaRPr>
           </a:p>
           <a:p>
             <a:r>
-              <a:rPr lang="en-US" sz="1800">
+              <a:rPr lang="en-US" sz="2400">
                 <a:latin typeface="Times New Roman" panose="02020603050405020304" pitchFamily="18" charset="0"/>
                 <a:cs typeface="Times New Roman" panose="02020603050405020304" pitchFamily="18" charset="0"/>
               </a:rPr>
-              <a:t>keydown, keyup: Xảy ra khi người dùng nhấn phím xuống và nhả phím lên, tương ứng.</a:t>
-            </a:r>
-            <a:endParaRPr lang="en-US" sz="1800">
+              <a:t>*mouseover, mouseout: Xảy ra khi chuột đi vào và rời khỏi một phần tử.</a:t>
+            </a:r>
+            <a:endParaRPr lang="en-US" sz="2400">
               <a:latin typeface="Times New Roman" panose="02020603050405020304" pitchFamily="18" charset="0"/>
               <a:cs typeface="Times New Roman" panose="02020603050405020304" pitchFamily="18" charset="0"/>
             </a:endParaRPr>
           </a:p>
           <a:p>
             <a:r>
-              <a:rPr lang="en-US" sz="1800">
+              <a:rPr lang="en-US" sz="2400">
                 <a:latin typeface="Times New Roman" panose="02020603050405020304" pitchFamily="18" charset="0"/>
                 <a:cs typeface="Times New Roman" panose="02020603050405020304" pitchFamily="18" charset="0"/>
               </a:rPr>
-              <a:t>mouseover, mouseout: Xảy ra khi chuột đi vào và rời khỏi một phần tử.</a:t>
-            </a:r>
-            <a:endParaRPr lang="en-US" sz="1800">
+              <a:t>*mouseenter, mouseleave: Tương tự như mouseover và mouseout, nhưng không kích hoạt cho các phần tử con bên trong.</a:t>
+            </a:r>
+            <a:endParaRPr lang="en-US" sz="2400">
               <a:latin typeface="Times New Roman" panose="02020603050405020304" pitchFamily="18" charset="0"/>
               <a:cs typeface="Times New Roman" panose="02020603050405020304" pitchFamily="18" charset="0"/>
             </a:endParaRPr>
           </a:p>
-          <a:p>
-            <a:r>
-              <a:rPr lang="en-US" sz="1800">
-                <a:latin typeface="Times New Roman" panose="02020603050405020304" pitchFamily="18" charset="0"/>
-                <a:cs typeface="Times New Roman" panose="02020603050405020304" pitchFamily="18" charset="0"/>
-              </a:rPr>
-              <a:t>mouseenter, mouseleave: Tương tự như mouseover và mouseout, nhưng không kích hoạt cho các phần tử con bên trong.</a:t>
-            </a:r>
-            <a:endParaRPr lang="en-US" sz="1800">
-              <a:latin typeface="Times New Roman" panose="02020603050405020304" pitchFamily="18" charset="0"/>
-              <a:cs typeface="Times New Roman" panose="02020603050405020304" pitchFamily="18" charset="0"/>
-            </a:endParaRPr>
+        </p:txBody>
+      </p:sp>
+      <p:sp>
+        <p:nvSpPr>
+          <p:cNvPr id="2" name="Title 5"/>
+          <p:cNvSpPr/>
+          <p:nvPr/>
+        </p:nvSpPr>
+        <p:spPr>
+          <a:xfrm>
+            <a:off x="699770" y="156210"/>
+            <a:ext cx="11087100" cy="640080"/>
+          </a:xfrm>
+          <a:prstGeom prst="rect">
+            <a:avLst/>
+          </a:prstGeom>
+        </p:spPr>
+        <p:txBody>
+          <a:bodyPr vert="horz" lIns="91440" tIns="45720" rIns="91440" bIns="45720" rtlCol="0" anchor="t" anchorCtr="0">
+            <a:noAutofit/>
+          </a:bodyPr>
+          <a:lstStyle>
+            <a:lvl1pPr algn="ctr" defTabSz="914400" rtl="0" eaLnBrk="1" latinLnBrk="0" hangingPunct="1">
+              <a:spcBef>
+                <a:spcPct val="0"/>
+              </a:spcBef>
+              <a:buNone/>
+              <a:defRPr sz="3200" b="1" kern="1200">
+                <a:solidFill>
+                  <a:schemeClr val="tx2"/>
+                </a:solidFill>
+                <a:latin typeface="+mn-lt"/>
+                <a:ea typeface="+mj-ea"/>
+                <a:cs typeface="+mj-cs"/>
+              </a:defRPr>
+            </a:lvl1pPr>
+          </a:lstStyle>
+          <a:p>
+            <a:pPr algn="l"/>
+            <a:r>
+              <a:rPr lang="en-US" sz="2800"/>
+              <a:t>Dưới đây là một số sự kiện phổ biến của các phần tử HTML</a:t>
+            </a:r>
+            <a:endParaRPr lang="en-US" sz="2800"/>
           </a:p>
         </p:txBody>
       </p:sp>
@@ -11360,7 +11475,7 @@
 </p:sld>
 </file>
 
-<file path=ppt/slides/slide18.xml><?xml version="1.0" encoding="utf-8"?>
+<file path=ppt/slides/slide19.xml><?xml version="1.0" encoding="utf-8"?>
 <p:sld xmlns:a="http://schemas.openxmlformats.org/drawingml/2006/main" xmlns:r="http://schemas.openxmlformats.org/officeDocument/2006/relationships" xmlns:p="http://schemas.openxmlformats.org/presentationml/2006/main">
   <p:cSld>
     <p:spTree>
@@ -11382,8 +11497,8 @@
         </p:nvSpPr>
         <p:spPr>
           <a:xfrm>
-            <a:off x="6329713" y="517779"/>
-            <a:ext cx="4591906" cy="1024128"/>
+            <a:off x="6096000" y="469900"/>
+            <a:ext cx="5922010" cy="1024255"/>
           </a:xfrm>
         </p:spPr>
         <p:txBody>
@@ -11395,10 +11510,10 @@
               </a:lnSpc>
             </a:pPr>
             <a:r>
-              <a:rPr lang="en-US" sz="1800"/>
-              <a:t>focus, blur: Xảy ra khi một phần tử nhận hoặc mất focus, thường được sử dụng cho các phần tử đầu vào.</a:t>
-            </a:r>
-            <a:endParaRPr lang="en-US" sz="1800"/>
+              <a:rPr lang="en-US" sz="2000"/>
+              <a:t>*focus, blur: Xảy ra khi một phần tử nhận hoặc mất focus, thường được sử dụng cho các phần tử đầu vào.</a:t>
+            </a:r>
+            <a:endParaRPr lang="en-US" sz="2000"/>
           </a:p>
           <a:p>
             <a:pPr>
@@ -11407,10 +11522,10 @@
               </a:lnSpc>
             </a:pPr>
             <a:r>
-              <a:rPr lang="en-US" sz="1800"/>
-              <a:t>load: Xảy ra khi một tài nguyên (như hình ảnh hoặc video) đã tải xong.</a:t>
-            </a:r>
-            <a:endParaRPr lang="en-US" sz="1800"/>
+              <a:rPr lang="en-US" sz="2000"/>
+              <a:t>*load: Xảy ra khi một tài nguyên (như hình ảnh hoặc video) đã tải xong.</a:t>
+            </a:r>
+            <a:endParaRPr lang="en-US" sz="2000"/>
           </a:p>
           <a:p>
             <a:pPr>
@@ -11419,10 +11534,10 @@
               </a:lnSpc>
             </a:pPr>
             <a:r>
-              <a:rPr lang="en-US" sz="1800"/>
-              <a:t>error: Xảy ra khi xảy ra lỗi trong quá trình tải tài nguyên.</a:t>
-            </a:r>
-            <a:endParaRPr lang="en-US" sz="1800"/>
+              <a:rPr lang="en-US" sz="2000"/>
+              <a:t>*error: Xảy ra khi xảy ra lỗi trong quá trình tải tài nguyên.</a:t>
+            </a:r>
+            <a:endParaRPr lang="en-US" sz="2000"/>
           </a:p>
           <a:p>
             <a:pPr>
@@ -11431,10 +11546,10 @@
               </a:lnSpc>
             </a:pPr>
             <a:r>
-              <a:rPr lang="en-US" sz="1800"/>
-              <a:t>scroll: Xảy ra khi người dùng cuộn trang web.</a:t>
-            </a:r>
-            <a:endParaRPr lang="en-US" sz="1800"/>
+              <a:rPr lang="en-US" sz="2000"/>
+              <a:t>*scroll: Xảy ra khi người dùng cuộn trang web.</a:t>
+            </a:r>
+            <a:endParaRPr lang="en-US" sz="2000"/>
           </a:p>
           <a:p>
             <a:pPr>
@@ -11443,10 +11558,10 @@
               </a:lnSpc>
             </a:pPr>
             <a:r>
-              <a:rPr lang="en-US" sz="1800"/>
-              <a:t>resize: Xảy ra khi cửa sổ trình duyệt thay đổi kích thước.</a:t>
-            </a:r>
-            <a:endParaRPr lang="en-US" sz="1800"/>
+              <a:rPr lang="en-US" sz="2000"/>
+              <a:t>*resize: Xảy ra khi cửa sổ trình duyệt thay đổi kích thước.</a:t>
+            </a:r>
+            <a:endParaRPr lang="en-US" sz="2000"/>
           </a:p>
           <a:p>
             <a:pPr>
@@ -11455,10 +11570,10 @@
               </a:lnSpc>
             </a:pPr>
             <a:r>
-              <a:rPr lang="en-US" sz="1800"/>
-              <a:t>contextmenu: Xảy ra khi người dùng nhấp chuột phải, hiển thị menu ngữ cảnh (context menu).</a:t>
-            </a:r>
-            <a:endParaRPr lang="en-US" sz="1800"/>
+              <a:rPr lang="en-US" sz="2000"/>
+              <a:t>*contextmenu: Xảy ra khi người dùng nhấp chuột phải, hiển thị menu ngữ cảnh (context menu).</a:t>
+            </a:r>
+            <a:endParaRPr lang="en-US" sz="2000"/>
           </a:p>
           <a:p>
             <a:pPr>
@@ -11467,10 +11582,10 @@
               </a:lnSpc>
             </a:pPr>
             <a:r>
-              <a:rPr lang="en-US" sz="1800"/>
-              <a:t>dblclick: Xảy ra khi người dùng nhấp đúp chuột lên một phần tử.</a:t>
-            </a:r>
-            <a:endParaRPr lang="en-US" sz="1800"/>
+              <a:rPr lang="en-US" sz="2000"/>
+              <a:t>*dblclick: Xảy ra khi người dùng nhấp đúp chuột lên một phần tử.</a:t>
+            </a:r>
+            <a:endParaRPr lang="en-US" sz="2000"/>
           </a:p>
         </p:txBody>
       </p:sp>
@@ -11514,107 +11629,6 @@
     <mc:Fallback>
       <p:transition spd="med">
         <p:newsflash/>
-      </p:transition>
-    </mc:Fallback>
-  </mc:AlternateContent>
-</p:sld>
-</file>
-
-<file path=ppt/slides/slide19.xml><?xml version="1.0" encoding="utf-8"?>
-<p:sld xmlns:a="http://schemas.openxmlformats.org/drawingml/2006/main" xmlns:r="http://schemas.openxmlformats.org/officeDocument/2006/relationships" xmlns:p="http://schemas.openxmlformats.org/presentationml/2006/main">
-  <p:cSld>
-    <p:spTree>
-      <p:nvGrpSpPr>
-        <p:cNvPr id="1" name=""/>
-        <p:cNvGrpSpPr/>
-        <p:nvPr/>
-      </p:nvGrpSpPr>
-      <p:grpSpPr/>
-      <p:sp>
-        <p:nvSpPr>
-          <p:cNvPr id="2" name="Title 1"/>
-          <p:cNvSpPr>
-            <a:spLocks noGrp="1"/>
-          </p:cNvSpPr>
-          <p:nvPr>
-            <p:ph type="title"/>
-          </p:nvPr>
-        </p:nvSpPr>
-        <p:spPr>
-          <a:xfrm>
-            <a:off x="3800856" y="127"/>
-            <a:ext cx="4590288" cy="1764792"/>
-          </a:xfrm>
-        </p:spPr>
-        <p:txBody>
-          <a:bodyPr/>
-          <a:p>
-            <a:r>
-              <a:rPr lang="en-US"/>
-              <a:t>Ứng dụng</a:t>
-            </a:r>
-            <a:endParaRPr lang="en-US"/>
-          </a:p>
-        </p:txBody>
-      </p:sp>
-      <p:sp>
-        <p:nvSpPr>
-          <p:cNvPr id="4" name="Subtitle 3"/>
-          <p:cNvSpPr>
-            <a:spLocks noGrp="1"/>
-          </p:cNvSpPr>
-          <p:nvPr>
-            <p:ph type="subTitle" idx="1"/>
-          </p:nvPr>
-        </p:nvSpPr>
-        <p:spPr/>
-        <p:txBody>
-          <a:bodyPr/>
-          <a:p>
-            <a:endParaRPr lang="en-US"/>
-          </a:p>
-        </p:txBody>
-      </p:sp>
-      <p:pic>
-        <p:nvPicPr>
-          <p:cNvPr id="5" name="Picture Placeholder 4"/>
-          <p:cNvPicPr>
-            <a:picLocks noChangeAspect="1"/>
-          </p:cNvPicPr>
-          <p:nvPr>
-            <p:ph type="pic" sz="quarter" idx="10"/>
-          </p:nvPr>
-        </p:nvPicPr>
-        <p:blipFill>
-          <a:blip r:embed="rId1"/>
-          <a:stretch>
-            <a:fillRect/>
-          </a:stretch>
-        </p:blipFill>
-        <p:spPr>
-          <a:xfrm>
-            <a:off x="1223010" y="978535"/>
-            <a:ext cx="9667875" cy="5330825"/>
-          </a:xfrm>
-          <a:prstGeom prst="rect">
-            <a:avLst/>
-          </a:prstGeom>
-        </p:spPr>
-      </p:pic>
-    </p:spTree>
-  </p:cSld>
-  <p:clrMapOvr>
-    <a:masterClrMapping/>
-  </p:clrMapOvr>
-  <mc:AlternateContent xmlns:mc="http://schemas.openxmlformats.org/markup-compatibility/2006">
-    <mc:Choice xmlns:p14="http://schemas.microsoft.com/office/powerpoint/2010/main" Requires="p14">
-      <p:transition spd="slow" p14:dur="1000">
-        <p:wheel spokes="8"/>
-      </p:transition>
-    </mc:Choice>
-    <mc:Fallback>
-      <p:transition spd="slow">
-        <p:wheel spokes="8"/>
       </p:transition>
     </mc:Fallback>
   </mc:AlternateContent>
@@ -12313,18 +12327,23 @@
         </p:nvSpPr>
         <p:spPr>
           <a:xfrm>
-            <a:off x="6297930" y="346710"/>
-            <a:ext cx="5084445" cy="1764665"/>
+            <a:off x="1004951" y="363982"/>
+            <a:ext cx="4590288" cy="1764792"/>
           </a:xfrm>
         </p:spPr>
         <p:txBody>
           <a:bodyPr/>
           <a:p>
             <a:r>
-              <a:rPr lang="en-US"/>
-              <a:t>Quy trình phát triển web</a:t>
-            </a:r>
-            <a:endParaRPr lang="en-US"/>
+              <a:rPr lang="en-US" sz="3200">
+                <a:sym typeface="+mn-ea"/>
+              </a:rPr>
+              <a:t>Biến (Variables): </a:t>
+            </a:r>
+            <a:br>
+              <a:rPr lang="en-US" sz="3200"/>
+            </a:br>
+            <a:endParaRPr lang="en-US" sz="3200"/>
           </a:p>
         </p:txBody>
       </p:sp>
@@ -12340,7 +12359,7 @@
         </p:nvSpPr>
         <p:spPr>
           <a:xfrm>
-            <a:off x="6327808" y="2404999"/>
+            <a:off x="1005238" y="1169289"/>
             <a:ext cx="4591906" cy="1024128"/>
           </a:xfrm>
         </p:spPr>
@@ -12349,25 +12368,410 @@
           <a:p>
             <a:r>
               <a:rPr lang="en-US"/>
-              <a:t>1.Xác định yêu cầu (Requirement Analysis):</a:t>
+              <a:t>+JavaScript sử dụng từ khóa var, let, hoặc const để khai báo biến. Ví dụ:</a:t>
             </a:r>
             <a:endParaRPr lang="en-US"/>
           </a:p>
           <a:p>
+            <a:r>
+              <a:rPr lang="en-US"/>
+              <a:t>var x = 10; // Sử dụng var để khai báo biến </a:t>
+            </a:r>
             <a:endParaRPr lang="en-US"/>
           </a:p>
           <a:p>
             <a:r>
               <a:rPr lang="en-US"/>
-              <a:t>Thu thập thông tin từ khách hàng hoặc chủ dự án để hiểu rõ mục tiêu và yêu cầu của dự án web.</a:t>
+              <a:t>let y = 5; // Sử dụng let để khai báo biến (có thể thay đổi giá trị) </a:t>
             </a:r>
             <a:endParaRPr lang="en-US"/>
           </a:p>
           <a:p>
             <a:r>
               <a:rPr lang="en-US"/>
-              <a:t>Xác định đối tượng sử dụng, tính năng cần có, và các hạn chế kỹ thuật.</a:t>
-            </a:r>
+              <a:t>const z = 20; // Sử dụng const để khai báo biến (không thể thay đổi giá trị sau khi gán)</a:t>
+            </a:r>
+            <a:endParaRPr lang="en-US"/>
+          </a:p>
+        </p:txBody>
+      </p:sp>
+      <p:sp>
+        <p:nvSpPr>
+          <p:cNvPr id="6" name="Title 1"/>
+          <p:cNvSpPr>
+            <a:spLocks noGrp="1"/>
+          </p:cNvSpPr>
+          <p:nvPr/>
+        </p:nvSpPr>
+        <p:spPr>
+          <a:xfrm>
+            <a:off x="6367526" y="363982"/>
+            <a:ext cx="4590288" cy="1764792"/>
+          </a:xfrm>
+          <a:prstGeom prst="rect">
+            <a:avLst/>
+          </a:prstGeom>
+        </p:spPr>
+        <p:txBody>
+          <a:bodyPr vert="horz" lIns="91440" tIns="45720" rIns="91440" bIns="45720" rtlCol="0" anchor="t" anchorCtr="0">
+            <a:noAutofit/>
+          </a:bodyPr>
+          <a:lstStyle>
+            <a:lvl1pPr algn="l" defTabSz="914400" rtl="0" eaLnBrk="1" latinLnBrk="0" hangingPunct="1">
+              <a:spcBef>
+                <a:spcPct val="0"/>
+              </a:spcBef>
+              <a:buNone/>
+              <a:defRPr sz="5400" b="1" kern="1200">
+                <a:solidFill>
+                  <a:schemeClr val="tx2"/>
+                </a:solidFill>
+                <a:latin typeface="+mn-lt"/>
+                <a:ea typeface="+mj-ea"/>
+                <a:cs typeface="+mj-cs"/>
+              </a:defRPr>
+            </a:lvl1pPr>
+          </a:lstStyle>
+          <a:p>
+            <a:r>
+              <a:rPr lang="en-US" sz="3200">
+                <a:sym typeface="+mn-ea"/>
+              </a:rPr>
+              <a:t>Hàm (Functions): </a:t>
+            </a:r>
+            <a:endParaRPr lang="en-US" sz="3200"/>
+          </a:p>
+          <a:p>
+            <a:endParaRPr lang="en-US" sz="3200"/>
+          </a:p>
+        </p:txBody>
+      </p:sp>
+      <p:sp>
+        <p:nvSpPr>
+          <p:cNvPr id="7" name="Subtitle 3"/>
+          <p:cNvSpPr>
+            <a:spLocks noGrp="1"/>
+          </p:cNvSpPr>
+          <p:nvPr/>
+        </p:nvSpPr>
+        <p:spPr>
+          <a:xfrm>
+            <a:off x="6287168" y="1169289"/>
+            <a:ext cx="4591906" cy="1024128"/>
+          </a:xfrm>
+          <a:prstGeom prst="rect">
+            <a:avLst/>
+          </a:prstGeom>
+        </p:spPr>
+        <p:txBody>
+          <a:bodyPr vert="horz" lIns="91440" tIns="45720" rIns="91440" bIns="45720" rtlCol="0">
+            <a:noAutofit/>
+          </a:bodyPr>
+          <a:lstStyle>
+            <a:lvl1pPr marL="0" indent="0" algn="l" defTabSz="914400" rtl="0" eaLnBrk="1" latinLnBrk="0" hangingPunct="1">
+              <a:lnSpc>
+                <a:spcPct val="100000"/>
+              </a:lnSpc>
+              <a:spcBef>
+                <a:spcPts val="1000"/>
+              </a:spcBef>
+              <a:spcAft>
+                <a:spcPts val="1200"/>
+              </a:spcAft>
+              <a:buFontTx/>
+              <a:buNone/>
+              <a:defRPr lang="en-US" sz="2200" b="1" kern="1200" dirty="0">
+                <a:solidFill>
+                  <a:schemeClr val="tx2"/>
+                </a:solidFill>
+                <a:latin typeface="Segoe UI Semibold" panose="020B0702040204020203" pitchFamily="34" charset="0"/>
+                <a:ea typeface="+mn-ea"/>
+                <a:cs typeface="Segoe UI Semibold" panose="020B0702040204020203" pitchFamily="34" charset="0"/>
+              </a:defRPr>
+            </a:lvl1pPr>
+            <a:lvl2pPr marL="457200" indent="0" algn="ctr" defTabSz="914400" rtl="0" eaLnBrk="1" latinLnBrk="0" hangingPunct="1">
+              <a:lnSpc>
+                <a:spcPct val="150000"/>
+              </a:lnSpc>
+              <a:spcBef>
+                <a:spcPts val="1000"/>
+              </a:spcBef>
+              <a:spcAft>
+                <a:spcPts val="1200"/>
+              </a:spcAft>
+              <a:buFont typeface="Arial" panose="020B0604020202020204" pitchFamily="34" charset="0"/>
+              <a:buNone/>
+              <a:defRPr lang="en-US" sz="2000" kern="1200" dirty="0">
+                <a:solidFill>
+                  <a:schemeClr val="tx1"/>
+                </a:solidFill>
+                <a:latin typeface="+mn-lt"/>
+                <a:ea typeface="+mn-ea"/>
+                <a:cs typeface="+mn-cs"/>
+              </a:defRPr>
+            </a:lvl2pPr>
+            <a:lvl3pPr marL="914400" indent="0" algn="ctr" defTabSz="914400" rtl="0" eaLnBrk="1" latinLnBrk="0" hangingPunct="1">
+              <a:lnSpc>
+                <a:spcPct val="150000"/>
+              </a:lnSpc>
+              <a:spcBef>
+                <a:spcPts val="1000"/>
+              </a:spcBef>
+              <a:spcAft>
+                <a:spcPts val="1200"/>
+              </a:spcAft>
+              <a:buFont typeface="Arial" panose="020B0604020202020204" pitchFamily="34" charset="0"/>
+              <a:buNone/>
+              <a:defRPr lang="en-US" sz="1800" kern="1200" dirty="0">
+                <a:solidFill>
+                  <a:schemeClr val="tx1"/>
+                </a:solidFill>
+                <a:latin typeface="+mn-lt"/>
+                <a:ea typeface="+mn-ea"/>
+                <a:cs typeface="+mn-cs"/>
+              </a:defRPr>
+            </a:lvl3pPr>
+            <a:lvl4pPr marL="1371600" indent="0" algn="ctr" defTabSz="914400" rtl="0" eaLnBrk="1" latinLnBrk="0" hangingPunct="1">
+              <a:lnSpc>
+                <a:spcPct val="150000"/>
+              </a:lnSpc>
+              <a:spcBef>
+                <a:spcPts val="1000"/>
+              </a:spcBef>
+              <a:spcAft>
+                <a:spcPts val="1200"/>
+              </a:spcAft>
+              <a:buFont typeface="Arial" panose="020B0604020202020204" pitchFamily="34" charset="0"/>
+              <a:buNone/>
+              <a:defRPr lang="en-US" sz="1600" kern="1200" dirty="0" smtClean="0">
+                <a:solidFill>
+                  <a:schemeClr val="tx1"/>
+                </a:solidFill>
+                <a:latin typeface="+mn-lt"/>
+                <a:ea typeface="+mn-ea"/>
+                <a:cs typeface="+mn-cs"/>
+              </a:defRPr>
+            </a:lvl4pPr>
+            <a:lvl5pPr marL="1828800" indent="0" algn="ctr" defTabSz="914400" rtl="0" eaLnBrk="1" latinLnBrk="0" hangingPunct="1">
+              <a:lnSpc>
+                <a:spcPct val="150000"/>
+              </a:lnSpc>
+              <a:spcBef>
+                <a:spcPts val="1000"/>
+              </a:spcBef>
+              <a:spcAft>
+                <a:spcPts val="1200"/>
+              </a:spcAft>
+              <a:buFont typeface="Arial" panose="020B0604020202020204" pitchFamily="34" charset="0"/>
+              <a:buNone/>
+              <a:defRPr lang="en-US" sz="1600" kern="1200" dirty="0" smtClean="0">
+                <a:solidFill>
+                  <a:schemeClr val="tx1"/>
+                </a:solidFill>
+                <a:latin typeface="+mn-lt"/>
+                <a:ea typeface="+mn-ea"/>
+                <a:cs typeface="+mn-cs"/>
+              </a:defRPr>
+            </a:lvl5pPr>
+            <a:lvl6pPr marL="2286000" indent="0" algn="ctr" defTabSz="914400" rtl="0" eaLnBrk="1" latinLnBrk="0" hangingPunct="1">
+              <a:lnSpc>
+                <a:spcPct val="150000"/>
+              </a:lnSpc>
+              <a:spcBef>
+                <a:spcPts val="1000"/>
+              </a:spcBef>
+              <a:spcAft>
+                <a:spcPts val="1200"/>
+              </a:spcAft>
+              <a:buFont typeface="Arial" panose="020B0604020202020204" pitchFamily="34" charset="0"/>
+              <a:buNone/>
+              <a:defRPr lang="en-US" sz="1600" kern="1200" dirty="0" smtClean="0">
+                <a:solidFill>
+                  <a:schemeClr val="tx1"/>
+                </a:solidFill>
+                <a:latin typeface="+mn-lt"/>
+                <a:ea typeface="+mn-ea"/>
+                <a:cs typeface="+mn-cs"/>
+              </a:defRPr>
+            </a:lvl6pPr>
+            <a:lvl7pPr marL="2743200" indent="0" algn="ctr" defTabSz="914400" rtl="0" eaLnBrk="1" latinLnBrk="0" hangingPunct="1">
+              <a:lnSpc>
+                <a:spcPct val="150000"/>
+              </a:lnSpc>
+              <a:spcBef>
+                <a:spcPts val="1000"/>
+              </a:spcBef>
+              <a:spcAft>
+                <a:spcPts val="1200"/>
+              </a:spcAft>
+              <a:buFont typeface="Arial" panose="020B0604020202020204" pitchFamily="34" charset="0"/>
+              <a:buNone/>
+              <a:defRPr lang="en-US" sz="1600" kern="1200" dirty="0" smtClean="0">
+                <a:solidFill>
+                  <a:schemeClr val="tx1"/>
+                </a:solidFill>
+                <a:latin typeface="+mn-lt"/>
+                <a:ea typeface="+mn-ea"/>
+                <a:cs typeface="+mn-cs"/>
+              </a:defRPr>
+            </a:lvl7pPr>
+            <a:lvl8pPr marL="3200400" indent="0" algn="ctr" defTabSz="914400" rtl="0" eaLnBrk="1" latinLnBrk="0" hangingPunct="1">
+              <a:lnSpc>
+                <a:spcPct val="150000"/>
+              </a:lnSpc>
+              <a:spcBef>
+                <a:spcPts val="1000"/>
+              </a:spcBef>
+              <a:spcAft>
+                <a:spcPts val="1200"/>
+              </a:spcAft>
+              <a:buFont typeface="Arial" panose="020B0604020202020204" pitchFamily="34" charset="0"/>
+              <a:buNone/>
+              <a:defRPr lang="en-US" sz="1600" kern="1200" dirty="0" smtClean="0">
+                <a:solidFill>
+                  <a:schemeClr val="tx1"/>
+                </a:solidFill>
+                <a:latin typeface="+mn-lt"/>
+                <a:ea typeface="+mn-ea"/>
+                <a:cs typeface="+mn-cs"/>
+              </a:defRPr>
+            </a:lvl8pPr>
+            <a:lvl9pPr marL="3657600" indent="0" algn="ctr" defTabSz="914400" rtl="0" eaLnBrk="1" latinLnBrk="0" hangingPunct="1">
+              <a:lnSpc>
+                <a:spcPct val="90000"/>
+              </a:lnSpc>
+              <a:spcBef>
+                <a:spcPct val="30000"/>
+              </a:spcBef>
+              <a:buFont typeface="Arial" panose="020B0604020202020204" pitchFamily="34" charset="0"/>
+              <a:buNone/>
+              <a:defRPr sz="1600" kern="1200">
+                <a:solidFill>
+                  <a:schemeClr val="tx1"/>
+                </a:solidFill>
+                <a:latin typeface="+mn-lt"/>
+                <a:ea typeface="+mn-ea"/>
+                <a:cs typeface="+mn-cs"/>
+              </a:defRPr>
+            </a:lvl9pPr>
+          </a:lstStyle>
+          <a:p>
+            <a:r>
+              <a:rPr>
+                <a:sym typeface="+mn-ea"/>
+              </a:rPr>
+              <a:t>Hàm trong JavaScript được định nghĩa bằng từ khóa function. Ví dụ:</a:t>
+            </a:r>
+            <a:endParaRPr lang="en-US"/>
+          </a:p>
+          <a:p>
+            <a:r>
+              <a:rPr lang="en-US"/>
+              <a:t> </a:t>
+            </a:r>
+            <a:endParaRPr lang="en-US"/>
+          </a:p>
+        </p:txBody>
+      </p:sp>
+      <p:pic>
+        <p:nvPicPr>
+          <p:cNvPr id="17" name="Picture 1"/>
+          <p:cNvPicPr>
+            <a:picLocks noChangeAspect="1"/>
+          </p:cNvPicPr>
+          <p:nvPr/>
+        </p:nvPicPr>
+        <p:blipFill>
+          <a:blip r:embed="rId1"/>
+          <a:stretch>
+            <a:fillRect/>
+          </a:stretch>
+        </p:blipFill>
+        <p:spPr>
+          <a:xfrm>
+            <a:off x="6287135" y="2726690"/>
+            <a:ext cx="5247640" cy="2663825"/>
+          </a:xfrm>
+          <a:prstGeom prst="rect">
+            <a:avLst/>
+          </a:prstGeom>
+          <a:noFill/>
+          <a:ln>
+            <a:noFill/>
+          </a:ln>
+        </p:spPr>
+      </p:pic>
+    </p:spTree>
+  </p:cSld>
+  <p:clrMapOvr>
+    <a:masterClrMapping/>
+  </p:clrMapOvr>
+  <mc:AlternateContent xmlns:mc="http://schemas.openxmlformats.org/markup-compatibility/2006">
+    <mc:Choice xmlns:p14="http://schemas.microsoft.com/office/powerpoint/2010/main" Requires="p14">
+      <p:transition spd="slow" p14:dur="1000">
+        <p:wipe/>
+      </p:transition>
+    </mc:Choice>
+    <mc:Fallback>
+      <p:transition spd="slow">
+        <p:wipe/>
+      </p:transition>
+    </mc:Fallback>
+  </mc:AlternateContent>
+</p:sld>
+</file>
+
+<file path=ppt/slides/slide21.xml><?xml version="1.0" encoding="utf-8"?>
+<p:sld xmlns:a="http://schemas.openxmlformats.org/drawingml/2006/main" xmlns:r="http://schemas.openxmlformats.org/officeDocument/2006/relationships" xmlns:p="http://schemas.openxmlformats.org/presentationml/2006/main">
+  <p:cSld>
+    <p:spTree>
+      <p:nvGrpSpPr>
+        <p:cNvPr id="1" name=""/>
+        <p:cNvGrpSpPr/>
+        <p:nvPr/>
+      </p:nvGrpSpPr>
+      <p:grpSpPr/>
+      <p:sp>
+        <p:nvSpPr>
+          <p:cNvPr id="2" name="Title 1"/>
+          <p:cNvSpPr>
+            <a:spLocks noGrp="1"/>
+          </p:cNvSpPr>
+          <p:nvPr>
+            <p:ph type="title"/>
+          </p:nvPr>
+        </p:nvSpPr>
+        <p:spPr>
+          <a:xfrm>
+            <a:off x="3800856" y="127"/>
+            <a:ext cx="4590288" cy="1764792"/>
+          </a:xfrm>
+        </p:spPr>
+        <p:txBody>
+          <a:bodyPr/>
+          <a:p>
+            <a:r>
+              <a:rPr lang="en-US"/>
+              <a:t>Ứng dụng</a:t>
+            </a:r>
+            <a:endParaRPr lang="en-US"/>
+          </a:p>
+        </p:txBody>
+      </p:sp>
+      <p:sp>
+        <p:nvSpPr>
+          <p:cNvPr id="4" name="Subtitle 3"/>
+          <p:cNvSpPr>
+            <a:spLocks noGrp="1"/>
+          </p:cNvSpPr>
+          <p:nvPr>
+            <p:ph type="subTitle" idx="1"/>
+          </p:nvPr>
+        </p:nvSpPr>
+        <p:spPr/>
+        <p:txBody>
+          <a:bodyPr/>
+          <a:p>
             <a:endParaRPr lang="en-US"/>
           </a:p>
         </p:txBody>
@@ -12390,8 +12794,8 @@
         </p:blipFill>
         <p:spPr>
           <a:xfrm>
-            <a:off x="1005840" y="2091055"/>
-            <a:ext cx="4324985" cy="2775585"/>
+            <a:off x="1223010" y="978535"/>
+            <a:ext cx="9667875" cy="5330825"/>
           </a:xfrm>
           <a:prstGeom prst="rect">
             <a:avLst/>
@@ -12418,7 +12822,7 @@
 </p:sld>
 </file>
 
-<file path=ppt/slides/slide21.xml><?xml version="1.0" encoding="utf-8"?>
+<file path=ppt/slides/slide22.xml><?xml version="1.0" encoding="utf-8"?>
 <p:sld xmlns:a="http://schemas.openxmlformats.org/drawingml/2006/main" xmlns:r="http://schemas.openxmlformats.org/officeDocument/2006/relationships" xmlns:p="http://schemas.openxmlformats.org/presentationml/2006/main">
   <p:cSld>
     <p:spTree>
@@ -12430,15 +12834,30 @@
       <p:grpSpPr/>
       <p:sp>
         <p:nvSpPr>
-          <p:cNvPr id="3" name="Picture Placeholder 2"/>
+          <p:cNvPr id="2" name="Title 1"/>
           <p:cNvSpPr>
             <a:spLocks noGrp="1"/>
           </p:cNvSpPr>
           <p:nvPr>
-            <p:ph type="pic" sz="quarter" idx="10"/>
+            <p:ph type="title"/>
           </p:nvPr>
         </p:nvSpPr>
-        <p:spPr/>
+        <p:spPr>
+          <a:xfrm>
+            <a:off x="909955" y="0"/>
+            <a:ext cx="11142980" cy="756285"/>
+          </a:xfrm>
+        </p:spPr>
+        <p:txBody>
+          <a:bodyPr/>
+          <a:p>
+            <a:r>
+              <a:rPr lang="en-US" sz="4000"/>
+              <a:t>HTML Forms và Input Elements:</a:t>
+            </a:r>
+            <a:endParaRPr lang="en-US" sz="4000"/>
+          </a:p>
+        </p:txBody>
       </p:sp>
       <p:sp>
         <p:nvSpPr>
@@ -12452,42 +12871,18 @@
         </p:nvSpPr>
         <p:spPr>
           <a:xfrm>
-            <a:off x="872523" y="767969"/>
-            <a:ext cx="4591906" cy="1024128"/>
+            <a:off x="588645" y="951230"/>
+            <a:ext cx="4034790" cy="458470"/>
           </a:xfrm>
         </p:spPr>
         <p:txBody>
           <a:bodyPr/>
           <a:p>
             <a:r>
-              <a:rPr lang="en-US"/>
-              <a:t>2.Lập kế hoạch (Planning):</a:t>
-            </a:r>
-            <a:endParaRPr lang="en-US"/>
-          </a:p>
-          <a:p>
-            <a:endParaRPr lang="en-US"/>
-          </a:p>
-          <a:p>
-            <a:r>
-              <a:rPr lang="en-US"/>
-              <a:t>Xác định nguồn lực, thời gian và ngân sách cần thiết cho dự án.</a:t>
-            </a:r>
-            <a:endParaRPr lang="en-US"/>
-          </a:p>
-          <a:p>
-            <a:r>
-              <a:rPr lang="en-US"/>
-              <a:t>Tạo lịch trình và kế hoạch công việc.</a:t>
-            </a:r>
-            <a:endParaRPr lang="en-US"/>
-          </a:p>
-          <a:p>
-            <a:r>
-              <a:rPr lang="en-US"/>
-              <a:t>Xác định công nghệ và framework phù hợp.</a:t>
-            </a:r>
-            <a:endParaRPr lang="en-US"/>
+              <a:rPr lang="en-US" sz="2800"/>
+              <a:t>B1:  Tạo file html</a:t>
+            </a:r>
+            <a:endParaRPr lang="en-US" sz="2800"/>
           </a:p>
         </p:txBody>
       </p:sp>
@@ -12501,8 +12896,8 @@
         </p:nvSpPr>
         <p:spPr>
           <a:xfrm>
-            <a:off x="6300503" y="767969"/>
-            <a:ext cx="4591906" cy="1024128"/>
+            <a:off x="588645" y="1604645"/>
+            <a:ext cx="5257800" cy="458470"/>
           </a:xfrm>
           <a:prstGeom prst="rect">
             <a:avLst/>
@@ -12702,34 +13097,1415 @@
           </a:lstStyle>
           <a:p>
             <a:r>
+              <a:rPr lang="en-US" sz="2800"/>
+              <a:t>B2:  Sử dụng các thẻ phù hợp</a:t>
+            </a:r>
+            <a:endParaRPr lang="en-US" sz="2800"/>
+          </a:p>
+        </p:txBody>
+      </p:sp>
+      <p:sp>
+        <p:nvSpPr>
+          <p:cNvPr id="6" name="Subtitle 3"/>
+          <p:cNvSpPr>
+            <a:spLocks noGrp="1"/>
+          </p:cNvSpPr>
+          <p:nvPr/>
+        </p:nvSpPr>
+        <p:spPr>
+          <a:xfrm>
+            <a:off x="516255" y="2451100"/>
+            <a:ext cx="4989830" cy="3195320"/>
+          </a:xfrm>
+          <a:prstGeom prst="rect">
+            <a:avLst/>
+          </a:prstGeom>
+        </p:spPr>
+        <p:txBody>
+          <a:bodyPr vert="horz" lIns="91440" tIns="45720" rIns="91440" bIns="45720" rtlCol="0">
+            <a:noAutofit/>
+          </a:bodyPr>
+          <a:lstStyle>
+            <a:lvl1pPr marL="0" indent="0" algn="l" defTabSz="914400" rtl="0" eaLnBrk="1" latinLnBrk="0" hangingPunct="1">
+              <a:lnSpc>
+                <a:spcPct val="100000"/>
+              </a:lnSpc>
+              <a:spcBef>
+                <a:spcPts val="1000"/>
+              </a:spcBef>
+              <a:spcAft>
+                <a:spcPts val="1200"/>
+              </a:spcAft>
+              <a:buFontTx/>
+              <a:buNone/>
+              <a:defRPr lang="en-US" sz="2200" b="1" kern="1200" dirty="0">
+                <a:solidFill>
+                  <a:schemeClr val="tx2"/>
+                </a:solidFill>
+                <a:latin typeface="Segoe UI Semibold" panose="020B0702040204020203" pitchFamily="34" charset="0"/>
+                <a:ea typeface="+mn-ea"/>
+                <a:cs typeface="Segoe UI Semibold" panose="020B0702040204020203" pitchFamily="34" charset="0"/>
+              </a:defRPr>
+            </a:lvl1pPr>
+            <a:lvl2pPr marL="457200" indent="0" algn="ctr" defTabSz="914400" rtl="0" eaLnBrk="1" latinLnBrk="0" hangingPunct="1">
+              <a:lnSpc>
+                <a:spcPct val="150000"/>
+              </a:lnSpc>
+              <a:spcBef>
+                <a:spcPts val="1000"/>
+              </a:spcBef>
+              <a:spcAft>
+                <a:spcPts val="1200"/>
+              </a:spcAft>
+              <a:buFont typeface="Arial" panose="020B0604020202020204" pitchFamily="34" charset="0"/>
+              <a:buNone/>
+              <a:defRPr lang="en-US" sz="2000" kern="1200" dirty="0">
+                <a:solidFill>
+                  <a:schemeClr val="tx1"/>
+                </a:solidFill>
+                <a:latin typeface="+mn-lt"/>
+                <a:ea typeface="+mn-ea"/>
+                <a:cs typeface="+mn-cs"/>
+              </a:defRPr>
+            </a:lvl2pPr>
+            <a:lvl3pPr marL="914400" indent="0" algn="ctr" defTabSz="914400" rtl="0" eaLnBrk="1" latinLnBrk="0" hangingPunct="1">
+              <a:lnSpc>
+                <a:spcPct val="150000"/>
+              </a:lnSpc>
+              <a:spcBef>
+                <a:spcPts val="1000"/>
+              </a:spcBef>
+              <a:spcAft>
+                <a:spcPts val="1200"/>
+              </a:spcAft>
+              <a:buFont typeface="Arial" panose="020B0604020202020204" pitchFamily="34" charset="0"/>
+              <a:buNone/>
+              <a:defRPr lang="en-US" sz="1800" kern="1200" dirty="0">
+                <a:solidFill>
+                  <a:schemeClr val="tx1"/>
+                </a:solidFill>
+                <a:latin typeface="+mn-lt"/>
+                <a:ea typeface="+mn-ea"/>
+                <a:cs typeface="+mn-cs"/>
+              </a:defRPr>
+            </a:lvl3pPr>
+            <a:lvl4pPr marL="1371600" indent="0" algn="ctr" defTabSz="914400" rtl="0" eaLnBrk="1" latinLnBrk="0" hangingPunct="1">
+              <a:lnSpc>
+                <a:spcPct val="150000"/>
+              </a:lnSpc>
+              <a:spcBef>
+                <a:spcPts val="1000"/>
+              </a:spcBef>
+              <a:spcAft>
+                <a:spcPts val="1200"/>
+              </a:spcAft>
+              <a:buFont typeface="Arial" panose="020B0604020202020204" pitchFamily="34" charset="0"/>
+              <a:buNone/>
+              <a:defRPr lang="en-US" sz="1600" kern="1200" dirty="0" smtClean="0">
+                <a:solidFill>
+                  <a:schemeClr val="tx1"/>
+                </a:solidFill>
+                <a:latin typeface="+mn-lt"/>
+                <a:ea typeface="+mn-ea"/>
+                <a:cs typeface="+mn-cs"/>
+              </a:defRPr>
+            </a:lvl4pPr>
+            <a:lvl5pPr marL="1828800" indent="0" algn="ctr" defTabSz="914400" rtl="0" eaLnBrk="1" latinLnBrk="0" hangingPunct="1">
+              <a:lnSpc>
+                <a:spcPct val="150000"/>
+              </a:lnSpc>
+              <a:spcBef>
+                <a:spcPts val="1000"/>
+              </a:spcBef>
+              <a:spcAft>
+                <a:spcPts val="1200"/>
+              </a:spcAft>
+              <a:buFont typeface="Arial" panose="020B0604020202020204" pitchFamily="34" charset="0"/>
+              <a:buNone/>
+              <a:defRPr lang="en-US" sz="1600" kern="1200" dirty="0" smtClean="0">
+                <a:solidFill>
+                  <a:schemeClr val="tx1"/>
+                </a:solidFill>
+                <a:latin typeface="+mn-lt"/>
+                <a:ea typeface="+mn-ea"/>
+                <a:cs typeface="+mn-cs"/>
+              </a:defRPr>
+            </a:lvl5pPr>
+            <a:lvl6pPr marL="2286000" indent="0" algn="ctr" defTabSz="914400" rtl="0" eaLnBrk="1" latinLnBrk="0" hangingPunct="1">
+              <a:lnSpc>
+                <a:spcPct val="150000"/>
+              </a:lnSpc>
+              <a:spcBef>
+                <a:spcPts val="1000"/>
+              </a:spcBef>
+              <a:spcAft>
+                <a:spcPts val="1200"/>
+              </a:spcAft>
+              <a:buFont typeface="Arial" panose="020B0604020202020204" pitchFamily="34" charset="0"/>
+              <a:buNone/>
+              <a:defRPr lang="en-US" sz="1600" kern="1200" dirty="0" smtClean="0">
+                <a:solidFill>
+                  <a:schemeClr val="tx1"/>
+                </a:solidFill>
+                <a:latin typeface="+mn-lt"/>
+                <a:ea typeface="+mn-ea"/>
+                <a:cs typeface="+mn-cs"/>
+              </a:defRPr>
+            </a:lvl6pPr>
+            <a:lvl7pPr marL="2743200" indent="0" algn="ctr" defTabSz="914400" rtl="0" eaLnBrk="1" latinLnBrk="0" hangingPunct="1">
+              <a:lnSpc>
+                <a:spcPct val="150000"/>
+              </a:lnSpc>
+              <a:spcBef>
+                <a:spcPts val="1000"/>
+              </a:spcBef>
+              <a:spcAft>
+                <a:spcPts val="1200"/>
+              </a:spcAft>
+              <a:buFont typeface="Arial" panose="020B0604020202020204" pitchFamily="34" charset="0"/>
+              <a:buNone/>
+              <a:defRPr lang="en-US" sz="1600" kern="1200" dirty="0" smtClean="0">
+                <a:solidFill>
+                  <a:schemeClr val="tx1"/>
+                </a:solidFill>
+                <a:latin typeface="+mn-lt"/>
+                <a:ea typeface="+mn-ea"/>
+                <a:cs typeface="+mn-cs"/>
+              </a:defRPr>
+            </a:lvl7pPr>
+            <a:lvl8pPr marL="3200400" indent="0" algn="ctr" defTabSz="914400" rtl="0" eaLnBrk="1" latinLnBrk="0" hangingPunct="1">
+              <a:lnSpc>
+                <a:spcPct val="150000"/>
+              </a:lnSpc>
+              <a:spcBef>
+                <a:spcPts val="1000"/>
+              </a:spcBef>
+              <a:spcAft>
+                <a:spcPts val="1200"/>
+              </a:spcAft>
+              <a:buFont typeface="Arial" panose="020B0604020202020204" pitchFamily="34" charset="0"/>
+              <a:buNone/>
+              <a:defRPr lang="en-US" sz="1600" kern="1200" dirty="0" smtClean="0">
+                <a:solidFill>
+                  <a:schemeClr val="tx1"/>
+                </a:solidFill>
+                <a:latin typeface="+mn-lt"/>
+                <a:ea typeface="+mn-ea"/>
+                <a:cs typeface="+mn-cs"/>
+              </a:defRPr>
+            </a:lvl8pPr>
+            <a:lvl9pPr marL="3657600" indent="0" algn="ctr" defTabSz="914400" rtl="0" eaLnBrk="1" latinLnBrk="0" hangingPunct="1">
+              <a:lnSpc>
+                <a:spcPct val="90000"/>
+              </a:lnSpc>
+              <a:spcBef>
+                <a:spcPct val="30000"/>
+              </a:spcBef>
+              <a:buFont typeface="Arial" panose="020B0604020202020204" pitchFamily="34" charset="0"/>
+              <a:buNone/>
+              <a:defRPr sz="1600" kern="1200">
+                <a:solidFill>
+                  <a:schemeClr val="tx1"/>
+                </a:solidFill>
+                <a:latin typeface="+mn-lt"/>
+                <a:ea typeface="+mn-ea"/>
+                <a:cs typeface="+mn-cs"/>
+              </a:defRPr>
+            </a:lvl9pPr>
+          </a:lstStyle>
+          <a:p>
+            <a:r>
+              <a:rPr lang="en-US" sz="2400"/>
+              <a:t> &lt;h1&gt;: Để tạo tiêu đề</a:t>
+            </a:r>
+            <a:endParaRPr lang="en-US" sz="2400"/>
+          </a:p>
+          <a:p>
+            <a:r>
+              <a:rPr lang="en-US" sz="2400"/>
+              <a:t>&lt;div&gt;:Được sử dụng để nhóm và định dạng phần của trang web</a:t>
+            </a:r>
+            <a:endParaRPr lang="en-US" sz="2400"/>
+          </a:p>
+          <a:p>
+            <a:r>
+              <a:rPr lang="en-US" sz="2400"/>
+              <a:t>&lt;form&gt; Được sử dụng để tạo biểu mẫu để người dùng nhập thông tin.</a:t>
+            </a:r>
+            <a:endParaRPr lang="en-US" sz="2400"/>
+          </a:p>
+          <a:p>
+            <a:r>
+              <a:rPr lang="en-US" sz="2400"/>
+              <a:t>&lt;label&gt;được sử dụng để định nghĩa nhãn cho phần tử &lt;input&gt;</a:t>
+            </a:r>
+            <a:endParaRPr lang="en-US" sz="2400"/>
+          </a:p>
+          <a:p>
+            <a:endParaRPr lang="en-US" sz="2400"/>
+          </a:p>
+        </p:txBody>
+      </p:sp>
+      <p:sp>
+        <p:nvSpPr>
+          <p:cNvPr id="7" name="Subtitle 3"/>
+          <p:cNvSpPr>
+            <a:spLocks noGrp="1"/>
+          </p:cNvSpPr>
+          <p:nvPr/>
+        </p:nvSpPr>
+        <p:spPr>
+          <a:xfrm>
+            <a:off x="6755130" y="2451100"/>
+            <a:ext cx="5031740" cy="3195320"/>
+          </a:xfrm>
+          <a:prstGeom prst="rect">
+            <a:avLst/>
+          </a:prstGeom>
+        </p:spPr>
+        <p:txBody>
+          <a:bodyPr vert="horz" lIns="91440" tIns="45720" rIns="91440" bIns="45720" rtlCol="0">
+            <a:noAutofit/>
+          </a:bodyPr>
+          <a:lstStyle>
+            <a:lvl1pPr marL="0" indent="0" algn="l" defTabSz="914400" rtl="0" eaLnBrk="1" latinLnBrk="0" hangingPunct="1">
+              <a:lnSpc>
+                <a:spcPct val="100000"/>
+              </a:lnSpc>
+              <a:spcBef>
+                <a:spcPts val="1000"/>
+              </a:spcBef>
+              <a:spcAft>
+                <a:spcPts val="1200"/>
+              </a:spcAft>
+              <a:buFontTx/>
+              <a:buNone/>
+              <a:defRPr lang="en-US" sz="2200" b="1" kern="1200" dirty="0">
+                <a:solidFill>
+                  <a:schemeClr val="tx2"/>
+                </a:solidFill>
+                <a:latin typeface="Segoe UI Semibold" panose="020B0702040204020203" pitchFamily="34" charset="0"/>
+                <a:ea typeface="+mn-ea"/>
+                <a:cs typeface="Segoe UI Semibold" panose="020B0702040204020203" pitchFamily="34" charset="0"/>
+              </a:defRPr>
+            </a:lvl1pPr>
+            <a:lvl2pPr marL="457200" indent="0" algn="ctr" defTabSz="914400" rtl="0" eaLnBrk="1" latinLnBrk="0" hangingPunct="1">
+              <a:lnSpc>
+                <a:spcPct val="150000"/>
+              </a:lnSpc>
+              <a:spcBef>
+                <a:spcPts val="1000"/>
+              </a:spcBef>
+              <a:spcAft>
+                <a:spcPts val="1200"/>
+              </a:spcAft>
+              <a:buFont typeface="Arial" panose="020B0604020202020204" pitchFamily="34" charset="0"/>
+              <a:buNone/>
+              <a:defRPr lang="en-US" sz="2000" kern="1200" dirty="0">
+                <a:solidFill>
+                  <a:schemeClr val="tx1"/>
+                </a:solidFill>
+                <a:latin typeface="+mn-lt"/>
+                <a:ea typeface="+mn-ea"/>
+                <a:cs typeface="+mn-cs"/>
+              </a:defRPr>
+            </a:lvl2pPr>
+            <a:lvl3pPr marL="914400" indent="0" algn="ctr" defTabSz="914400" rtl="0" eaLnBrk="1" latinLnBrk="0" hangingPunct="1">
+              <a:lnSpc>
+                <a:spcPct val="150000"/>
+              </a:lnSpc>
+              <a:spcBef>
+                <a:spcPts val="1000"/>
+              </a:spcBef>
+              <a:spcAft>
+                <a:spcPts val="1200"/>
+              </a:spcAft>
+              <a:buFont typeface="Arial" panose="020B0604020202020204" pitchFamily="34" charset="0"/>
+              <a:buNone/>
+              <a:defRPr lang="en-US" sz="1800" kern="1200" dirty="0">
+                <a:solidFill>
+                  <a:schemeClr val="tx1"/>
+                </a:solidFill>
+                <a:latin typeface="+mn-lt"/>
+                <a:ea typeface="+mn-ea"/>
+                <a:cs typeface="+mn-cs"/>
+              </a:defRPr>
+            </a:lvl3pPr>
+            <a:lvl4pPr marL="1371600" indent="0" algn="ctr" defTabSz="914400" rtl="0" eaLnBrk="1" latinLnBrk="0" hangingPunct="1">
+              <a:lnSpc>
+                <a:spcPct val="150000"/>
+              </a:lnSpc>
+              <a:spcBef>
+                <a:spcPts val="1000"/>
+              </a:spcBef>
+              <a:spcAft>
+                <a:spcPts val="1200"/>
+              </a:spcAft>
+              <a:buFont typeface="Arial" panose="020B0604020202020204" pitchFamily="34" charset="0"/>
+              <a:buNone/>
+              <a:defRPr lang="en-US" sz="1600" kern="1200" dirty="0" smtClean="0">
+                <a:solidFill>
+                  <a:schemeClr val="tx1"/>
+                </a:solidFill>
+                <a:latin typeface="+mn-lt"/>
+                <a:ea typeface="+mn-ea"/>
+                <a:cs typeface="+mn-cs"/>
+              </a:defRPr>
+            </a:lvl4pPr>
+            <a:lvl5pPr marL="1828800" indent="0" algn="ctr" defTabSz="914400" rtl="0" eaLnBrk="1" latinLnBrk="0" hangingPunct="1">
+              <a:lnSpc>
+                <a:spcPct val="150000"/>
+              </a:lnSpc>
+              <a:spcBef>
+                <a:spcPts val="1000"/>
+              </a:spcBef>
+              <a:spcAft>
+                <a:spcPts val="1200"/>
+              </a:spcAft>
+              <a:buFont typeface="Arial" panose="020B0604020202020204" pitchFamily="34" charset="0"/>
+              <a:buNone/>
+              <a:defRPr lang="en-US" sz="1600" kern="1200" dirty="0" smtClean="0">
+                <a:solidFill>
+                  <a:schemeClr val="tx1"/>
+                </a:solidFill>
+                <a:latin typeface="+mn-lt"/>
+                <a:ea typeface="+mn-ea"/>
+                <a:cs typeface="+mn-cs"/>
+              </a:defRPr>
+            </a:lvl5pPr>
+            <a:lvl6pPr marL="2286000" indent="0" algn="ctr" defTabSz="914400" rtl="0" eaLnBrk="1" latinLnBrk="0" hangingPunct="1">
+              <a:lnSpc>
+                <a:spcPct val="150000"/>
+              </a:lnSpc>
+              <a:spcBef>
+                <a:spcPts val="1000"/>
+              </a:spcBef>
+              <a:spcAft>
+                <a:spcPts val="1200"/>
+              </a:spcAft>
+              <a:buFont typeface="Arial" panose="020B0604020202020204" pitchFamily="34" charset="0"/>
+              <a:buNone/>
+              <a:defRPr lang="en-US" sz="1600" kern="1200" dirty="0" smtClean="0">
+                <a:solidFill>
+                  <a:schemeClr val="tx1"/>
+                </a:solidFill>
+                <a:latin typeface="+mn-lt"/>
+                <a:ea typeface="+mn-ea"/>
+                <a:cs typeface="+mn-cs"/>
+              </a:defRPr>
+            </a:lvl6pPr>
+            <a:lvl7pPr marL="2743200" indent="0" algn="ctr" defTabSz="914400" rtl="0" eaLnBrk="1" latinLnBrk="0" hangingPunct="1">
+              <a:lnSpc>
+                <a:spcPct val="150000"/>
+              </a:lnSpc>
+              <a:spcBef>
+                <a:spcPts val="1000"/>
+              </a:spcBef>
+              <a:spcAft>
+                <a:spcPts val="1200"/>
+              </a:spcAft>
+              <a:buFont typeface="Arial" panose="020B0604020202020204" pitchFamily="34" charset="0"/>
+              <a:buNone/>
+              <a:defRPr lang="en-US" sz="1600" kern="1200" dirty="0" smtClean="0">
+                <a:solidFill>
+                  <a:schemeClr val="tx1"/>
+                </a:solidFill>
+                <a:latin typeface="+mn-lt"/>
+                <a:ea typeface="+mn-ea"/>
+                <a:cs typeface="+mn-cs"/>
+              </a:defRPr>
+            </a:lvl7pPr>
+            <a:lvl8pPr marL="3200400" indent="0" algn="ctr" defTabSz="914400" rtl="0" eaLnBrk="1" latinLnBrk="0" hangingPunct="1">
+              <a:lnSpc>
+                <a:spcPct val="150000"/>
+              </a:lnSpc>
+              <a:spcBef>
+                <a:spcPts val="1000"/>
+              </a:spcBef>
+              <a:spcAft>
+                <a:spcPts val="1200"/>
+              </a:spcAft>
+              <a:buFont typeface="Arial" panose="020B0604020202020204" pitchFamily="34" charset="0"/>
+              <a:buNone/>
+              <a:defRPr lang="en-US" sz="1600" kern="1200" dirty="0" smtClean="0">
+                <a:solidFill>
+                  <a:schemeClr val="tx1"/>
+                </a:solidFill>
+                <a:latin typeface="+mn-lt"/>
+                <a:ea typeface="+mn-ea"/>
+                <a:cs typeface="+mn-cs"/>
+              </a:defRPr>
+            </a:lvl8pPr>
+            <a:lvl9pPr marL="3657600" indent="0" algn="ctr" defTabSz="914400" rtl="0" eaLnBrk="1" latinLnBrk="0" hangingPunct="1">
+              <a:lnSpc>
+                <a:spcPct val="90000"/>
+              </a:lnSpc>
+              <a:spcBef>
+                <a:spcPct val="30000"/>
+              </a:spcBef>
+              <a:buFont typeface="Arial" panose="020B0604020202020204" pitchFamily="34" charset="0"/>
+              <a:buNone/>
+              <a:defRPr sz="1600" kern="1200">
+                <a:solidFill>
+                  <a:schemeClr val="tx1"/>
+                </a:solidFill>
+                <a:latin typeface="+mn-lt"/>
+                <a:ea typeface="+mn-ea"/>
+                <a:cs typeface="+mn-cs"/>
+              </a:defRPr>
+            </a:lvl9pPr>
+          </a:lstStyle>
+          <a:p>
+            <a:r>
+              <a:rPr lang="en-US" sz="2400"/>
+              <a:t>&lt;input&gt;Được sử dụng để tạo các ô nhập dữ liệu</a:t>
+            </a:r>
+            <a:endParaRPr lang="en-US" sz="2400"/>
+          </a:p>
+          <a:p>
+            <a:r>
+              <a:rPr lang="en-US" sz="2400"/>
+              <a:t>&lt;p&gt;Để định dạng đoạn văn bản.</a:t>
+            </a:r>
+            <a:endParaRPr lang="en-US" sz="2400"/>
+          </a:p>
+          <a:p>
+            <a:r>
+              <a:rPr lang="en-US" sz="2400"/>
+              <a:t>&lt;select&gt;tạo ra một menu để chọn các tùy chọn</a:t>
+            </a:r>
+            <a:endParaRPr lang="en-US" sz="2400"/>
+          </a:p>
+          <a:p>
+            <a:r>
+              <a:rPr lang="en-US" sz="2400"/>
+              <a:t>&lt;option&gt;B</a:t>
+            </a:r>
+            <a:r>
+              <a:rPr sz="2400">
+                <a:sym typeface="+mn-ea"/>
+              </a:rPr>
+              <a:t>iểu diễn c</a:t>
+            </a:r>
+            <a:r>
+              <a:rPr lang="en-US" sz="2400"/>
+              <a:t>ác phần tử (&lt;select&gt;)  </a:t>
+            </a:r>
+            <a:endParaRPr lang="en-US" sz="2400"/>
+          </a:p>
+          <a:p>
+            <a:endParaRPr lang="en-US" sz="2400"/>
+          </a:p>
+        </p:txBody>
+      </p:sp>
+      <p:pic>
+        <p:nvPicPr>
+          <p:cNvPr id="8" name="Picture 7"/>
+          <p:cNvPicPr>
+            <a:picLocks noChangeAspect="1"/>
+          </p:cNvPicPr>
+          <p:nvPr/>
+        </p:nvPicPr>
+        <p:blipFill>
+          <a:blip r:embed="rId1"/>
+          <a:stretch>
+            <a:fillRect/>
+          </a:stretch>
+        </p:blipFill>
+        <p:spPr>
+          <a:xfrm>
+            <a:off x="10600690" y="8890"/>
+            <a:ext cx="1591310" cy="2054225"/>
+          </a:xfrm>
+          <a:prstGeom prst="rect">
+            <a:avLst/>
+          </a:prstGeom>
+        </p:spPr>
+      </p:pic>
+    </p:spTree>
+  </p:cSld>
+  <p:clrMapOvr>
+    <a:masterClrMapping/>
+  </p:clrMapOvr>
+</p:sld>
+</file>
+
+<file path=ppt/slides/slide23.xml><?xml version="1.0" encoding="utf-8"?>
+<p:sld xmlns:a="http://schemas.openxmlformats.org/drawingml/2006/main" xmlns:r="http://schemas.openxmlformats.org/officeDocument/2006/relationships" xmlns:p="http://schemas.openxmlformats.org/presentationml/2006/main">
+  <p:cSld>
+    <p:spTree>
+      <p:nvGrpSpPr>
+        <p:cNvPr id="1" name=""/>
+        <p:cNvGrpSpPr/>
+        <p:nvPr/>
+      </p:nvGrpSpPr>
+      <p:grpSpPr/>
+      <p:sp>
+        <p:nvSpPr>
+          <p:cNvPr id="4" name="Subtitle 3"/>
+          <p:cNvSpPr>
+            <a:spLocks noGrp="1"/>
+          </p:cNvSpPr>
+          <p:nvPr>
+            <p:ph type="subTitle" idx="1"/>
+          </p:nvPr>
+        </p:nvSpPr>
+        <p:spPr>
+          <a:xfrm>
+            <a:off x="6565933" y="1241044"/>
+            <a:ext cx="4591906" cy="1024128"/>
+          </a:xfrm>
+        </p:spPr>
+        <p:txBody>
+          <a:bodyPr/>
+          <a:p>
+            <a:r>
               <a:rPr lang="en-US"/>
+              <a:t>B3: Css</a:t>
+            </a:r>
+            <a:endParaRPr lang="en-US"/>
+          </a:p>
+          <a:p>
+            <a:r>
+              <a:rPr lang="en-US"/>
+              <a:t>Tùy chỉnh , để form hiện thể dễ nhìn </a:t>
+            </a:r>
+            <a:endParaRPr lang="en-US"/>
+          </a:p>
+        </p:txBody>
+      </p:sp>
+      <p:sp>
+        <p:nvSpPr>
+          <p:cNvPr id="5" name="Subtitle 3"/>
+          <p:cNvSpPr>
+            <a:spLocks noGrp="1"/>
+          </p:cNvSpPr>
+          <p:nvPr/>
+        </p:nvSpPr>
+        <p:spPr>
+          <a:xfrm>
+            <a:off x="6565933" y="3290824"/>
+            <a:ext cx="4591906" cy="1024128"/>
+          </a:xfrm>
+          <a:prstGeom prst="rect">
+            <a:avLst/>
+          </a:prstGeom>
+        </p:spPr>
+        <p:txBody>
+          <a:bodyPr vert="horz" lIns="91440" tIns="45720" rIns="91440" bIns="45720" rtlCol="0">
+            <a:noAutofit/>
+          </a:bodyPr>
+          <a:lstStyle>
+            <a:lvl1pPr marL="0" indent="0" algn="l" defTabSz="914400" rtl="0" eaLnBrk="1" latinLnBrk="0" hangingPunct="1">
+              <a:lnSpc>
+                <a:spcPct val="100000"/>
+              </a:lnSpc>
+              <a:spcBef>
+                <a:spcPts val="1000"/>
+              </a:spcBef>
+              <a:spcAft>
+                <a:spcPts val="1200"/>
+              </a:spcAft>
+              <a:buFontTx/>
+              <a:buNone/>
+              <a:defRPr lang="en-US" sz="2200" b="1" kern="1200" dirty="0">
+                <a:solidFill>
+                  <a:schemeClr val="tx2"/>
+                </a:solidFill>
+                <a:latin typeface="Segoe UI Semibold" panose="020B0702040204020203" pitchFamily="34" charset="0"/>
+                <a:ea typeface="+mn-ea"/>
+                <a:cs typeface="Segoe UI Semibold" panose="020B0702040204020203" pitchFamily="34" charset="0"/>
+              </a:defRPr>
+            </a:lvl1pPr>
+            <a:lvl2pPr marL="457200" indent="0" algn="ctr" defTabSz="914400" rtl="0" eaLnBrk="1" latinLnBrk="0" hangingPunct="1">
+              <a:lnSpc>
+                <a:spcPct val="150000"/>
+              </a:lnSpc>
+              <a:spcBef>
+                <a:spcPts val="1000"/>
+              </a:spcBef>
+              <a:spcAft>
+                <a:spcPts val="1200"/>
+              </a:spcAft>
+              <a:buFont typeface="Arial" panose="020B0604020202020204" pitchFamily="34" charset="0"/>
+              <a:buNone/>
+              <a:defRPr lang="en-US" sz="2000" kern="1200" dirty="0">
+                <a:solidFill>
+                  <a:schemeClr val="tx1"/>
+                </a:solidFill>
+                <a:latin typeface="+mn-lt"/>
+                <a:ea typeface="+mn-ea"/>
+                <a:cs typeface="+mn-cs"/>
+              </a:defRPr>
+            </a:lvl2pPr>
+            <a:lvl3pPr marL="914400" indent="0" algn="ctr" defTabSz="914400" rtl="0" eaLnBrk="1" latinLnBrk="0" hangingPunct="1">
+              <a:lnSpc>
+                <a:spcPct val="150000"/>
+              </a:lnSpc>
+              <a:spcBef>
+                <a:spcPts val="1000"/>
+              </a:spcBef>
+              <a:spcAft>
+                <a:spcPts val="1200"/>
+              </a:spcAft>
+              <a:buFont typeface="Arial" panose="020B0604020202020204" pitchFamily="34" charset="0"/>
+              <a:buNone/>
+              <a:defRPr lang="en-US" sz="1800" kern="1200" dirty="0">
+                <a:solidFill>
+                  <a:schemeClr val="tx1"/>
+                </a:solidFill>
+                <a:latin typeface="+mn-lt"/>
+                <a:ea typeface="+mn-ea"/>
+                <a:cs typeface="+mn-cs"/>
+              </a:defRPr>
+            </a:lvl3pPr>
+            <a:lvl4pPr marL="1371600" indent="0" algn="ctr" defTabSz="914400" rtl="0" eaLnBrk="1" latinLnBrk="0" hangingPunct="1">
+              <a:lnSpc>
+                <a:spcPct val="150000"/>
+              </a:lnSpc>
+              <a:spcBef>
+                <a:spcPts val="1000"/>
+              </a:spcBef>
+              <a:spcAft>
+                <a:spcPts val="1200"/>
+              </a:spcAft>
+              <a:buFont typeface="Arial" panose="020B0604020202020204" pitchFamily="34" charset="0"/>
+              <a:buNone/>
+              <a:defRPr lang="en-US" sz="1600" kern="1200" dirty="0" smtClean="0">
+                <a:solidFill>
+                  <a:schemeClr val="tx1"/>
+                </a:solidFill>
+                <a:latin typeface="+mn-lt"/>
+                <a:ea typeface="+mn-ea"/>
+                <a:cs typeface="+mn-cs"/>
+              </a:defRPr>
+            </a:lvl4pPr>
+            <a:lvl5pPr marL="1828800" indent="0" algn="ctr" defTabSz="914400" rtl="0" eaLnBrk="1" latinLnBrk="0" hangingPunct="1">
+              <a:lnSpc>
+                <a:spcPct val="150000"/>
+              </a:lnSpc>
+              <a:spcBef>
+                <a:spcPts val="1000"/>
+              </a:spcBef>
+              <a:spcAft>
+                <a:spcPts val="1200"/>
+              </a:spcAft>
+              <a:buFont typeface="Arial" panose="020B0604020202020204" pitchFamily="34" charset="0"/>
+              <a:buNone/>
+              <a:defRPr lang="en-US" sz="1600" kern="1200" dirty="0" smtClean="0">
+                <a:solidFill>
+                  <a:schemeClr val="tx1"/>
+                </a:solidFill>
+                <a:latin typeface="+mn-lt"/>
+                <a:ea typeface="+mn-ea"/>
+                <a:cs typeface="+mn-cs"/>
+              </a:defRPr>
+            </a:lvl5pPr>
+            <a:lvl6pPr marL="2286000" indent="0" algn="ctr" defTabSz="914400" rtl="0" eaLnBrk="1" latinLnBrk="0" hangingPunct="1">
+              <a:lnSpc>
+                <a:spcPct val="150000"/>
+              </a:lnSpc>
+              <a:spcBef>
+                <a:spcPts val="1000"/>
+              </a:spcBef>
+              <a:spcAft>
+                <a:spcPts val="1200"/>
+              </a:spcAft>
+              <a:buFont typeface="Arial" panose="020B0604020202020204" pitchFamily="34" charset="0"/>
+              <a:buNone/>
+              <a:defRPr lang="en-US" sz="1600" kern="1200" dirty="0" smtClean="0">
+                <a:solidFill>
+                  <a:schemeClr val="tx1"/>
+                </a:solidFill>
+                <a:latin typeface="+mn-lt"/>
+                <a:ea typeface="+mn-ea"/>
+                <a:cs typeface="+mn-cs"/>
+              </a:defRPr>
+            </a:lvl6pPr>
+            <a:lvl7pPr marL="2743200" indent="0" algn="ctr" defTabSz="914400" rtl="0" eaLnBrk="1" latinLnBrk="0" hangingPunct="1">
+              <a:lnSpc>
+                <a:spcPct val="150000"/>
+              </a:lnSpc>
+              <a:spcBef>
+                <a:spcPts val="1000"/>
+              </a:spcBef>
+              <a:spcAft>
+                <a:spcPts val="1200"/>
+              </a:spcAft>
+              <a:buFont typeface="Arial" panose="020B0604020202020204" pitchFamily="34" charset="0"/>
+              <a:buNone/>
+              <a:defRPr lang="en-US" sz="1600" kern="1200" dirty="0" smtClean="0">
+                <a:solidFill>
+                  <a:schemeClr val="tx1"/>
+                </a:solidFill>
+                <a:latin typeface="+mn-lt"/>
+                <a:ea typeface="+mn-ea"/>
+                <a:cs typeface="+mn-cs"/>
+              </a:defRPr>
+            </a:lvl7pPr>
+            <a:lvl8pPr marL="3200400" indent="0" algn="ctr" defTabSz="914400" rtl="0" eaLnBrk="1" latinLnBrk="0" hangingPunct="1">
+              <a:lnSpc>
+                <a:spcPct val="150000"/>
+              </a:lnSpc>
+              <a:spcBef>
+                <a:spcPts val="1000"/>
+              </a:spcBef>
+              <a:spcAft>
+                <a:spcPts val="1200"/>
+              </a:spcAft>
+              <a:buFont typeface="Arial" panose="020B0604020202020204" pitchFamily="34" charset="0"/>
+              <a:buNone/>
+              <a:defRPr lang="en-US" sz="1600" kern="1200" dirty="0" smtClean="0">
+                <a:solidFill>
+                  <a:schemeClr val="tx1"/>
+                </a:solidFill>
+                <a:latin typeface="+mn-lt"/>
+                <a:ea typeface="+mn-ea"/>
+                <a:cs typeface="+mn-cs"/>
+              </a:defRPr>
+            </a:lvl8pPr>
+            <a:lvl9pPr marL="3657600" indent="0" algn="ctr" defTabSz="914400" rtl="0" eaLnBrk="1" latinLnBrk="0" hangingPunct="1">
+              <a:lnSpc>
+                <a:spcPct val="90000"/>
+              </a:lnSpc>
+              <a:spcBef>
+                <a:spcPct val="30000"/>
+              </a:spcBef>
+              <a:buFont typeface="Arial" panose="020B0604020202020204" pitchFamily="34" charset="0"/>
+              <a:buNone/>
+              <a:defRPr sz="1600" kern="1200">
+                <a:solidFill>
+                  <a:schemeClr val="tx1"/>
+                </a:solidFill>
+                <a:latin typeface="+mn-lt"/>
+                <a:ea typeface="+mn-ea"/>
+                <a:cs typeface="+mn-cs"/>
+              </a:defRPr>
+            </a:lvl9pPr>
+          </a:lstStyle>
+          <a:p>
+            <a:r>
+              <a:rPr lang="en-US"/>
+              <a:t>B4: JavaScript</a:t>
+            </a:r>
+            <a:endParaRPr lang="en-US"/>
+          </a:p>
+          <a:p>
+            <a:r>
+              <a:rPr lang="en-US"/>
+              <a:t>Để kiểm tra dữ liệu được nhập trong ô input có thỏa mãn không</a:t>
+            </a:r>
+            <a:endParaRPr lang="en-US"/>
+          </a:p>
+          <a:p>
+            <a:r>
+              <a:rPr lang="en-US"/>
+              <a:t>Gửi dữ diệu trong form  </a:t>
+            </a:r>
+            <a:endParaRPr lang="en-US"/>
+          </a:p>
+        </p:txBody>
+      </p:sp>
+      <p:sp>
+        <p:nvSpPr>
+          <p:cNvPr id="6" name="Title 1"/>
+          <p:cNvSpPr>
+            <a:spLocks noGrp="1"/>
+          </p:cNvSpPr>
+          <p:nvPr/>
+        </p:nvSpPr>
+        <p:spPr>
+          <a:xfrm>
+            <a:off x="909955" y="0"/>
+            <a:ext cx="11142980" cy="756285"/>
+          </a:xfrm>
+          <a:prstGeom prst="rect">
+            <a:avLst/>
+          </a:prstGeom>
+        </p:spPr>
+        <p:txBody>
+          <a:bodyPr vert="horz" lIns="91440" tIns="45720" rIns="91440" bIns="45720" rtlCol="0" anchor="t" anchorCtr="0">
+            <a:noAutofit/>
+          </a:bodyPr>
+          <a:lstStyle>
+            <a:lvl1pPr algn="l" defTabSz="914400" rtl="0" eaLnBrk="1" latinLnBrk="0" hangingPunct="1">
+              <a:spcBef>
+                <a:spcPct val="0"/>
+              </a:spcBef>
+              <a:buNone/>
+              <a:defRPr sz="5400" b="1" kern="1200">
+                <a:solidFill>
+                  <a:schemeClr val="tx2"/>
+                </a:solidFill>
+                <a:latin typeface="+mn-lt"/>
+                <a:ea typeface="+mj-ea"/>
+                <a:cs typeface="+mj-cs"/>
+              </a:defRPr>
+            </a:lvl1pPr>
+          </a:lstStyle>
+          <a:p>
+            <a:r>
+              <a:rPr lang="en-US" sz="4000"/>
+              <a:t>HTML Forms và Input Elements:</a:t>
+            </a:r>
+            <a:endParaRPr lang="en-US" sz="4000"/>
+          </a:p>
+        </p:txBody>
+      </p:sp>
+      <p:pic>
+        <p:nvPicPr>
+          <p:cNvPr id="7" name="Picture Placeholder 6"/>
+          <p:cNvPicPr>
+            <a:picLocks noChangeAspect="1"/>
+          </p:cNvPicPr>
+          <p:nvPr>
+            <p:ph type="pic" sz="quarter" idx="10"/>
+          </p:nvPr>
+        </p:nvPicPr>
+        <p:blipFill>
+          <a:blip r:embed="rId1"/>
+          <a:stretch>
+            <a:fillRect/>
+          </a:stretch>
+        </p:blipFill>
+        <p:spPr>
+          <a:xfrm>
+            <a:off x="909955" y="2360295"/>
+            <a:ext cx="4662170" cy="2411730"/>
+          </a:xfrm>
+          <a:prstGeom prst="rect">
+            <a:avLst/>
+          </a:prstGeom>
+        </p:spPr>
+      </p:pic>
+    </p:spTree>
+  </p:cSld>
+  <p:clrMapOvr>
+    <a:masterClrMapping/>
+  </p:clrMapOvr>
+</p:sld>
+</file>
+
+<file path=ppt/slides/slide24.xml><?xml version="1.0" encoding="utf-8"?>
+<p:sld xmlns:a="http://schemas.openxmlformats.org/drawingml/2006/main" xmlns:r="http://schemas.openxmlformats.org/officeDocument/2006/relationships" xmlns:p="http://schemas.openxmlformats.org/presentationml/2006/main">
+  <p:cSld>
+    <p:spTree>
+      <p:nvGrpSpPr>
+        <p:cNvPr id="1" name=""/>
+        <p:cNvGrpSpPr/>
+        <p:nvPr/>
+      </p:nvGrpSpPr>
+      <p:grpSpPr/>
+      <p:sp>
+        <p:nvSpPr>
+          <p:cNvPr id="2" name="Title 1"/>
+          <p:cNvSpPr>
+            <a:spLocks noGrp="1"/>
+          </p:cNvSpPr>
+          <p:nvPr>
+            <p:ph type="title"/>
+          </p:nvPr>
+        </p:nvSpPr>
+        <p:spPr/>
+        <p:txBody>
+          <a:bodyPr/>
+          <a:p>
+            <a:pPr algn="ctr"/>
+            <a:r>
+              <a:rPr lang="en-US"/>
+              <a:t>Kết quả</a:t>
+            </a:r>
+            <a:endParaRPr lang="en-US"/>
+          </a:p>
+        </p:txBody>
+      </p:sp>
+      <p:pic>
+        <p:nvPicPr>
+          <p:cNvPr id="5" name="Content Placeholder 4"/>
+          <p:cNvPicPr>
+            <a:picLocks noChangeAspect="1"/>
+          </p:cNvPicPr>
+          <p:nvPr>
+            <p:ph sz="quarter" idx="16"/>
+          </p:nvPr>
+        </p:nvPicPr>
+        <p:blipFill>
+          <a:blip r:embed="rId1"/>
+          <a:stretch>
+            <a:fillRect/>
+          </a:stretch>
+        </p:blipFill>
+        <p:spPr>
+          <a:xfrm>
+            <a:off x="1665605" y="1941195"/>
+            <a:ext cx="3696335" cy="3684905"/>
+          </a:xfrm>
+          <a:prstGeom prst="rect">
+            <a:avLst/>
+          </a:prstGeom>
+        </p:spPr>
+      </p:pic>
+      <p:pic>
+        <p:nvPicPr>
+          <p:cNvPr id="6" name="Content Placeholder 5"/>
+          <p:cNvPicPr>
+            <a:picLocks noChangeAspect="1"/>
+          </p:cNvPicPr>
+          <p:nvPr>
+            <p:ph sz="quarter" idx="15"/>
+          </p:nvPr>
+        </p:nvPicPr>
+        <p:blipFill>
+          <a:blip r:embed="rId2"/>
+          <a:stretch>
+            <a:fillRect/>
+          </a:stretch>
+        </p:blipFill>
+        <p:spPr>
+          <a:xfrm>
+            <a:off x="6916420" y="1941195"/>
+            <a:ext cx="3696335" cy="3684905"/>
+          </a:xfrm>
+          <a:prstGeom prst="rect">
+            <a:avLst/>
+          </a:prstGeom>
+        </p:spPr>
+      </p:pic>
+    </p:spTree>
+  </p:cSld>
+  <p:clrMapOvr>
+    <a:masterClrMapping/>
+  </p:clrMapOvr>
+</p:sld>
+</file>
+
+<file path=ppt/slides/slide25.xml><?xml version="1.0" encoding="utf-8"?>
+<p:sld xmlns:a="http://schemas.openxmlformats.org/drawingml/2006/main" xmlns:r="http://schemas.openxmlformats.org/officeDocument/2006/relationships" xmlns:p="http://schemas.openxmlformats.org/presentationml/2006/main">
+  <p:cSld>
+    <p:spTree>
+      <p:nvGrpSpPr>
+        <p:cNvPr id="1" name=""/>
+        <p:cNvGrpSpPr/>
+        <p:nvPr/>
+      </p:nvGrpSpPr>
+      <p:grpSpPr/>
+      <p:sp>
+        <p:nvSpPr>
+          <p:cNvPr id="2" name="Title 1"/>
+          <p:cNvSpPr>
+            <a:spLocks noGrp="1"/>
+          </p:cNvSpPr>
+          <p:nvPr>
+            <p:ph type="title"/>
+          </p:nvPr>
+        </p:nvSpPr>
+        <p:spPr>
+          <a:xfrm>
+            <a:off x="6297930" y="346710"/>
+            <a:ext cx="5084445" cy="1764665"/>
+          </a:xfrm>
+        </p:spPr>
+        <p:txBody>
+          <a:bodyPr/>
+          <a:p>
+            <a:r>
+              <a:rPr lang="en-US"/>
+              <a:t>Quy trình phát triển web</a:t>
+            </a:r>
+            <a:endParaRPr lang="en-US"/>
+          </a:p>
+        </p:txBody>
+      </p:sp>
+      <p:sp>
+        <p:nvSpPr>
+          <p:cNvPr id="4" name="Subtitle 3"/>
+          <p:cNvSpPr>
+            <a:spLocks noGrp="1"/>
+          </p:cNvSpPr>
+          <p:nvPr>
+            <p:ph type="subTitle" idx="1"/>
+          </p:nvPr>
+        </p:nvSpPr>
+        <p:spPr>
+          <a:xfrm>
+            <a:off x="6327808" y="2262759"/>
+            <a:ext cx="4591906" cy="1024128"/>
+          </a:xfrm>
+        </p:spPr>
+        <p:txBody>
+          <a:bodyPr/>
+          <a:p>
+            <a:r>
+              <a:rPr lang="en-US" sz="2800"/>
+              <a:t>1.Xác định yêu cầu (Requirement Analysis):</a:t>
+            </a:r>
+            <a:endParaRPr lang="en-US" sz="2800"/>
+          </a:p>
+          <a:p>
+            <a:endParaRPr lang="en-US"/>
+          </a:p>
+          <a:p>
+            <a:r>
+              <a:rPr lang="en-US"/>
+              <a:t>Thu thập thông tin từ khách hàng hoặc chủ dự án để hiểu rõ mục tiêu và yêu cầu của dự án web.</a:t>
+            </a:r>
+            <a:endParaRPr lang="en-US"/>
+          </a:p>
+          <a:p>
+            <a:r>
+              <a:rPr lang="en-US"/>
+              <a:t>Xác định đối tượng sử dụng, tính năng cần có, và các hạn chế kỹ thuật.</a:t>
+            </a:r>
+            <a:endParaRPr lang="en-US"/>
+          </a:p>
+        </p:txBody>
+      </p:sp>
+      <p:pic>
+        <p:nvPicPr>
+          <p:cNvPr id="5" name="Picture Placeholder 4"/>
+          <p:cNvPicPr>
+            <a:picLocks noChangeAspect="1"/>
+          </p:cNvPicPr>
+          <p:nvPr>
+            <p:ph type="pic" sz="quarter" idx="10"/>
+          </p:nvPr>
+        </p:nvPicPr>
+        <p:blipFill>
+          <a:blip r:embed="rId1"/>
+          <a:stretch>
+            <a:fillRect/>
+          </a:stretch>
+        </p:blipFill>
+        <p:spPr>
+          <a:xfrm>
+            <a:off x="1005840" y="2091055"/>
+            <a:ext cx="4324985" cy="2775585"/>
+          </a:xfrm>
+          <a:prstGeom prst="rect">
+            <a:avLst/>
+          </a:prstGeom>
+        </p:spPr>
+      </p:pic>
+    </p:spTree>
+  </p:cSld>
+  <p:clrMapOvr>
+    <a:masterClrMapping/>
+  </p:clrMapOvr>
+  <mc:AlternateContent xmlns:mc="http://schemas.openxmlformats.org/markup-compatibility/2006">
+    <mc:Choice xmlns:p14="http://schemas.microsoft.com/office/powerpoint/2010/main" Requires="p14">
+      <p:transition spd="slow" p14:dur="1000">
+        <p:wheel spokes="8"/>
+      </p:transition>
+    </mc:Choice>
+    <mc:Fallback>
+      <p:transition spd="slow">
+        <p:wheel spokes="8"/>
+      </p:transition>
+    </mc:Fallback>
+  </mc:AlternateContent>
+</p:sld>
+</file>
+
+<file path=ppt/slides/slide26.xml><?xml version="1.0" encoding="utf-8"?>
+<p:sld xmlns:a="http://schemas.openxmlformats.org/drawingml/2006/main" xmlns:r="http://schemas.openxmlformats.org/officeDocument/2006/relationships" xmlns:p="http://schemas.openxmlformats.org/presentationml/2006/main">
+  <p:cSld>
+    <p:spTree>
+      <p:nvGrpSpPr>
+        <p:cNvPr id="1" name=""/>
+        <p:cNvGrpSpPr/>
+        <p:nvPr/>
+      </p:nvGrpSpPr>
+      <p:grpSpPr/>
+      <p:sp>
+        <p:nvSpPr>
+          <p:cNvPr id="4" name="Subtitle 3"/>
+          <p:cNvSpPr>
+            <a:spLocks noGrp="1"/>
+          </p:cNvSpPr>
+          <p:nvPr>
+            <p:ph type="subTitle" idx="1"/>
+          </p:nvPr>
+        </p:nvSpPr>
+        <p:spPr>
+          <a:xfrm>
+            <a:off x="872490" y="767715"/>
+            <a:ext cx="5222875" cy="1024255"/>
+          </a:xfrm>
+        </p:spPr>
+        <p:txBody>
+          <a:bodyPr/>
+          <a:p>
+            <a:r>
+              <a:rPr lang="en-US" sz="3200"/>
+              <a:t>2.Lập kế hoạch (Planning):</a:t>
+            </a:r>
+            <a:endParaRPr lang="en-US" sz="3200"/>
+          </a:p>
+          <a:p>
+            <a:endParaRPr lang="en-US"/>
+          </a:p>
+          <a:p>
+            <a:r>
+              <a:rPr lang="en-US" sz="2400"/>
+              <a:t>Xác định nguồn lực, thời gian và ngân sách cần thiết cho dự án.</a:t>
+            </a:r>
+            <a:endParaRPr lang="en-US" sz="2400"/>
+          </a:p>
+          <a:p>
+            <a:r>
+              <a:rPr lang="en-US" sz="2400"/>
+              <a:t>Tạo lịch trình và kế hoạch công việc.</a:t>
+            </a:r>
+            <a:endParaRPr lang="en-US" sz="2400"/>
+          </a:p>
+          <a:p>
+            <a:r>
+              <a:rPr lang="en-US" sz="2400"/>
+              <a:t>Xác định công nghệ và framework phù hợp.</a:t>
+            </a:r>
+            <a:endParaRPr lang="en-US" sz="2400"/>
+          </a:p>
+        </p:txBody>
+      </p:sp>
+      <p:sp>
+        <p:nvSpPr>
+          <p:cNvPr id="5" name="Subtitle 3"/>
+          <p:cNvSpPr>
+            <a:spLocks noGrp="1"/>
+          </p:cNvSpPr>
+          <p:nvPr/>
+        </p:nvSpPr>
+        <p:spPr>
+          <a:xfrm>
+            <a:off x="6300503" y="767969"/>
+            <a:ext cx="4591906" cy="1024128"/>
+          </a:xfrm>
+          <a:prstGeom prst="rect">
+            <a:avLst/>
+          </a:prstGeom>
+        </p:spPr>
+        <p:txBody>
+          <a:bodyPr vert="horz" lIns="91440" tIns="45720" rIns="91440" bIns="45720" rtlCol="0">
+            <a:noAutofit/>
+          </a:bodyPr>
+          <a:lstStyle>
+            <a:lvl1pPr marL="0" indent="0" algn="l" defTabSz="914400" rtl="0" eaLnBrk="1" latinLnBrk="0" hangingPunct="1">
+              <a:lnSpc>
+                <a:spcPct val="100000"/>
+              </a:lnSpc>
+              <a:spcBef>
+                <a:spcPts val="1000"/>
+              </a:spcBef>
+              <a:spcAft>
+                <a:spcPts val="1200"/>
+              </a:spcAft>
+              <a:buFontTx/>
+              <a:buNone/>
+              <a:defRPr lang="en-US" sz="2200" b="1" kern="1200" dirty="0">
+                <a:solidFill>
+                  <a:schemeClr val="tx2"/>
+                </a:solidFill>
+                <a:latin typeface="Segoe UI Semibold" panose="020B0702040204020203" pitchFamily="34" charset="0"/>
+                <a:ea typeface="+mn-ea"/>
+                <a:cs typeface="Segoe UI Semibold" panose="020B0702040204020203" pitchFamily="34" charset="0"/>
+              </a:defRPr>
+            </a:lvl1pPr>
+            <a:lvl2pPr marL="457200" indent="0" algn="ctr" defTabSz="914400" rtl="0" eaLnBrk="1" latinLnBrk="0" hangingPunct="1">
+              <a:lnSpc>
+                <a:spcPct val="150000"/>
+              </a:lnSpc>
+              <a:spcBef>
+                <a:spcPts val="1000"/>
+              </a:spcBef>
+              <a:spcAft>
+                <a:spcPts val="1200"/>
+              </a:spcAft>
+              <a:buFont typeface="Arial" panose="020B0604020202020204" pitchFamily="34" charset="0"/>
+              <a:buNone/>
+              <a:defRPr lang="en-US" sz="2000" kern="1200" dirty="0">
+                <a:solidFill>
+                  <a:schemeClr val="tx1"/>
+                </a:solidFill>
+                <a:latin typeface="+mn-lt"/>
+                <a:ea typeface="+mn-ea"/>
+                <a:cs typeface="+mn-cs"/>
+              </a:defRPr>
+            </a:lvl2pPr>
+            <a:lvl3pPr marL="914400" indent="0" algn="ctr" defTabSz="914400" rtl="0" eaLnBrk="1" latinLnBrk="0" hangingPunct="1">
+              <a:lnSpc>
+                <a:spcPct val="150000"/>
+              </a:lnSpc>
+              <a:spcBef>
+                <a:spcPts val="1000"/>
+              </a:spcBef>
+              <a:spcAft>
+                <a:spcPts val="1200"/>
+              </a:spcAft>
+              <a:buFont typeface="Arial" panose="020B0604020202020204" pitchFamily="34" charset="0"/>
+              <a:buNone/>
+              <a:defRPr lang="en-US" sz="1800" kern="1200" dirty="0">
+                <a:solidFill>
+                  <a:schemeClr val="tx1"/>
+                </a:solidFill>
+                <a:latin typeface="+mn-lt"/>
+                <a:ea typeface="+mn-ea"/>
+                <a:cs typeface="+mn-cs"/>
+              </a:defRPr>
+            </a:lvl3pPr>
+            <a:lvl4pPr marL="1371600" indent="0" algn="ctr" defTabSz="914400" rtl="0" eaLnBrk="1" latinLnBrk="0" hangingPunct="1">
+              <a:lnSpc>
+                <a:spcPct val="150000"/>
+              </a:lnSpc>
+              <a:spcBef>
+                <a:spcPts val="1000"/>
+              </a:spcBef>
+              <a:spcAft>
+                <a:spcPts val="1200"/>
+              </a:spcAft>
+              <a:buFont typeface="Arial" panose="020B0604020202020204" pitchFamily="34" charset="0"/>
+              <a:buNone/>
+              <a:defRPr lang="en-US" sz="1600" kern="1200" dirty="0" smtClean="0">
+                <a:solidFill>
+                  <a:schemeClr val="tx1"/>
+                </a:solidFill>
+                <a:latin typeface="+mn-lt"/>
+                <a:ea typeface="+mn-ea"/>
+                <a:cs typeface="+mn-cs"/>
+              </a:defRPr>
+            </a:lvl4pPr>
+            <a:lvl5pPr marL="1828800" indent="0" algn="ctr" defTabSz="914400" rtl="0" eaLnBrk="1" latinLnBrk="0" hangingPunct="1">
+              <a:lnSpc>
+                <a:spcPct val="150000"/>
+              </a:lnSpc>
+              <a:spcBef>
+                <a:spcPts val="1000"/>
+              </a:spcBef>
+              <a:spcAft>
+                <a:spcPts val="1200"/>
+              </a:spcAft>
+              <a:buFont typeface="Arial" panose="020B0604020202020204" pitchFamily="34" charset="0"/>
+              <a:buNone/>
+              <a:defRPr lang="en-US" sz="1600" kern="1200" dirty="0" smtClean="0">
+                <a:solidFill>
+                  <a:schemeClr val="tx1"/>
+                </a:solidFill>
+                <a:latin typeface="+mn-lt"/>
+                <a:ea typeface="+mn-ea"/>
+                <a:cs typeface="+mn-cs"/>
+              </a:defRPr>
+            </a:lvl5pPr>
+            <a:lvl6pPr marL="2286000" indent="0" algn="ctr" defTabSz="914400" rtl="0" eaLnBrk="1" latinLnBrk="0" hangingPunct="1">
+              <a:lnSpc>
+                <a:spcPct val="150000"/>
+              </a:lnSpc>
+              <a:spcBef>
+                <a:spcPts val="1000"/>
+              </a:spcBef>
+              <a:spcAft>
+                <a:spcPts val="1200"/>
+              </a:spcAft>
+              <a:buFont typeface="Arial" panose="020B0604020202020204" pitchFamily="34" charset="0"/>
+              <a:buNone/>
+              <a:defRPr lang="en-US" sz="1600" kern="1200" dirty="0" smtClean="0">
+                <a:solidFill>
+                  <a:schemeClr val="tx1"/>
+                </a:solidFill>
+                <a:latin typeface="+mn-lt"/>
+                <a:ea typeface="+mn-ea"/>
+                <a:cs typeface="+mn-cs"/>
+              </a:defRPr>
+            </a:lvl6pPr>
+            <a:lvl7pPr marL="2743200" indent="0" algn="ctr" defTabSz="914400" rtl="0" eaLnBrk="1" latinLnBrk="0" hangingPunct="1">
+              <a:lnSpc>
+                <a:spcPct val="150000"/>
+              </a:lnSpc>
+              <a:spcBef>
+                <a:spcPts val="1000"/>
+              </a:spcBef>
+              <a:spcAft>
+                <a:spcPts val="1200"/>
+              </a:spcAft>
+              <a:buFont typeface="Arial" panose="020B0604020202020204" pitchFamily="34" charset="0"/>
+              <a:buNone/>
+              <a:defRPr lang="en-US" sz="1600" kern="1200" dirty="0" smtClean="0">
+                <a:solidFill>
+                  <a:schemeClr val="tx1"/>
+                </a:solidFill>
+                <a:latin typeface="+mn-lt"/>
+                <a:ea typeface="+mn-ea"/>
+                <a:cs typeface="+mn-cs"/>
+              </a:defRPr>
+            </a:lvl7pPr>
+            <a:lvl8pPr marL="3200400" indent="0" algn="ctr" defTabSz="914400" rtl="0" eaLnBrk="1" latinLnBrk="0" hangingPunct="1">
+              <a:lnSpc>
+                <a:spcPct val="150000"/>
+              </a:lnSpc>
+              <a:spcBef>
+                <a:spcPts val="1000"/>
+              </a:spcBef>
+              <a:spcAft>
+                <a:spcPts val="1200"/>
+              </a:spcAft>
+              <a:buFont typeface="Arial" panose="020B0604020202020204" pitchFamily="34" charset="0"/>
+              <a:buNone/>
+              <a:defRPr lang="en-US" sz="1600" kern="1200" dirty="0" smtClean="0">
+                <a:solidFill>
+                  <a:schemeClr val="tx1"/>
+                </a:solidFill>
+                <a:latin typeface="+mn-lt"/>
+                <a:ea typeface="+mn-ea"/>
+                <a:cs typeface="+mn-cs"/>
+              </a:defRPr>
+            </a:lvl8pPr>
+            <a:lvl9pPr marL="3657600" indent="0" algn="ctr" defTabSz="914400" rtl="0" eaLnBrk="1" latinLnBrk="0" hangingPunct="1">
+              <a:lnSpc>
+                <a:spcPct val="90000"/>
+              </a:lnSpc>
+              <a:spcBef>
+                <a:spcPct val="30000"/>
+              </a:spcBef>
+              <a:buFont typeface="Arial" panose="020B0604020202020204" pitchFamily="34" charset="0"/>
+              <a:buNone/>
+              <a:defRPr sz="1600" kern="1200">
+                <a:solidFill>
+                  <a:schemeClr val="tx1"/>
+                </a:solidFill>
+                <a:latin typeface="+mn-lt"/>
+                <a:ea typeface="+mn-ea"/>
+                <a:cs typeface="+mn-cs"/>
+              </a:defRPr>
+            </a:lvl9pPr>
+          </a:lstStyle>
+          <a:p>
+            <a:r>
+              <a:rPr lang="en-US" sz="3200"/>
               <a:t>3.Thiết kế (Design):</a:t>
             </a:r>
+            <a:endParaRPr lang="en-US" sz="3200"/>
+          </a:p>
+          <a:p>
             <a:endParaRPr lang="en-US"/>
           </a:p>
           <a:p>
-            <a:endParaRPr lang="en-US"/>
-          </a:p>
-          <a:p>
-            <a:r>
-              <a:rPr lang="en-US"/>
+            <a:r>
+              <a:rPr lang="en-US" sz="2400"/>
               <a:t>Tạo wireframe hoặc mockup để hiển thị cấu trúc và giao diện trang web.</a:t>
             </a:r>
-            <a:endParaRPr lang="en-US"/>
-          </a:p>
-          <a:p>
-            <a:r>
-              <a:rPr lang="en-US"/>
+            <a:endParaRPr lang="en-US" sz="2400"/>
+          </a:p>
+          <a:p>
+            <a:r>
+              <a:rPr lang="en-US" sz="2400"/>
               <a:t>Thiết kế giao diện người dùng (UI) và trải nghiệm người dùng (UX).</a:t>
             </a:r>
-            <a:endParaRPr lang="en-US"/>
-          </a:p>
-          <a:p>
-            <a:r>
-              <a:rPr lang="en-US"/>
+            <a:endParaRPr lang="en-US" sz="2400"/>
+          </a:p>
+          <a:p>
+            <a:r>
+              <a:rPr lang="en-US" sz="2400"/>
               <a:t>Lựa chọn màu sắc, hình ảnh, và font chữ phù hợp với thương hiệu.</a:t>
             </a:r>
-            <a:endParaRPr lang="en-US"/>
+            <a:endParaRPr lang="en-US" sz="2400"/>
           </a:p>
         </p:txBody>
       </p:sp>
@@ -12753,7 +14529,7 @@
 </p:sld>
 </file>
 
-<file path=ppt/slides/slide22.xml><?xml version="1.0" encoding="utf-8"?>
+<file path=ppt/slides/slide27.xml><?xml version="1.0" encoding="utf-8"?>
 <p:sld xmlns:a="http://schemas.openxmlformats.org/drawingml/2006/main" xmlns:r="http://schemas.openxmlformats.org/officeDocument/2006/relationships" xmlns:p="http://schemas.openxmlformats.org/presentationml/2006/main">
   <p:cSld>
     <p:spTree>
@@ -12775,42 +14551,42 @@
         </p:nvSpPr>
         <p:spPr>
           <a:xfrm>
-            <a:off x="435008" y="367919"/>
-            <a:ext cx="4591906" cy="1024128"/>
+            <a:off x="434975" y="367665"/>
+            <a:ext cx="5470525" cy="1024255"/>
           </a:xfrm>
         </p:spPr>
         <p:txBody>
           <a:bodyPr/>
           <a:p>
             <a:r>
-              <a:rPr lang="en-US"/>
+              <a:rPr lang="en-US" sz="3200"/>
               <a:t>4.Phát triển (Development):</a:t>
             </a:r>
+            <a:endParaRPr lang="en-US" sz="3200"/>
+          </a:p>
+          <a:p>
             <a:endParaRPr lang="en-US"/>
           </a:p>
           <a:p>
-            <a:endParaRPr lang="en-US"/>
-          </a:p>
-          <a:p>
-            <a:r>
-              <a:rPr lang="en-US"/>
+            <a:r>
+              <a:rPr lang="en-US" sz="2400"/>
               <a:t>Lập trình front-end: Xây dựng giao diện người dùng bằng HTML, CSS và JavaScript.</a:t>
             </a:r>
-            <a:endParaRPr lang="en-US"/>
-          </a:p>
-          <a:p>
-            <a:r>
-              <a:rPr lang="en-US"/>
+            <a:endParaRPr lang="en-US" sz="2400"/>
+          </a:p>
+          <a:p>
+            <a:r>
+              <a:rPr lang="en-US" sz="2400"/>
               <a:t>Lập trình back-end: Xây dựng logic và cơ sở dữ liệu của ứng dụng bằng các ngôn ngữ lập trình như PHP, Python, Ruby, hoặc Node.js.</a:t>
             </a:r>
-            <a:endParaRPr lang="en-US"/>
-          </a:p>
-          <a:p>
-            <a:r>
-              <a:rPr lang="en-US"/>
+            <a:endParaRPr lang="en-US" sz="2400"/>
+          </a:p>
+          <a:p>
+            <a:r>
+              <a:rPr lang="en-US" sz="2400"/>
               <a:t>Tạo cơ sở dữ liệu và quản lý dữ liệu.</a:t>
             </a:r>
-            <a:endParaRPr lang="en-US"/>
+            <a:endParaRPr lang="en-US" sz="2400"/>
           </a:p>
         </p:txBody>
       </p:sp>
@@ -13025,34 +14801,34 @@
           </a:lstStyle>
           <a:p>
             <a:r>
-              <a:rPr lang="en-US"/>
+              <a:rPr lang="en-US" sz="3200"/>
               <a:t>5.Kiểm thử (Testing):</a:t>
             </a:r>
+            <a:endParaRPr lang="en-US" sz="3200"/>
+          </a:p>
+          <a:p>
             <a:endParaRPr lang="en-US"/>
           </a:p>
           <a:p>
-            <a:endParaRPr lang="en-US"/>
-          </a:p>
-          <a:p>
-            <a:r>
-              <a:rPr lang="en-US"/>
+            <a:r>
+              <a:rPr lang="en-US" sz="2400"/>
               <a:t>Kiểm tra tính năng của trang web để đảm bảo hoạt động đúng và không có lỗi.</a:t>
             </a:r>
-            <a:endParaRPr lang="en-US"/>
-          </a:p>
-          <a:p>
-            <a:r>
-              <a:rPr lang="en-US"/>
+            <a:endParaRPr lang="en-US" sz="2400"/>
+          </a:p>
+          <a:p>
+            <a:r>
+              <a:rPr lang="en-US" sz="2400"/>
               <a:t>Kiểm tra tương tác người dùng và kiểm tra độ tương thích với các trình duyệt web khác nhau.</a:t>
             </a:r>
-            <a:endParaRPr lang="en-US"/>
-          </a:p>
-          <a:p>
-            <a:r>
-              <a:rPr lang="en-US"/>
+            <a:endParaRPr lang="en-US" sz="2400"/>
+          </a:p>
+          <a:p>
+            <a:r>
+              <a:rPr lang="en-US" sz="2400"/>
               <a:t>Thực hiện kiểm thử bảo mật để bảo vệ dự án khỏi các lỗ hổng bảo mật.</a:t>
             </a:r>
-            <a:endParaRPr lang="en-US"/>
+            <a:endParaRPr lang="en-US" sz="2400"/>
           </a:p>
         </p:txBody>
       </p:sp>
@@ -13076,7 +14852,7 @@
 </p:sld>
 </file>
 
-<file path=ppt/slides/slide23.xml><?xml version="1.0" encoding="utf-8"?>
+<file path=ppt/slides/slide28.xml><?xml version="1.0" encoding="utf-8"?>
 <p:sld xmlns:a="http://schemas.openxmlformats.org/drawingml/2006/main" xmlns:r="http://schemas.openxmlformats.org/officeDocument/2006/relationships" xmlns:p="http://schemas.openxmlformats.org/presentationml/2006/main">
   <p:cSld>
     <p:spTree>
@@ -13110,42 +14886,42 @@
         </p:nvSpPr>
         <p:spPr>
           <a:xfrm>
-            <a:off x="1005873" y="639064"/>
-            <a:ext cx="4591906" cy="1024128"/>
+            <a:off x="478155" y="530225"/>
+            <a:ext cx="5090160" cy="1024255"/>
           </a:xfrm>
         </p:spPr>
         <p:txBody>
           <a:bodyPr/>
           <a:p>
             <a:r>
-              <a:rPr lang="en-US"/>
+              <a:rPr lang="en-US" sz="3200"/>
               <a:t>6.Triển khai (Deployment):</a:t>
             </a:r>
+            <a:endParaRPr lang="en-US" sz="3200"/>
+          </a:p>
+          <a:p>
             <a:endParaRPr lang="en-US"/>
           </a:p>
           <a:p>
-            <a:endParaRPr lang="en-US"/>
-          </a:p>
-          <a:p>
-            <a:r>
-              <a:rPr lang="en-US"/>
+            <a:r>
+              <a:rPr lang="en-US" sz="2400"/>
               <a:t>Đưa trang web hoặc ứng dụng lên máy chủ hoặc nền tảng hosting.</a:t>
             </a:r>
-            <a:endParaRPr lang="en-US"/>
-          </a:p>
-          <a:p>
-            <a:r>
-              <a:rPr lang="en-US"/>
+            <a:endParaRPr lang="en-US" sz="2400"/>
+          </a:p>
+          <a:p>
+            <a:r>
+              <a:rPr lang="en-US" sz="2400"/>
               <a:t>Cấu hình môi trường sản phẩm cuối cùng.</a:t>
             </a:r>
-            <a:endParaRPr lang="en-US"/>
-          </a:p>
-          <a:p>
-            <a:r>
-              <a:rPr lang="en-US"/>
+            <a:endParaRPr lang="en-US" sz="2400"/>
+          </a:p>
+          <a:p>
+            <a:r>
+              <a:rPr lang="en-US" sz="2400"/>
               <a:t>Kiểm tra lại trước khi đưa vào sử dụng thực tế.</a:t>
             </a:r>
-            <a:endParaRPr lang="en-US"/>
+            <a:endParaRPr lang="en-US" sz="2400"/>
           </a:p>
         </p:txBody>
       </p:sp>
@@ -13159,8 +14935,8 @@
         </p:nvSpPr>
         <p:spPr>
           <a:xfrm>
-            <a:off x="6657373" y="639064"/>
-            <a:ext cx="4591906" cy="1024128"/>
+            <a:off x="5760085" y="746760"/>
+            <a:ext cx="6637655" cy="1024255"/>
           </a:xfrm>
           <a:prstGeom prst="rect">
             <a:avLst/>
@@ -13359,28 +15135,45 @@
             </a:lvl9pPr>
           </a:lstStyle>
           <a:p>
-            <a:r>
-              <a:rPr lang="en-US"/>
-              <a:t>7.Bảo trì và cải tiến (Maintenance and Enhancement):</a:t>
-            </a:r>
-            <a:endParaRPr lang="en-US"/>
-          </a:p>
-          <a:p>
-            <a:endParaRPr lang="en-US"/>
-          </a:p>
-          <a:p>
-            <a:r>
-              <a:rPr lang="en-US"/>
+            <a:pPr>
+              <a:lnSpc>
+                <a:spcPct val="40000"/>
+              </a:lnSpc>
+            </a:pPr>
+            <a:r>
+              <a:rPr lang="en-US" sz="3200"/>
+              <a:t>7.Bảo trì và cải tiến</a:t>
+            </a:r>
+            <a:endParaRPr lang="en-US" sz="3200"/>
+          </a:p>
+          <a:p>
+            <a:pPr>
+              <a:lnSpc>
+                <a:spcPct val="40000"/>
+              </a:lnSpc>
+            </a:pPr>
+            <a:r>
+              <a:rPr lang="en-US" sz="3200"/>
+              <a:t>(Maintenance and Enhancement):</a:t>
+            </a:r>
+            <a:endParaRPr lang="en-US" sz="2400"/>
+          </a:p>
+          <a:p>
+            <a:endParaRPr lang="en-US" sz="2400"/>
+          </a:p>
+          <a:p>
+            <a:r>
+              <a:rPr lang="en-US" sz="2400"/>
               <a:t>Theo dõi và duy trì trang web để đảm bảo tính ổn định và hiệu suất.</a:t>
             </a:r>
-            <a:endParaRPr lang="en-US"/>
-          </a:p>
-          <a:p>
-            <a:r>
-              <a:rPr lang="en-US"/>
+            <a:endParaRPr lang="en-US" sz="2400"/>
+          </a:p>
+          <a:p>
+            <a:r>
+              <a:rPr lang="en-US" sz="2400"/>
               <a:t>Thực hiện các cải tiến, bảo mật và nâng cấp theo thời gian khi cần thiết.</a:t>
             </a:r>
-            <a:endParaRPr lang="en-US"/>
+            <a:endParaRPr lang="en-US" sz="2400"/>
           </a:p>
         </p:txBody>
       </p:sp>
@@ -13404,7 +15197,7 @@
 </p:sld>
 </file>
 
-<file path=ppt/slides/slide24.xml><?xml version="1.0" encoding="utf-8"?>
+<file path=ppt/slides/slide29.xml><?xml version="1.0" encoding="utf-8"?>
 <p:sld xmlns:a="http://schemas.openxmlformats.org/drawingml/2006/main" xmlns:r="http://schemas.openxmlformats.org/officeDocument/2006/relationships" xmlns:p="http://schemas.openxmlformats.org/presentationml/2006/main">
   <p:cSld>
     <p:spTree>
@@ -13426,35 +15219,35 @@
         </p:nvSpPr>
         <p:spPr>
           <a:xfrm>
-            <a:off x="6424963" y="1608709"/>
-            <a:ext cx="4591906" cy="1024128"/>
+            <a:off x="6424930" y="1608455"/>
+            <a:ext cx="5207635" cy="1024255"/>
           </a:xfrm>
         </p:spPr>
         <p:txBody>
           <a:bodyPr/>
           <a:p>
             <a:r>
-              <a:rPr lang="en-US"/>
+              <a:rPr lang="en-US" sz="3200"/>
               <a:t>8.Quản lý dự án (Project Management):</a:t>
             </a:r>
+            <a:endParaRPr lang="en-US" sz="3200"/>
+          </a:p>
+          <a:p>
             <a:endParaRPr lang="en-US"/>
           </a:p>
           <a:p>
-            <a:endParaRPr lang="en-US"/>
-          </a:p>
-          <a:p>
-            <a:r>
-              <a:rPr lang="en-US"/>
+            <a:r>
+              <a:rPr lang="en-US" sz="2400"/>
               <a:t>Theo dõi tiến độ dự án, quản lý nguồn lực và ngân sách.</a:t>
             </a:r>
-            <a:endParaRPr lang="en-US"/>
-          </a:p>
-          <a:p>
-            <a:r>
-              <a:rPr lang="en-US"/>
+            <a:endParaRPr lang="en-US" sz="2400"/>
+          </a:p>
+          <a:p>
+            <a:r>
+              <a:rPr lang="en-US" sz="2400"/>
               <a:t>Tương tác với khách hàng hoặc chủ dự án để báo cáo và cập nhật.</a:t>
             </a:r>
-            <a:endParaRPr lang="en-US"/>
+            <a:endParaRPr lang="en-US" sz="2400"/>
           </a:p>
         </p:txBody>
       </p:sp>
@@ -13498,260 +15291,6 @@
     <mc:Fallback>
       <p:transition spd="med">
         <p:newsflash/>
-      </p:transition>
-    </mc:Fallback>
-  </mc:AlternateContent>
-</p:sld>
-</file>
-
-<file path=ppt/slides/slide25.xml><?xml version="1.0" encoding="utf-8"?>
-<p:sld xmlns:a="http://schemas.openxmlformats.org/drawingml/2006/main" xmlns:r="http://schemas.openxmlformats.org/officeDocument/2006/relationships" xmlns:p="http://schemas.openxmlformats.org/presentationml/2006/main">
-  <p:cSld>
-    <p:spTree>
-      <p:nvGrpSpPr>
-        <p:cNvPr id="1" name=""/>
-        <p:cNvGrpSpPr/>
-        <p:nvPr/>
-      </p:nvGrpSpPr>
-      <p:grpSpPr/>
-      <p:sp>
-        <p:nvSpPr>
-          <p:cNvPr id="2" name="Title 1"/>
-          <p:cNvSpPr>
-            <a:spLocks noGrp="1"/>
-          </p:cNvSpPr>
-          <p:nvPr>
-            <p:ph type="title"/>
-          </p:nvPr>
-        </p:nvSpPr>
-        <p:spPr>
-          <a:xfrm>
-            <a:off x="1660525" y="2835275"/>
-            <a:ext cx="3328035" cy="1764665"/>
-          </a:xfrm>
-        </p:spPr>
-        <p:txBody>
-          <a:bodyPr/>
-          <a:p>
-            <a:r>
-              <a:rPr lang="en-US"/>
-              <a:t>Tổng kết</a:t>
-            </a:r>
-            <a:endParaRPr lang="en-US"/>
-          </a:p>
-        </p:txBody>
-      </p:sp>
-      <p:sp>
-        <p:nvSpPr>
-          <p:cNvPr id="4" name="Subtitle 3"/>
-          <p:cNvSpPr>
-            <a:spLocks noGrp="1"/>
-          </p:cNvSpPr>
-          <p:nvPr>
-            <p:ph type="subTitle" idx="1"/>
-          </p:nvPr>
-        </p:nvSpPr>
-        <p:spPr>
-          <a:xfrm>
-            <a:off x="6163945" y="1546225"/>
-            <a:ext cx="4591685" cy="2265680"/>
-          </a:xfrm>
-        </p:spPr>
-        <p:txBody>
-          <a:bodyPr/>
-          <a:p>
-            <a:r>
-              <a:rPr lang="en-US" sz="2800">
-                <a:solidFill>
-                  <a:schemeClr val="tx1"/>
-                </a:solidFill>
-                <a:effectLst>
-                  <a:outerShdw blurRad="38100" dist="19050" dir="2700000" algn="tl" rotWithShape="0">
-                    <a:schemeClr val="dk1">
-                      <a:alpha val="40000"/>
-                    </a:schemeClr>
-                  </a:outerShdw>
-                </a:effectLst>
-              </a:rPr>
-              <a:t>HTML</a:t>
-            </a:r>
-            <a:endParaRPr lang="en-US" sz="2800">
-              <a:solidFill>
-                <a:schemeClr val="tx1"/>
-              </a:solidFill>
-              <a:effectLst>
-                <a:outerShdw blurRad="38100" dist="19050" dir="2700000" algn="tl" rotWithShape="0">
-                  <a:schemeClr val="dk1">
-                    <a:alpha val="40000"/>
-                  </a:schemeClr>
-                </a:outerShdw>
-              </a:effectLst>
-            </a:endParaRPr>
-          </a:p>
-          <a:p>
-            <a:r>
-              <a:rPr lang="en-US"/>
-              <a:t>Định dạng web (cấu trúc , bố cục)</a:t>
-            </a:r>
-            <a:endParaRPr lang="en-US"/>
-          </a:p>
-          <a:p>
-            <a:r>
-              <a:rPr lang="en-US" sz="2800">
-                <a:solidFill>
-                  <a:schemeClr val="tx1"/>
-                </a:solidFill>
-                <a:effectLst>
-                  <a:outerShdw blurRad="38100" dist="19050" dir="2700000" algn="tl" rotWithShape="0">
-                    <a:schemeClr val="dk1">
-                      <a:alpha val="40000"/>
-                    </a:schemeClr>
-                  </a:outerShdw>
-                </a:effectLst>
-              </a:rPr>
-              <a:t>CSS</a:t>
-            </a:r>
-            <a:endParaRPr lang="en-US" sz="2800">
-              <a:solidFill>
-                <a:schemeClr val="tx1"/>
-              </a:solidFill>
-              <a:effectLst>
-                <a:outerShdw blurRad="38100" dist="19050" dir="2700000" algn="tl" rotWithShape="0">
-                  <a:schemeClr val="dk1">
-                    <a:alpha val="40000"/>
-                  </a:schemeClr>
-                </a:outerShdw>
-              </a:effectLst>
-            </a:endParaRPr>
-          </a:p>
-          <a:p>
-            <a:r>
-              <a:rPr lang="en-US"/>
-              <a:t>Tùy chỉnh thuộc tích tạo sự hấp dẫn cho người dùng </a:t>
-            </a:r>
-            <a:endParaRPr lang="en-US"/>
-          </a:p>
-          <a:p>
-            <a:r>
-              <a:rPr lang="en-US" sz="2800">
-                <a:solidFill>
-                  <a:schemeClr val="tx1"/>
-                </a:solidFill>
-                <a:effectLst>
-                  <a:outerShdw blurRad="38100" dist="19050" dir="2700000" algn="tl" rotWithShape="0">
-                    <a:schemeClr val="dk1">
-                      <a:alpha val="40000"/>
-                    </a:schemeClr>
-                  </a:outerShdw>
-                </a:effectLst>
-              </a:rPr>
-              <a:t>JAVA SCRIPT</a:t>
-            </a:r>
-            <a:endParaRPr lang="en-US"/>
-          </a:p>
-          <a:p>
-            <a:r>
-              <a:rPr lang="en-US"/>
-              <a:t>Tạo các sự kiện cho người dùng tương tác với web</a:t>
-            </a:r>
-            <a:endParaRPr lang="en-US"/>
-          </a:p>
-        </p:txBody>
-      </p:sp>
-    </p:spTree>
-  </p:cSld>
-  <p:clrMapOvr>
-    <a:masterClrMapping/>
-  </p:clrMapOvr>
-  <mc:AlternateContent xmlns:mc="http://schemas.openxmlformats.org/markup-compatibility/2006">
-    <mc:Choice xmlns:p15="http://schemas.microsoft.com/office/powerpoint/2012/main" Requires="p15">
-      <p:transition xmlns:p14="http://schemas.microsoft.com/office/powerpoint/2010/main" spd="slow" Requires="p14" p14:dur="1250">
-        <p15:prstTrans prst="airplane"/>
-      </p:transition>
-    </mc:Choice>
-    <mc:Fallback>
-      <p:transition spd="slow">
-        <p:fade/>
-      </p:transition>
-    </mc:Fallback>
-  </mc:AlternateContent>
-</p:sld>
-</file>
-
-<file path=ppt/slides/slide26.xml><?xml version="1.0" encoding="utf-8"?>
-<p:sld xmlns:a="http://schemas.openxmlformats.org/drawingml/2006/main" xmlns:r="http://schemas.openxmlformats.org/officeDocument/2006/relationships" xmlns:p="http://schemas.openxmlformats.org/presentationml/2006/main">
-  <p:cSld>
-    <p:spTree>
-      <p:nvGrpSpPr>
-        <p:cNvPr id="1" name=""/>
-        <p:cNvGrpSpPr/>
-        <p:nvPr/>
-      </p:nvGrpSpPr>
-      <p:grpSpPr>
-        <a:xfrm>
-          <a:off x="0" y="0"/>
-          <a:ext cx="0" cy="0"/>
-          <a:chOff x="0" y="0"/>
-          <a:chExt cx="0" cy="0"/>
-        </a:xfrm>
-      </p:grpSpPr>
-      <p:pic>
-        <p:nvPicPr>
-          <p:cNvPr id="2050" name="Picture 2" descr="Hình ảnh cảm ơn đã lắng nghe cho PowerPoint - Thợ Sửa Máy Giặt [ Tìm ..."/>
-          <p:cNvPicPr>
-            <a:picLocks noGrp="1" noChangeAspect="1" noChangeArrowheads="1"/>
-          </p:cNvPicPr>
-          <p:nvPr>
-            <p:ph sz="quarter" idx="15"/>
-          </p:nvPr>
-        </p:nvPicPr>
-        <p:blipFill>
-          <a:blip r:embed="rId1">
-            <a:extLst>
-              <a:ext uri="{28A0092B-C50C-407E-A947-70E740481C1C}">
-                <a14:useLocalDpi xmlns:a14="http://schemas.microsoft.com/office/drawing/2010/main" val="0"/>
-              </a:ext>
-            </a:extLst>
-          </a:blip>
-          <a:srcRect/>
-          <a:stretch>
-            <a:fillRect/>
-          </a:stretch>
-        </p:blipFill>
-        <p:spPr bwMode="auto">
-          <a:xfrm>
-            <a:off x="0" y="-10160"/>
-            <a:ext cx="12191999" cy="6857999"/>
-          </a:xfrm>
-          <a:prstGeom prst="rect">
-            <a:avLst/>
-          </a:prstGeom>
-          <a:noFill/>
-          <a:extLst>
-            <a:ext uri="{909E8E84-426E-40DD-AFC4-6F175D3DCCD1}">
-              <a14:hiddenFill xmlns:a14="http://schemas.microsoft.com/office/drawing/2010/main">
-                <a:solidFill>
-                  <a:srgbClr val="FFFFFF"/>
-                </a:solidFill>
-              </a14:hiddenFill>
-            </a:ext>
-          </a:extLst>
-        </p:spPr>
-      </p:pic>
-    </p:spTree>
-  </p:cSld>
-  <p:clrMapOvr>
-    <a:masterClrMapping/>
-  </p:clrMapOvr>
-  <mc:AlternateContent xmlns:mc="http://schemas.openxmlformats.org/markup-compatibility/2006">
-    <mc:Choice xmlns:p15="http://schemas.microsoft.com/office/powerpoint/2012/main" Requires="p15">
-      <p:transition xmlns:p14="http://schemas.microsoft.com/office/powerpoint/2010/main" spd="slow" Requires="p14" p14:dur="1250">
-        <p15:prstTrans prst="peelOff"/>
-      </p:transition>
-    </mc:Choice>
-    <mc:Fallback>
-      <p:transition spd="slow">
-        <p:fade/>
       </p:transition>
     </mc:Fallback>
   </mc:AlternateContent>
@@ -13830,19 +15369,66 @@
                 <a:cs typeface="Segoe UI" panose="020B0502040204020203" pitchFamily="34" charset="0"/>
               </a:rPr>
             </a:br>
-            <a:r>
-              <a:rPr lang="en-US" altLang="vi-VN" dirty="0" err="1">
+            <a:br>
+              <a:rPr lang="en-US" sz="3200" b="1" dirty="0">
+                <a:solidFill>
+                  <a:schemeClr val="tx2"/>
+                </a:solidFill>
+                <a:latin typeface="Segoe UI" panose="020B0502040204020203" pitchFamily="34" charset="0"/>
+                <a:cs typeface="Segoe UI" panose="020B0502040204020203" pitchFamily="34" charset="0"/>
+              </a:rPr>
+            </a:br>
+            <a:br>
+              <a:rPr lang="en-US" sz="3200" b="1" dirty="0">
+                <a:solidFill>
+                  <a:schemeClr val="tx2"/>
+                </a:solidFill>
+                <a:latin typeface="Segoe UI" panose="020B0502040204020203" pitchFamily="34" charset="0"/>
+                <a:cs typeface="Segoe UI" panose="020B0502040204020203" pitchFamily="34" charset="0"/>
+              </a:rPr>
+            </a:br>
+            <a:r>
+              <a:rPr lang="vi-VN" i="0" dirty="0">
                 <a:solidFill>
                   <a:srgbClr val="00B0F0"/>
                 </a:solidFill>
                 <a:effectLst/>
                 <a:latin typeface="Times New Roman" panose="02020603050405020304" pitchFamily="18" charset="0"/>
-                <a:sym typeface="+mn-ea"/>
               </a:rPr>
-              <a:t>I. HTML</a:t>
+              <a:t> </a:t>
+            </a:r>
+            <a:r>
+              <a:rPr lang="vi-VN" i="0" dirty="0" err="1">
+                <a:solidFill>
+                  <a:srgbClr val="00B0F0"/>
+                </a:solidFill>
+                <a:effectLst/>
+                <a:latin typeface="Times New Roman" panose="02020603050405020304" pitchFamily="18" charset="0"/>
+              </a:rPr>
+              <a:t>Định</a:t>
+            </a:r>
+            <a:r>
+              <a:rPr lang="vi-VN" i="0" dirty="0">
+                <a:solidFill>
+                  <a:srgbClr val="00B0F0"/>
+                </a:solidFill>
+                <a:effectLst/>
+                <a:latin typeface="Times New Roman" panose="02020603050405020304" pitchFamily="18" charset="0"/>
+              </a:rPr>
+              <a:t> </a:t>
+            </a:r>
+            <a:r>
+              <a:rPr lang="vi-VN" i="0" dirty="0" err="1">
+                <a:solidFill>
+                  <a:srgbClr val="00B0F0"/>
+                </a:solidFill>
+                <a:effectLst/>
+                <a:latin typeface="Times New Roman" panose="02020603050405020304" pitchFamily="18" charset="0"/>
+              </a:rPr>
+              <a:t>nghĩa</a:t>
             </a:r>
             <a:br>
-              <a:rPr lang="vi-VN" i="0" dirty="0">
+              <a:rPr lang="vi-VN" sz="1800" i="0" dirty="0">
                 <a:solidFill>
                   <a:srgbClr val="000000"/>
                 </a:solidFill>
@@ -13850,66 +15436,8 @@
                 <a:latin typeface="Times New Roman" panose="02020603050405020304" pitchFamily="18" charset="0"/>
               </a:rPr>
             </a:br>
-            <a:br>
-              <a:rPr lang="en-US" sz="1800" i="0" dirty="0">
-                <a:solidFill>
-                  <a:srgbClr val="000000"/>
-                </a:solidFill>
-                <a:effectLst/>
-                <a:latin typeface="Times New Roman" panose="02020603050405020304" pitchFamily="18" charset="0"/>
-              </a:rPr>
-            </a:br>
-            <a:r>
-              <a:rPr lang="vi-VN" sz="1800" i="0" dirty="0">
-                <a:solidFill>
-                  <a:srgbClr val="00B0F0"/>
-                </a:solidFill>
-                <a:effectLst/>
-                <a:latin typeface="Times New Roman" panose="02020603050405020304" pitchFamily="18" charset="0"/>
-              </a:rPr>
-              <a:t>1.1 </a:t>
-            </a:r>
-            <a:r>
-              <a:rPr lang="vi-VN" sz="1800" i="0" dirty="0" err="1">
-                <a:solidFill>
-                  <a:srgbClr val="00B0F0"/>
-                </a:solidFill>
-                <a:effectLst/>
-                <a:latin typeface="Times New Roman" panose="02020603050405020304" pitchFamily="18" charset="0"/>
-              </a:rPr>
-              <a:t>Định</a:t>
-            </a:r>
-            <a:r>
-              <a:rPr lang="vi-VN" sz="1800" i="0" dirty="0">
-                <a:solidFill>
-                  <a:srgbClr val="00B0F0"/>
-                </a:solidFill>
-                <a:effectLst/>
-                <a:latin typeface="Times New Roman" panose="02020603050405020304" pitchFamily="18" charset="0"/>
-              </a:rPr>
-              <a:t> </a:t>
-            </a:r>
-            <a:r>
-              <a:rPr lang="vi-VN" sz="1800" i="0" dirty="0" err="1">
-                <a:solidFill>
-                  <a:srgbClr val="00B0F0"/>
-                </a:solidFill>
-                <a:effectLst/>
-                <a:latin typeface="Times New Roman" panose="02020603050405020304" pitchFamily="18" charset="0"/>
-              </a:rPr>
-              <a:t>nghĩa</a:t>
-            </a:r>
-            <a:br>
-              <a:rPr lang="vi-VN" sz="1800" i="0" dirty="0">
-                <a:solidFill>
-                  <a:srgbClr val="000000"/>
-                </a:solidFill>
-                <a:effectLst/>
-                <a:latin typeface="Times New Roman" panose="02020603050405020304" pitchFamily="18" charset="0"/>
-              </a:rPr>
-            </a:br>
-            <a:r>
-              <a:rPr lang="vi-VN" sz="1800" b="0" i="0" dirty="0">
+            <a:r>
+              <a:rPr lang="vi-VN" sz="2400" b="0" i="0" dirty="0">
                 <a:solidFill>
                   <a:srgbClr val="000000"/>
                 </a:solidFill>
@@ -14334,6 +15862,52 @@
           </a:prstGeom>
         </p:spPr>
       </p:pic>
+      <p:sp>
+        <p:nvSpPr>
+          <p:cNvPr id="3" name="Title 5"/>
+          <p:cNvSpPr>
+            <a:spLocks noGrp="1"/>
+          </p:cNvSpPr>
+          <p:nvPr/>
+        </p:nvSpPr>
+        <p:spPr>
+          <a:xfrm>
+            <a:off x="540385" y="1168400"/>
+            <a:ext cx="2731135" cy="958215"/>
+          </a:xfrm>
+          <a:prstGeom prst="rect">
+            <a:avLst/>
+          </a:prstGeom>
+        </p:spPr>
+        <p:txBody>
+          <a:bodyPr vert="horz" lIns="91440" tIns="45720" rIns="91440" bIns="45720" rtlCol="0" anchor="t" anchorCtr="0">
+            <a:noAutofit/>
+          </a:bodyPr>
+          <a:lstStyle>
+            <a:lvl1pPr algn="l" defTabSz="914400" rtl="0" eaLnBrk="1" latinLnBrk="0" hangingPunct="1">
+              <a:spcBef>
+                <a:spcPct val="0"/>
+              </a:spcBef>
+              <a:buNone/>
+              <a:defRPr sz="5400" b="1" kern="1200">
+                <a:solidFill>
+                  <a:schemeClr val="tx2"/>
+                </a:solidFill>
+                <a:latin typeface="+mn-lt"/>
+                <a:ea typeface="+mj-ea"/>
+                <a:cs typeface="+mj-cs"/>
+              </a:defRPr>
+            </a:lvl1pPr>
+          </a:lstStyle>
+          <a:p>
+            <a:r>
+              <a:rPr lang="en-US" sz="4000"/>
+              <a:t>I.HTML</a:t>
+            </a:r>
+            <a:endParaRPr lang="en-US" sz="4000"/>
+          </a:p>
+        </p:txBody>
+      </p:sp>
     </p:spTree>
   </p:cSld>
   <p:clrMapOvr>
@@ -14347,6 +15921,260 @@
     </mc:Choice>
     <mc:Fallback>
       <p:transition spd="med">
+        <p:fade/>
+      </p:transition>
+    </mc:Fallback>
+  </mc:AlternateContent>
+</p:sld>
+</file>
+
+<file path=ppt/slides/slide30.xml><?xml version="1.0" encoding="utf-8"?>
+<p:sld xmlns:a="http://schemas.openxmlformats.org/drawingml/2006/main" xmlns:r="http://schemas.openxmlformats.org/officeDocument/2006/relationships" xmlns:p="http://schemas.openxmlformats.org/presentationml/2006/main">
+  <p:cSld>
+    <p:spTree>
+      <p:nvGrpSpPr>
+        <p:cNvPr id="1" name=""/>
+        <p:cNvGrpSpPr/>
+        <p:nvPr/>
+      </p:nvGrpSpPr>
+      <p:grpSpPr/>
+      <p:sp>
+        <p:nvSpPr>
+          <p:cNvPr id="2" name="Title 1"/>
+          <p:cNvSpPr>
+            <a:spLocks noGrp="1"/>
+          </p:cNvSpPr>
+          <p:nvPr>
+            <p:ph type="title"/>
+          </p:nvPr>
+        </p:nvSpPr>
+        <p:spPr>
+          <a:xfrm>
+            <a:off x="1660525" y="2835275"/>
+            <a:ext cx="3328035" cy="1764665"/>
+          </a:xfrm>
+        </p:spPr>
+        <p:txBody>
+          <a:bodyPr/>
+          <a:p>
+            <a:r>
+              <a:rPr lang="en-US"/>
+              <a:t>Tổng kết</a:t>
+            </a:r>
+            <a:endParaRPr lang="en-US"/>
+          </a:p>
+        </p:txBody>
+      </p:sp>
+      <p:sp>
+        <p:nvSpPr>
+          <p:cNvPr id="4" name="Subtitle 3"/>
+          <p:cNvSpPr>
+            <a:spLocks noGrp="1"/>
+          </p:cNvSpPr>
+          <p:nvPr>
+            <p:ph type="subTitle" idx="1"/>
+          </p:nvPr>
+        </p:nvSpPr>
+        <p:spPr>
+          <a:xfrm>
+            <a:off x="6185535" y="1000760"/>
+            <a:ext cx="4591685" cy="2265680"/>
+          </a:xfrm>
+        </p:spPr>
+        <p:txBody>
+          <a:bodyPr/>
+          <a:p>
+            <a:r>
+              <a:rPr lang="en-US" sz="3200">
+                <a:solidFill>
+                  <a:schemeClr val="tx1"/>
+                </a:solidFill>
+                <a:effectLst>
+                  <a:outerShdw blurRad="38100" dist="19050" dir="2700000" algn="tl" rotWithShape="0">
+                    <a:schemeClr val="dk1">
+                      <a:alpha val="40000"/>
+                    </a:schemeClr>
+                  </a:outerShdw>
+                </a:effectLst>
+              </a:rPr>
+              <a:t>HTML</a:t>
+            </a:r>
+            <a:endParaRPr lang="en-US" sz="3200">
+              <a:solidFill>
+                <a:schemeClr val="tx1"/>
+              </a:solidFill>
+              <a:effectLst>
+                <a:outerShdw blurRad="38100" dist="19050" dir="2700000" algn="tl" rotWithShape="0">
+                  <a:schemeClr val="dk1">
+                    <a:alpha val="40000"/>
+                  </a:schemeClr>
+                </a:outerShdw>
+              </a:effectLst>
+            </a:endParaRPr>
+          </a:p>
+          <a:p>
+            <a:r>
+              <a:rPr lang="en-US" sz="2400"/>
+              <a:t>Định dạng web (cấu trúc , bố cục)</a:t>
+            </a:r>
+            <a:endParaRPr lang="en-US" sz="2400"/>
+          </a:p>
+          <a:p>
+            <a:r>
+              <a:rPr lang="en-US" sz="3200">
+                <a:solidFill>
+                  <a:schemeClr val="tx1"/>
+                </a:solidFill>
+                <a:effectLst>
+                  <a:outerShdw blurRad="38100" dist="19050" dir="2700000" algn="tl" rotWithShape="0">
+                    <a:schemeClr val="dk1">
+                      <a:alpha val="40000"/>
+                    </a:schemeClr>
+                  </a:outerShdw>
+                </a:effectLst>
+              </a:rPr>
+              <a:t>CSS</a:t>
+            </a:r>
+            <a:endParaRPr lang="en-US" sz="3200">
+              <a:solidFill>
+                <a:schemeClr val="tx1"/>
+              </a:solidFill>
+              <a:effectLst>
+                <a:outerShdw blurRad="38100" dist="19050" dir="2700000" algn="tl" rotWithShape="0">
+                  <a:schemeClr val="dk1">
+                    <a:alpha val="40000"/>
+                  </a:schemeClr>
+                </a:outerShdw>
+              </a:effectLst>
+            </a:endParaRPr>
+          </a:p>
+          <a:p>
+            <a:r>
+              <a:rPr lang="en-US" sz="2400"/>
+              <a:t>Tùy chỉnh thuộc tích tạo sự hấp dẫn cho người dùng </a:t>
+            </a:r>
+            <a:endParaRPr lang="en-US" sz="2400"/>
+          </a:p>
+          <a:p>
+            <a:r>
+              <a:rPr lang="en-US" sz="3200">
+                <a:solidFill>
+                  <a:schemeClr val="tx1"/>
+                </a:solidFill>
+                <a:effectLst>
+                  <a:outerShdw blurRad="38100" dist="19050" dir="2700000" algn="tl" rotWithShape="0">
+                    <a:schemeClr val="dk1">
+                      <a:alpha val="40000"/>
+                    </a:schemeClr>
+                  </a:outerShdw>
+                </a:effectLst>
+              </a:rPr>
+              <a:t>JAVA SCRIPT</a:t>
+            </a:r>
+            <a:endParaRPr lang="en-US" sz="3200"/>
+          </a:p>
+          <a:p>
+            <a:r>
+              <a:rPr lang="en-US" sz="2400"/>
+              <a:t>Tạo các sự kiện cho người dùng tương tác với web</a:t>
+            </a:r>
+            <a:endParaRPr lang="en-US" sz="2400"/>
+          </a:p>
+        </p:txBody>
+      </p:sp>
+    </p:spTree>
+  </p:cSld>
+  <p:clrMapOvr>
+    <a:masterClrMapping/>
+  </p:clrMapOvr>
+  <mc:AlternateContent xmlns:mc="http://schemas.openxmlformats.org/markup-compatibility/2006">
+    <mc:Choice xmlns:p15="http://schemas.microsoft.com/office/powerpoint/2012/main" Requires="p15">
+      <p:transition xmlns:p14="http://schemas.microsoft.com/office/powerpoint/2010/main" spd="slow" Requires="p14" p14:dur="1250">
+        <p15:prstTrans prst="airplane"/>
+      </p:transition>
+    </mc:Choice>
+    <mc:Fallback>
+      <p:transition spd="slow">
+        <p:fade/>
+      </p:transition>
+    </mc:Fallback>
+  </mc:AlternateContent>
+</p:sld>
+</file>
+
+<file path=ppt/slides/slide31.xml><?xml version="1.0" encoding="utf-8"?>
+<p:sld xmlns:a="http://schemas.openxmlformats.org/drawingml/2006/main" xmlns:r="http://schemas.openxmlformats.org/officeDocument/2006/relationships" xmlns:p="http://schemas.openxmlformats.org/presentationml/2006/main">
+  <p:cSld>
+    <p:spTree>
+      <p:nvGrpSpPr>
+        <p:cNvPr id="1" name=""/>
+        <p:cNvGrpSpPr/>
+        <p:nvPr/>
+      </p:nvGrpSpPr>
+      <p:grpSpPr>
+        <a:xfrm>
+          <a:off x="0" y="0"/>
+          <a:ext cx="0" cy="0"/>
+          <a:chOff x="0" y="0"/>
+          <a:chExt cx="0" cy="0"/>
+        </a:xfrm>
+      </p:grpSpPr>
+      <p:pic>
+        <p:nvPicPr>
+          <p:cNvPr id="2050" name="Picture 2" descr="Hình ảnh cảm ơn đã lắng nghe cho PowerPoint - Thợ Sửa Máy Giặt [ Tìm ..."/>
+          <p:cNvPicPr>
+            <a:picLocks noGrp="1" noChangeAspect="1" noChangeArrowheads="1"/>
+          </p:cNvPicPr>
+          <p:nvPr>
+            <p:ph sz="quarter" idx="15"/>
+          </p:nvPr>
+        </p:nvPicPr>
+        <p:blipFill>
+          <a:blip r:embed="rId1">
+            <a:extLst>
+              <a:ext uri="{28A0092B-C50C-407E-A947-70E740481C1C}">
+                <a14:useLocalDpi xmlns:a14="http://schemas.microsoft.com/office/drawing/2010/main" val="0"/>
+              </a:ext>
+            </a:extLst>
+          </a:blip>
+          <a:srcRect/>
+          <a:stretch>
+            <a:fillRect/>
+          </a:stretch>
+        </p:blipFill>
+        <p:spPr bwMode="auto">
+          <a:xfrm>
+            <a:off x="0" y="-10160"/>
+            <a:ext cx="12191999" cy="6857999"/>
+          </a:xfrm>
+          <a:prstGeom prst="rect">
+            <a:avLst/>
+          </a:prstGeom>
+          <a:noFill/>
+          <a:extLst>
+            <a:ext uri="{909E8E84-426E-40DD-AFC4-6F175D3DCCD1}">
+              <a14:hiddenFill xmlns:a14="http://schemas.microsoft.com/office/drawing/2010/main">
+                <a:solidFill>
+                  <a:srgbClr val="FFFFFF"/>
+                </a:solidFill>
+              </a14:hiddenFill>
+            </a:ext>
+          </a:extLst>
+        </p:spPr>
+      </p:pic>
+    </p:spTree>
+  </p:cSld>
+  <p:clrMapOvr>
+    <a:masterClrMapping/>
+  </p:clrMapOvr>
+  <mc:AlternateContent xmlns:mc="http://schemas.openxmlformats.org/markup-compatibility/2006">
+    <mc:Choice xmlns:p15="http://schemas.microsoft.com/office/powerpoint/2012/main" Requires="p15">
+      <p:transition xmlns:p14="http://schemas.microsoft.com/office/powerpoint/2010/main" spd="slow" Requires="p14" p14:dur="1250">
+        <p15:prstTrans prst="peelOff"/>
+      </p:transition>
+    </mc:Choice>
+    <mc:Fallback>
+      <p:transition spd="slow">
         <p:fade/>
       </p:transition>
     </mc:Fallback>
@@ -14514,7 +16342,7 @@
         </p:nvSpPr>
         <p:spPr>
           <a:xfrm>
-            <a:off x="961952" y="669853"/>
+            <a:off x="961952" y="823523"/>
             <a:ext cx="10403457" cy="5210353"/>
           </a:xfrm>
         </p:spPr>
@@ -14527,7 +16355,7 @@
               <a:rPr lang="en-US" sz="2400">
                 <a:sym typeface="+mn-ea"/>
               </a:rPr>
-              <a:t>Thẻ &lt;html&gt;: Đây là thẻ gốc của mọi trang HTML và định nghĩa toàn bộ trang web.</a:t>
+              <a:t>Thẻ &lt;html&gt;: Đây là thẻ gốc của mọi trang HTML và định nghĩa toàn bộ trang web. </a:t>
             </a:r>
             <a:br>
               <a:rPr lang="en-US" sz="2400"/>
@@ -14595,92 +16423,47 @@
       </p:sp>
       <p:sp>
         <p:nvSpPr>
-          <p:cNvPr id="4" name="Text Box 3"/>
-          <p:cNvSpPr txBox="1"/>
+          <p:cNvPr id="3" name="Title 5"/>
+          <p:cNvSpPr>
+            <a:spLocks noGrp="1"/>
+          </p:cNvSpPr>
           <p:nvPr/>
         </p:nvSpPr>
         <p:spPr>
           <a:xfrm>
-            <a:off x="962025" y="167005"/>
-            <a:ext cx="6040120" cy="583565"/>
+            <a:off x="962025" y="86360"/>
+            <a:ext cx="10000615" cy="958215"/>
           </a:xfrm>
           <a:prstGeom prst="rect">
             <a:avLst/>
           </a:prstGeom>
-          <a:noFill/>
-        </p:spPr>
-        <p:txBody>
-          <a:bodyPr wrap="square" rtlCol="0">
-            <a:spAutoFit/>
+        </p:spPr>
+        <p:txBody>
+          <a:bodyPr vert="horz" lIns="91440" tIns="45720" rIns="91440" bIns="45720" rtlCol="0" anchor="t" anchorCtr="0">
+            <a:noAutofit/>
           </a:bodyPr>
-          <a:p>
-            <a:r>
-              <a:rPr lang="vi-VN" sz="3200" b="1" dirty="0">
-                <a:solidFill>
-                  <a:srgbClr val="00B0F0"/>
-                </a:solidFill>
-                <a:effectLst/>
-                <a:latin typeface="Times New Roman" panose="02020603050405020304" pitchFamily="18" charset="0"/>
-                <a:sym typeface="+mn-ea"/>
-              </a:rPr>
-              <a:t>1.2 </a:t>
-            </a:r>
-            <a:r>
-              <a:rPr lang="vi-VN" sz="3200" b="1" dirty="0" err="1">
-                <a:solidFill>
-                  <a:srgbClr val="00B0F0"/>
-                </a:solidFill>
-                <a:effectLst/>
-                <a:latin typeface="Times New Roman" panose="02020603050405020304" pitchFamily="18" charset="0"/>
-                <a:sym typeface="+mn-ea"/>
-              </a:rPr>
-              <a:t>Các</a:t>
-            </a:r>
-            <a:r>
-              <a:rPr lang="vi-VN" sz="3200" b="1" dirty="0">
-                <a:solidFill>
-                  <a:srgbClr val="00B0F0"/>
-                </a:solidFill>
-                <a:effectLst/>
-                <a:latin typeface="Times New Roman" panose="02020603050405020304" pitchFamily="18" charset="0"/>
-                <a:sym typeface="+mn-ea"/>
-              </a:rPr>
-              <a:t> </a:t>
-            </a:r>
-            <a:r>
-              <a:rPr lang="vi-VN" sz="3200" b="1" dirty="0" err="1">
-                <a:solidFill>
-                  <a:srgbClr val="00B0F0"/>
-                </a:solidFill>
-                <a:effectLst/>
-                <a:latin typeface="Times New Roman" panose="02020603050405020304" pitchFamily="18" charset="0"/>
-                <a:sym typeface="+mn-ea"/>
-              </a:rPr>
-              <a:t>loại</a:t>
-            </a:r>
-            <a:r>
-              <a:rPr lang="vi-VN" sz="3200" b="1" dirty="0">
-                <a:solidFill>
-                  <a:srgbClr val="00B0F0"/>
-                </a:solidFill>
-                <a:effectLst/>
-                <a:latin typeface="Times New Roman" panose="02020603050405020304" pitchFamily="18" charset="0"/>
-                <a:sym typeface="+mn-ea"/>
-              </a:rPr>
-              <a:t> </a:t>
-            </a:r>
-            <a:r>
-              <a:rPr lang="en-US" altLang="vi-VN" sz="3200" b="1" dirty="0" err="1">
-                <a:solidFill>
-                  <a:srgbClr val="00B0F0"/>
-                </a:solidFill>
-                <a:effectLst/>
-                <a:latin typeface="Times New Roman" panose="02020603050405020304" pitchFamily="18" charset="0"/>
-                <a:sym typeface="+mn-ea"/>
-              </a:rPr>
-              <a:t>thẻ html phổ biến</a:t>
-            </a:r>
-            <a:endParaRPr lang="en-US" sz="3200" b="1"/>
+          <a:lstStyle>
+            <a:lvl1pPr algn="l" defTabSz="914400" rtl="0" eaLnBrk="1" latinLnBrk="0" hangingPunct="1">
+              <a:spcBef>
+                <a:spcPct val="0"/>
+              </a:spcBef>
+              <a:buNone/>
+              <a:defRPr sz="5400" b="1" kern="1200">
+                <a:solidFill>
+                  <a:schemeClr val="tx2"/>
+                </a:solidFill>
+                <a:latin typeface="+mn-lt"/>
+                <a:ea typeface="+mj-ea"/>
+                <a:cs typeface="+mj-cs"/>
+              </a:defRPr>
+            </a:lvl1pPr>
+          </a:lstStyle>
+          <a:p>
+            <a:r>
+              <a:rPr lang="en-US" sz="3600"/>
+              <a:t>Các loại thẻ html phổ biến </a:t>
+            </a:r>
+            <a:endParaRPr lang="en-US" sz="3600"/>
           </a:p>
         </p:txBody>
       </p:sp>
@@ -15052,11 +16835,11 @@
           <a:p>
             <a:pPr algn="l"/>
             <a:r>
-              <a:rPr lang="en-US" sz="1800" dirty="0"/>
+              <a:rPr lang="en-US" sz="2400" dirty="0"/>
               <a:t>Tạo project html (</a:t>
             </a:r>
             <a:r>
-              <a:rPr lang="en-US" sz="1800" dirty="0">
+              <a:rPr lang="en-US" sz="2400" dirty="0">
                 <a:sym typeface="+mn-ea"/>
               </a:rPr>
               <a:t>Visual Studio Code)</a:t>
@@ -15065,75 +16848,6 @@
               <a:rPr lang="en-US" sz="1800" dirty="0"/>
             </a:br>
             <a:endParaRPr lang="en-US" sz="1800" dirty="0"/>
-          </a:p>
-        </p:txBody>
-      </p:sp>
-      <p:sp>
-        <p:nvSpPr>
-          <p:cNvPr id="4" name="Text Box 3"/>
-          <p:cNvSpPr txBox="1"/>
-          <p:nvPr/>
-        </p:nvSpPr>
-        <p:spPr>
-          <a:xfrm>
-            <a:off x="521335" y="93980"/>
-            <a:ext cx="6040120" cy="583565"/>
-          </a:xfrm>
-          <a:prstGeom prst="rect">
-            <a:avLst/>
-          </a:prstGeom>
-          <a:noFill/>
-        </p:spPr>
-        <p:txBody>
-          <a:bodyPr wrap="square" rtlCol="0">
-            <a:spAutoFit/>
-          </a:bodyPr>
-          <a:p>
-            <a:r>
-              <a:rPr lang="vi-VN" sz="3200" b="1" dirty="0">
-                <a:solidFill>
-                  <a:srgbClr val="00B0F0"/>
-                </a:solidFill>
-                <a:effectLst/>
-                <a:latin typeface="Times New Roman" panose="02020603050405020304" pitchFamily="18" charset="0"/>
-                <a:sym typeface="+mn-ea"/>
-              </a:rPr>
-              <a:t>1.</a:t>
-            </a:r>
-            <a:r>
-              <a:rPr lang="en-US" altLang="vi-VN" sz="3200" b="1" dirty="0">
-                <a:solidFill>
-                  <a:srgbClr val="00B0F0"/>
-                </a:solidFill>
-                <a:effectLst/>
-                <a:latin typeface="Times New Roman" panose="02020603050405020304" pitchFamily="18" charset="0"/>
-                <a:sym typeface="+mn-ea"/>
-              </a:rPr>
-              <a:t>3</a:t>
-            </a:r>
-            <a:r>
-              <a:rPr lang="vi-VN" sz="3200" b="1" dirty="0">
-                <a:solidFill>
-                  <a:srgbClr val="00B0F0"/>
-                </a:solidFill>
-                <a:effectLst/>
-                <a:latin typeface="Times New Roman" panose="02020603050405020304" pitchFamily="18" charset="0"/>
-                <a:sym typeface="+mn-ea"/>
-              </a:rPr>
-              <a:t> </a:t>
-            </a:r>
-            <a:r>
-              <a:rPr lang="en-US" sz="3200" b="1" dirty="0" err="1">
-                <a:solidFill>
-                  <a:srgbClr val="00B0F0"/>
-                </a:solidFill>
-                <a:effectLst/>
-                <a:latin typeface="Times New Roman" panose="02020603050405020304" pitchFamily="18" charset="0"/>
-                <a:sym typeface="+mn-ea"/>
-              </a:rPr>
-              <a:t>Thực hành</a:t>
-            </a:r>
-            <a:endParaRPr lang="en-US" sz="3200" b="1"/>
           </a:p>
         </p:txBody>
       </p:sp>
@@ -15177,10 +16891,10 @@
           <a:p>
             <a:pPr algn="l"/>
             <a:r>
-              <a:rPr lang="en-US" sz="1800" dirty="0"/>
+              <a:rPr lang="en-US" sz="2000" dirty="0"/>
               <a:t>B1:</a:t>
             </a:r>
-            <a:endParaRPr lang="en-US" sz="1800" dirty="0"/>
+            <a:endParaRPr lang="en-US" sz="2000" dirty="0"/>
           </a:p>
         </p:txBody>
       </p:sp>
@@ -15224,10 +16938,10 @@
           <a:p>
             <a:pPr algn="l"/>
             <a:r>
-              <a:rPr lang="en-US" sz="1800" dirty="0"/>
+              <a:rPr lang="en-US" sz="2200" dirty="0"/>
               <a:t>B2:</a:t>
             </a:r>
-            <a:endParaRPr lang="en-US" sz="1800" dirty="0"/>
+            <a:endParaRPr lang="en-US" sz="2200" dirty="0"/>
           </a:p>
         </p:txBody>
       </p:sp>
@@ -15347,10 +17061,10 @@
           <a:p>
             <a:pPr algn="l"/>
             <a:r>
-              <a:rPr lang="en-US" sz="1800" dirty="0"/>
+              <a:rPr lang="en-US" sz="2200" dirty="0"/>
               <a:t>B3:</a:t>
             </a:r>
-            <a:endParaRPr lang="en-US" sz="1800" dirty="0"/>
+            <a:endParaRPr lang="en-US" sz="2200" dirty="0"/>
           </a:p>
         </p:txBody>
       </p:sp>
@@ -15454,6 +17168,52 @@
           </a:prstGeom>
         </p:spPr>
       </p:pic>
+      <p:sp>
+        <p:nvSpPr>
+          <p:cNvPr id="7" name="Title 5"/>
+          <p:cNvSpPr>
+            <a:spLocks noGrp="1"/>
+          </p:cNvSpPr>
+          <p:nvPr/>
+        </p:nvSpPr>
+        <p:spPr>
+          <a:xfrm>
+            <a:off x="208915" y="0"/>
+            <a:ext cx="10000615" cy="958215"/>
+          </a:xfrm>
+          <a:prstGeom prst="rect">
+            <a:avLst/>
+          </a:prstGeom>
+        </p:spPr>
+        <p:txBody>
+          <a:bodyPr vert="horz" lIns="91440" tIns="45720" rIns="91440" bIns="45720" rtlCol="0" anchor="t" anchorCtr="0">
+            <a:noAutofit/>
+          </a:bodyPr>
+          <a:lstStyle>
+            <a:lvl1pPr algn="l" defTabSz="914400" rtl="0" eaLnBrk="1" latinLnBrk="0" hangingPunct="1">
+              <a:spcBef>
+                <a:spcPct val="0"/>
+              </a:spcBef>
+              <a:buNone/>
+              <a:defRPr sz="5400" b="1" kern="1200">
+                <a:solidFill>
+                  <a:schemeClr val="tx2"/>
+                </a:solidFill>
+                <a:latin typeface="+mn-lt"/>
+                <a:ea typeface="+mj-ea"/>
+                <a:cs typeface="+mj-cs"/>
+              </a:defRPr>
+            </a:lvl1pPr>
+          </a:lstStyle>
+          <a:p>
+            <a:r>
+              <a:rPr lang="en-US" sz="3600"/>
+              <a:t>Thực hành </a:t>
+            </a:r>
+            <a:endParaRPr lang="en-US" sz="3600"/>
+          </a:p>
+        </p:txBody>
+      </p:sp>
     </p:spTree>
   </p:cSld>
   <p:clrMapOvr>
@@ -15996,15 +17756,20 @@
             <p:ph type="title"/>
           </p:nvPr>
         </p:nvSpPr>
-        <p:spPr/>
+        <p:spPr>
+          <a:xfrm>
+            <a:off x="521208" y="350393"/>
+            <a:ext cx="11119104" cy="640080"/>
+          </a:xfrm>
+        </p:spPr>
         <p:txBody>
           <a:bodyPr/>
           <a:p>
             <a:r>
-              <a:rPr lang="en-US"/>
+              <a:rPr lang="en-US" sz="4400"/>
               <a:t>Ví dụ</a:t>
             </a:r>
-            <a:endParaRPr lang="en-US"/>
+            <a:endParaRPr lang="en-US" sz="4400"/>
           </a:p>
         </p:txBody>
       </p:sp>

--- a/NHOM19-CNWEB/NHÓM 19-HTMLCSSJS.pptx
+++ b/NHOM19-CNWEB/NHÓM 19-HTMLCSSJS.pptx
@@ -13,32 +13,23 @@
     <p:sldId id="1929" r:id="rId6"/>
     <p:sldId id="1949" r:id="rId7"/>
     <p:sldId id="1940" r:id="rId8"/>
-    <p:sldId id="1941" r:id="rId9"/>
-    <p:sldId id="1942" r:id="rId10"/>
-    <p:sldId id="1943" r:id="rId11"/>
-    <p:sldId id="1951" r:id="rId12"/>
-    <p:sldId id="1952" r:id="rId13"/>
-    <p:sldId id="1975" r:id="rId14"/>
-    <p:sldId id="1944" r:id="rId15"/>
-    <p:sldId id="1945" r:id="rId16"/>
-    <p:sldId id="1953" r:id="rId17"/>
-    <p:sldId id="1954" r:id="rId18"/>
-    <p:sldId id="1955" r:id="rId19"/>
-    <p:sldId id="1946" r:id="rId20"/>
-    <p:sldId id="1956" r:id="rId21"/>
-    <p:sldId id="1957" r:id="rId22"/>
-    <p:sldId id="1974" r:id="rId23"/>
-    <p:sldId id="1958" r:id="rId24"/>
-    <p:sldId id="1993" r:id="rId25"/>
-    <p:sldId id="1994" r:id="rId26"/>
-    <p:sldId id="1995" r:id="rId27"/>
-    <p:sldId id="1967" r:id="rId28"/>
-    <p:sldId id="1968" r:id="rId29"/>
-    <p:sldId id="1969" r:id="rId30"/>
-    <p:sldId id="1970" r:id="rId31"/>
-    <p:sldId id="1971" r:id="rId32"/>
-    <p:sldId id="1959" r:id="rId33"/>
-    <p:sldId id="1948" r:id="rId34"/>
+    <p:sldId id="2003" r:id="rId9"/>
+    <p:sldId id="1943" r:id="rId10"/>
+    <p:sldId id="2004" r:id="rId11"/>
+    <p:sldId id="1952" r:id="rId12"/>
+    <p:sldId id="1975" r:id="rId13"/>
+    <p:sldId id="1944" r:id="rId14"/>
+    <p:sldId id="1945" r:id="rId15"/>
+    <p:sldId id="1955" r:id="rId16"/>
+    <p:sldId id="1946" r:id="rId17"/>
+    <p:sldId id="1956" r:id="rId18"/>
+    <p:sldId id="1957" r:id="rId19"/>
+    <p:sldId id="1974" r:id="rId20"/>
+    <p:sldId id="2028" r:id="rId21"/>
+    <p:sldId id="2031" r:id="rId22"/>
+    <p:sldId id="2033" r:id="rId23"/>
+    <p:sldId id="2032" r:id="rId24"/>
+    <p:sldId id="1948" r:id="rId25"/>
   </p:sldIdLst>
   <p:sldSz cx="12192000" cy="6858000"/>
   <p:notesSz cx="6858000" cy="9144000"/>
@@ -140,12 +131,12 @@
   <p:extLst>
     <p:ext uri="{EFAFB233-063F-42B5-8137-9DF3F51BA10A}">
       <p15:sldGuideLst xmlns:p15="http://schemas.microsoft.com/office/powerpoint/2012/main">
-        <p15:guide id="1" orient="horz" pos="2160" userDrawn="1">
+        <p15:guide id="1" orient="horz" pos="2191" userDrawn="1">
           <p15:clr>
             <a:srgbClr val="A4A3A4"/>
           </p15:clr>
         </p15:guide>
-        <p15:guide id="2" pos="3925" userDrawn="1">
+        <p15:guide id="2" pos="3919" userDrawn="1">
           <p15:clr>
             <a:srgbClr val="A4A3A4"/>
           </p15:clr>
@@ -10035,13 +10026,18 @@
             <p:ph type="title"/>
           </p:nvPr>
         </p:nvSpPr>
-        <p:spPr/>
+        <p:spPr>
+          <a:xfrm>
+            <a:off x="1533271" y="2674112"/>
+            <a:ext cx="4590288" cy="1764792"/>
+          </a:xfrm>
+        </p:spPr>
         <p:txBody>
           <a:bodyPr/>
           <a:p>
             <a:r>
               <a:rPr lang="en-US"/>
-              <a:t>CSS</a:t>
+              <a:t>Khái niệm</a:t>
             </a:r>
             <a:endParaRPr lang="en-US"/>
           </a:p>
@@ -10049,69 +10045,56 @@
       </p:sp>
       <p:sp>
         <p:nvSpPr>
-          <p:cNvPr id="4" name="Subtitle 3"/>
+          <p:cNvPr id="8" name="Title 1"/>
           <p:cNvSpPr>
             <a:spLocks noGrp="1"/>
           </p:cNvSpPr>
-          <p:nvPr>
-            <p:ph type="subTitle" idx="1"/>
-          </p:nvPr>
-        </p:nvSpPr>
-        <p:spPr/>
-        <p:txBody>
-          <a:bodyPr/>
-          <a:p>
-            <a:r>
-              <a:rPr lang="en-US"/>
-              <a:t>&lt;style.css&gt;</a:t>
-            </a:r>
-            <a:endParaRPr lang="en-US"/>
-          </a:p>
-        </p:txBody>
-      </p:sp>
-      <p:pic>
-        <p:nvPicPr>
-          <p:cNvPr id="5" name="Picture Placeholder 4"/>
-          <p:cNvPicPr>
-            <a:picLocks noChangeAspect="1"/>
-          </p:cNvPicPr>
-          <p:nvPr>
-            <p:ph type="pic" sz="quarter" idx="10"/>
-          </p:nvPr>
-        </p:nvPicPr>
-        <p:blipFill>
-          <a:blip r:embed="rId1"/>
-          <a:stretch>
-            <a:fillRect/>
-          </a:stretch>
-        </p:blipFill>
-        <p:spPr>
-          <a:xfrm>
-            <a:off x="1005840" y="2127250"/>
-            <a:ext cx="4324985" cy="2703195"/>
+          <p:nvPr/>
+        </p:nvSpPr>
+        <p:spPr>
+          <a:xfrm>
+            <a:off x="6307455" y="1470025"/>
+            <a:ext cx="5137150" cy="2968625"/>
           </a:xfrm>
           <a:prstGeom prst="rect">
             <a:avLst/>
           </a:prstGeom>
         </p:spPr>
-      </p:pic>
+        <p:txBody>
+          <a:bodyPr vert="horz" lIns="91440" tIns="45720" rIns="91440" bIns="45720" rtlCol="0" anchor="t" anchorCtr="0">
+            <a:noAutofit/>
+          </a:bodyPr>
+          <a:lstStyle>
+            <a:lvl1pPr algn="ctr" defTabSz="914400" rtl="0" eaLnBrk="1" latinLnBrk="0" hangingPunct="1">
+              <a:spcBef>
+                <a:spcPct val="0"/>
+              </a:spcBef>
+              <a:buNone/>
+              <a:defRPr sz="3200" b="1" kern="1200">
+                <a:solidFill>
+                  <a:schemeClr val="tx2"/>
+                </a:solidFill>
+                <a:latin typeface="+mn-lt"/>
+                <a:ea typeface="+mj-ea"/>
+                <a:cs typeface="+mj-cs"/>
+              </a:defRPr>
+            </a:lvl1pPr>
+          </a:lstStyle>
+          <a:p>
+            <a:pPr algn="l"/>
+            <a:r>
+              <a:rPr lang="en-US" sz="2400" dirty="0"/>
+              <a:t>SEO là viết tắt của Search Engine Optimization (tối ưu hóa công cụ tìm kiếm) và là một kỹ thuật đặc biệt trong Internet Marketing. Mục đích giúp website đạt được thứ hạng cao trên các trang tìm kiếm, tiêu biểu là Google</a:t>
+            </a:r>
+            <a:endParaRPr lang="en-US" sz="2400" dirty="0"/>
+          </a:p>
+        </p:txBody>
+      </p:sp>
     </p:spTree>
   </p:cSld>
   <p:clrMapOvr>
     <a:masterClrMapping/>
   </p:clrMapOvr>
-  <mc:AlternateContent xmlns:mc="http://schemas.openxmlformats.org/markup-compatibility/2006">
-    <mc:Choice xmlns:p14="http://schemas.microsoft.com/office/powerpoint/2010/main" Requires="p14">
-      <p:transition spd="slow" p14:dur="1000">
-        <p:wheel spokes="8"/>
-      </p:transition>
-    </mc:Choice>
-    <mc:Fallback>
-      <p:transition spd="slow">
-        <p:wheel spokes="8"/>
-      </p:transition>
-    </mc:Fallback>
-  </mc:AlternateContent>
 </p:sld>
 </file>
 
@@ -10124,37 +10107,17 @@
         <p:cNvGrpSpPr/>
         <p:nvPr/>
       </p:nvGrpSpPr>
-      <p:grpSpPr/>
-      <p:sp>
-        <p:nvSpPr>
-          <p:cNvPr id="2" name="Title 1"/>
-          <p:cNvSpPr>
-            <a:spLocks noGrp="1"/>
-          </p:cNvSpPr>
-          <p:nvPr>
-            <p:ph type="title"/>
-          </p:nvPr>
-        </p:nvSpPr>
-        <p:spPr>
-          <a:xfrm>
-            <a:off x="1533271" y="2674112"/>
-            <a:ext cx="4590288" cy="1764792"/>
-          </a:xfrm>
-        </p:spPr>
-        <p:txBody>
-          <a:bodyPr/>
-          <a:p>
-            <a:r>
-              <a:rPr lang="en-US"/>
-              <a:t>Khái niệm</a:t>
-            </a:r>
-            <a:endParaRPr lang="en-US"/>
-          </a:p>
-        </p:txBody>
-      </p:sp>
-      <p:sp>
-        <p:nvSpPr>
-          <p:cNvPr id="8" name="Title 1"/>
+      <p:grpSpPr>
+        <a:xfrm>
+          <a:off x="0" y="0"/>
+          <a:ext cx="0" cy="0"/>
+          <a:chOff x="0" y="0"/>
+          <a:chExt cx="0" cy="0"/>
+        </a:xfrm>
+      </p:grpSpPr>
+      <p:sp>
+        <p:nvSpPr>
+          <p:cNvPr id="3" name="Title 5"/>
           <p:cNvSpPr>
             <a:spLocks noGrp="1"/>
           </p:cNvSpPr>
@@ -10162,8 +10125,52 @@
         </p:nvSpPr>
         <p:spPr>
           <a:xfrm>
-            <a:off x="6307455" y="1470025"/>
-            <a:ext cx="5137150" cy="4171950"/>
+            <a:off x="521335" y="0"/>
+            <a:ext cx="10000615" cy="958215"/>
+          </a:xfrm>
+          <a:prstGeom prst="rect">
+            <a:avLst/>
+          </a:prstGeom>
+        </p:spPr>
+        <p:txBody>
+          <a:bodyPr vert="horz" lIns="91440" tIns="45720" rIns="91440" bIns="45720" rtlCol="0" anchor="t" anchorCtr="0">
+            <a:noAutofit/>
+          </a:bodyPr>
+          <a:lstStyle>
+            <a:lvl1pPr algn="l" defTabSz="914400" rtl="0" eaLnBrk="1" latinLnBrk="0" hangingPunct="1">
+              <a:spcBef>
+                <a:spcPct val="0"/>
+              </a:spcBef>
+              <a:buNone/>
+              <a:defRPr sz="5400" b="1" kern="1200">
+                <a:solidFill>
+                  <a:schemeClr val="tx2"/>
+                </a:solidFill>
+                <a:latin typeface="+mn-lt"/>
+                <a:ea typeface="+mj-ea"/>
+                <a:cs typeface="+mj-cs"/>
+              </a:defRPr>
+            </a:lvl1pPr>
+          </a:lstStyle>
+          <a:p>
+            <a:r>
+              <a:rPr lang="en-US" sz="3600"/>
+              <a:t>Các loại hình SEO hay làm:</a:t>
+            </a:r>
+            <a:endParaRPr lang="en-US" sz="3600"/>
+          </a:p>
+        </p:txBody>
+      </p:sp>
+      <p:sp>
+        <p:nvSpPr>
+          <p:cNvPr id="12" name="Title 9"/>
+          <p:cNvSpPr/>
+          <p:nvPr/>
+        </p:nvSpPr>
+        <p:spPr>
+          <a:xfrm>
+            <a:off x="671830" y="1384935"/>
+            <a:ext cx="5709920" cy="4082415"/>
           </a:xfrm>
           <a:prstGeom prst="rect">
             <a:avLst/>
@@ -10192,10 +10199,79 @@
           <a:p>
             <a:pPr algn="l"/>
             <a:r>
-              <a:rPr lang="en-US" sz="2400" dirty="0"/>
-              <a:t>CSS (Cascading Style Sheet) là một ngôn ngữ định dạng và trình bày và được sử dụng để mô tả cách các trang web và tài liệu HTML được hiển thị trên trình duyệt web. CSS cho phép bạn chỉnh sửa màu sắc, font chữ, khoảng cách, kích thước và kiểu định dạng của các phần tử HTML</a:t>
-            </a:r>
-            <a:endParaRPr lang="en-US" sz="2400" dirty="0"/>
+              <a:rPr lang="en-US" sz="2400"/>
+              <a:t>SEO từ khóa hay SEO Website đang là hình thức phổ biến và thông dụng nhất</a:t>
+            </a:r>
+            <a:endParaRPr lang="en-US" sz="2400"/>
+          </a:p>
+          <a:p>
+            <a:pPr algn="l"/>
+            <a:r>
+              <a:rPr lang="en-US" sz="2400"/>
+              <a:t>SEO ảnh: Là cách SEO dùng kỹ thuật để đưa hình ảnh trong trang web của bạn lên top tìm kiếm của Google khi người dùng tìm kiếm với từ khóa đó và chọn tab hình ảnh hiển thị</a:t>
+            </a:r>
+            <a:endParaRPr lang="en-US" sz="2400"/>
+          </a:p>
+        </p:txBody>
+      </p:sp>
+      <p:sp>
+        <p:nvSpPr>
+          <p:cNvPr id="13" name="Title 9"/>
+          <p:cNvSpPr/>
+          <p:nvPr/>
+        </p:nvSpPr>
+        <p:spPr>
+          <a:xfrm>
+            <a:off x="6405880" y="1242695"/>
+            <a:ext cx="5158740" cy="4595495"/>
+          </a:xfrm>
+          <a:prstGeom prst="rect">
+            <a:avLst/>
+          </a:prstGeom>
+        </p:spPr>
+        <p:txBody>
+          <a:bodyPr vert="horz" lIns="91440" tIns="45720" rIns="91440" bIns="45720" rtlCol="0" anchor="t" anchorCtr="0">
+            <a:noAutofit/>
+          </a:bodyPr>
+          <a:lstStyle>
+            <a:lvl1pPr algn="ctr" defTabSz="914400" rtl="0" eaLnBrk="1" latinLnBrk="0" hangingPunct="1">
+              <a:spcBef>
+                <a:spcPct val="0"/>
+              </a:spcBef>
+              <a:buNone/>
+              <a:defRPr sz="3200" b="1" kern="1200">
+                <a:solidFill>
+                  <a:schemeClr val="tx2"/>
+                </a:solidFill>
+                <a:latin typeface="+mn-lt"/>
+                <a:ea typeface="+mj-ea"/>
+                <a:cs typeface="+mj-cs"/>
+              </a:defRPr>
+            </a:lvl1pPr>
+          </a:lstStyle>
+          <a:p>
+            <a:pPr algn="l"/>
+            <a:r>
+              <a:rPr lang="en-US" sz="2400"/>
+              <a:t>SEO Clip: Có thể SEO những video, clip có sẵn trên web hoặc dùng các kênh thông tin khác như youtube để đưa trang web của bạn hiển thị trên tab Video.</a:t>
+            </a:r>
+            <a:endParaRPr lang="en-US" sz="2400"/>
+          </a:p>
+          <a:p>
+            <a:pPr algn="l"/>
+            <a:r>
+              <a:rPr lang="en-US" sz="2400"/>
+              <a:t>SEO google map (Local SEO): Là cách làm giúp cho người tìm kiếm dễ dàng nhận thấy được địa điểm cần tìm trên Google Map</a:t>
+            </a:r>
+            <a:endParaRPr lang="en-US" sz="2400"/>
+          </a:p>
+          <a:p>
+            <a:pPr algn="l"/>
+            <a:r>
+              <a:rPr lang="en-US" sz="2400"/>
+              <a:t>SEO App Mobile: Hình thức SEO này sẽ được các App xuất hiện trên trang tìm kiếm mà Google hiển thị, giúp người dùng dễ dàng hơn trong việc lựa chọn</a:t>
+            </a:r>
+            <a:endParaRPr lang="en-US" sz="2400"/>
           </a:p>
         </p:txBody>
       </p:sp>
@@ -10204,6 +10280,18 @@
   <p:clrMapOvr>
     <a:masterClrMapping/>
   </p:clrMapOvr>
+  <mc:AlternateContent xmlns:mc="http://schemas.openxmlformats.org/markup-compatibility/2006">
+    <mc:Choice xmlns:p14="http://schemas.microsoft.com/office/powerpoint/2010/main" Requires="p14">
+      <p:transition spd="slow" p14:dur="1000">
+        <p:wipe/>
+      </p:transition>
+    </mc:Choice>
+    <mc:Fallback>
+      <p:transition spd="slow">
+        <p:wipe/>
+      </p:transition>
+    </mc:Fallback>
+  </mc:AlternateContent>
 </p:sld>
 </file>
 
@@ -10234,8 +10322,8 @@
         </p:nvSpPr>
         <p:spPr>
           <a:xfrm>
-            <a:off x="521335" y="0"/>
-            <a:ext cx="10000615" cy="958215"/>
+            <a:off x="521335" y="205105"/>
+            <a:ext cx="5100955" cy="958215"/>
           </a:xfrm>
           <a:prstGeom prst="rect">
             <a:avLst/>
@@ -10264,362 +10352,7 @@
           <a:p>
             <a:r>
               <a:rPr lang="en-US" sz="3600"/>
-              <a:t>II. CSS </a:t>
-            </a:r>
-            <a:endParaRPr lang="en-US" sz="3600"/>
-          </a:p>
-        </p:txBody>
-      </p:sp>
-      <p:sp>
-        <p:nvSpPr>
-          <p:cNvPr id="10" name="Title 9"/>
-          <p:cNvSpPr/>
-          <p:nvPr>
-            <p:ph type="title"/>
-          </p:nvPr>
-        </p:nvSpPr>
-        <p:spPr>
-          <a:xfrm>
-            <a:off x="671703" y="805053"/>
-            <a:ext cx="11119104" cy="640080"/>
-          </a:xfrm>
-        </p:spPr>
-        <p:txBody>
-          <a:bodyPr/>
-          <a:p>
-            <a:pPr algn="l"/>
-            <a:r>
-              <a:rPr lang="en-US" sz="2400"/>
-              <a:t>Một số thuộc tính cơ bản của css</a:t>
-            </a:r>
-            <a:endParaRPr lang="en-US" sz="2400"/>
-          </a:p>
-        </p:txBody>
-      </p:sp>
-      <p:sp>
-        <p:nvSpPr>
-          <p:cNvPr id="12" name="Title 9"/>
-          <p:cNvSpPr/>
-          <p:nvPr/>
-        </p:nvSpPr>
-        <p:spPr>
-          <a:xfrm>
-            <a:off x="671830" y="1384935"/>
-            <a:ext cx="5709920" cy="640080"/>
-          </a:xfrm>
-          <a:prstGeom prst="rect">
-            <a:avLst/>
-          </a:prstGeom>
-        </p:spPr>
-        <p:txBody>
-          <a:bodyPr vert="horz" lIns="91440" tIns="45720" rIns="91440" bIns="45720" rtlCol="0" anchor="t" anchorCtr="0">
-            <a:noAutofit/>
-          </a:bodyPr>
-          <a:lstStyle>
-            <a:lvl1pPr algn="ctr" defTabSz="914400" rtl="0" eaLnBrk="1" latinLnBrk="0" hangingPunct="1">
-              <a:spcBef>
-                <a:spcPct val="0"/>
-              </a:spcBef>
-              <a:buNone/>
-              <a:defRPr sz="3200" b="1" kern="1200">
-                <a:solidFill>
-                  <a:schemeClr val="tx2"/>
-                </a:solidFill>
-                <a:latin typeface="+mn-lt"/>
-                <a:ea typeface="+mj-ea"/>
-                <a:cs typeface="+mj-cs"/>
-              </a:defRPr>
-            </a:lvl1pPr>
-          </a:lstStyle>
-          <a:p>
-            <a:pPr algn="l"/>
-            <a:r>
-              <a:rPr lang="en-US" sz="2400"/>
-              <a:t>width: Xác định chiều rộng của phần tử.</a:t>
-            </a:r>
-            <a:endParaRPr lang="en-US" sz="2400"/>
-          </a:p>
-          <a:p>
-            <a:pPr algn="l"/>
-            <a:r>
-              <a:rPr lang="en-US" sz="2400"/>
-              <a:t>height: Xác định chiều rộng của phần tử.</a:t>
-            </a:r>
-            <a:endParaRPr lang="en-US" sz="2400"/>
-          </a:p>
-          <a:p>
-            <a:pPr algn="l"/>
-            <a:r>
-              <a:rPr lang="en-US" sz="2400"/>
-              <a:t>margin: Xác định khoảng cách giữa các phần tử</a:t>
-            </a:r>
-            <a:endParaRPr lang="en-US" sz="2400"/>
-          </a:p>
-          <a:p>
-            <a:pPr algn="l"/>
-            <a:r>
-              <a:rPr lang="en-US" sz="2400"/>
-              <a:t>border: Định dạng viền của phần tử.</a:t>
-            </a:r>
-            <a:endParaRPr lang="en-US" sz="2400"/>
-          </a:p>
-          <a:p>
-            <a:pPr algn="l"/>
-            <a:r>
-              <a:rPr lang="en-US" sz="2400"/>
-              <a:t>background-color: Đặt màu nền cho phần tử</a:t>
-            </a:r>
-            <a:endParaRPr lang="en-US" sz="2400"/>
-          </a:p>
-          <a:p>
-            <a:pPr algn="l"/>
-            <a:r>
-              <a:rPr lang="en-US" sz="2400"/>
-              <a:t>padding: Xác định khoảng cách bên trong phần tử từ nội dung đến viền</a:t>
-            </a:r>
-            <a:endParaRPr lang="en-US" sz="2400"/>
-          </a:p>
-          <a:p>
-            <a:pPr algn="l"/>
-            <a:endParaRPr lang="en-US" sz="2400"/>
-          </a:p>
-        </p:txBody>
-      </p:sp>
-      <p:sp>
-        <p:nvSpPr>
-          <p:cNvPr id="13" name="Title 9"/>
-          <p:cNvSpPr/>
-          <p:nvPr/>
-        </p:nvSpPr>
-        <p:spPr>
-          <a:xfrm>
-            <a:off x="6405880" y="1384935"/>
-            <a:ext cx="5158740" cy="640080"/>
-          </a:xfrm>
-          <a:prstGeom prst="rect">
-            <a:avLst/>
-          </a:prstGeom>
-        </p:spPr>
-        <p:txBody>
-          <a:bodyPr vert="horz" lIns="91440" tIns="45720" rIns="91440" bIns="45720" rtlCol="0" anchor="t" anchorCtr="0">
-            <a:noAutofit/>
-          </a:bodyPr>
-          <a:lstStyle>
-            <a:lvl1pPr algn="ctr" defTabSz="914400" rtl="0" eaLnBrk="1" latinLnBrk="0" hangingPunct="1">
-              <a:spcBef>
-                <a:spcPct val="0"/>
-              </a:spcBef>
-              <a:buNone/>
-              <a:defRPr sz="3200" b="1" kern="1200">
-                <a:solidFill>
-                  <a:schemeClr val="tx2"/>
-                </a:solidFill>
-                <a:latin typeface="+mn-lt"/>
-                <a:ea typeface="+mj-ea"/>
-                <a:cs typeface="+mj-cs"/>
-              </a:defRPr>
-            </a:lvl1pPr>
-          </a:lstStyle>
-          <a:p>
-            <a:pPr algn="l"/>
-            <a:r>
-              <a:rPr lang="en-US" sz="2400">
-                <a:sym typeface="+mn-ea"/>
-              </a:rPr>
-              <a:t>color: Định dạng màu chữ cho phần tử</a:t>
-            </a:r>
-            <a:endParaRPr lang="en-US" sz="2400"/>
-          </a:p>
-          <a:p>
-            <a:pPr algn="l"/>
-            <a:r>
-              <a:rPr lang="en-US" sz="2400">
-                <a:sym typeface="+mn-ea"/>
-              </a:rPr>
-              <a:t>font-family: Chọn chữ cho phần tử</a:t>
-            </a:r>
-            <a:endParaRPr lang="en-US" sz="2400"/>
-          </a:p>
-          <a:p>
-            <a:pPr algn="l"/>
-            <a:r>
-              <a:rPr lang="en-US" sz="2400"/>
-              <a:t>font-size: Định kích thước font chữ.</a:t>
-            </a:r>
-            <a:endParaRPr lang="en-US" sz="2400"/>
-          </a:p>
-          <a:p>
-            <a:pPr algn="l"/>
-            <a:r>
-              <a:rPr lang="en-US" sz="2400"/>
-              <a:t>font-weight: Đặt độ đậm cho chữ.</a:t>
-            </a:r>
-            <a:endParaRPr lang="en-US" sz="2400"/>
-          </a:p>
-          <a:p>
-            <a:pPr algn="l"/>
-            <a:r>
-              <a:rPr lang="en-US" sz="2400"/>
-              <a:t>text-align: Định căn chỉnh văn bản trong phần tử.</a:t>
-            </a:r>
-            <a:endParaRPr lang="en-US" sz="2400"/>
-          </a:p>
-          <a:p>
-            <a:pPr algn="l"/>
-            <a:r>
-              <a:rPr lang="en-US" sz="2400"/>
-              <a:t>position: Xác định các phần tử được định vị trong tài liệu</a:t>
-            </a:r>
-            <a:endParaRPr lang="en-US" sz="2400"/>
-          </a:p>
-          <a:p>
-            <a:pPr algn="l"/>
-            <a:r>
-              <a:rPr lang="en-US" sz="2400"/>
-              <a:t>align-items: Đặt căn chỉnh dọc(đối với hướng dọc) hoặc căn chỉnh ngang (đối cới hướng ngang) của các phần tử con trong vùng chứa</a:t>
-            </a:r>
-            <a:endParaRPr lang="en-US" sz="2400"/>
-          </a:p>
-        </p:txBody>
-      </p:sp>
-    </p:spTree>
-  </p:cSld>
-  <p:clrMapOvr>
-    <a:masterClrMapping/>
-  </p:clrMapOvr>
-  <mc:AlternateContent xmlns:mc="http://schemas.openxmlformats.org/markup-compatibility/2006">
-    <mc:Choice xmlns:p14="http://schemas.microsoft.com/office/powerpoint/2010/main" Requires="p14">
-      <p:transition spd="slow" p14:dur="1000">
-        <p:wipe/>
-      </p:transition>
-    </mc:Choice>
-    <mc:Fallback>
-      <p:transition spd="slow">
-        <p:wipe/>
-      </p:transition>
-    </mc:Fallback>
-  </mc:AlternateContent>
-</p:sld>
-</file>
-
-<file path=ppt/slides/slide13.xml><?xml version="1.0" encoding="utf-8"?>
-<p:sld xmlns:a="http://schemas.openxmlformats.org/drawingml/2006/main" xmlns:r="http://schemas.openxmlformats.org/officeDocument/2006/relationships" xmlns:p="http://schemas.openxmlformats.org/presentationml/2006/main">
-  <p:cSld>
-    <p:spTree>
-      <p:nvGrpSpPr>
-        <p:cNvPr id="1" name=""/>
-        <p:cNvGrpSpPr/>
-        <p:nvPr/>
-      </p:nvGrpSpPr>
-      <p:grpSpPr>
-        <a:xfrm>
-          <a:off x="0" y="0"/>
-          <a:ext cx="0" cy="0"/>
-          <a:chOff x="0" y="0"/>
-          <a:chExt cx="0" cy="0"/>
-        </a:xfrm>
-      </p:grpSpPr>
-      <p:pic>
-        <p:nvPicPr>
-          <p:cNvPr id="23" name="Picture 23"/>
-          <p:cNvPicPr>
-            <a:picLocks noChangeAspect="1"/>
-          </p:cNvPicPr>
-          <p:nvPr>
-            <p:ph sz="quarter" idx="15"/>
-          </p:nvPr>
-        </p:nvPicPr>
-        <p:blipFill>
-          <a:blip r:embed="rId1"/>
-          <a:stretch>
-            <a:fillRect/>
-          </a:stretch>
-        </p:blipFill>
-        <p:spPr>
-          <a:xfrm>
-            <a:off x="504190" y="2541270"/>
-            <a:ext cx="5118100" cy="2249170"/>
-          </a:xfrm>
-          <a:prstGeom prst="rect">
-            <a:avLst/>
-          </a:prstGeom>
-          <a:noFill/>
-          <a:ln>
-            <a:noFill/>
-          </a:ln>
-        </p:spPr>
-      </p:pic>
-      <p:pic>
-        <p:nvPicPr>
-          <p:cNvPr id="24" name="Picture 24"/>
-          <p:cNvPicPr>
-            <a:picLocks noChangeAspect="1"/>
-          </p:cNvPicPr>
-          <p:nvPr>
-            <p:ph type="pic" sz="quarter" idx="14"/>
-          </p:nvPr>
-        </p:nvPicPr>
-        <p:blipFill>
-          <a:blip r:embed="rId2"/>
-          <a:stretch>
-            <a:fillRect/>
-          </a:stretch>
-        </p:blipFill>
-        <p:spPr>
-          <a:xfrm>
-            <a:off x="6313805" y="2270760"/>
-            <a:ext cx="5285740" cy="3935095"/>
-          </a:xfrm>
-          <a:prstGeom prst="rect">
-            <a:avLst/>
-          </a:prstGeom>
-          <a:noFill/>
-          <a:ln>
-            <a:noFill/>
-          </a:ln>
-        </p:spPr>
-      </p:pic>
-      <p:sp>
-        <p:nvSpPr>
-          <p:cNvPr id="3" name="Title 5"/>
-          <p:cNvSpPr>
-            <a:spLocks noGrp="1"/>
-          </p:cNvSpPr>
-          <p:nvPr/>
-        </p:nvSpPr>
-        <p:spPr>
-          <a:xfrm>
-            <a:off x="521335" y="205105"/>
-            <a:ext cx="5100955" cy="958215"/>
-          </a:xfrm>
-          <a:prstGeom prst="rect">
-            <a:avLst/>
-          </a:prstGeom>
-        </p:spPr>
-        <p:txBody>
-          <a:bodyPr vert="horz" lIns="91440" tIns="45720" rIns="91440" bIns="45720" rtlCol="0" anchor="t" anchorCtr="0">
-            <a:noAutofit/>
-          </a:bodyPr>
-          <a:lstStyle>
-            <a:lvl1pPr algn="l" defTabSz="914400" rtl="0" eaLnBrk="1" latinLnBrk="0" hangingPunct="1">
-              <a:spcBef>
-                <a:spcPct val="0"/>
-              </a:spcBef>
-              <a:buNone/>
-              <a:defRPr sz="5400" b="1" kern="1200">
-                <a:solidFill>
-                  <a:schemeClr val="tx2"/>
-                </a:solidFill>
-                <a:latin typeface="+mn-lt"/>
-                <a:ea typeface="+mj-ea"/>
-                <a:cs typeface="+mj-cs"/>
-              </a:defRPr>
-            </a:lvl1pPr>
-          </a:lstStyle>
-          <a:p>
-            <a:r>
-              <a:rPr lang="en-US" sz="3600"/>
-              <a:t>Ứng dụng </a:t>
+              <a:t>Công dụng</a:t>
             </a:r>
             <a:endParaRPr lang="en-US" sz="3600"/>
           </a:p>
@@ -10636,7 +10369,7 @@
         <p:spPr>
           <a:xfrm>
             <a:off x="396875" y="1050925"/>
-            <a:ext cx="7246620" cy="640080"/>
+            <a:ext cx="10414635" cy="3997960"/>
           </a:xfrm>
         </p:spPr>
         <p:txBody>
@@ -10645,52 +10378,17 @@
             <a:pPr algn="l"/>
             <a:r>
               <a:rPr lang="en-US"/>
-              <a:t>Cách 1 : Viết inline</a:t>
-            </a:r>
-            <a:endParaRPr lang="en-US"/>
-          </a:p>
-        </p:txBody>
-      </p:sp>
-      <p:sp>
-        <p:nvSpPr>
-          <p:cNvPr id="7" name="Title 5"/>
-          <p:cNvSpPr/>
-          <p:nvPr/>
-        </p:nvSpPr>
-        <p:spPr>
-          <a:xfrm>
-            <a:off x="6247130" y="1050925"/>
-            <a:ext cx="4899660" cy="640080"/>
-          </a:xfrm>
-          <a:prstGeom prst="rect">
-            <a:avLst/>
-          </a:prstGeom>
-        </p:spPr>
-        <p:txBody>
-          <a:bodyPr vert="horz" lIns="91440" tIns="45720" rIns="91440" bIns="45720" rtlCol="0" anchor="t" anchorCtr="0">
-            <a:noAutofit/>
-          </a:bodyPr>
-          <a:lstStyle>
-            <a:lvl1pPr algn="ctr" defTabSz="914400" rtl="0" eaLnBrk="1" latinLnBrk="0" hangingPunct="1">
-              <a:spcBef>
-                <a:spcPct val="0"/>
-              </a:spcBef>
-              <a:buNone/>
-              <a:defRPr sz="3200" b="1" kern="1200">
-                <a:solidFill>
-                  <a:schemeClr val="tx2"/>
-                </a:solidFill>
-                <a:latin typeface="+mn-lt"/>
-                <a:ea typeface="+mj-ea"/>
-                <a:cs typeface="+mj-cs"/>
-              </a:defRPr>
-            </a:lvl1pPr>
-          </a:lstStyle>
-          <a:p>
-            <a:pPr algn="l"/>
-            <a:r>
+              <a:t>cải thiện trải nghiệm người dùng và khả năng sử dụng của một trang web.</a:t>
+            </a:r>
+            <a:br>
               <a:rPr lang="en-US"/>
-              <a:t>Cách 2 : CSS Nhúng (Embedded CSS)</a:t>
+            </a:br>
+            <a:br>
+              <a:rPr lang="en-US"/>
+            </a:br>
+            <a:r>
+              <a:rPr lang="en-US"/>
+              <a:t> SEO có thể đưa đi trước đối thủ. Nếu hai trang web bán cùng một thứ, trang web được tối ưu hóa công cụ tìm kiếm có nhiều khả năng có nhiều khách hàng hơn và bán được nhiều hàng hơn. </a:t>
             </a:r>
             <a:endParaRPr lang="en-US"/>
           </a:p>
@@ -10716,7 +10414,7 @@
 </p:sld>
 </file>
 
-<file path=ppt/slides/slide14.xml><?xml version="1.0" encoding="utf-8"?>
+<file path=ppt/slides/slide13.xml><?xml version="1.0" encoding="utf-8"?>
 <p:sld xmlns:a="http://schemas.openxmlformats.org/drawingml/2006/main" xmlns:r="http://schemas.openxmlformats.org/officeDocument/2006/relationships" xmlns:p="http://schemas.openxmlformats.org/presentationml/2006/main">
   <p:cSld>
     <p:spTree>
@@ -10726,90 +10424,6 @@
         <p:nvPr/>
       </p:nvGrpSpPr>
       <p:grpSpPr/>
-      <p:pic>
-        <p:nvPicPr>
-          <p:cNvPr id="25" name="Picture 25"/>
-          <p:cNvPicPr>
-            <a:picLocks noChangeAspect="1"/>
-          </p:cNvPicPr>
-          <p:nvPr/>
-        </p:nvPicPr>
-        <p:blipFill>
-          <a:blip r:embed="rId1"/>
-          <a:stretch>
-            <a:fillRect/>
-          </a:stretch>
-        </p:blipFill>
-        <p:spPr>
-          <a:xfrm>
-            <a:off x="986790" y="1334770"/>
-            <a:ext cx="9627235" cy="4439285"/>
-          </a:xfrm>
-          <a:prstGeom prst="rect">
-            <a:avLst/>
-          </a:prstGeom>
-          <a:noFill/>
-          <a:ln>
-            <a:noFill/>
-          </a:ln>
-        </p:spPr>
-      </p:pic>
-      <p:sp>
-        <p:nvSpPr>
-          <p:cNvPr id="6" name="Title 5"/>
-          <p:cNvSpPr/>
-          <p:nvPr>
-            <p:ph type="title"/>
-          </p:nvPr>
-        </p:nvSpPr>
-        <p:spPr>
-          <a:xfrm>
-            <a:off x="721360" y="410845"/>
-            <a:ext cx="9182735" cy="640080"/>
-          </a:xfrm>
-        </p:spPr>
-        <p:txBody>
-          <a:bodyPr/>
-          <a:p>
-            <a:pPr algn="l"/>
-            <a:r>
-              <a:rPr lang="en-US" sz="3200"/>
-              <a:t>Cách 3: CSS Ngoại tuyến (External CSS)</a:t>
-            </a:r>
-            <a:endParaRPr lang="en-US" sz="3200"/>
-          </a:p>
-        </p:txBody>
-      </p:sp>
-    </p:spTree>
-  </p:cSld>
-  <p:clrMapOvr>
-    <a:masterClrMapping/>
-  </p:clrMapOvr>
-  <mc:AlternateContent xmlns:mc="http://schemas.openxmlformats.org/markup-compatibility/2006">
-    <mc:Choice xmlns:p14="http://schemas.microsoft.com/office/powerpoint/2010/main" Requires="p14">
-      <p:transition spd="med" p14:dur="750">
-        <p:newsflash/>
-      </p:transition>
-    </mc:Choice>
-    <mc:Fallback>
-      <p:transition spd="med">
-        <p:newsflash/>
-      </p:transition>
-    </mc:Fallback>
-  </mc:AlternateContent>
-</p:sld>
-</file>
-
-<file path=ppt/slides/slide15.xml><?xml version="1.0" encoding="utf-8"?>
-<p:sld xmlns:a="http://schemas.openxmlformats.org/drawingml/2006/main" xmlns:r="http://schemas.openxmlformats.org/officeDocument/2006/relationships" xmlns:p="http://schemas.openxmlformats.org/presentationml/2006/main">
-  <p:cSld>
-    <p:spTree>
-      <p:nvGrpSpPr>
-        <p:cNvPr id="1" name=""/>
-        <p:cNvGrpSpPr/>
-        <p:nvPr/>
-      </p:nvGrpSpPr>
-      <p:grpSpPr/>
       <p:sp>
         <p:nvSpPr>
           <p:cNvPr id="2" name="Title 1"/>
@@ -10824,6 +10438,10 @@
         <p:txBody>
           <a:bodyPr/>
           <a:p>
+            <a:r>
+              <a:rPr lang="en-US"/>
+              <a:t> Quản lý mã nguồn và Git </a:t>
+            </a:r>
             <a:endParaRPr lang="en-US"/>
           </a:p>
         </p:txBody>
@@ -10842,13 +10460,17 @@
         <p:txBody>
           <a:bodyPr/>
           <a:p>
+            <a:r>
+              <a:rPr lang="en-US"/>
+              <a:t>&lt;.git&gt;</a:t>
+            </a:r>
             <a:endParaRPr lang="en-US"/>
           </a:p>
         </p:txBody>
       </p:sp>
       <p:pic>
         <p:nvPicPr>
-          <p:cNvPr id="5" name="Picture Placeholder 4"/>
+          <p:cNvPr id="7" name="Picture Placeholder 6"/>
           <p:cNvPicPr>
             <a:picLocks noChangeAspect="1"/>
           </p:cNvPicPr>
@@ -10864,153 +10486,8 @@
         </p:blipFill>
         <p:spPr>
           <a:xfrm>
-            <a:off x="850900" y="1042670"/>
-            <a:ext cx="10890250" cy="4958080"/>
-          </a:xfrm>
-          <a:prstGeom prst="rect">
-            <a:avLst/>
-          </a:prstGeom>
-        </p:spPr>
-      </p:pic>
-      <p:sp>
-        <p:nvSpPr>
-          <p:cNvPr id="3" name="Title 5"/>
-          <p:cNvSpPr/>
-          <p:nvPr/>
-        </p:nvSpPr>
-        <p:spPr>
-          <a:xfrm>
-            <a:off x="4949190" y="207010"/>
-            <a:ext cx="2693035" cy="640080"/>
-          </a:xfrm>
-          <a:prstGeom prst="rect">
-            <a:avLst/>
-          </a:prstGeom>
-        </p:spPr>
-        <p:txBody>
-          <a:bodyPr vert="horz" lIns="91440" tIns="45720" rIns="91440" bIns="45720" rtlCol="0" anchor="t" anchorCtr="0">
-            <a:noAutofit/>
-          </a:bodyPr>
-          <a:lstStyle>
-            <a:lvl1pPr algn="ctr" defTabSz="914400" rtl="0" eaLnBrk="1" latinLnBrk="0" hangingPunct="1">
-              <a:spcBef>
-                <a:spcPct val="0"/>
-              </a:spcBef>
-              <a:buNone/>
-              <a:defRPr sz="3200" b="1" kern="1200">
-                <a:solidFill>
-                  <a:schemeClr val="tx2"/>
-                </a:solidFill>
-                <a:latin typeface="+mn-lt"/>
-                <a:ea typeface="+mj-ea"/>
-                <a:cs typeface="+mj-cs"/>
-              </a:defRPr>
-            </a:lvl1pPr>
-          </a:lstStyle>
-          <a:p>
-            <a:pPr algn="ctr"/>
-            <a:r>
-              <a:rPr lang="en-US"/>
-              <a:t>Thu được</a:t>
-            </a:r>
-            <a:endParaRPr lang="en-US"/>
-          </a:p>
-        </p:txBody>
-      </p:sp>
-    </p:spTree>
-  </p:cSld>
-  <p:clrMapOvr>
-    <a:masterClrMapping/>
-  </p:clrMapOvr>
-  <mc:AlternateContent xmlns:mc="http://schemas.openxmlformats.org/markup-compatibility/2006">
-    <mc:Choice xmlns:p14="http://schemas.microsoft.com/office/powerpoint/2010/main" Requires="p14">
-      <p:transition spd="slow" p14:dur="1000">
-        <p:wheel spokes="8"/>
-      </p:transition>
-    </mc:Choice>
-    <mc:Fallback>
-      <p:transition spd="slow">
-        <p:wheel spokes="8"/>
-      </p:transition>
-    </mc:Fallback>
-  </mc:AlternateContent>
-</p:sld>
-</file>
-
-<file path=ppt/slides/slide16.xml><?xml version="1.0" encoding="utf-8"?>
-<p:sld xmlns:a="http://schemas.openxmlformats.org/drawingml/2006/main" xmlns:r="http://schemas.openxmlformats.org/officeDocument/2006/relationships" xmlns:p="http://schemas.openxmlformats.org/presentationml/2006/main">
-  <p:cSld>
-    <p:spTree>
-      <p:nvGrpSpPr>
-        <p:cNvPr id="1" name=""/>
-        <p:cNvGrpSpPr/>
-        <p:nvPr/>
-      </p:nvGrpSpPr>
-      <p:grpSpPr/>
-      <p:sp>
-        <p:nvSpPr>
-          <p:cNvPr id="2" name="Title 1"/>
-          <p:cNvSpPr>
-            <a:spLocks noGrp="1"/>
-          </p:cNvSpPr>
-          <p:nvPr>
-            <p:ph type="title"/>
-          </p:nvPr>
-        </p:nvSpPr>
-        <p:spPr/>
-        <p:txBody>
-          <a:bodyPr/>
-          <a:p>
-            <a:r>
-              <a:rPr lang="en-US"/>
-              <a:t>JAVA SCRIPT</a:t>
-            </a:r>
-            <a:endParaRPr lang="en-US"/>
-          </a:p>
-        </p:txBody>
-      </p:sp>
-      <p:sp>
-        <p:nvSpPr>
-          <p:cNvPr id="4" name="Subtitle 3"/>
-          <p:cNvSpPr>
-            <a:spLocks noGrp="1"/>
-          </p:cNvSpPr>
-          <p:nvPr>
-            <p:ph type="subTitle" idx="1"/>
-          </p:nvPr>
-        </p:nvSpPr>
-        <p:spPr/>
-        <p:txBody>
-          <a:bodyPr/>
-          <a:p>
-            <a:r>
-              <a:rPr lang="en-US"/>
-              <a:t>&lt;script&gt;</a:t>
-            </a:r>
-            <a:endParaRPr lang="en-US"/>
-          </a:p>
-        </p:txBody>
-      </p:sp>
-      <p:pic>
-        <p:nvPicPr>
-          <p:cNvPr id="5" name="Picture Placeholder 4"/>
-          <p:cNvPicPr>
-            <a:picLocks noChangeAspect="1"/>
-          </p:cNvPicPr>
-          <p:nvPr>
-            <p:ph type="pic" sz="quarter" idx="10"/>
-          </p:nvPr>
-        </p:nvPicPr>
-        <p:blipFill>
-          <a:blip r:embed="rId1"/>
-          <a:stretch>
-            <a:fillRect/>
-          </a:stretch>
-        </p:blipFill>
-        <p:spPr>
-          <a:xfrm>
-            <a:off x="1410335" y="1601470"/>
-            <a:ext cx="3484245" cy="3655695"/>
+            <a:off x="1533525" y="1901825"/>
+            <a:ext cx="3268980" cy="3154680"/>
           </a:xfrm>
           <a:prstGeom prst="rect">
             <a:avLst/>
@@ -11037,7 +10514,7 @@
 </p:sld>
 </file>
 
-<file path=ppt/slides/slide17.xml><?xml version="1.0" encoding="utf-8"?>
+<file path=ppt/slides/slide14.xml><?xml version="1.0" encoding="utf-8"?>
 <p:sld xmlns:a="http://schemas.openxmlformats.org/drawingml/2006/main" xmlns:r="http://schemas.openxmlformats.org/officeDocument/2006/relationships" xmlns:p="http://schemas.openxmlformats.org/presentationml/2006/main">
   <p:cSld>
     <p:spTree>
@@ -11056,107 +10533,14 @@
       </p:grpSpPr>
       <p:sp>
         <p:nvSpPr>
-          <p:cNvPr id="2" name="Title 1"/>
-          <p:cNvSpPr>
-            <a:spLocks noGrp="1"/>
-          </p:cNvSpPr>
-          <p:nvPr>
-            <p:ph type="title"/>
-          </p:nvPr>
-        </p:nvSpPr>
-        <p:spPr>
-          <a:xfrm>
-            <a:off x="548640" y="1904365"/>
-            <a:ext cx="4956175" cy="2103120"/>
-          </a:xfrm>
-        </p:spPr>
-        <p:txBody>
-          <a:bodyPr>
-            <a:normAutofit/>
-          </a:bodyPr>
-          <a:lstStyle/>
-          <a:p>
-            <a:pPr algn="l"/>
-            <a:br>
-              <a:rPr lang="en-US" sz="1800" dirty="0">
-                <a:solidFill>
-                  <a:schemeClr val="tx1"/>
-                </a:solidFill>
-                <a:latin typeface="Times New Roman" panose="02020603050405020304" pitchFamily="18" charset="0"/>
-              </a:rPr>
-            </a:br>
-            <a:br>
-              <a:rPr lang="en-US" sz="1800" dirty="0">
-                <a:solidFill>
-                  <a:schemeClr val="tx1"/>
-                </a:solidFill>
-                <a:latin typeface="Times New Roman" panose="02020603050405020304" pitchFamily="18" charset="0"/>
-              </a:rPr>
-            </a:br>
-            <a:br>
-              <a:rPr lang="vi-VN" sz="1800" b="0" i="0" dirty="0">
-                <a:solidFill>
-                  <a:srgbClr val="000000"/>
-                </a:solidFill>
-                <a:effectLst/>
-                <a:latin typeface="Times New Roman" panose="02020603050405020304" pitchFamily="18" charset="0"/>
-              </a:rPr>
-            </a:br>
-            <a:br>
-              <a:rPr lang="vi-VN" sz="1800" b="0" i="0" dirty="0">
-                <a:solidFill>
-                  <a:srgbClr val="000000"/>
-                </a:solidFill>
-                <a:effectLst/>
-                <a:latin typeface="Times New Roman" panose="02020603050405020304" pitchFamily="18" charset="0"/>
-              </a:rPr>
-            </a:br>
-            <a:endParaRPr lang="vi-VN" sz="2665" b="0" i="0" dirty="0">
-              <a:solidFill>
-                <a:srgbClr val="000000"/>
-              </a:solidFill>
-              <a:effectLst/>
-              <a:latin typeface="Times New Roman" panose="02020603050405020304" pitchFamily="18" charset="0"/>
-            </a:endParaRPr>
-          </a:p>
-        </p:txBody>
-      </p:sp>
-      <p:pic>
-        <p:nvPicPr>
-          <p:cNvPr id="3" name="Content Placeholder 2"/>
-          <p:cNvPicPr>
-            <a:picLocks noChangeAspect="1"/>
-          </p:cNvPicPr>
-          <p:nvPr>
-            <p:ph sz="quarter" idx="16"/>
-          </p:nvPr>
-        </p:nvPicPr>
-        <p:blipFill>
-          <a:blip r:embed="rId1"/>
-          <a:stretch>
-            <a:fillRect/>
-          </a:stretch>
-        </p:blipFill>
-        <p:spPr>
-          <a:xfrm>
-            <a:off x="6129655" y="1904365"/>
-            <a:ext cx="5483860" cy="3414395"/>
-          </a:xfrm>
-          <a:prstGeom prst="rect">
-            <a:avLst/>
-          </a:prstGeom>
-        </p:spPr>
-      </p:pic>
-      <p:sp>
-        <p:nvSpPr>
-          <p:cNvPr id="6" name="Title 5"/>
+          <p:cNvPr id="4" name="Title 5"/>
           <p:cNvSpPr/>
           <p:nvPr/>
         </p:nvSpPr>
         <p:spPr>
           <a:xfrm>
-            <a:off x="548640" y="1711325"/>
-            <a:ext cx="4152900" cy="640080"/>
+            <a:off x="472440" y="2351405"/>
+            <a:ext cx="3222625" cy="640080"/>
           </a:xfrm>
           <a:prstGeom prst="rect">
             <a:avLst/>
@@ -11185,23 +10569,23 @@
           <a:p>
             <a:pPr algn="l"/>
             <a:r>
-              <a:rPr lang="en-US" sz="3600"/>
-              <a:t>III. JAVA SCRIPT</a:t>
-            </a:r>
-            <a:endParaRPr lang="en-US" sz="3600"/>
-          </a:p>
-        </p:txBody>
-      </p:sp>
-      <p:sp>
-        <p:nvSpPr>
-          <p:cNvPr id="4" name="Title 5"/>
+              <a:rPr lang="en-US" sz="2800"/>
+              <a:t>Định nghĩa</a:t>
+            </a:r>
+            <a:endParaRPr lang="en-US" sz="2800"/>
+          </a:p>
+        </p:txBody>
+      </p:sp>
+      <p:sp>
+        <p:nvSpPr>
+          <p:cNvPr id="5" name="Title 5"/>
           <p:cNvSpPr/>
           <p:nvPr/>
         </p:nvSpPr>
         <p:spPr>
           <a:xfrm>
-            <a:off x="548640" y="2351405"/>
-            <a:ext cx="3222625" cy="640080"/>
+            <a:off x="472440" y="2882265"/>
+            <a:ext cx="5288280" cy="640080"/>
           </a:xfrm>
           <a:prstGeom prst="rect">
             <a:avLst/>
@@ -11230,58 +10614,50 @@
           <a:p>
             <a:pPr algn="l"/>
             <a:r>
-              <a:rPr lang="en-US" sz="2800"/>
-              <a:t>Định nghĩa</a:t>
-            </a:r>
-            <a:endParaRPr lang="en-US" sz="2800"/>
-          </a:p>
-        </p:txBody>
-      </p:sp>
-      <p:sp>
-        <p:nvSpPr>
-          <p:cNvPr id="5" name="Title 5"/>
-          <p:cNvSpPr/>
-          <p:nvPr/>
-        </p:nvSpPr>
-        <p:spPr>
-          <a:xfrm>
-            <a:off x="472440" y="2882265"/>
-            <a:ext cx="5288280" cy="640080"/>
+              <a:rPr lang="en-US" sz="2400"/>
+              <a:t>GIT là một hệ thống quản lý phân tán cho phép người quản lý mã nguồn một cách dễ dàng, trực tuyến và nhiều người có thể sử dụng chung tài nguyên. </a:t>
+            </a:r>
+            <a:endParaRPr lang="en-US" sz="2400"/>
+          </a:p>
+        </p:txBody>
+      </p:sp>
+      <p:pic>
+        <p:nvPicPr>
+          <p:cNvPr id="32" name="Picture 32" descr="Quáº£n lÃ½ mÃ£ nguá»n - Thay Äá»i nhá», hiá»u quáº£ lá»n"/>
+          <p:cNvPicPr>
+            <a:picLocks noChangeAspect="1" noChangeArrowheads="1"/>
+          </p:cNvPicPr>
+          <p:nvPr>
+            <p:ph sz="quarter" idx="16"/>
+          </p:nvPr>
+        </p:nvPicPr>
+        <p:blipFill>
+          <a:blip r:embed="rId1">
+            <a:extLst>
+              <a:ext uri="{28A0092B-C50C-407E-A947-70E740481C1C}">
+                <a14:useLocalDpi xmlns:a14="http://schemas.microsoft.com/office/drawing/2010/main" val="0"/>
+              </a:ext>
+            </a:extLst>
+          </a:blip>
+          <a:srcRect/>
+          <a:stretch>
+            <a:fillRect/>
+          </a:stretch>
+        </p:blipFill>
+        <p:spPr>
+          <a:xfrm>
+            <a:off x="6702425" y="1995805"/>
+            <a:ext cx="4562475" cy="2828925"/>
           </a:xfrm>
           <a:prstGeom prst="rect">
             <a:avLst/>
           </a:prstGeom>
-        </p:spPr>
-        <p:txBody>
-          <a:bodyPr vert="horz" lIns="91440" tIns="45720" rIns="91440" bIns="45720" rtlCol="0" anchor="t" anchorCtr="0">
-            <a:noAutofit/>
-          </a:bodyPr>
-          <a:lstStyle>
-            <a:lvl1pPr algn="ctr" defTabSz="914400" rtl="0" eaLnBrk="1" latinLnBrk="0" hangingPunct="1">
-              <a:spcBef>
-                <a:spcPct val="0"/>
-              </a:spcBef>
-              <a:buNone/>
-              <a:defRPr sz="3200" b="1" kern="1200">
-                <a:solidFill>
-                  <a:schemeClr val="tx2"/>
-                </a:solidFill>
-                <a:latin typeface="+mn-lt"/>
-                <a:ea typeface="+mj-ea"/>
-                <a:cs typeface="+mj-cs"/>
-              </a:defRPr>
-            </a:lvl1pPr>
-          </a:lstStyle>
-          <a:p>
-            <a:pPr algn="l"/>
-            <a:r>
-              <a:rPr lang="en-US" sz="2400"/>
-              <a:t>JavaScript (JS) là một ngôn ngữ lập trình thông dịch (interpreted) và đa năng, thường được sử dụng cho phía máy khách (client-side) để tạo ra các ứng dụng web tương tác </a:t>
-            </a:r>
-            <a:endParaRPr lang="en-US" sz="2400"/>
-          </a:p>
-        </p:txBody>
-      </p:sp>
+          <a:noFill/>
+          <a:ln>
+            <a:noFill/>
+          </a:ln>
+        </p:spPr>
+      </p:pic>
     </p:spTree>
   </p:cSld>
   <p:clrMapOvr>
@@ -11302,7 +10678,7 @@
 </p:sld>
 </file>
 
-<file path=ppt/slides/slide18.xml><?xml version="1.0" encoding="utf-8"?>
+<file path=ppt/slides/slide15.xml><?xml version="1.0" encoding="utf-8"?>
 <p:sld xmlns:a="http://schemas.openxmlformats.org/drawingml/2006/main" xmlns:r="http://schemas.openxmlformats.org/officeDocument/2006/relationships" xmlns:p="http://schemas.openxmlformats.org/presentationml/2006/main">
   <p:cSld>
     <p:spTree>
@@ -11312,104 +10688,6 @@
         <p:nvPr/>
       </p:nvGrpSpPr>
       <p:grpSpPr/>
-      <p:sp>
-        <p:nvSpPr>
-          <p:cNvPr id="4" name="Subtitle 3"/>
-          <p:cNvSpPr>
-            <a:spLocks noGrp="1"/>
-          </p:cNvSpPr>
-          <p:nvPr>
-            <p:ph type="subTitle" idx="1"/>
-          </p:nvPr>
-        </p:nvSpPr>
-        <p:spPr>
-          <a:xfrm>
-            <a:off x="840105" y="871220"/>
-            <a:ext cx="9555480" cy="5722620"/>
-          </a:xfrm>
-        </p:spPr>
-        <p:txBody>
-          <a:bodyPr/>
-          <a:p>
-            <a:r>
-              <a:rPr lang="en-US" sz="2400">
-                <a:latin typeface="Times New Roman" panose="02020603050405020304" pitchFamily="18" charset="0"/>
-                <a:cs typeface="Times New Roman" panose="02020603050405020304" pitchFamily="18" charset="0"/>
-              </a:rPr>
-              <a:t>*click: Sự kiện này xảy ra khi người dùng nhấp chuột lên một phần tử, chẳng hạn như nút hoặc liên kết.</a:t>
-            </a:r>
-            <a:endParaRPr lang="en-US" sz="2400">
-              <a:latin typeface="Times New Roman" panose="02020603050405020304" pitchFamily="18" charset="0"/>
-              <a:cs typeface="Times New Roman" panose="02020603050405020304" pitchFamily="18" charset="0"/>
-            </a:endParaRPr>
-          </a:p>
-          <a:p>
-            <a:r>
-              <a:rPr lang="en-US" sz="2400">
-                <a:latin typeface="Times New Roman" panose="02020603050405020304" pitchFamily="18" charset="0"/>
-                <a:cs typeface="Times New Roman" panose="02020603050405020304" pitchFamily="18" charset="0"/>
-              </a:rPr>
-              <a:t>2 người dùng gửi một biểu mẫu (form) bằng cách nhấn nút "Gửi" hoặc tương tự.</a:t>
-            </a:r>
-            <a:endParaRPr lang="en-US" sz="2400">
-              <a:latin typeface="Times New Roman" panose="02020603050405020304" pitchFamily="18" charset="0"/>
-              <a:cs typeface="Times New Roman" panose="02020603050405020304" pitchFamily="18" charset="0"/>
-            </a:endParaRPr>
-          </a:p>
-          <a:p>
-            <a:r>
-              <a:rPr lang="en-US" sz="2400">
-                <a:latin typeface="Times New Roman" panose="02020603050405020304" pitchFamily="18" charset="0"/>
-                <a:cs typeface="Times New Roman" panose="02020603050405020304" pitchFamily="18" charset="0"/>
-              </a:rPr>
-              <a:t>*change: Sự kiện này xảy ra khi giá trị của một phần tử đầu vào (input) thay đổi, chẳng hạn như khi chọn một tùy chọn từ danh sách thả xuống (dropdown).</a:t>
-            </a:r>
-            <a:endParaRPr lang="en-US" sz="2400">
-              <a:latin typeface="Times New Roman" panose="02020603050405020304" pitchFamily="18" charset="0"/>
-              <a:cs typeface="Times New Roman" panose="02020603050405020304" pitchFamily="18" charset="0"/>
-            </a:endParaRPr>
-          </a:p>
-          <a:p>
-            <a:r>
-              <a:rPr lang="en-US" sz="2400">
-                <a:latin typeface="Times New Roman" panose="02020603050405020304" pitchFamily="18" charset="0"/>
-                <a:cs typeface="Times New Roman" panose="02020603050405020304" pitchFamily="18" charset="0"/>
-              </a:rPr>
-              <a:t>*keydown, keyup: Xảy ra khi người dùng nhấn phím xuống và nhả phím lên, tương ứng.</a:t>
-            </a:r>
-            <a:endParaRPr lang="en-US" sz="2400">
-              <a:latin typeface="Times New Roman" panose="02020603050405020304" pitchFamily="18" charset="0"/>
-              <a:cs typeface="Times New Roman" panose="02020603050405020304" pitchFamily="18" charset="0"/>
-            </a:endParaRPr>
-          </a:p>
-          <a:p>
-            <a:r>
-              <a:rPr lang="en-US" sz="2400">
-                <a:latin typeface="Times New Roman" panose="02020603050405020304" pitchFamily="18" charset="0"/>
-                <a:cs typeface="Times New Roman" panose="02020603050405020304" pitchFamily="18" charset="0"/>
-              </a:rPr>
-              <a:t>*mouseover, mouseout: Xảy ra khi chuột đi vào và rời khỏi một phần tử.</a:t>
-            </a:r>
-            <a:endParaRPr lang="en-US" sz="2400">
-              <a:latin typeface="Times New Roman" panose="02020603050405020304" pitchFamily="18" charset="0"/>
-              <a:cs typeface="Times New Roman" panose="02020603050405020304" pitchFamily="18" charset="0"/>
-            </a:endParaRPr>
-          </a:p>
-          <a:p>
-            <a:r>
-              <a:rPr lang="en-US" sz="2400">
-                <a:latin typeface="Times New Roman" panose="02020603050405020304" pitchFamily="18" charset="0"/>
-                <a:cs typeface="Times New Roman" panose="02020603050405020304" pitchFamily="18" charset="0"/>
-              </a:rPr>
-              <a:t>*mouseenter, mouseleave: Tương tự như mouseover và mouseout, nhưng không kích hoạt cho các phần tử con bên trong.</a:t>
-            </a:r>
-            <a:endParaRPr lang="en-US" sz="2400">
-              <a:latin typeface="Times New Roman" panose="02020603050405020304" pitchFamily="18" charset="0"/>
-              <a:cs typeface="Times New Roman" panose="02020603050405020304" pitchFamily="18" charset="0"/>
-            </a:endParaRPr>
-          </a:p>
-        </p:txBody>
-      </p:sp>
       <p:sp>
         <p:nvSpPr>
           <p:cNvPr id="2" name="Title 5"/>
@@ -11449,9 +10727,78 @@
             <a:pPr algn="l"/>
             <a:r>
               <a:rPr lang="en-US" sz="2800"/>
-              <a:t>Dưới đây là một số sự kiện phổ biến của các phần tử HTML</a:t>
+              <a:t>Công dụng của git</a:t>
             </a:r>
             <a:endParaRPr lang="en-US" sz="2800"/>
+          </a:p>
+        </p:txBody>
+      </p:sp>
+      <p:sp>
+        <p:nvSpPr>
+          <p:cNvPr id="5" name="Title 5"/>
+          <p:cNvSpPr/>
+          <p:nvPr/>
+        </p:nvSpPr>
+        <p:spPr>
+          <a:xfrm>
+            <a:off x="1031875" y="1412240"/>
+            <a:ext cx="7999730" cy="3665220"/>
+          </a:xfrm>
+          <a:prstGeom prst="rect">
+            <a:avLst/>
+          </a:prstGeom>
+        </p:spPr>
+        <p:txBody>
+          <a:bodyPr vert="horz" lIns="91440" tIns="45720" rIns="91440" bIns="45720" rtlCol="0" anchor="t" anchorCtr="0">
+            <a:noAutofit/>
+          </a:bodyPr>
+          <a:lstStyle>
+            <a:lvl1pPr algn="ctr" defTabSz="914400" rtl="0" eaLnBrk="1" latinLnBrk="0" hangingPunct="1">
+              <a:spcBef>
+                <a:spcPct val="0"/>
+              </a:spcBef>
+              <a:buNone/>
+              <a:defRPr sz="3200" b="1" kern="1200">
+                <a:solidFill>
+                  <a:schemeClr val="tx2"/>
+                </a:solidFill>
+                <a:latin typeface="+mn-lt"/>
+                <a:ea typeface="+mj-ea"/>
+                <a:cs typeface="+mj-cs"/>
+              </a:defRPr>
+            </a:lvl1pPr>
+          </a:lstStyle>
+          <a:p>
+            <a:pPr algn="l"/>
+            <a:r>
+              <a:rPr lang="en-US" sz="2400"/>
+              <a:t>Là công cụ giúp quản lý source code được tổ chức theo dạng dữ liệu phân tán (distributed)</a:t>
+            </a:r>
+            <a:endParaRPr lang="en-US" sz="2400"/>
+          </a:p>
+          <a:p>
+            <a:pPr algn="l"/>
+            <a:endParaRPr lang="en-US" sz="2400"/>
+          </a:p>
+          <a:p>
+            <a:pPr algn="l"/>
+            <a:r>
+              <a:rPr lang="en-US" sz="2400"/>
+              <a:t>Giúp theo đồng bộ source code của nhóm làm việc chung với nhau lên 1 server ( remote)</a:t>
+            </a:r>
+            <a:endParaRPr lang="en-US" sz="2400"/>
+          </a:p>
+          <a:p>
+            <a:pPr algn="l"/>
+            <a:endParaRPr lang="en-US" sz="2400"/>
+          </a:p>
+          <a:p>
+            <a:pPr algn="l"/>
+            <a:r>
+              <a:rPr lang="en-US" sz="2400"/>
+              <a:t>Hỗ trợ các thao tác kiểm tra source code của dev trong quá trình làm việc (Diff, Check modifications, ShowLog, …)</a:t>
+            </a:r>
+            <a:endParaRPr lang="en-US" sz="2400"/>
           </a:p>
         </p:txBody>
       </p:sp>
@@ -11475,7 +10822,7 @@
 </p:sld>
 </file>
 
-<file path=ppt/slides/slide19.xml><?xml version="1.0" encoding="utf-8"?>
+<file path=ppt/slides/slide16.xml><?xml version="1.0" encoding="utf-8"?>
 <p:sld xmlns:a="http://schemas.openxmlformats.org/drawingml/2006/main" xmlns:r="http://schemas.openxmlformats.org/officeDocument/2006/relationships" xmlns:p="http://schemas.openxmlformats.org/presentationml/2006/main">
   <p:cSld>
     <p:spTree>
@@ -11497,7 +10844,7 @@
         </p:nvSpPr>
         <p:spPr>
           <a:xfrm>
-            <a:off x="6096000" y="469900"/>
+            <a:off x="5935345" y="1655445"/>
             <a:ext cx="5922010" cy="1024255"/>
           </a:xfrm>
         </p:spPr>
@@ -11511,7 +10858,7 @@
             </a:pPr>
             <a:r>
               <a:rPr lang="en-US" sz="2000"/>
-              <a:t>*focus, blur: Xảy ra khi một phần tử nhận hoặc mất focus, thường được sử dụng cho các phần tử đầu vào.</a:t>
+              <a:t> Mô hình hoạt động của GIT cần nắm một số khái niệm:</a:t>
             </a:r>
             <a:endParaRPr lang="en-US" sz="2000"/>
           </a:p>
@@ -11523,7 +10870,7 @@
             </a:pPr>
             <a:r>
               <a:rPr lang="en-US" sz="2000"/>
-              <a:t>*load: Xảy ra khi một tài nguyên (như hình ảnh hoặc video) đã tải xong.</a:t>
+              <a:t>+ Repository (repo): là nơi chứa source code.</a:t>
             </a:r>
             <a:endParaRPr lang="en-US" sz="2000"/>
           </a:p>
@@ -11535,7 +10882,7 @@
             </a:pPr>
             <a:r>
               <a:rPr lang="en-US" sz="2000"/>
-              <a:t>*error: Xảy ra khi xảy ra lỗi trong quá trình tải tài nguyên.</a:t>
+              <a:t>+ Remote: server online.</a:t>
             </a:r>
             <a:endParaRPr lang="en-US" sz="2000"/>
           </a:p>
@@ -11547,7 +10894,7 @@
             </a:pPr>
             <a:r>
               <a:rPr lang="en-US" sz="2000"/>
-              <a:t>*scroll: Xảy ra khi người dùng cuộn trang web.</a:t>
+              <a:t>+ Local: server local trên máy.</a:t>
             </a:r>
             <a:endParaRPr lang="en-US" sz="2000"/>
           </a:p>
@@ -11559,31 +10906,7 @@
             </a:pPr>
             <a:r>
               <a:rPr lang="en-US" sz="2000"/>
-              <a:t>*resize: Xảy ra khi cửa sổ trình duyệt thay đổi kích thước.</a:t>
-            </a:r>
-            <a:endParaRPr lang="en-US" sz="2000"/>
-          </a:p>
-          <a:p>
-            <a:pPr>
-              <a:lnSpc>
-                <a:spcPct val="100000"/>
-              </a:lnSpc>
-            </a:pPr>
-            <a:r>
-              <a:rPr lang="en-US" sz="2000"/>
-              <a:t>*contextmenu: Xảy ra khi người dùng nhấp chuột phải, hiển thị menu ngữ cảnh (context menu).</a:t>
-            </a:r>
-            <a:endParaRPr lang="en-US" sz="2000"/>
-          </a:p>
-          <a:p>
-            <a:pPr>
-              <a:lnSpc>
-                <a:spcPct val="100000"/>
-              </a:lnSpc>
-            </a:pPr>
-            <a:r>
-              <a:rPr lang="en-US" sz="2000"/>
-              <a:t>*dblclick: Xảy ra khi người dùng nhấp đúp chuột lên một phần tử.</a:t>
+              <a:t>+ Working copy: nơi làm việc trực tiếp trên máy local.</a:t>
             </a:r>
             <a:endParaRPr lang="en-US" sz="2000"/>
           </a:p>
@@ -11591,28 +10914,39 @@
       </p:sp>
       <p:pic>
         <p:nvPicPr>
-          <p:cNvPr id="9" name="Picture Placeholder 8"/>
+          <p:cNvPr id="32" name="Picture 32" descr="Quáº£n lÃ½ mÃ£ nguá»n - Thay Äá»i nhá», hiá»u quáº£ lá»n"/>
           <p:cNvPicPr>
-            <a:picLocks noChangeAspect="1"/>
+            <a:picLocks noChangeAspect="1" noChangeArrowheads="1"/>
           </p:cNvPicPr>
           <p:nvPr>
-            <p:ph type="pic" sz="quarter" idx="10"/>
+            <p:ph sz="quarter" idx="16"/>
           </p:nvPr>
         </p:nvPicPr>
         <p:blipFill>
-          <a:blip r:embed="rId1"/>
+          <a:blip r:embed="rId1">
+            <a:extLst>
+              <a:ext uri="{28A0092B-C50C-407E-A947-70E740481C1C}">
+                <a14:useLocalDpi xmlns:a14="http://schemas.microsoft.com/office/drawing/2010/main" val="0"/>
+              </a:ext>
+            </a:extLst>
+          </a:blip>
+          <a:srcRect/>
           <a:stretch>
             <a:fillRect/>
           </a:stretch>
         </p:blipFill>
         <p:spPr>
           <a:xfrm>
-            <a:off x="1005840" y="2383790"/>
-            <a:ext cx="4324985" cy="2190750"/>
+            <a:off x="1005840" y="2118360"/>
+            <a:ext cx="4562475" cy="2828925"/>
           </a:xfrm>
           <a:prstGeom prst="rect">
             <a:avLst/>
           </a:prstGeom>
+          <a:noFill/>
+          <a:ln>
+            <a:noFill/>
+          </a:ln>
         </p:spPr>
       </p:pic>
     </p:spTree>
@@ -11632,6 +10966,537 @@
       </p:transition>
     </mc:Fallback>
   </mc:AlternateContent>
+</p:sld>
+</file>
+
+<file path=ppt/slides/slide17.xml><?xml version="1.0" encoding="utf-8"?>
+<p:sld xmlns:a="http://schemas.openxmlformats.org/drawingml/2006/main" xmlns:r="http://schemas.openxmlformats.org/officeDocument/2006/relationships" xmlns:p="http://schemas.openxmlformats.org/presentationml/2006/main">
+  <p:cSld>
+    <p:spTree>
+      <p:nvGrpSpPr>
+        <p:cNvPr id="1" name=""/>
+        <p:cNvGrpSpPr/>
+        <p:nvPr/>
+      </p:nvGrpSpPr>
+      <p:grpSpPr/>
+      <p:sp>
+        <p:nvSpPr>
+          <p:cNvPr id="2" name="Title 1"/>
+          <p:cNvSpPr>
+            <a:spLocks noGrp="1"/>
+          </p:cNvSpPr>
+          <p:nvPr>
+            <p:ph type="title"/>
+          </p:nvPr>
+        </p:nvSpPr>
+        <p:spPr>
+          <a:xfrm>
+            <a:off x="635000" y="259080"/>
+            <a:ext cx="7710170" cy="1764665"/>
+          </a:xfrm>
+        </p:spPr>
+        <p:txBody>
+          <a:bodyPr/>
+          <a:p>
+            <a:r>
+              <a:rPr lang="en-US" sz="3200"/>
+              <a:t>Thao tác cơ bản của một lập trình viên </a:t>
+            </a:r>
+            <a:endParaRPr lang="en-US" sz="3200"/>
+          </a:p>
+        </p:txBody>
+      </p:sp>
+      <p:sp>
+        <p:nvSpPr>
+          <p:cNvPr id="4" name="Subtitle 3"/>
+          <p:cNvSpPr>
+            <a:spLocks noGrp="1"/>
+          </p:cNvSpPr>
+          <p:nvPr>
+            <p:ph type="subTitle" idx="1"/>
+          </p:nvPr>
+        </p:nvSpPr>
+        <p:spPr>
+          <a:xfrm>
+            <a:off x="1005205" y="1169035"/>
+            <a:ext cx="8100695" cy="1024255"/>
+          </a:xfrm>
+        </p:spPr>
+        <p:txBody>
+          <a:bodyPr/>
+          <a:p>
+            <a:r>
+              <a:rPr lang="en-US"/>
+              <a:t>+ Clone: Lấy source từ server về server local của máy (local repo) của người dùng.</a:t>
+            </a:r>
+            <a:endParaRPr lang="en-US"/>
+          </a:p>
+          <a:p>
+            <a:r>
+              <a:rPr lang="en-US"/>
+              <a:t>+ pull: Cập nhập source từ server local qua working copy.</a:t>
+            </a:r>
+            <a:endParaRPr lang="en-US"/>
+          </a:p>
+          <a:p>
+            <a:r>
+              <a:rPr lang="en-US"/>
+              <a:t>+ commit: Thêm các thay đổi từ working copy vào sever local.</a:t>
+            </a:r>
+            <a:endParaRPr lang="en-US"/>
+          </a:p>
+          <a:p>
+            <a:r>
+              <a:rPr lang="en-US"/>
+              <a:t>+ push: Cập nhập các thay đôi từ server local lên server online (remote repo)</a:t>
+            </a:r>
+            <a:endParaRPr lang="en-US"/>
+          </a:p>
+          <a:p>
+            <a:r>
+              <a:rPr lang="en-US"/>
+              <a:t>+ Checkout: Đổi từ branch này sang branch khác. Cập nhật tới 1 reversion (Mã Hash). </a:t>
+            </a:r>
+            <a:endParaRPr lang="en-US"/>
+          </a:p>
+        </p:txBody>
+      </p:sp>
+    </p:spTree>
+  </p:cSld>
+  <p:clrMapOvr>
+    <a:masterClrMapping/>
+  </p:clrMapOvr>
+  <mc:AlternateContent xmlns:mc="http://schemas.openxmlformats.org/markup-compatibility/2006">
+    <mc:Choice xmlns:p14="http://schemas.microsoft.com/office/powerpoint/2010/main" Requires="p14">
+      <p:transition spd="slow" p14:dur="1000">
+        <p:wipe/>
+      </p:transition>
+    </mc:Choice>
+    <mc:Fallback>
+      <p:transition spd="slow">
+        <p:wipe/>
+      </p:transition>
+    </mc:Fallback>
+  </mc:AlternateContent>
+</p:sld>
+</file>
+
+<file path=ppt/slides/slide18.xml><?xml version="1.0" encoding="utf-8"?>
+<p:sld xmlns:a="http://schemas.openxmlformats.org/drawingml/2006/main" xmlns:r="http://schemas.openxmlformats.org/officeDocument/2006/relationships" xmlns:p="http://schemas.openxmlformats.org/presentationml/2006/main">
+  <p:cSld>
+    <p:spTree>
+      <p:nvGrpSpPr>
+        <p:cNvPr id="1" name=""/>
+        <p:cNvGrpSpPr/>
+        <p:nvPr/>
+      </p:nvGrpSpPr>
+      <p:grpSpPr/>
+      <p:sp>
+        <p:nvSpPr>
+          <p:cNvPr id="2" name="Title 1"/>
+          <p:cNvSpPr>
+            <a:spLocks noGrp="1"/>
+          </p:cNvSpPr>
+          <p:nvPr>
+            <p:ph type="title"/>
+          </p:nvPr>
+        </p:nvSpPr>
+        <p:spPr/>
+        <p:txBody>
+          <a:bodyPr/>
+          <a:p>
+            <a:r>
+              <a:rPr lang="en-US"/>
+              <a:t>Bài tập lớn</a:t>
+            </a:r>
+            <a:endParaRPr lang="en-US"/>
+          </a:p>
+        </p:txBody>
+      </p:sp>
+      <p:sp>
+        <p:nvSpPr>
+          <p:cNvPr id="3" name="Picture Placeholder 2"/>
+          <p:cNvSpPr>
+            <a:spLocks noGrp="1"/>
+          </p:cNvSpPr>
+          <p:nvPr>
+            <p:ph type="pic" sz="quarter" idx="10"/>
+          </p:nvPr>
+        </p:nvSpPr>
+        <p:spPr/>
+      </p:sp>
+      <p:sp>
+        <p:nvSpPr>
+          <p:cNvPr id="4" name="Subtitle 3"/>
+          <p:cNvSpPr>
+            <a:spLocks noGrp="1"/>
+          </p:cNvSpPr>
+          <p:nvPr>
+            <p:ph type="subTitle" idx="1"/>
+          </p:nvPr>
+        </p:nvSpPr>
+        <p:spPr/>
+        <p:txBody>
+          <a:bodyPr/>
+          <a:p>
+            <a:endParaRPr lang="en-US"/>
+          </a:p>
+        </p:txBody>
+      </p:sp>
+    </p:spTree>
+  </p:cSld>
+  <p:clrMapOvr>
+    <a:masterClrMapping/>
+  </p:clrMapOvr>
+</p:sld>
+</file>
+
+<file path=ppt/slides/slide19.xml><?xml version="1.0" encoding="utf-8"?>
+<p:sld xmlns:a="http://schemas.openxmlformats.org/drawingml/2006/main" xmlns:r="http://schemas.openxmlformats.org/officeDocument/2006/relationships" xmlns:p="http://schemas.openxmlformats.org/presentationml/2006/main">
+  <p:cSld>
+    <p:spTree>
+      <p:nvGrpSpPr>
+        <p:cNvPr id="1" name=""/>
+        <p:cNvGrpSpPr/>
+        <p:nvPr/>
+      </p:nvGrpSpPr>
+      <p:grpSpPr/>
+      <p:sp>
+        <p:nvSpPr>
+          <p:cNvPr id="2" name="Title 1"/>
+          <p:cNvSpPr>
+            <a:spLocks noGrp="1"/>
+          </p:cNvSpPr>
+          <p:nvPr>
+            <p:ph type="title"/>
+          </p:nvPr>
+        </p:nvSpPr>
+        <p:spPr>
+          <a:xfrm>
+            <a:off x="4058666" y="83947"/>
+            <a:ext cx="4590288" cy="1764792"/>
+          </a:xfrm>
+        </p:spPr>
+        <p:txBody>
+          <a:bodyPr/>
+          <a:p>
+            <a:r>
+              <a:rPr lang="en-US"/>
+              <a:t>Giới thiệu</a:t>
+            </a:r>
+            <a:endParaRPr lang="en-US"/>
+          </a:p>
+        </p:txBody>
+      </p:sp>
+      <p:sp>
+        <p:nvSpPr>
+          <p:cNvPr id="4" name="Subtitle 3"/>
+          <p:cNvSpPr>
+            <a:spLocks noGrp="1"/>
+          </p:cNvSpPr>
+          <p:nvPr>
+            <p:ph type="subTitle" idx="1"/>
+          </p:nvPr>
+        </p:nvSpPr>
+        <p:spPr>
+          <a:xfrm>
+            <a:off x="814705" y="1285875"/>
+            <a:ext cx="4591685" cy="4121150"/>
+          </a:xfrm>
+        </p:spPr>
+        <p:txBody>
+          <a:bodyPr/>
+          <a:p>
+            <a:r>
+              <a:rPr lang="en-US" sz="2800"/>
+              <a:t>Đề tài :Web bán hàng </a:t>
+            </a:r>
+            <a:endParaRPr lang="en-US" sz="2800"/>
+          </a:p>
+          <a:p>
+            <a:r>
+              <a:rPr lang="en-US" sz="2800"/>
+              <a:t>Công nghệ sử dụng :</a:t>
+            </a:r>
+            <a:endParaRPr lang="en-US" sz="2800"/>
+          </a:p>
+          <a:p>
+            <a:r>
+              <a:rPr lang="en-US" sz="2800"/>
+              <a:t>Visual studio code</a:t>
+            </a:r>
+            <a:endParaRPr lang="en-US" sz="2800"/>
+          </a:p>
+          <a:p>
+            <a:r>
+              <a:rPr lang="en-US" sz="2800"/>
+              <a:t>IntelliJ IDEA 2023.2.3</a:t>
+            </a:r>
+            <a:endParaRPr lang="en-US" sz="2800"/>
+          </a:p>
+          <a:p>
+            <a:r>
+              <a:rPr lang="en-US" sz="2800"/>
+              <a:t>MySQL Workbench 8.0 CE</a:t>
+            </a:r>
+            <a:endParaRPr lang="en-US" sz="2800"/>
+          </a:p>
+        </p:txBody>
+      </p:sp>
+      <p:sp>
+        <p:nvSpPr>
+          <p:cNvPr id="7" name="Subtitle 3"/>
+          <p:cNvSpPr>
+            <a:spLocks noGrp="1"/>
+          </p:cNvSpPr>
+          <p:nvPr/>
+        </p:nvSpPr>
+        <p:spPr>
+          <a:xfrm>
+            <a:off x="6435725" y="1285875"/>
+            <a:ext cx="4591685" cy="4121150"/>
+          </a:xfrm>
+          <a:prstGeom prst="rect">
+            <a:avLst/>
+          </a:prstGeom>
+        </p:spPr>
+        <p:txBody>
+          <a:bodyPr vert="horz" lIns="91440" tIns="45720" rIns="91440" bIns="45720" rtlCol="0">
+            <a:noAutofit/>
+          </a:bodyPr>
+          <a:lstStyle>
+            <a:lvl1pPr marL="0" indent="0" algn="l" defTabSz="914400" rtl="0" eaLnBrk="1" latinLnBrk="0" hangingPunct="1">
+              <a:lnSpc>
+                <a:spcPct val="100000"/>
+              </a:lnSpc>
+              <a:spcBef>
+                <a:spcPts val="1000"/>
+              </a:spcBef>
+              <a:spcAft>
+                <a:spcPts val="1200"/>
+              </a:spcAft>
+              <a:buFontTx/>
+              <a:buNone/>
+              <a:defRPr lang="en-US" sz="2200" b="1" kern="1200" dirty="0">
+                <a:solidFill>
+                  <a:schemeClr val="tx2"/>
+                </a:solidFill>
+                <a:latin typeface="Segoe UI Semibold" panose="020B0702040204020203" pitchFamily="34" charset="0"/>
+                <a:ea typeface="+mn-ea"/>
+                <a:cs typeface="Segoe UI Semibold" panose="020B0702040204020203" pitchFamily="34" charset="0"/>
+              </a:defRPr>
+            </a:lvl1pPr>
+            <a:lvl2pPr marL="457200" indent="0" algn="ctr" defTabSz="914400" rtl="0" eaLnBrk="1" latinLnBrk="0" hangingPunct="1">
+              <a:lnSpc>
+                <a:spcPct val="150000"/>
+              </a:lnSpc>
+              <a:spcBef>
+                <a:spcPts val="1000"/>
+              </a:spcBef>
+              <a:spcAft>
+                <a:spcPts val="1200"/>
+              </a:spcAft>
+              <a:buFont typeface="Arial" panose="020B0604020202020204" pitchFamily="34" charset="0"/>
+              <a:buNone/>
+              <a:defRPr lang="en-US" sz="2000" kern="1200" dirty="0">
+                <a:solidFill>
+                  <a:schemeClr val="tx1"/>
+                </a:solidFill>
+                <a:latin typeface="+mn-lt"/>
+                <a:ea typeface="+mn-ea"/>
+                <a:cs typeface="+mn-cs"/>
+              </a:defRPr>
+            </a:lvl2pPr>
+            <a:lvl3pPr marL="914400" indent="0" algn="ctr" defTabSz="914400" rtl="0" eaLnBrk="1" latinLnBrk="0" hangingPunct="1">
+              <a:lnSpc>
+                <a:spcPct val="150000"/>
+              </a:lnSpc>
+              <a:spcBef>
+                <a:spcPts val="1000"/>
+              </a:spcBef>
+              <a:spcAft>
+                <a:spcPts val="1200"/>
+              </a:spcAft>
+              <a:buFont typeface="Arial" panose="020B0604020202020204" pitchFamily="34" charset="0"/>
+              <a:buNone/>
+              <a:defRPr lang="en-US" sz="1800" kern="1200" dirty="0">
+                <a:solidFill>
+                  <a:schemeClr val="tx1"/>
+                </a:solidFill>
+                <a:latin typeface="+mn-lt"/>
+                <a:ea typeface="+mn-ea"/>
+                <a:cs typeface="+mn-cs"/>
+              </a:defRPr>
+            </a:lvl3pPr>
+            <a:lvl4pPr marL="1371600" indent="0" algn="ctr" defTabSz="914400" rtl="0" eaLnBrk="1" latinLnBrk="0" hangingPunct="1">
+              <a:lnSpc>
+                <a:spcPct val="150000"/>
+              </a:lnSpc>
+              <a:spcBef>
+                <a:spcPts val="1000"/>
+              </a:spcBef>
+              <a:spcAft>
+                <a:spcPts val="1200"/>
+              </a:spcAft>
+              <a:buFont typeface="Arial" panose="020B0604020202020204" pitchFamily="34" charset="0"/>
+              <a:buNone/>
+              <a:defRPr lang="en-US" sz="1600" kern="1200" dirty="0" smtClean="0">
+                <a:solidFill>
+                  <a:schemeClr val="tx1"/>
+                </a:solidFill>
+                <a:latin typeface="+mn-lt"/>
+                <a:ea typeface="+mn-ea"/>
+                <a:cs typeface="+mn-cs"/>
+              </a:defRPr>
+            </a:lvl4pPr>
+            <a:lvl5pPr marL="1828800" indent="0" algn="ctr" defTabSz="914400" rtl="0" eaLnBrk="1" latinLnBrk="0" hangingPunct="1">
+              <a:lnSpc>
+                <a:spcPct val="150000"/>
+              </a:lnSpc>
+              <a:spcBef>
+                <a:spcPts val="1000"/>
+              </a:spcBef>
+              <a:spcAft>
+                <a:spcPts val="1200"/>
+              </a:spcAft>
+              <a:buFont typeface="Arial" panose="020B0604020202020204" pitchFamily="34" charset="0"/>
+              <a:buNone/>
+              <a:defRPr lang="en-US" sz="1600" kern="1200" dirty="0" smtClean="0">
+                <a:solidFill>
+                  <a:schemeClr val="tx1"/>
+                </a:solidFill>
+                <a:latin typeface="+mn-lt"/>
+                <a:ea typeface="+mn-ea"/>
+                <a:cs typeface="+mn-cs"/>
+              </a:defRPr>
+            </a:lvl5pPr>
+            <a:lvl6pPr marL="2286000" indent="0" algn="ctr" defTabSz="914400" rtl="0" eaLnBrk="1" latinLnBrk="0" hangingPunct="1">
+              <a:lnSpc>
+                <a:spcPct val="150000"/>
+              </a:lnSpc>
+              <a:spcBef>
+                <a:spcPts val="1000"/>
+              </a:spcBef>
+              <a:spcAft>
+                <a:spcPts val="1200"/>
+              </a:spcAft>
+              <a:buFont typeface="Arial" panose="020B0604020202020204" pitchFamily="34" charset="0"/>
+              <a:buNone/>
+              <a:defRPr lang="en-US" sz="1600" kern="1200" dirty="0" smtClean="0">
+                <a:solidFill>
+                  <a:schemeClr val="tx1"/>
+                </a:solidFill>
+                <a:latin typeface="+mn-lt"/>
+                <a:ea typeface="+mn-ea"/>
+                <a:cs typeface="+mn-cs"/>
+              </a:defRPr>
+            </a:lvl6pPr>
+            <a:lvl7pPr marL="2743200" indent="0" algn="ctr" defTabSz="914400" rtl="0" eaLnBrk="1" latinLnBrk="0" hangingPunct="1">
+              <a:lnSpc>
+                <a:spcPct val="150000"/>
+              </a:lnSpc>
+              <a:spcBef>
+                <a:spcPts val="1000"/>
+              </a:spcBef>
+              <a:spcAft>
+                <a:spcPts val="1200"/>
+              </a:spcAft>
+              <a:buFont typeface="Arial" panose="020B0604020202020204" pitchFamily="34" charset="0"/>
+              <a:buNone/>
+              <a:defRPr lang="en-US" sz="1600" kern="1200" dirty="0" smtClean="0">
+                <a:solidFill>
+                  <a:schemeClr val="tx1"/>
+                </a:solidFill>
+                <a:latin typeface="+mn-lt"/>
+                <a:ea typeface="+mn-ea"/>
+                <a:cs typeface="+mn-cs"/>
+              </a:defRPr>
+            </a:lvl7pPr>
+            <a:lvl8pPr marL="3200400" indent="0" algn="ctr" defTabSz="914400" rtl="0" eaLnBrk="1" latinLnBrk="0" hangingPunct="1">
+              <a:lnSpc>
+                <a:spcPct val="150000"/>
+              </a:lnSpc>
+              <a:spcBef>
+                <a:spcPts val="1000"/>
+              </a:spcBef>
+              <a:spcAft>
+                <a:spcPts val="1200"/>
+              </a:spcAft>
+              <a:buFont typeface="Arial" panose="020B0604020202020204" pitchFamily="34" charset="0"/>
+              <a:buNone/>
+              <a:defRPr lang="en-US" sz="1600" kern="1200" dirty="0" smtClean="0">
+                <a:solidFill>
+                  <a:schemeClr val="tx1"/>
+                </a:solidFill>
+                <a:latin typeface="+mn-lt"/>
+                <a:ea typeface="+mn-ea"/>
+                <a:cs typeface="+mn-cs"/>
+              </a:defRPr>
+            </a:lvl8pPr>
+            <a:lvl9pPr marL="3657600" indent="0" algn="ctr" defTabSz="914400" rtl="0" eaLnBrk="1" latinLnBrk="0" hangingPunct="1">
+              <a:lnSpc>
+                <a:spcPct val="90000"/>
+              </a:lnSpc>
+              <a:spcBef>
+                <a:spcPct val="30000"/>
+              </a:spcBef>
+              <a:buFont typeface="Arial" panose="020B0604020202020204" pitchFamily="34" charset="0"/>
+              <a:buNone/>
+              <a:defRPr sz="1600" kern="1200">
+                <a:solidFill>
+                  <a:schemeClr val="tx1"/>
+                </a:solidFill>
+                <a:latin typeface="+mn-lt"/>
+                <a:ea typeface="+mn-ea"/>
+                <a:cs typeface="+mn-cs"/>
+              </a:defRPr>
+            </a:lvl9pPr>
+          </a:lstStyle>
+          <a:p>
+            <a:r>
+              <a:rPr lang="en-US" sz="2800"/>
+              <a:t>Ngôn ngữ sử dụng :</a:t>
+            </a:r>
+            <a:endParaRPr lang="en-US" sz="2800"/>
+          </a:p>
+          <a:p>
+            <a:r>
+              <a:rPr lang="en-US" sz="2800"/>
+              <a:t>front-end</a:t>
+            </a:r>
+            <a:endParaRPr lang="en-US" sz="2800"/>
+          </a:p>
+          <a:p>
+            <a:r>
+              <a:rPr lang="en-US" sz="2800"/>
+              <a:t>Html,css,javaScript</a:t>
+            </a:r>
+            <a:endParaRPr lang="en-US" sz="2800"/>
+          </a:p>
+          <a:p>
+            <a:r>
+              <a:rPr lang="en-US" sz="2800"/>
+              <a:t>back-end</a:t>
+            </a:r>
+            <a:endParaRPr lang="en-US" sz="2800"/>
+          </a:p>
+          <a:p>
+            <a:r>
+              <a:rPr lang="en-US" sz="2800"/>
+              <a:t>java spring boot</a:t>
+            </a:r>
+            <a:endParaRPr lang="en-US" sz="2800"/>
+          </a:p>
+          <a:p>
+            <a:endParaRPr lang="en-US" sz="2800"/>
+          </a:p>
+        </p:txBody>
+      </p:sp>
+    </p:spTree>
+  </p:cSld>
+  <p:clrMapOvr>
+    <a:masterClrMapping/>
+  </p:clrMapOvr>
 </p:sld>
 </file>
 
@@ -11708,179 +11573,19 @@
             <p:ph type="body" sz="quarter" idx="11"/>
           </p:nvPr>
         </p:nvSpPr>
-        <p:spPr/>
+        <p:spPr>
+          <a:xfrm>
+            <a:off x="1144528" y="2453676"/>
+            <a:ext cx="4557428" cy="477764"/>
+          </a:xfrm>
+        </p:spPr>
         <p:txBody>
           <a:bodyPr/>
           <a:lstStyle/>
           <a:p>
             <a:r>
-              <a:rPr lang="en-US" b="0" i="0" dirty="0" err="1">
-                <a:solidFill>
-                  <a:srgbClr val="000000"/>
-                </a:solidFill>
-                <a:effectLst/>
-                <a:latin typeface="Times New Roman" panose="02020603050405020304" pitchFamily="18" charset="0"/>
-              </a:rPr>
-              <a:t>Tổng</a:t>
-            </a:r>
-            <a:r>
-              <a:rPr lang="en-US" b="0" i="0" dirty="0">
-                <a:solidFill>
-                  <a:srgbClr val="000000"/>
-                </a:solidFill>
-                <a:effectLst/>
-                <a:latin typeface="Times New Roman" panose="02020603050405020304" pitchFamily="18" charset="0"/>
-              </a:rPr>
-              <a:t> </a:t>
-            </a:r>
-            <a:r>
-              <a:rPr lang="en-US" b="0" i="0" dirty="0" err="1">
-                <a:solidFill>
-                  <a:srgbClr val="000000"/>
-                </a:solidFill>
-                <a:effectLst/>
-                <a:latin typeface="Times New Roman" panose="02020603050405020304" pitchFamily="18" charset="0"/>
-              </a:rPr>
-              <a:t>quan</a:t>
-            </a:r>
-            <a:r>
-              <a:rPr lang="en-US" b="0" i="0" dirty="0">
-                <a:solidFill>
-                  <a:srgbClr val="000000"/>
-                </a:solidFill>
-                <a:effectLst/>
-                <a:latin typeface="Times New Roman" panose="02020603050405020304" pitchFamily="18" charset="0"/>
-              </a:rPr>
-              <a:t> HTML</a:t>
-            </a:r>
-            <a:endParaRPr lang="en-US" dirty="0"/>
-          </a:p>
-        </p:txBody>
-      </p:sp>
-      <p:sp>
-        <p:nvSpPr>
-          <p:cNvPr id="15" name="Text Placeholder 14"/>
-          <p:cNvSpPr>
-            <a:spLocks noGrp="1"/>
-          </p:cNvSpPr>
-          <p:nvPr>
-            <p:ph type="body" sz="quarter" idx="15"/>
-          </p:nvPr>
-        </p:nvSpPr>
-        <p:spPr/>
-        <p:txBody>
-          <a:bodyPr/>
-          <a:lstStyle/>
-          <a:p>
-            <a:r>
-              <a:rPr b="0" dirty="0" err="1">
-                <a:solidFill>
-                  <a:srgbClr val="000000"/>
-                </a:solidFill>
-                <a:effectLst/>
-                <a:latin typeface="Times New Roman" panose="02020603050405020304" pitchFamily="18" charset="0"/>
-                <a:sym typeface="+mn-ea"/>
-              </a:rPr>
-              <a:t>Tổng</a:t>
-            </a:r>
-            <a:r>
-              <a:rPr b="0">
-                <a:solidFill>
-                  <a:srgbClr val="000000"/>
-                </a:solidFill>
-                <a:effectLst/>
-                <a:latin typeface="Times New Roman" panose="02020603050405020304" pitchFamily="18" charset="0"/>
-                <a:sym typeface="+mn-ea"/>
-              </a:rPr>
-              <a:t> </a:t>
-            </a:r>
-            <a:r>
-              <a:rPr b="0" dirty="0" err="1">
-                <a:solidFill>
-                  <a:srgbClr val="000000"/>
-                </a:solidFill>
-                <a:effectLst/>
-                <a:latin typeface="Times New Roman" panose="02020603050405020304" pitchFamily="18" charset="0"/>
-                <a:sym typeface="+mn-ea"/>
-              </a:rPr>
-              <a:t>quan</a:t>
-            </a:r>
-            <a:r>
-              <a:rPr b="0">
-                <a:solidFill>
-                  <a:srgbClr val="000000"/>
-                </a:solidFill>
-                <a:effectLst/>
-                <a:latin typeface="Times New Roman" panose="02020603050405020304" pitchFamily="18" charset="0"/>
-                <a:sym typeface="+mn-ea"/>
-              </a:rPr>
-              <a:t> CSS</a:t>
-            </a:r>
-            <a:endParaRPr lang="en-US" dirty="0"/>
-          </a:p>
-          <a:p>
-            <a:endParaRPr lang="en-US" dirty="0"/>
-          </a:p>
-        </p:txBody>
-      </p:sp>
-      <p:sp>
-        <p:nvSpPr>
-          <p:cNvPr id="16" name="Text Placeholder 15"/>
-          <p:cNvSpPr>
-            <a:spLocks noGrp="1"/>
-          </p:cNvSpPr>
-          <p:nvPr>
-            <p:ph type="body" sz="quarter" idx="16"/>
-          </p:nvPr>
-        </p:nvSpPr>
-        <p:spPr/>
-        <p:txBody>
-          <a:bodyPr/>
-          <a:lstStyle/>
-          <a:p>
-            <a:r>
-              <a:rPr b="0" dirty="0" err="1">
-                <a:solidFill>
-                  <a:srgbClr val="000000"/>
-                </a:solidFill>
-                <a:effectLst/>
-                <a:latin typeface="Times New Roman" panose="02020603050405020304" pitchFamily="18" charset="0"/>
-                <a:sym typeface="+mn-ea"/>
-              </a:rPr>
-              <a:t>Tổng</a:t>
-            </a:r>
-            <a:r>
-              <a:rPr b="0">
-                <a:solidFill>
-                  <a:srgbClr val="000000"/>
-                </a:solidFill>
-                <a:effectLst/>
-                <a:latin typeface="Times New Roman" panose="02020603050405020304" pitchFamily="18" charset="0"/>
-                <a:sym typeface="+mn-ea"/>
-              </a:rPr>
-              <a:t> </a:t>
-            </a:r>
-            <a:r>
-              <a:rPr b="0" dirty="0" err="1">
-                <a:solidFill>
-                  <a:srgbClr val="000000"/>
-                </a:solidFill>
-                <a:effectLst/>
-                <a:latin typeface="Times New Roman" panose="02020603050405020304" pitchFamily="18" charset="0"/>
-                <a:sym typeface="+mn-ea"/>
-              </a:rPr>
-              <a:t>quan</a:t>
-            </a:r>
-            <a:r>
-              <a:rPr b="0">
-                <a:solidFill>
-                  <a:srgbClr val="000000"/>
-                </a:solidFill>
-                <a:effectLst/>
-                <a:latin typeface="Times New Roman" panose="02020603050405020304" pitchFamily="18" charset="0"/>
-                <a:sym typeface="+mn-ea"/>
-              </a:rPr>
-              <a:t> JAVASCRIPT</a:t>
+              <a:rPr lang="en-US" dirty="0"/>
+              <a:t>Response Website</a:t>
             </a:r>
             <a:endParaRPr lang="en-US" dirty="0"/>
           </a:p>
@@ -12234,26 +11939,10 @@
           </a:lstStyle>
           <a:p>
             <a:r>
-              <a:rPr b="0" dirty="0" err="1">
-                <a:solidFill>
-                  <a:srgbClr val="000000"/>
-                </a:solidFill>
-                <a:effectLst/>
-                <a:latin typeface="Times New Roman" panose="02020603050405020304" pitchFamily="18" charset="0"/>
+              <a:rPr>
                 <a:sym typeface="+mn-ea"/>
               </a:rPr>
-              <a:t>Tổng</a:t>
-            </a:r>
-            <a:r>
-              <a:rPr b="0">
-                <a:solidFill>
-                  <a:srgbClr val="000000"/>
-                </a:solidFill>
-                <a:effectLst/>
-                <a:latin typeface="Times New Roman" panose="02020603050405020304" pitchFamily="18" charset="0"/>
-                <a:sym typeface="+mn-ea"/>
-              </a:rPr>
-              <a:t> kết</a:t>
+              <a:t> Quản lý mã nguồn và Git </a:t>
             </a:r>
             <a:endParaRPr lang="en-US" dirty="0"/>
           </a:p>
@@ -12285,6 +11974,254 @@
           </a:prstGeom>
         </p:spPr>
       </p:pic>
+      <p:sp>
+        <p:nvSpPr>
+          <p:cNvPr id="3" name="Text Placeholder 13"/>
+          <p:cNvSpPr>
+            <a:spLocks noGrp="1"/>
+          </p:cNvSpPr>
+          <p:nvPr/>
+        </p:nvSpPr>
+        <p:spPr>
+          <a:xfrm>
+            <a:off x="1144528" y="3222661"/>
+            <a:ext cx="4557428" cy="477764"/>
+          </a:xfrm>
+          <a:prstGeom prst="rect">
+            <a:avLst/>
+          </a:prstGeom>
+        </p:spPr>
+        <p:txBody>
+          <a:bodyPr vert="horz" lIns="91440" tIns="45720" rIns="91440" bIns="45720" rtlCol="0">
+            <a:noAutofit/>
+          </a:bodyPr>
+          <a:lstStyle>
+            <a:lvl1pPr marL="0" indent="0" algn="l" defTabSz="914400" rtl="0" eaLnBrk="1" latinLnBrk="0" hangingPunct="1">
+              <a:lnSpc>
+                <a:spcPct val="100000"/>
+              </a:lnSpc>
+              <a:spcBef>
+                <a:spcPts val="0"/>
+              </a:spcBef>
+              <a:spcAft>
+                <a:spcPts val="0"/>
+              </a:spcAft>
+              <a:buFontTx/>
+              <a:buNone/>
+              <a:defRPr lang="en-US" sz="2200" b="1" kern="1200" dirty="0">
+                <a:solidFill>
+                  <a:schemeClr val="tx2"/>
+                </a:solidFill>
+                <a:latin typeface="Segoe UI Semibold" panose="020B0702040204020203" pitchFamily="34" charset="0"/>
+                <a:ea typeface="+mn-ea"/>
+                <a:cs typeface="Segoe UI Semibold" panose="020B0702040204020203" pitchFamily="34" charset="0"/>
+              </a:defRPr>
+            </a:lvl1pPr>
+            <a:lvl2pPr marL="0" indent="0" algn="l" defTabSz="914400" rtl="0" eaLnBrk="1" latinLnBrk="0" hangingPunct="1">
+              <a:lnSpc>
+                <a:spcPct val="100000"/>
+              </a:lnSpc>
+              <a:spcBef>
+                <a:spcPts val="1200"/>
+              </a:spcBef>
+              <a:spcAft>
+                <a:spcPts val="0"/>
+              </a:spcAft>
+              <a:buFont typeface="Arial" panose="020B0604020202020204" pitchFamily="34" charset="0"/>
+              <a:buNone/>
+              <a:defRPr lang="en-US" sz="1800" kern="1200" dirty="0">
+                <a:solidFill>
+                  <a:schemeClr val="tx2"/>
+                </a:solidFill>
+                <a:latin typeface="+mn-lt"/>
+                <a:ea typeface="+mn-ea"/>
+                <a:cs typeface="+mn-cs"/>
+              </a:defRPr>
+            </a:lvl2pPr>
+            <a:lvl3pPr marL="685800" indent="-228600" algn="l" defTabSz="914400" rtl="0" eaLnBrk="1" latinLnBrk="0" hangingPunct="1">
+              <a:lnSpc>
+                <a:spcPct val="150000"/>
+              </a:lnSpc>
+              <a:spcBef>
+                <a:spcPts val="1000"/>
+              </a:spcBef>
+              <a:spcAft>
+                <a:spcPts val="1200"/>
+              </a:spcAft>
+              <a:buFont typeface="Arial" panose="020B0604020202020204" pitchFamily="34" charset="0"/>
+              <a:buChar char="•"/>
+              <a:defRPr lang="en-US" sz="1200" kern="1200" dirty="0">
+                <a:solidFill>
+                  <a:schemeClr val="tx1"/>
+                </a:solidFill>
+                <a:latin typeface="+mn-lt"/>
+                <a:ea typeface="+mn-ea"/>
+                <a:cs typeface="+mn-cs"/>
+              </a:defRPr>
+            </a:lvl3pPr>
+            <a:lvl4pPr marL="1143000" indent="-228600" algn="l" defTabSz="914400" rtl="0" eaLnBrk="1" latinLnBrk="0" hangingPunct="1">
+              <a:lnSpc>
+                <a:spcPct val="150000"/>
+              </a:lnSpc>
+              <a:spcBef>
+                <a:spcPts val="1000"/>
+              </a:spcBef>
+              <a:spcAft>
+                <a:spcPts val="1200"/>
+              </a:spcAft>
+              <a:buFont typeface="Arial" panose="020B0604020202020204" pitchFamily="34" charset="0"/>
+              <a:buChar char="•"/>
+              <a:defRPr lang="en-US" sz="1200" kern="1200" dirty="0" smtClean="0">
+                <a:solidFill>
+                  <a:schemeClr val="tx1"/>
+                </a:solidFill>
+                <a:latin typeface="+mn-lt"/>
+                <a:ea typeface="+mn-ea"/>
+                <a:cs typeface="+mn-cs"/>
+              </a:defRPr>
+            </a:lvl4pPr>
+            <a:lvl5pPr marL="1600200" indent="-228600" algn="l" defTabSz="914400" rtl="0" eaLnBrk="1" latinLnBrk="0" hangingPunct="1">
+              <a:lnSpc>
+                <a:spcPct val="150000"/>
+              </a:lnSpc>
+              <a:spcBef>
+                <a:spcPts val="1000"/>
+              </a:spcBef>
+              <a:spcAft>
+                <a:spcPts val="1200"/>
+              </a:spcAft>
+              <a:buFont typeface="Arial" panose="020B0604020202020204" pitchFamily="34" charset="0"/>
+              <a:buChar char="•"/>
+              <a:defRPr lang="en-US" sz="1200" kern="1200" dirty="0" smtClean="0">
+                <a:solidFill>
+                  <a:schemeClr val="tx1"/>
+                </a:solidFill>
+                <a:latin typeface="+mn-lt"/>
+                <a:ea typeface="+mn-ea"/>
+                <a:cs typeface="+mn-cs"/>
+              </a:defRPr>
+            </a:lvl5pPr>
+            <a:lvl6pPr marL="2057400" indent="-228600" algn="l" defTabSz="914400" rtl="0" eaLnBrk="1" latinLnBrk="0" hangingPunct="1">
+              <a:lnSpc>
+                <a:spcPct val="150000"/>
+              </a:lnSpc>
+              <a:spcBef>
+                <a:spcPts val="1000"/>
+              </a:spcBef>
+              <a:spcAft>
+                <a:spcPts val="1200"/>
+              </a:spcAft>
+              <a:buFont typeface="Arial" panose="020B0604020202020204" pitchFamily="34" charset="0"/>
+              <a:buChar char="•"/>
+              <a:defRPr lang="en-US" sz="1200" kern="1200" dirty="0" smtClean="0">
+                <a:solidFill>
+                  <a:schemeClr val="tx1"/>
+                </a:solidFill>
+                <a:latin typeface="+mn-lt"/>
+                <a:ea typeface="+mn-ea"/>
+                <a:cs typeface="+mn-cs"/>
+              </a:defRPr>
+            </a:lvl6pPr>
+            <a:lvl7pPr marL="2514600" indent="-228600" algn="l" defTabSz="914400" rtl="0" eaLnBrk="1" latinLnBrk="0" hangingPunct="1">
+              <a:lnSpc>
+                <a:spcPct val="150000"/>
+              </a:lnSpc>
+              <a:spcBef>
+                <a:spcPts val="1000"/>
+              </a:spcBef>
+              <a:spcAft>
+                <a:spcPts val="1200"/>
+              </a:spcAft>
+              <a:buFont typeface="Arial" panose="020B0604020202020204" pitchFamily="34" charset="0"/>
+              <a:buChar char="•"/>
+              <a:defRPr lang="en-US" sz="1200" kern="1200" dirty="0" smtClean="0">
+                <a:solidFill>
+                  <a:schemeClr val="tx1"/>
+                </a:solidFill>
+                <a:latin typeface="+mn-lt"/>
+                <a:ea typeface="+mn-ea"/>
+                <a:cs typeface="+mn-cs"/>
+              </a:defRPr>
+            </a:lvl7pPr>
+            <a:lvl8pPr marL="2971800" indent="-228600" algn="l" defTabSz="914400" rtl="0" eaLnBrk="1" latinLnBrk="0" hangingPunct="1">
+              <a:lnSpc>
+                <a:spcPct val="150000"/>
+              </a:lnSpc>
+              <a:spcBef>
+                <a:spcPts val="1000"/>
+              </a:spcBef>
+              <a:spcAft>
+                <a:spcPts val="1200"/>
+              </a:spcAft>
+              <a:buFont typeface="Arial" panose="020B0604020202020204" pitchFamily="34" charset="0"/>
+              <a:buChar char="•"/>
+              <a:defRPr lang="en-US" sz="1200" kern="1200" dirty="0" smtClean="0">
+                <a:solidFill>
+                  <a:schemeClr val="tx1"/>
+                </a:solidFill>
+                <a:latin typeface="+mn-lt"/>
+                <a:ea typeface="+mn-ea"/>
+                <a:cs typeface="+mn-cs"/>
+              </a:defRPr>
+            </a:lvl8pPr>
+            <a:lvl9pPr marL="3429000" indent="-228600" algn="l" defTabSz="914400" rtl="0" eaLnBrk="1" latinLnBrk="0" hangingPunct="1">
+              <a:lnSpc>
+                <a:spcPct val="90000"/>
+              </a:lnSpc>
+              <a:spcBef>
+                <a:spcPct val="30000"/>
+              </a:spcBef>
+              <a:buFont typeface="Arial" panose="020B0604020202020204" pitchFamily="34" charset="0"/>
+              <a:buNone/>
+              <a:defRPr sz="1200" kern="1200">
+                <a:solidFill>
+                  <a:schemeClr val="tx1"/>
+                </a:solidFill>
+                <a:latin typeface="+mn-lt"/>
+                <a:ea typeface="+mn-ea"/>
+                <a:cs typeface="+mn-cs"/>
+              </a:defRPr>
+            </a:lvl9pPr>
+          </a:lstStyle>
+          <a:p>
+            <a:r>
+              <a:rPr lang="en-US" dirty="0"/>
+              <a:t>HTML5 và CSS3  </a:t>
+            </a:r>
+            <a:endParaRPr lang="en-US" dirty="0"/>
+          </a:p>
+        </p:txBody>
+      </p:sp>
+      <p:sp>
+        <p:nvSpPr>
+          <p:cNvPr id="8" name="Text Placeholder 7"/>
+          <p:cNvSpPr/>
+          <p:nvPr>
+            <p:ph type="body" sz="quarter" idx="16"/>
+          </p:nvPr>
+        </p:nvSpPr>
+        <p:spPr>
+          <a:xfrm>
+            <a:off x="1144270" y="3992880"/>
+            <a:ext cx="4679950" cy="477520"/>
+          </a:xfrm>
+        </p:spPr>
+        <p:txBody>
+          <a:bodyPr/>
+          <a:p>
+            <a:r>
+              <a:rPr>
+                <a:sym typeface="+mn-ea"/>
+              </a:rPr>
+              <a:t>Thiết kế trang web thân thiện(SEO) </a:t>
+            </a:r>
+            <a:endParaRPr lang="en-US" dirty="0"/>
+          </a:p>
+          <a:p>
+            <a:endParaRPr lang="en-US"/>
+          </a:p>
+        </p:txBody>
+      </p:sp>
     </p:spTree>
   </p:cSld>
   <p:clrMapOvr>
@@ -12327,7 +12264,7 @@
         </p:nvSpPr>
         <p:spPr>
           <a:xfrm>
-            <a:off x="1004951" y="363982"/>
+            <a:off x="4283456" y="196342"/>
             <a:ext cx="4590288" cy="1764792"/>
           </a:xfrm>
         </p:spPr>
@@ -12335,389 +12272,18 @@
           <a:bodyPr/>
           <a:p>
             <a:r>
-              <a:rPr lang="en-US" sz="3200">
-                <a:sym typeface="+mn-ea"/>
-              </a:rPr>
-              <a:t>Biến (Variables): </a:t>
-            </a:r>
-            <a:br>
-              <a:rPr lang="en-US" sz="3200"/>
-            </a:br>
-            <a:endParaRPr lang="en-US" sz="3200"/>
-          </a:p>
-        </p:txBody>
-      </p:sp>
-      <p:sp>
-        <p:nvSpPr>
-          <p:cNvPr id="4" name="Subtitle 3"/>
-          <p:cNvSpPr>
-            <a:spLocks noGrp="1"/>
-          </p:cNvSpPr>
-          <p:nvPr>
-            <p:ph type="subTitle" idx="1"/>
-          </p:nvPr>
-        </p:nvSpPr>
-        <p:spPr>
-          <a:xfrm>
-            <a:off x="1005238" y="1169289"/>
-            <a:ext cx="4591906" cy="1024128"/>
-          </a:xfrm>
-        </p:spPr>
-        <p:txBody>
-          <a:bodyPr/>
-          <a:p>
-            <a:r>
               <a:rPr lang="en-US"/>
-              <a:t>+JavaScript sử dụng từ khóa var, let, hoặc const để khai báo biến. Ví dụ:</a:t>
+              <a:t>Giao diện</a:t>
             </a:r>
             <a:endParaRPr lang="en-US"/>
           </a:p>
-          <a:p>
-            <a:r>
-              <a:rPr lang="en-US"/>
-              <a:t>var x = 10; // Sử dụng var để khai báo biến </a:t>
-            </a:r>
-            <a:endParaRPr lang="en-US"/>
-          </a:p>
-          <a:p>
-            <a:r>
-              <a:rPr lang="en-US"/>
-              <a:t>let y = 5; // Sử dụng let để khai báo biến (có thể thay đổi giá trị) </a:t>
-            </a:r>
-            <a:endParaRPr lang="en-US"/>
-          </a:p>
-          <a:p>
-            <a:r>
-              <a:rPr lang="en-US"/>
-              <a:t>const z = 20; // Sử dụng const để khai báo biến (không thể thay đổi giá trị sau khi gán)</a:t>
-            </a:r>
-            <a:endParaRPr lang="en-US"/>
-          </a:p>
-        </p:txBody>
-      </p:sp>
-      <p:sp>
-        <p:nvSpPr>
-          <p:cNvPr id="6" name="Title 1"/>
-          <p:cNvSpPr>
-            <a:spLocks noGrp="1"/>
-          </p:cNvSpPr>
-          <p:nvPr/>
-        </p:nvSpPr>
-        <p:spPr>
-          <a:xfrm>
-            <a:off x="6367526" y="363982"/>
-            <a:ext cx="4590288" cy="1764792"/>
-          </a:xfrm>
-          <a:prstGeom prst="rect">
-            <a:avLst/>
-          </a:prstGeom>
-        </p:spPr>
-        <p:txBody>
-          <a:bodyPr vert="horz" lIns="91440" tIns="45720" rIns="91440" bIns="45720" rtlCol="0" anchor="t" anchorCtr="0">
-            <a:noAutofit/>
-          </a:bodyPr>
-          <a:lstStyle>
-            <a:lvl1pPr algn="l" defTabSz="914400" rtl="0" eaLnBrk="1" latinLnBrk="0" hangingPunct="1">
-              <a:spcBef>
-                <a:spcPct val="0"/>
-              </a:spcBef>
-              <a:buNone/>
-              <a:defRPr sz="5400" b="1" kern="1200">
-                <a:solidFill>
-                  <a:schemeClr val="tx2"/>
-                </a:solidFill>
-                <a:latin typeface="+mn-lt"/>
-                <a:ea typeface="+mj-ea"/>
-                <a:cs typeface="+mj-cs"/>
-              </a:defRPr>
-            </a:lvl1pPr>
-          </a:lstStyle>
-          <a:p>
-            <a:r>
-              <a:rPr lang="en-US" sz="3200">
-                <a:sym typeface="+mn-ea"/>
-              </a:rPr>
-              <a:t>Hàm (Functions): </a:t>
-            </a:r>
-            <a:endParaRPr lang="en-US" sz="3200"/>
-          </a:p>
-          <a:p>
-            <a:endParaRPr lang="en-US" sz="3200"/>
-          </a:p>
-        </p:txBody>
-      </p:sp>
-      <p:sp>
-        <p:nvSpPr>
-          <p:cNvPr id="7" name="Subtitle 3"/>
-          <p:cNvSpPr>
-            <a:spLocks noGrp="1"/>
-          </p:cNvSpPr>
-          <p:nvPr/>
-        </p:nvSpPr>
-        <p:spPr>
-          <a:xfrm>
-            <a:off x="6287168" y="1169289"/>
-            <a:ext cx="4591906" cy="1024128"/>
-          </a:xfrm>
-          <a:prstGeom prst="rect">
-            <a:avLst/>
-          </a:prstGeom>
-        </p:spPr>
-        <p:txBody>
-          <a:bodyPr vert="horz" lIns="91440" tIns="45720" rIns="91440" bIns="45720" rtlCol="0">
-            <a:noAutofit/>
-          </a:bodyPr>
-          <a:lstStyle>
-            <a:lvl1pPr marL="0" indent="0" algn="l" defTabSz="914400" rtl="0" eaLnBrk="1" latinLnBrk="0" hangingPunct="1">
-              <a:lnSpc>
-                <a:spcPct val="100000"/>
-              </a:lnSpc>
-              <a:spcBef>
-                <a:spcPts val="1000"/>
-              </a:spcBef>
-              <a:spcAft>
-                <a:spcPts val="1200"/>
-              </a:spcAft>
-              <a:buFontTx/>
-              <a:buNone/>
-              <a:defRPr lang="en-US" sz="2200" b="1" kern="1200" dirty="0">
-                <a:solidFill>
-                  <a:schemeClr val="tx2"/>
-                </a:solidFill>
-                <a:latin typeface="Segoe UI Semibold" panose="020B0702040204020203" pitchFamily="34" charset="0"/>
-                <a:ea typeface="+mn-ea"/>
-                <a:cs typeface="Segoe UI Semibold" panose="020B0702040204020203" pitchFamily="34" charset="0"/>
-              </a:defRPr>
-            </a:lvl1pPr>
-            <a:lvl2pPr marL="457200" indent="0" algn="ctr" defTabSz="914400" rtl="0" eaLnBrk="1" latinLnBrk="0" hangingPunct="1">
-              <a:lnSpc>
-                <a:spcPct val="150000"/>
-              </a:lnSpc>
-              <a:spcBef>
-                <a:spcPts val="1000"/>
-              </a:spcBef>
-              <a:spcAft>
-                <a:spcPts val="1200"/>
-              </a:spcAft>
-              <a:buFont typeface="Arial" panose="020B0604020202020204" pitchFamily="34" charset="0"/>
-              <a:buNone/>
-              <a:defRPr lang="en-US" sz="2000" kern="1200" dirty="0">
-                <a:solidFill>
-                  <a:schemeClr val="tx1"/>
-                </a:solidFill>
-                <a:latin typeface="+mn-lt"/>
-                <a:ea typeface="+mn-ea"/>
-                <a:cs typeface="+mn-cs"/>
-              </a:defRPr>
-            </a:lvl2pPr>
-            <a:lvl3pPr marL="914400" indent="0" algn="ctr" defTabSz="914400" rtl="0" eaLnBrk="1" latinLnBrk="0" hangingPunct="1">
-              <a:lnSpc>
-                <a:spcPct val="150000"/>
-              </a:lnSpc>
-              <a:spcBef>
-                <a:spcPts val="1000"/>
-              </a:spcBef>
-              <a:spcAft>
-                <a:spcPts val="1200"/>
-              </a:spcAft>
-              <a:buFont typeface="Arial" panose="020B0604020202020204" pitchFamily="34" charset="0"/>
-              <a:buNone/>
-              <a:defRPr lang="en-US" sz="1800" kern="1200" dirty="0">
-                <a:solidFill>
-                  <a:schemeClr val="tx1"/>
-                </a:solidFill>
-                <a:latin typeface="+mn-lt"/>
-                <a:ea typeface="+mn-ea"/>
-                <a:cs typeface="+mn-cs"/>
-              </a:defRPr>
-            </a:lvl3pPr>
-            <a:lvl4pPr marL="1371600" indent="0" algn="ctr" defTabSz="914400" rtl="0" eaLnBrk="1" latinLnBrk="0" hangingPunct="1">
-              <a:lnSpc>
-                <a:spcPct val="150000"/>
-              </a:lnSpc>
-              <a:spcBef>
-                <a:spcPts val="1000"/>
-              </a:spcBef>
-              <a:spcAft>
-                <a:spcPts val="1200"/>
-              </a:spcAft>
-              <a:buFont typeface="Arial" panose="020B0604020202020204" pitchFamily="34" charset="0"/>
-              <a:buNone/>
-              <a:defRPr lang="en-US" sz="1600" kern="1200" dirty="0" smtClean="0">
-                <a:solidFill>
-                  <a:schemeClr val="tx1"/>
-                </a:solidFill>
-                <a:latin typeface="+mn-lt"/>
-                <a:ea typeface="+mn-ea"/>
-                <a:cs typeface="+mn-cs"/>
-              </a:defRPr>
-            </a:lvl4pPr>
-            <a:lvl5pPr marL="1828800" indent="0" algn="ctr" defTabSz="914400" rtl="0" eaLnBrk="1" latinLnBrk="0" hangingPunct="1">
-              <a:lnSpc>
-                <a:spcPct val="150000"/>
-              </a:lnSpc>
-              <a:spcBef>
-                <a:spcPts val="1000"/>
-              </a:spcBef>
-              <a:spcAft>
-                <a:spcPts val="1200"/>
-              </a:spcAft>
-              <a:buFont typeface="Arial" panose="020B0604020202020204" pitchFamily="34" charset="0"/>
-              <a:buNone/>
-              <a:defRPr lang="en-US" sz="1600" kern="1200" dirty="0" smtClean="0">
-                <a:solidFill>
-                  <a:schemeClr val="tx1"/>
-                </a:solidFill>
-                <a:latin typeface="+mn-lt"/>
-                <a:ea typeface="+mn-ea"/>
-                <a:cs typeface="+mn-cs"/>
-              </a:defRPr>
-            </a:lvl5pPr>
-            <a:lvl6pPr marL="2286000" indent="0" algn="ctr" defTabSz="914400" rtl="0" eaLnBrk="1" latinLnBrk="0" hangingPunct="1">
-              <a:lnSpc>
-                <a:spcPct val="150000"/>
-              </a:lnSpc>
-              <a:spcBef>
-                <a:spcPts val="1000"/>
-              </a:spcBef>
-              <a:spcAft>
-                <a:spcPts val="1200"/>
-              </a:spcAft>
-              <a:buFont typeface="Arial" panose="020B0604020202020204" pitchFamily="34" charset="0"/>
-              <a:buNone/>
-              <a:defRPr lang="en-US" sz="1600" kern="1200" dirty="0" smtClean="0">
-                <a:solidFill>
-                  <a:schemeClr val="tx1"/>
-                </a:solidFill>
-                <a:latin typeface="+mn-lt"/>
-                <a:ea typeface="+mn-ea"/>
-                <a:cs typeface="+mn-cs"/>
-              </a:defRPr>
-            </a:lvl6pPr>
-            <a:lvl7pPr marL="2743200" indent="0" algn="ctr" defTabSz="914400" rtl="0" eaLnBrk="1" latinLnBrk="0" hangingPunct="1">
-              <a:lnSpc>
-                <a:spcPct val="150000"/>
-              </a:lnSpc>
-              <a:spcBef>
-                <a:spcPts val="1000"/>
-              </a:spcBef>
-              <a:spcAft>
-                <a:spcPts val="1200"/>
-              </a:spcAft>
-              <a:buFont typeface="Arial" panose="020B0604020202020204" pitchFamily="34" charset="0"/>
-              <a:buNone/>
-              <a:defRPr lang="en-US" sz="1600" kern="1200" dirty="0" smtClean="0">
-                <a:solidFill>
-                  <a:schemeClr val="tx1"/>
-                </a:solidFill>
-                <a:latin typeface="+mn-lt"/>
-                <a:ea typeface="+mn-ea"/>
-                <a:cs typeface="+mn-cs"/>
-              </a:defRPr>
-            </a:lvl7pPr>
-            <a:lvl8pPr marL="3200400" indent="0" algn="ctr" defTabSz="914400" rtl="0" eaLnBrk="1" latinLnBrk="0" hangingPunct="1">
-              <a:lnSpc>
-                <a:spcPct val="150000"/>
-              </a:lnSpc>
-              <a:spcBef>
-                <a:spcPts val="1000"/>
-              </a:spcBef>
-              <a:spcAft>
-                <a:spcPts val="1200"/>
-              </a:spcAft>
-              <a:buFont typeface="Arial" panose="020B0604020202020204" pitchFamily="34" charset="0"/>
-              <a:buNone/>
-              <a:defRPr lang="en-US" sz="1600" kern="1200" dirty="0" smtClean="0">
-                <a:solidFill>
-                  <a:schemeClr val="tx1"/>
-                </a:solidFill>
-                <a:latin typeface="+mn-lt"/>
-                <a:ea typeface="+mn-ea"/>
-                <a:cs typeface="+mn-cs"/>
-              </a:defRPr>
-            </a:lvl8pPr>
-            <a:lvl9pPr marL="3657600" indent="0" algn="ctr" defTabSz="914400" rtl="0" eaLnBrk="1" latinLnBrk="0" hangingPunct="1">
-              <a:lnSpc>
-                <a:spcPct val="90000"/>
-              </a:lnSpc>
-              <a:spcBef>
-                <a:spcPct val="30000"/>
-              </a:spcBef>
-              <a:buFont typeface="Arial" panose="020B0604020202020204" pitchFamily="34" charset="0"/>
-              <a:buNone/>
-              <a:defRPr sz="1600" kern="1200">
-                <a:solidFill>
-                  <a:schemeClr val="tx1"/>
-                </a:solidFill>
-                <a:latin typeface="+mn-lt"/>
-                <a:ea typeface="+mn-ea"/>
-                <a:cs typeface="+mn-cs"/>
-              </a:defRPr>
-            </a:lvl9pPr>
-          </a:lstStyle>
-          <a:p>
-            <a:r>
-              <a:rPr>
-                <a:sym typeface="+mn-ea"/>
-              </a:rPr>
-              <a:t>Hàm trong JavaScript được định nghĩa bằng từ khóa function. Ví dụ:</a:t>
-            </a:r>
-            <a:endParaRPr lang="en-US"/>
-          </a:p>
-          <a:p>
-            <a:r>
-              <a:rPr lang="en-US"/>
-              <a:t> </a:t>
-            </a:r>
-            <a:endParaRPr lang="en-US"/>
-          </a:p>
-        </p:txBody>
-      </p:sp>
-      <p:pic>
-        <p:nvPicPr>
-          <p:cNvPr id="17" name="Picture 1"/>
-          <p:cNvPicPr>
-            <a:picLocks noChangeAspect="1"/>
-          </p:cNvPicPr>
-          <p:nvPr/>
-        </p:nvPicPr>
-        <p:blipFill>
-          <a:blip r:embed="rId1"/>
-          <a:stretch>
-            <a:fillRect/>
-          </a:stretch>
-        </p:blipFill>
-        <p:spPr>
-          <a:xfrm>
-            <a:off x="6287135" y="2726690"/>
-            <a:ext cx="5247640" cy="2663825"/>
-          </a:xfrm>
-          <a:prstGeom prst="rect">
-            <a:avLst/>
-          </a:prstGeom>
-          <a:noFill/>
-          <a:ln>
-            <a:noFill/>
-          </a:ln>
-        </p:spPr>
-      </p:pic>
+        </p:txBody>
+      </p:sp>
     </p:spTree>
   </p:cSld>
   <p:clrMapOvr>
     <a:masterClrMapping/>
   </p:clrMapOvr>
-  <mc:AlternateContent xmlns:mc="http://schemas.openxmlformats.org/markup-compatibility/2006">
-    <mc:Choice xmlns:p14="http://schemas.microsoft.com/office/powerpoint/2010/main" Requires="p14">
-      <p:transition spd="slow" p14:dur="1000">
-        <p:wipe/>
-      </p:transition>
-    </mc:Choice>
-    <mc:Fallback>
-      <p:transition spd="slow">
-        <p:wipe/>
-      </p:transition>
-    </mc:Fallback>
-  </mc:AlternateContent>
 </p:sld>
 </file>
 
@@ -12743,7 +12309,7 @@
         </p:nvSpPr>
         <p:spPr>
           <a:xfrm>
-            <a:off x="3800856" y="127"/>
+            <a:off x="3800856" y="186182"/>
             <a:ext cx="4590288" cy="1764792"/>
           </a:xfrm>
         </p:spPr>
@@ -12752,33 +12318,15 @@
           <a:p>
             <a:r>
               <a:rPr lang="en-US"/>
-              <a:t>Ứng dụng</a:t>
-            </a:r>
-            <a:endParaRPr lang="en-US"/>
-          </a:p>
-        </p:txBody>
-      </p:sp>
-      <p:sp>
-        <p:nvSpPr>
-          <p:cNvPr id="4" name="Subtitle 3"/>
-          <p:cNvSpPr>
-            <a:spLocks noGrp="1"/>
-          </p:cNvSpPr>
-          <p:nvPr>
-            <p:ph type="subTitle" idx="1"/>
-          </p:nvPr>
-        </p:nvSpPr>
-        <p:spPr/>
-        <p:txBody>
-          <a:bodyPr/>
-          <a:p>
+              <a:t>Data base</a:t>
+            </a:r>
             <a:endParaRPr lang="en-US"/>
           </a:p>
         </p:txBody>
       </p:sp>
       <p:pic>
         <p:nvPicPr>
-          <p:cNvPr id="5" name="Picture Placeholder 4"/>
+          <p:cNvPr id="5" name="Picture 1"/>
           <p:cNvPicPr>
             <a:picLocks noChangeAspect="1"/>
           </p:cNvPicPr>
@@ -12794,8 +12342,8 @@
         </p:blipFill>
         <p:spPr>
           <a:xfrm>
-            <a:off x="1223010" y="978535"/>
-            <a:ext cx="9667875" cy="5330825"/>
+            <a:off x="1005840" y="1331595"/>
+            <a:ext cx="9448165" cy="4752340"/>
           </a:xfrm>
           <a:prstGeom prst="rect">
             <a:avLst/>
@@ -12807,18 +12355,6 @@
   <p:clrMapOvr>
     <a:masterClrMapping/>
   </p:clrMapOvr>
-  <mc:AlternateContent xmlns:mc="http://schemas.openxmlformats.org/markup-compatibility/2006">
-    <mc:Choice xmlns:p14="http://schemas.microsoft.com/office/powerpoint/2010/main" Requires="p14">
-      <p:transition spd="slow" p14:dur="1000">
-        <p:wheel spokes="8"/>
-      </p:transition>
-    </mc:Choice>
-    <mc:Fallback>
-      <p:transition spd="slow">
-        <p:wheel spokes="8"/>
-      </p:transition>
-    </mc:Fallback>
-  </mc:AlternateContent>
 </p:sld>
 </file>
 
@@ -12831,1359 +12367,55 @@
         <p:cNvGrpSpPr/>
         <p:nvPr/>
       </p:nvGrpSpPr>
-      <p:grpSpPr/>
-      <p:sp>
-        <p:nvSpPr>
-          <p:cNvPr id="2" name="Title 1"/>
-          <p:cNvSpPr>
-            <a:spLocks noGrp="1"/>
-          </p:cNvSpPr>
-          <p:nvPr>
-            <p:ph type="title"/>
-          </p:nvPr>
-        </p:nvSpPr>
-        <p:spPr>
-          <a:xfrm>
-            <a:off x="909955" y="0"/>
-            <a:ext cx="11142980" cy="756285"/>
-          </a:xfrm>
-        </p:spPr>
-        <p:txBody>
-          <a:bodyPr/>
-          <a:p>
-            <a:r>
-              <a:rPr lang="en-US" sz="4000"/>
-              <a:t>HTML Forms và Input Elements:</a:t>
-            </a:r>
-            <a:endParaRPr lang="en-US" sz="4000"/>
-          </a:p>
-        </p:txBody>
-      </p:sp>
-      <p:sp>
-        <p:nvSpPr>
-          <p:cNvPr id="4" name="Subtitle 3"/>
-          <p:cNvSpPr>
-            <a:spLocks noGrp="1"/>
-          </p:cNvSpPr>
-          <p:nvPr>
-            <p:ph type="subTitle" idx="1"/>
-          </p:nvPr>
-        </p:nvSpPr>
-        <p:spPr>
-          <a:xfrm>
-            <a:off x="588645" y="951230"/>
-            <a:ext cx="4034790" cy="458470"/>
-          </a:xfrm>
-        </p:spPr>
-        <p:txBody>
-          <a:bodyPr/>
-          <a:p>
-            <a:r>
-              <a:rPr lang="en-US" sz="2800"/>
-              <a:t>B1:  Tạo file html</a:t>
-            </a:r>
-            <a:endParaRPr lang="en-US" sz="2800"/>
-          </a:p>
-        </p:txBody>
-      </p:sp>
-      <p:sp>
-        <p:nvSpPr>
-          <p:cNvPr id="5" name="Subtitle 3"/>
-          <p:cNvSpPr>
-            <a:spLocks noGrp="1"/>
-          </p:cNvSpPr>
-          <p:nvPr/>
-        </p:nvSpPr>
-        <p:spPr>
-          <a:xfrm>
-            <a:off x="588645" y="1604645"/>
-            <a:ext cx="5257800" cy="458470"/>
-          </a:xfrm>
-          <a:prstGeom prst="rect">
-            <a:avLst/>
-          </a:prstGeom>
-        </p:spPr>
-        <p:txBody>
-          <a:bodyPr vert="horz" lIns="91440" tIns="45720" rIns="91440" bIns="45720" rtlCol="0">
-            <a:noAutofit/>
-          </a:bodyPr>
-          <a:lstStyle>
-            <a:lvl1pPr marL="0" indent="0" algn="l" defTabSz="914400" rtl="0" eaLnBrk="1" latinLnBrk="0" hangingPunct="1">
-              <a:lnSpc>
-                <a:spcPct val="100000"/>
-              </a:lnSpc>
-              <a:spcBef>
-                <a:spcPts val="1000"/>
-              </a:spcBef>
-              <a:spcAft>
-                <a:spcPts val="1200"/>
-              </a:spcAft>
-              <a:buFontTx/>
-              <a:buNone/>
-              <a:defRPr lang="en-US" sz="2200" b="1" kern="1200" dirty="0">
-                <a:solidFill>
-                  <a:schemeClr val="tx2"/>
-                </a:solidFill>
-                <a:latin typeface="Segoe UI Semibold" panose="020B0702040204020203" pitchFamily="34" charset="0"/>
-                <a:ea typeface="+mn-ea"/>
-                <a:cs typeface="Segoe UI Semibold" panose="020B0702040204020203" pitchFamily="34" charset="0"/>
-              </a:defRPr>
-            </a:lvl1pPr>
-            <a:lvl2pPr marL="457200" indent="0" algn="ctr" defTabSz="914400" rtl="0" eaLnBrk="1" latinLnBrk="0" hangingPunct="1">
-              <a:lnSpc>
-                <a:spcPct val="150000"/>
-              </a:lnSpc>
-              <a:spcBef>
-                <a:spcPts val="1000"/>
-              </a:spcBef>
-              <a:spcAft>
-                <a:spcPts val="1200"/>
-              </a:spcAft>
-              <a:buFont typeface="Arial" panose="020B0604020202020204" pitchFamily="34" charset="0"/>
-              <a:buNone/>
-              <a:defRPr lang="en-US" sz="2000" kern="1200" dirty="0">
-                <a:solidFill>
-                  <a:schemeClr val="tx1"/>
-                </a:solidFill>
-                <a:latin typeface="+mn-lt"/>
-                <a:ea typeface="+mn-ea"/>
-                <a:cs typeface="+mn-cs"/>
-              </a:defRPr>
-            </a:lvl2pPr>
-            <a:lvl3pPr marL="914400" indent="0" algn="ctr" defTabSz="914400" rtl="0" eaLnBrk="1" latinLnBrk="0" hangingPunct="1">
-              <a:lnSpc>
-                <a:spcPct val="150000"/>
-              </a:lnSpc>
-              <a:spcBef>
-                <a:spcPts val="1000"/>
-              </a:spcBef>
-              <a:spcAft>
-                <a:spcPts val="1200"/>
-              </a:spcAft>
-              <a:buFont typeface="Arial" panose="020B0604020202020204" pitchFamily="34" charset="0"/>
-              <a:buNone/>
-              <a:defRPr lang="en-US" sz="1800" kern="1200" dirty="0">
-                <a:solidFill>
-                  <a:schemeClr val="tx1"/>
-                </a:solidFill>
-                <a:latin typeface="+mn-lt"/>
-                <a:ea typeface="+mn-ea"/>
-                <a:cs typeface="+mn-cs"/>
-              </a:defRPr>
-            </a:lvl3pPr>
-            <a:lvl4pPr marL="1371600" indent="0" algn="ctr" defTabSz="914400" rtl="0" eaLnBrk="1" latinLnBrk="0" hangingPunct="1">
-              <a:lnSpc>
-                <a:spcPct val="150000"/>
-              </a:lnSpc>
-              <a:spcBef>
-                <a:spcPts val="1000"/>
-              </a:spcBef>
-              <a:spcAft>
-                <a:spcPts val="1200"/>
-              </a:spcAft>
-              <a:buFont typeface="Arial" panose="020B0604020202020204" pitchFamily="34" charset="0"/>
-              <a:buNone/>
-              <a:defRPr lang="en-US" sz="1600" kern="1200" dirty="0" smtClean="0">
-                <a:solidFill>
-                  <a:schemeClr val="tx1"/>
-                </a:solidFill>
-                <a:latin typeface="+mn-lt"/>
-                <a:ea typeface="+mn-ea"/>
-                <a:cs typeface="+mn-cs"/>
-              </a:defRPr>
-            </a:lvl4pPr>
-            <a:lvl5pPr marL="1828800" indent="0" algn="ctr" defTabSz="914400" rtl="0" eaLnBrk="1" latinLnBrk="0" hangingPunct="1">
-              <a:lnSpc>
-                <a:spcPct val="150000"/>
-              </a:lnSpc>
-              <a:spcBef>
-                <a:spcPts val="1000"/>
-              </a:spcBef>
-              <a:spcAft>
-                <a:spcPts val="1200"/>
-              </a:spcAft>
-              <a:buFont typeface="Arial" panose="020B0604020202020204" pitchFamily="34" charset="0"/>
-              <a:buNone/>
-              <a:defRPr lang="en-US" sz="1600" kern="1200" dirty="0" smtClean="0">
-                <a:solidFill>
-                  <a:schemeClr val="tx1"/>
-                </a:solidFill>
-                <a:latin typeface="+mn-lt"/>
-                <a:ea typeface="+mn-ea"/>
-                <a:cs typeface="+mn-cs"/>
-              </a:defRPr>
-            </a:lvl5pPr>
-            <a:lvl6pPr marL="2286000" indent="0" algn="ctr" defTabSz="914400" rtl="0" eaLnBrk="1" latinLnBrk="0" hangingPunct="1">
-              <a:lnSpc>
-                <a:spcPct val="150000"/>
-              </a:lnSpc>
-              <a:spcBef>
-                <a:spcPts val="1000"/>
-              </a:spcBef>
-              <a:spcAft>
-                <a:spcPts val="1200"/>
-              </a:spcAft>
-              <a:buFont typeface="Arial" panose="020B0604020202020204" pitchFamily="34" charset="0"/>
-              <a:buNone/>
-              <a:defRPr lang="en-US" sz="1600" kern="1200" dirty="0" smtClean="0">
-                <a:solidFill>
-                  <a:schemeClr val="tx1"/>
-                </a:solidFill>
-                <a:latin typeface="+mn-lt"/>
-                <a:ea typeface="+mn-ea"/>
-                <a:cs typeface="+mn-cs"/>
-              </a:defRPr>
-            </a:lvl6pPr>
-            <a:lvl7pPr marL="2743200" indent="0" algn="ctr" defTabSz="914400" rtl="0" eaLnBrk="1" latinLnBrk="0" hangingPunct="1">
-              <a:lnSpc>
-                <a:spcPct val="150000"/>
-              </a:lnSpc>
-              <a:spcBef>
-                <a:spcPts val="1000"/>
-              </a:spcBef>
-              <a:spcAft>
-                <a:spcPts val="1200"/>
-              </a:spcAft>
-              <a:buFont typeface="Arial" panose="020B0604020202020204" pitchFamily="34" charset="0"/>
-              <a:buNone/>
-              <a:defRPr lang="en-US" sz="1600" kern="1200" dirty="0" smtClean="0">
-                <a:solidFill>
-                  <a:schemeClr val="tx1"/>
-                </a:solidFill>
-                <a:latin typeface="+mn-lt"/>
-                <a:ea typeface="+mn-ea"/>
-                <a:cs typeface="+mn-cs"/>
-              </a:defRPr>
-            </a:lvl7pPr>
-            <a:lvl8pPr marL="3200400" indent="0" algn="ctr" defTabSz="914400" rtl="0" eaLnBrk="1" latinLnBrk="0" hangingPunct="1">
-              <a:lnSpc>
-                <a:spcPct val="150000"/>
-              </a:lnSpc>
-              <a:spcBef>
-                <a:spcPts val="1000"/>
-              </a:spcBef>
-              <a:spcAft>
-                <a:spcPts val="1200"/>
-              </a:spcAft>
-              <a:buFont typeface="Arial" panose="020B0604020202020204" pitchFamily="34" charset="0"/>
-              <a:buNone/>
-              <a:defRPr lang="en-US" sz="1600" kern="1200" dirty="0" smtClean="0">
-                <a:solidFill>
-                  <a:schemeClr val="tx1"/>
-                </a:solidFill>
-                <a:latin typeface="+mn-lt"/>
-                <a:ea typeface="+mn-ea"/>
-                <a:cs typeface="+mn-cs"/>
-              </a:defRPr>
-            </a:lvl8pPr>
-            <a:lvl9pPr marL="3657600" indent="0" algn="ctr" defTabSz="914400" rtl="0" eaLnBrk="1" latinLnBrk="0" hangingPunct="1">
-              <a:lnSpc>
-                <a:spcPct val="90000"/>
-              </a:lnSpc>
-              <a:spcBef>
-                <a:spcPct val="30000"/>
-              </a:spcBef>
-              <a:buFont typeface="Arial" panose="020B0604020202020204" pitchFamily="34" charset="0"/>
-              <a:buNone/>
-              <a:defRPr sz="1600" kern="1200">
-                <a:solidFill>
-                  <a:schemeClr val="tx1"/>
-                </a:solidFill>
-                <a:latin typeface="+mn-lt"/>
-                <a:ea typeface="+mn-ea"/>
-                <a:cs typeface="+mn-cs"/>
-              </a:defRPr>
-            </a:lvl9pPr>
-          </a:lstStyle>
-          <a:p>
-            <a:r>
-              <a:rPr lang="en-US" sz="2800"/>
-              <a:t>B2:  Sử dụng các thẻ phù hợp</a:t>
-            </a:r>
-            <a:endParaRPr lang="en-US" sz="2800"/>
-          </a:p>
-        </p:txBody>
-      </p:sp>
-      <p:sp>
-        <p:nvSpPr>
-          <p:cNvPr id="6" name="Subtitle 3"/>
-          <p:cNvSpPr>
-            <a:spLocks noGrp="1"/>
-          </p:cNvSpPr>
-          <p:nvPr/>
-        </p:nvSpPr>
-        <p:spPr>
-          <a:xfrm>
-            <a:off x="516255" y="2451100"/>
-            <a:ext cx="4989830" cy="3195320"/>
-          </a:xfrm>
-          <a:prstGeom prst="rect">
-            <a:avLst/>
-          </a:prstGeom>
-        </p:spPr>
-        <p:txBody>
-          <a:bodyPr vert="horz" lIns="91440" tIns="45720" rIns="91440" bIns="45720" rtlCol="0">
-            <a:noAutofit/>
-          </a:bodyPr>
-          <a:lstStyle>
-            <a:lvl1pPr marL="0" indent="0" algn="l" defTabSz="914400" rtl="0" eaLnBrk="1" latinLnBrk="0" hangingPunct="1">
-              <a:lnSpc>
-                <a:spcPct val="100000"/>
-              </a:lnSpc>
-              <a:spcBef>
-                <a:spcPts val="1000"/>
-              </a:spcBef>
-              <a:spcAft>
-                <a:spcPts val="1200"/>
-              </a:spcAft>
-              <a:buFontTx/>
-              <a:buNone/>
-              <a:defRPr lang="en-US" sz="2200" b="1" kern="1200" dirty="0">
-                <a:solidFill>
-                  <a:schemeClr val="tx2"/>
-                </a:solidFill>
-                <a:latin typeface="Segoe UI Semibold" panose="020B0702040204020203" pitchFamily="34" charset="0"/>
-                <a:ea typeface="+mn-ea"/>
-                <a:cs typeface="Segoe UI Semibold" panose="020B0702040204020203" pitchFamily="34" charset="0"/>
-              </a:defRPr>
-            </a:lvl1pPr>
-            <a:lvl2pPr marL="457200" indent="0" algn="ctr" defTabSz="914400" rtl="0" eaLnBrk="1" latinLnBrk="0" hangingPunct="1">
-              <a:lnSpc>
-                <a:spcPct val="150000"/>
-              </a:lnSpc>
-              <a:spcBef>
-                <a:spcPts val="1000"/>
-              </a:spcBef>
-              <a:spcAft>
-                <a:spcPts val="1200"/>
-              </a:spcAft>
-              <a:buFont typeface="Arial" panose="020B0604020202020204" pitchFamily="34" charset="0"/>
-              <a:buNone/>
-              <a:defRPr lang="en-US" sz="2000" kern="1200" dirty="0">
-                <a:solidFill>
-                  <a:schemeClr val="tx1"/>
-                </a:solidFill>
-                <a:latin typeface="+mn-lt"/>
-                <a:ea typeface="+mn-ea"/>
-                <a:cs typeface="+mn-cs"/>
-              </a:defRPr>
-            </a:lvl2pPr>
-            <a:lvl3pPr marL="914400" indent="0" algn="ctr" defTabSz="914400" rtl="0" eaLnBrk="1" latinLnBrk="0" hangingPunct="1">
-              <a:lnSpc>
-                <a:spcPct val="150000"/>
-              </a:lnSpc>
-              <a:spcBef>
-                <a:spcPts val="1000"/>
-              </a:spcBef>
-              <a:spcAft>
-                <a:spcPts val="1200"/>
-              </a:spcAft>
-              <a:buFont typeface="Arial" panose="020B0604020202020204" pitchFamily="34" charset="0"/>
-              <a:buNone/>
-              <a:defRPr lang="en-US" sz="1800" kern="1200" dirty="0">
-                <a:solidFill>
-                  <a:schemeClr val="tx1"/>
-                </a:solidFill>
-                <a:latin typeface="+mn-lt"/>
-                <a:ea typeface="+mn-ea"/>
-                <a:cs typeface="+mn-cs"/>
-              </a:defRPr>
-            </a:lvl3pPr>
-            <a:lvl4pPr marL="1371600" indent="0" algn="ctr" defTabSz="914400" rtl="0" eaLnBrk="1" latinLnBrk="0" hangingPunct="1">
-              <a:lnSpc>
-                <a:spcPct val="150000"/>
-              </a:lnSpc>
-              <a:spcBef>
-                <a:spcPts val="1000"/>
-              </a:spcBef>
-              <a:spcAft>
-                <a:spcPts val="1200"/>
-              </a:spcAft>
-              <a:buFont typeface="Arial" panose="020B0604020202020204" pitchFamily="34" charset="0"/>
-              <a:buNone/>
-              <a:defRPr lang="en-US" sz="1600" kern="1200" dirty="0" smtClean="0">
-                <a:solidFill>
-                  <a:schemeClr val="tx1"/>
-                </a:solidFill>
-                <a:latin typeface="+mn-lt"/>
-                <a:ea typeface="+mn-ea"/>
-                <a:cs typeface="+mn-cs"/>
-              </a:defRPr>
-            </a:lvl4pPr>
-            <a:lvl5pPr marL="1828800" indent="0" algn="ctr" defTabSz="914400" rtl="0" eaLnBrk="1" latinLnBrk="0" hangingPunct="1">
-              <a:lnSpc>
-                <a:spcPct val="150000"/>
-              </a:lnSpc>
-              <a:spcBef>
-                <a:spcPts val="1000"/>
-              </a:spcBef>
-              <a:spcAft>
-                <a:spcPts val="1200"/>
-              </a:spcAft>
-              <a:buFont typeface="Arial" panose="020B0604020202020204" pitchFamily="34" charset="0"/>
-              <a:buNone/>
-              <a:defRPr lang="en-US" sz="1600" kern="1200" dirty="0" smtClean="0">
-                <a:solidFill>
-                  <a:schemeClr val="tx1"/>
-                </a:solidFill>
-                <a:latin typeface="+mn-lt"/>
-                <a:ea typeface="+mn-ea"/>
-                <a:cs typeface="+mn-cs"/>
-              </a:defRPr>
-            </a:lvl5pPr>
-            <a:lvl6pPr marL="2286000" indent="0" algn="ctr" defTabSz="914400" rtl="0" eaLnBrk="1" latinLnBrk="0" hangingPunct="1">
-              <a:lnSpc>
-                <a:spcPct val="150000"/>
-              </a:lnSpc>
-              <a:spcBef>
-                <a:spcPts val="1000"/>
-              </a:spcBef>
-              <a:spcAft>
-                <a:spcPts val="1200"/>
-              </a:spcAft>
-              <a:buFont typeface="Arial" panose="020B0604020202020204" pitchFamily="34" charset="0"/>
-              <a:buNone/>
-              <a:defRPr lang="en-US" sz="1600" kern="1200" dirty="0" smtClean="0">
-                <a:solidFill>
-                  <a:schemeClr val="tx1"/>
-                </a:solidFill>
-                <a:latin typeface="+mn-lt"/>
-                <a:ea typeface="+mn-ea"/>
-                <a:cs typeface="+mn-cs"/>
-              </a:defRPr>
-            </a:lvl6pPr>
-            <a:lvl7pPr marL="2743200" indent="0" algn="ctr" defTabSz="914400" rtl="0" eaLnBrk="1" latinLnBrk="0" hangingPunct="1">
-              <a:lnSpc>
-                <a:spcPct val="150000"/>
-              </a:lnSpc>
-              <a:spcBef>
-                <a:spcPts val="1000"/>
-              </a:spcBef>
-              <a:spcAft>
-                <a:spcPts val="1200"/>
-              </a:spcAft>
-              <a:buFont typeface="Arial" panose="020B0604020202020204" pitchFamily="34" charset="0"/>
-              <a:buNone/>
-              <a:defRPr lang="en-US" sz="1600" kern="1200" dirty="0" smtClean="0">
-                <a:solidFill>
-                  <a:schemeClr val="tx1"/>
-                </a:solidFill>
-                <a:latin typeface="+mn-lt"/>
-                <a:ea typeface="+mn-ea"/>
-                <a:cs typeface="+mn-cs"/>
-              </a:defRPr>
-            </a:lvl7pPr>
-            <a:lvl8pPr marL="3200400" indent="0" algn="ctr" defTabSz="914400" rtl="0" eaLnBrk="1" latinLnBrk="0" hangingPunct="1">
-              <a:lnSpc>
-                <a:spcPct val="150000"/>
-              </a:lnSpc>
-              <a:spcBef>
-                <a:spcPts val="1000"/>
-              </a:spcBef>
-              <a:spcAft>
-                <a:spcPts val="1200"/>
-              </a:spcAft>
-              <a:buFont typeface="Arial" panose="020B0604020202020204" pitchFamily="34" charset="0"/>
-              <a:buNone/>
-              <a:defRPr lang="en-US" sz="1600" kern="1200" dirty="0" smtClean="0">
-                <a:solidFill>
-                  <a:schemeClr val="tx1"/>
-                </a:solidFill>
-                <a:latin typeface="+mn-lt"/>
-                <a:ea typeface="+mn-ea"/>
-                <a:cs typeface="+mn-cs"/>
-              </a:defRPr>
-            </a:lvl8pPr>
-            <a:lvl9pPr marL="3657600" indent="0" algn="ctr" defTabSz="914400" rtl="0" eaLnBrk="1" latinLnBrk="0" hangingPunct="1">
-              <a:lnSpc>
-                <a:spcPct val="90000"/>
-              </a:lnSpc>
-              <a:spcBef>
-                <a:spcPct val="30000"/>
-              </a:spcBef>
-              <a:buFont typeface="Arial" panose="020B0604020202020204" pitchFamily="34" charset="0"/>
-              <a:buNone/>
-              <a:defRPr sz="1600" kern="1200">
-                <a:solidFill>
-                  <a:schemeClr val="tx1"/>
-                </a:solidFill>
-                <a:latin typeface="+mn-lt"/>
-                <a:ea typeface="+mn-ea"/>
-                <a:cs typeface="+mn-cs"/>
-              </a:defRPr>
-            </a:lvl9pPr>
-          </a:lstStyle>
-          <a:p>
-            <a:r>
-              <a:rPr lang="en-US" sz="2400"/>
-              <a:t> &lt;h1&gt;: Để tạo tiêu đề</a:t>
-            </a:r>
-            <a:endParaRPr lang="en-US" sz="2400"/>
-          </a:p>
-          <a:p>
-            <a:r>
-              <a:rPr lang="en-US" sz="2400"/>
-              <a:t>&lt;div&gt;:Được sử dụng để nhóm và định dạng phần của trang web</a:t>
-            </a:r>
-            <a:endParaRPr lang="en-US" sz="2400"/>
-          </a:p>
-          <a:p>
-            <a:r>
-              <a:rPr lang="en-US" sz="2400"/>
-              <a:t>&lt;form&gt; Được sử dụng để tạo biểu mẫu để người dùng nhập thông tin.</a:t>
-            </a:r>
-            <a:endParaRPr lang="en-US" sz="2400"/>
-          </a:p>
-          <a:p>
-            <a:r>
-              <a:rPr lang="en-US" sz="2400"/>
-              <a:t>&lt;label&gt;được sử dụng để định nghĩa nhãn cho phần tử &lt;input&gt;</a:t>
-            </a:r>
-            <a:endParaRPr lang="en-US" sz="2400"/>
-          </a:p>
-          <a:p>
-            <a:endParaRPr lang="en-US" sz="2400"/>
-          </a:p>
-        </p:txBody>
-      </p:sp>
-      <p:sp>
-        <p:nvSpPr>
-          <p:cNvPr id="7" name="Subtitle 3"/>
-          <p:cNvSpPr>
-            <a:spLocks noGrp="1"/>
-          </p:cNvSpPr>
-          <p:nvPr/>
-        </p:nvSpPr>
-        <p:spPr>
-          <a:xfrm>
-            <a:off x="6755130" y="2451100"/>
-            <a:ext cx="5031740" cy="3195320"/>
-          </a:xfrm>
-          <a:prstGeom prst="rect">
-            <a:avLst/>
-          </a:prstGeom>
-        </p:spPr>
-        <p:txBody>
-          <a:bodyPr vert="horz" lIns="91440" tIns="45720" rIns="91440" bIns="45720" rtlCol="0">
-            <a:noAutofit/>
-          </a:bodyPr>
-          <a:lstStyle>
-            <a:lvl1pPr marL="0" indent="0" algn="l" defTabSz="914400" rtl="0" eaLnBrk="1" latinLnBrk="0" hangingPunct="1">
-              <a:lnSpc>
-                <a:spcPct val="100000"/>
-              </a:lnSpc>
-              <a:spcBef>
-                <a:spcPts val="1000"/>
-              </a:spcBef>
-              <a:spcAft>
-                <a:spcPts val="1200"/>
-              </a:spcAft>
-              <a:buFontTx/>
-              <a:buNone/>
-              <a:defRPr lang="en-US" sz="2200" b="1" kern="1200" dirty="0">
-                <a:solidFill>
-                  <a:schemeClr val="tx2"/>
-                </a:solidFill>
-                <a:latin typeface="Segoe UI Semibold" panose="020B0702040204020203" pitchFamily="34" charset="0"/>
-                <a:ea typeface="+mn-ea"/>
-                <a:cs typeface="Segoe UI Semibold" panose="020B0702040204020203" pitchFamily="34" charset="0"/>
-              </a:defRPr>
-            </a:lvl1pPr>
-            <a:lvl2pPr marL="457200" indent="0" algn="ctr" defTabSz="914400" rtl="0" eaLnBrk="1" latinLnBrk="0" hangingPunct="1">
-              <a:lnSpc>
-                <a:spcPct val="150000"/>
-              </a:lnSpc>
-              <a:spcBef>
-                <a:spcPts val="1000"/>
-              </a:spcBef>
-              <a:spcAft>
-                <a:spcPts val="1200"/>
-              </a:spcAft>
-              <a:buFont typeface="Arial" panose="020B0604020202020204" pitchFamily="34" charset="0"/>
-              <a:buNone/>
-              <a:defRPr lang="en-US" sz="2000" kern="1200" dirty="0">
-                <a:solidFill>
-                  <a:schemeClr val="tx1"/>
-                </a:solidFill>
-                <a:latin typeface="+mn-lt"/>
-                <a:ea typeface="+mn-ea"/>
-                <a:cs typeface="+mn-cs"/>
-              </a:defRPr>
-            </a:lvl2pPr>
-            <a:lvl3pPr marL="914400" indent="0" algn="ctr" defTabSz="914400" rtl="0" eaLnBrk="1" latinLnBrk="0" hangingPunct="1">
-              <a:lnSpc>
-                <a:spcPct val="150000"/>
-              </a:lnSpc>
-              <a:spcBef>
-                <a:spcPts val="1000"/>
-              </a:spcBef>
-              <a:spcAft>
-                <a:spcPts val="1200"/>
-              </a:spcAft>
-              <a:buFont typeface="Arial" panose="020B0604020202020204" pitchFamily="34" charset="0"/>
-              <a:buNone/>
-              <a:defRPr lang="en-US" sz="1800" kern="1200" dirty="0">
-                <a:solidFill>
-                  <a:schemeClr val="tx1"/>
-                </a:solidFill>
-                <a:latin typeface="+mn-lt"/>
-                <a:ea typeface="+mn-ea"/>
-                <a:cs typeface="+mn-cs"/>
-              </a:defRPr>
-            </a:lvl3pPr>
-            <a:lvl4pPr marL="1371600" indent="0" algn="ctr" defTabSz="914400" rtl="0" eaLnBrk="1" latinLnBrk="0" hangingPunct="1">
-              <a:lnSpc>
-                <a:spcPct val="150000"/>
-              </a:lnSpc>
-              <a:spcBef>
-                <a:spcPts val="1000"/>
-              </a:spcBef>
-              <a:spcAft>
-                <a:spcPts val="1200"/>
-              </a:spcAft>
-              <a:buFont typeface="Arial" panose="020B0604020202020204" pitchFamily="34" charset="0"/>
-              <a:buNone/>
-              <a:defRPr lang="en-US" sz="1600" kern="1200" dirty="0" smtClean="0">
-                <a:solidFill>
-                  <a:schemeClr val="tx1"/>
-                </a:solidFill>
-                <a:latin typeface="+mn-lt"/>
-                <a:ea typeface="+mn-ea"/>
-                <a:cs typeface="+mn-cs"/>
-              </a:defRPr>
-            </a:lvl4pPr>
-            <a:lvl5pPr marL="1828800" indent="0" algn="ctr" defTabSz="914400" rtl="0" eaLnBrk="1" latinLnBrk="0" hangingPunct="1">
-              <a:lnSpc>
-                <a:spcPct val="150000"/>
-              </a:lnSpc>
-              <a:spcBef>
-                <a:spcPts val="1000"/>
-              </a:spcBef>
-              <a:spcAft>
-                <a:spcPts val="1200"/>
-              </a:spcAft>
-              <a:buFont typeface="Arial" panose="020B0604020202020204" pitchFamily="34" charset="0"/>
-              <a:buNone/>
-              <a:defRPr lang="en-US" sz="1600" kern="1200" dirty="0" smtClean="0">
-                <a:solidFill>
-                  <a:schemeClr val="tx1"/>
-                </a:solidFill>
-                <a:latin typeface="+mn-lt"/>
-                <a:ea typeface="+mn-ea"/>
-                <a:cs typeface="+mn-cs"/>
-              </a:defRPr>
-            </a:lvl5pPr>
-            <a:lvl6pPr marL="2286000" indent="0" algn="ctr" defTabSz="914400" rtl="0" eaLnBrk="1" latinLnBrk="0" hangingPunct="1">
-              <a:lnSpc>
-                <a:spcPct val="150000"/>
-              </a:lnSpc>
-              <a:spcBef>
-                <a:spcPts val="1000"/>
-              </a:spcBef>
-              <a:spcAft>
-                <a:spcPts val="1200"/>
-              </a:spcAft>
-              <a:buFont typeface="Arial" panose="020B0604020202020204" pitchFamily="34" charset="0"/>
-              <a:buNone/>
-              <a:defRPr lang="en-US" sz="1600" kern="1200" dirty="0" smtClean="0">
-                <a:solidFill>
-                  <a:schemeClr val="tx1"/>
-                </a:solidFill>
-                <a:latin typeface="+mn-lt"/>
-                <a:ea typeface="+mn-ea"/>
-                <a:cs typeface="+mn-cs"/>
-              </a:defRPr>
-            </a:lvl6pPr>
-            <a:lvl7pPr marL="2743200" indent="0" algn="ctr" defTabSz="914400" rtl="0" eaLnBrk="1" latinLnBrk="0" hangingPunct="1">
-              <a:lnSpc>
-                <a:spcPct val="150000"/>
-              </a:lnSpc>
-              <a:spcBef>
-                <a:spcPts val="1000"/>
-              </a:spcBef>
-              <a:spcAft>
-                <a:spcPts val="1200"/>
-              </a:spcAft>
-              <a:buFont typeface="Arial" panose="020B0604020202020204" pitchFamily="34" charset="0"/>
-              <a:buNone/>
-              <a:defRPr lang="en-US" sz="1600" kern="1200" dirty="0" smtClean="0">
-                <a:solidFill>
-                  <a:schemeClr val="tx1"/>
-                </a:solidFill>
-                <a:latin typeface="+mn-lt"/>
-                <a:ea typeface="+mn-ea"/>
-                <a:cs typeface="+mn-cs"/>
-              </a:defRPr>
-            </a:lvl7pPr>
-            <a:lvl8pPr marL="3200400" indent="0" algn="ctr" defTabSz="914400" rtl="0" eaLnBrk="1" latinLnBrk="0" hangingPunct="1">
-              <a:lnSpc>
-                <a:spcPct val="150000"/>
-              </a:lnSpc>
-              <a:spcBef>
-                <a:spcPts val="1000"/>
-              </a:spcBef>
-              <a:spcAft>
-                <a:spcPts val="1200"/>
-              </a:spcAft>
-              <a:buFont typeface="Arial" panose="020B0604020202020204" pitchFamily="34" charset="0"/>
-              <a:buNone/>
-              <a:defRPr lang="en-US" sz="1600" kern="1200" dirty="0" smtClean="0">
-                <a:solidFill>
-                  <a:schemeClr val="tx1"/>
-                </a:solidFill>
-                <a:latin typeface="+mn-lt"/>
-                <a:ea typeface="+mn-ea"/>
-                <a:cs typeface="+mn-cs"/>
-              </a:defRPr>
-            </a:lvl8pPr>
-            <a:lvl9pPr marL="3657600" indent="0" algn="ctr" defTabSz="914400" rtl="0" eaLnBrk="1" latinLnBrk="0" hangingPunct="1">
-              <a:lnSpc>
-                <a:spcPct val="90000"/>
-              </a:lnSpc>
-              <a:spcBef>
-                <a:spcPct val="30000"/>
-              </a:spcBef>
-              <a:buFont typeface="Arial" panose="020B0604020202020204" pitchFamily="34" charset="0"/>
-              <a:buNone/>
-              <a:defRPr sz="1600" kern="1200">
-                <a:solidFill>
-                  <a:schemeClr val="tx1"/>
-                </a:solidFill>
-                <a:latin typeface="+mn-lt"/>
-                <a:ea typeface="+mn-ea"/>
-                <a:cs typeface="+mn-cs"/>
-              </a:defRPr>
-            </a:lvl9pPr>
-          </a:lstStyle>
-          <a:p>
-            <a:r>
-              <a:rPr lang="en-US" sz="2400"/>
-              <a:t>&lt;input&gt;Được sử dụng để tạo các ô nhập dữ liệu</a:t>
-            </a:r>
-            <a:endParaRPr lang="en-US" sz="2400"/>
-          </a:p>
-          <a:p>
-            <a:r>
-              <a:rPr lang="en-US" sz="2400"/>
-              <a:t>&lt;p&gt;Để định dạng đoạn văn bản.</a:t>
-            </a:r>
-            <a:endParaRPr lang="en-US" sz="2400"/>
-          </a:p>
-          <a:p>
-            <a:r>
-              <a:rPr lang="en-US" sz="2400"/>
-              <a:t>&lt;select&gt;tạo ra một menu để chọn các tùy chọn</a:t>
-            </a:r>
-            <a:endParaRPr lang="en-US" sz="2400"/>
-          </a:p>
-          <a:p>
-            <a:r>
-              <a:rPr lang="en-US" sz="2400"/>
-              <a:t>&lt;option&gt;B</a:t>
-            </a:r>
-            <a:r>
-              <a:rPr sz="2400">
-                <a:sym typeface="+mn-ea"/>
-              </a:rPr>
-              <a:t>iểu diễn c</a:t>
-            </a:r>
-            <a:r>
-              <a:rPr lang="en-US" sz="2400"/>
-              <a:t>ác phần tử (&lt;select&gt;)  </a:t>
-            </a:r>
-            <a:endParaRPr lang="en-US" sz="2400"/>
-          </a:p>
-          <a:p>
-            <a:endParaRPr lang="en-US" sz="2400"/>
-          </a:p>
-        </p:txBody>
-      </p:sp>
+      <p:grpSpPr>
+        <a:xfrm>
+          <a:off x="0" y="0"/>
+          <a:ext cx="0" cy="0"/>
+          <a:chOff x="0" y="0"/>
+          <a:chExt cx="0" cy="0"/>
+        </a:xfrm>
+      </p:grpSpPr>
       <p:pic>
         <p:nvPicPr>
-          <p:cNvPr id="8" name="Picture 7"/>
+          <p:cNvPr id="2050" name="Picture 2" descr="Hình ảnh cảm ơn đã lắng nghe cho PowerPoint - Thợ Sửa Máy Giặt [ Tìm ..."/>
           <p:cNvPicPr>
-            <a:picLocks noChangeAspect="1"/>
-          </p:cNvPicPr>
-          <p:nvPr/>
-        </p:nvPicPr>
-        <p:blipFill>
-          <a:blip r:embed="rId1"/>
-          <a:stretch>
-            <a:fillRect/>
-          </a:stretch>
-        </p:blipFill>
-        <p:spPr>
-          <a:xfrm>
-            <a:off x="10600690" y="8890"/>
-            <a:ext cx="1591310" cy="2054225"/>
-          </a:xfrm>
-          <a:prstGeom prst="rect">
-            <a:avLst/>
-          </a:prstGeom>
-        </p:spPr>
-      </p:pic>
-    </p:spTree>
-  </p:cSld>
-  <p:clrMapOvr>
-    <a:masterClrMapping/>
-  </p:clrMapOvr>
-</p:sld>
-</file>
-
-<file path=ppt/slides/slide23.xml><?xml version="1.0" encoding="utf-8"?>
-<p:sld xmlns:a="http://schemas.openxmlformats.org/drawingml/2006/main" xmlns:r="http://schemas.openxmlformats.org/officeDocument/2006/relationships" xmlns:p="http://schemas.openxmlformats.org/presentationml/2006/main">
-  <p:cSld>
-    <p:spTree>
-      <p:nvGrpSpPr>
-        <p:cNvPr id="1" name=""/>
-        <p:cNvGrpSpPr/>
-        <p:nvPr/>
-      </p:nvGrpSpPr>
-      <p:grpSpPr/>
-      <p:sp>
-        <p:nvSpPr>
-          <p:cNvPr id="4" name="Subtitle 3"/>
-          <p:cNvSpPr>
-            <a:spLocks noGrp="1"/>
-          </p:cNvSpPr>
-          <p:nvPr>
-            <p:ph type="subTitle" idx="1"/>
-          </p:nvPr>
-        </p:nvSpPr>
-        <p:spPr>
-          <a:xfrm>
-            <a:off x="6565933" y="1241044"/>
-            <a:ext cx="4591906" cy="1024128"/>
-          </a:xfrm>
-        </p:spPr>
-        <p:txBody>
-          <a:bodyPr/>
-          <a:p>
-            <a:r>
-              <a:rPr lang="en-US"/>
-              <a:t>B3: Css</a:t>
-            </a:r>
-            <a:endParaRPr lang="en-US"/>
-          </a:p>
-          <a:p>
-            <a:r>
-              <a:rPr lang="en-US"/>
-              <a:t>Tùy chỉnh , để form hiện thể dễ nhìn </a:t>
-            </a:r>
-            <a:endParaRPr lang="en-US"/>
-          </a:p>
-        </p:txBody>
-      </p:sp>
-      <p:sp>
-        <p:nvSpPr>
-          <p:cNvPr id="5" name="Subtitle 3"/>
-          <p:cNvSpPr>
-            <a:spLocks noGrp="1"/>
-          </p:cNvSpPr>
-          <p:nvPr/>
-        </p:nvSpPr>
-        <p:spPr>
-          <a:xfrm>
-            <a:off x="6565933" y="3290824"/>
-            <a:ext cx="4591906" cy="1024128"/>
-          </a:xfrm>
-          <a:prstGeom prst="rect">
-            <a:avLst/>
-          </a:prstGeom>
-        </p:spPr>
-        <p:txBody>
-          <a:bodyPr vert="horz" lIns="91440" tIns="45720" rIns="91440" bIns="45720" rtlCol="0">
-            <a:noAutofit/>
-          </a:bodyPr>
-          <a:lstStyle>
-            <a:lvl1pPr marL="0" indent="0" algn="l" defTabSz="914400" rtl="0" eaLnBrk="1" latinLnBrk="0" hangingPunct="1">
-              <a:lnSpc>
-                <a:spcPct val="100000"/>
-              </a:lnSpc>
-              <a:spcBef>
-                <a:spcPts val="1000"/>
-              </a:spcBef>
-              <a:spcAft>
-                <a:spcPts val="1200"/>
-              </a:spcAft>
-              <a:buFontTx/>
-              <a:buNone/>
-              <a:defRPr lang="en-US" sz="2200" b="1" kern="1200" dirty="0">
-                <a:solidFill>
-                  <a:schemeClr val="tx2"/>
-                </a:solidFill>
-                <a:latin typeface="Segoe UI Semibold" panose="020B0702040204020203" pitchFamily="34" charset="0"/>
-                <a:ea typeface="+mn-ea"/>
-                <a:cs typeface="Segoe UI Semibold" panose="020B0702040204020203" pitchFamily="34" charset="0"/>
-              </a:defRPr>
-            </a:lvl1pPr>
-            <a:lvl2pPr marL="457200" indent="0" algn="ctr" defTabSz="914400" rtl="0" eaLnBrk="1" latinLnBrk="0" hangingPunct="1">
-              <a:lnSpc>
-                <a:spcPct val="150000"/>
-              </a:lnSpc>
-              <a:spcBef>
-                <a:spcPts val="1000"/>
-              </a:spcBef>
-              <a:spcAft>
-                <a:spcPts val="1200"/>
-              </a:spcAft>
-              <a:buFont typeface="Arial" panose="020B0604020202020204" pitchFamily="34" charset="0"/>
-              <a:buNone/>
-              <a:defRPr lang="en-US" sz="2000" kern="1200" dirty="0">
-                <a:solidFill>
-                  <a:schemeClr val="tx1"/>
-                </a:solidFill>
-                <a:latin typeface="+mn-lt"/>
-                <a:ea typeface="+mn-ea"/>
-                <a:cs typeface="+mn-cs"/>
-              </a:defRPr>
-            </a:lvl2pPr>
-            <a:lvl3pPr marL="914400" indent="0" algn="ctr" defTabSz="914400" rtl="0" eaLnBrk="1" latinLnBrk="0" hangingPunct="1">
-              <a:lnSpc>
-                <a:spcPct val="150000"/>
-              </a:lnSpc>
-              <a:spcBef>
-                <a:spcPts val="1000"/>
-              </a:spcBef>
-              <a:spcAft>
-                <a:spcPts val="1200"/>
-              </a:spcAft>
-              <a:buFont typeface="Arial" panose="020B0604020202020204" pitchFamily="34" charset="0"/>
-              <a:buNone/>
-              <a:defRPr lang="en-US" sz="1800" kern="1200" dirty="0">
-                <a:solidFill>
-                  <a:schemeClr val="tx1"/>
-                </a:solidFill>
-                <a:latin typeface="+mn-lt"/>
-                <a:ea typeface="+mn-ea"/>
-                <a:cs typeface="+mn-cs"/>
-              </a:defRPr>
-            </a:lvl3pPr>
-            <a:lvl4pPr marL="1371600" indent="0" algn="ctr" defTabSz="914400" rtl="0" eaLnBrk="1" latinLnBrk="0" hangingPunct="1">
-              <a:lnSpc>
-                <a:spcPct val="150000"/>
-              </a:lnSpc>
-              <a:spcBef>
-                <a:spcPts val="1000"/>
-              </a:spcBef>
-              <a:spcAft>
-                <a:spcPts val="1200"/>
-              </a:spcAft>
-              <a:buFont typeface="Arial" panose="020B0604020202020204" pitchFamily="34" charset="0"/>
-              <a:buNone/>
-              <a:defRPr lang="en-US" sz="1600" kern="1200" dirty="0" smtClean="0">
-                <a:solidFill>
-                  <a:schemeClr val="tx1"/>
-                </a:solidFill>
-                <a:latin typeface="+mn-lt"/>
-                <a:ea typeface="+mn-ea"/>
-                <a:cs typeface="+mn-cs"/>
-              </a:defRPr>
-            </a:lvl4pPr>
-            <a:lvl5pPr marL="1828800" indent="0" algn="ctr" defTabSz="914400" rtl="0" eaLnBrk="1" latinLnBrk="0" hangingPunct="1">
-              <a:lnSpc>
-                <a:spcPct val="150000"/>
-              </a:lnSpc>
-              <a:spcBef>
-                <a:spcPts val="1000"/>
-              </a:spcBef>
-              <a:spcAft>
-                <a:spcPts val="1200"/>
-              </a:spcAft>
-              <a:buFont typeface="Arial" panose="020B0604020202020204" pitchFamily="34" charset="0"/>
-              <a:buNone/>
-              <a:defRPr lang="en-US" sz="1600" kern="1200" dirty="0" smtClean="0">
-                <a:solidFill>
-                  <a:schemeClr val="tx1"/>
-                </a:solidFill>
-                <a:latin typeface="+mn-lt"/>
-                <a:ea typeface="+mn-ea"/>
-                <a:cs typeface="+mn-cs"/>
-              </a:defRPr>
-            </a:lvl5pPr>
-            <a:lvl6pPr marL="2286000" indent="0" algn="ctr" defTabSz="914400" rtl="0" eaLnBrk="1" latinLnBrk="0" hangingPunct="1">
-              <a:lnSpc>
-                <a:spcPct val="150000"/>
-              </a:lnSpc>
-              <a:spcBef>
-                <a:spcPts val="1000"/>
-              </a:spcBef>
-              <a:spcAft>
-                <a:spcPts val="1200"/>
-              </a:spcAft>
-              <a:buFont typeface="Arial" panose="020B0604020202020204" pitchFamily="34" charset="0"/>
-              <a:buNone/>
-              <a:defRPr lang="en-US" sz="1600" kern="1200" dirty="0" smtClean="0">
-                <a:solidFill>
-                  <a:schemeClr val="tx1"/>
-                </a:solidFill>
-                <a:latin typeface="+mn-lt"/>
-                <a:ea typeface="+mn-ea"/>
-                <a:cs typeface="+mn-cs"/>
-              </a:defRPr>
-            </a:lvl6pPr>
-            <a:lvl7pPr marL="2743200" indent="0" algn="ctr" defTabSz="914400" rtl="0" eaLnBrk="1" latinLnBrk="0" hangingPunct="1">
-              <a:lnSpc>
-                <a:spcPct val="150000"/>
-              </a:lnSpc>
-              <a:spcBef>
-                <a:spcPts val="1000"/>
-              </a:spcBef>
-              <a:spcAft>
-                <a:spcPts val="1200"/>
-              </a:spcAft>
-              <a:buFont typeface="Arial" panose="020B0604020202020204" pitchFamily="34" charset="0"/>
-              <a:buNone/>
-              <a:defRPr lang="en-US" sz="1600" kern="1200" dirty="0" smtClean="0">
-                <a:solidFill>
-                  <a:schemeClr val="tx1"/>
-                </a:solidFill>
-                <a:latin typeface="+mn-lt"/>
-                <a:ea typeface="+mn-ea"/>
-                <a:cs typeface="+mn-cs"/>
-              </a:defRPr>
-            </a:lvl7pPr>
-            <a:lvl8pPr marL="3200400" indent="0" algn="ctr" defTabSz="914400" rtl="0" eaLnBrk="1" latinLnBrk="0" hangingPunct="1">
-              <a:lnSpc>
-                <a:spcPct val="150000"/>
-              </a:lnSpc>
-              <a:spcBef>
-                <a:spcPts val="1000"/>
-              </a:spcBef>
-              <a:spcAft>
-                <a:spcPts val="1200"/>
-              </a:spcAft>
-              <a:buFont typeface="Arial" panose="020B0604020202020204" pitchFamily="34" charset="0"/>
-              <a:buNone/>
-              <a:defRPr lang="en-US" sz="1600" kern="1200" dirty="0" smtClean="0">
-                <a:solidFill>
-                  <a:schemeClr val="tx1"/>
-                </a:solidFill>
-                <a:latin typeface="+mn-lt"/>
-                <a:ea typeface="+mn-ea"/>
-                <a:cs typeface="+mn-cs"/>
-              </a:defRPr>
-            </a:lvl8pPr>
-            <a:lvl9pPr marL="3657600" indent="0" algn="ctr" defTabSz="914400" rtl="0" eaLnBrk="1" latinLnBrk="0" hangingPunct="1">
-              <a:lnSpc>
-                <a:spcPct val="90000"/>
-              </a:lnSpc>
-              <a:spcBef>
-                <a:spcPct val="30000"/>
-              </a:spcBef>
-              <a:buFont typeface="Arial" panose="020B0604020202020204" pitchFamily="34" charset="0"/>
-              <a:buNone/>
-              <a:defRPr sz="1600" kern="1200">
-                <a:solidFill>
-                  <a:schemeClr val="tx1"/>
-                </a:solidFill>
-                <a:latin typeface="+mn-lt"/>
-                <a:ea typeface="+mn-ea"/>
-                <a:cs typeface="+mn-cs"/>
-              </a:defRPr>
-            </a:lvl9pPr>
-          </a:lstStyle>
-          <a:p>
-            <a:r>
-              <a:rPr lang="en-US"/>
-              <a:t>B4: JavaScript</a:t>
-            </a:r>
-            <a:endParaRPr lang="en-US"/>
-          </a:p>
-          <a:p>
-            <a:r>
-              <a:rPr lang="en-US"/>
-              <a:t>Để kiểm tra dữ liệu được nhập trong ô input có thỏa mãn không</a:t>
-            </a:r>
-            <a:endParaRPr lang="en-US"/>
-          </a:p>
-          <a:p>
-            <a:r>
-              <a:rPr lang="en-US"/>
-              <a:t>Gửi dữ diệu trong form  </a:t>
-            </a:r>
-            <a:endParaRPr lang="en-US"/>
-          </a:p>
-        </p:txBody>
-      </p:sp>
-      <p:sp>
-        <p:nvSpPr>
-          <p:cNvPr id="6" name="Title 1"/>
-          <p:cNvSpPr>
-            <a:spLocks noGrp="1"/>
-          </p:cNvSpPr>
-          <p:nvPr/>
-        </p:nvSpPr>
-        <p:spPr>
-          <a:xfrm>
-            <a:off x="909955" y="0"/>
-            <a:ext cx="11142980" cy="756285"/>
-          </a:xfrm>
-          <a:prstGeom prst="rect">
-            <a:avLst/>
-          </a:prstGeom>
-        </p:spPr>
-        <p:txBody>
-          <a:bodyPr vert="horz" lIns="91440" tIns="45720" rIns="91440" bIns="45720" rtlCol="0" anchor="t" anchorCtr="0">
-            <a:noAutofit/>
-          </a:bodyPr>
-          <a:lstStyle>
-            <a:lvl1pPr algn="l" defTabSz="914400" rtl="0" eaLnBrk="1" latinLnBrk="0" hangingPunct="1">
-              <a:spcBef>
-                <a:spcPct val="0"/>
-              </a:spcBef>
-              <a:buNone/>
-              <a:defRPr sz="5400" b="1" kern="1200">
-                <a:solidFill>
-                  <a:schemeClr val="tx2"/>
-                </a:solidFill>
-                <a:latin typeface="+mn-lt"/>
-                <a:ea typeface="+mj-ea"/>
-                <a:cs typeface="+mj-cs"/>
-              </a:defRPr>
-            </a:lvl1pPr>
-          </a:lstStyle>
-          <a:p>
-            <a:r>
-              <a:rPr lang="en-US" sz="4000"/>
-              <a:t>HTML Forms và Input Elements:</a:t>
-            </a:r>
-            <a:endParaRPr lang="en-US" sz="4000"/>
-          </a:p>
-        </p:txBody>
-      </p:sp>
-      <p:pic>
-        <p:nvPicPr>
-          <p:cNvPr id="7" name="Picture Placeholder 6"/>
-          <p:cNvPicPr>
-            <a:picLocks noChangeAspect="1"/>
-          </p:cNvPicPr>
-          <p:nvPr>
-            <p:ph type="pic" sz="quarter" idx="10"/>
-          </p:nvPr>
-        </p:nvPicPr>
-        <p:blipFill>
-          <a:blip r:embed="rId1"/>
-          <a:stretch>
-            <a:fillRect/>
-          </a:stretch>
-        </p:blipFill>
-        <p:spPr>
-          <a:xfrm>
-            <a:off x="909955" y="2360295"/>
-            <a:ext cx="4662170" cy="2411730"/>
-          </a:xfrm>
-          <a:prstGeom prst="rect">
-            <a:avLst/>
-          </a:prstGeom>
-        </p:spPr>
-      </p:pic>
-    </p:spTree>
-  </p:cSld>
-  <p:clrMapOvr>
-    <a:masterClrMapping/>
-  </p:clrMapOvr>
-</p:sld>
-</file>
-
-<file path=ppt/slides/slide24.xml><?xml version="1.0" encoding="utf-8"?>
-<p:sld xmlns:a="http://schemas.openxmlformats.org/drawingml/2006/main" xmlns:r="http://schemas.openxmlformats.org/officeDocument/2006/relationships" xmlns:p="http://schemas.openxmlformats.org/presentationml/2006/main">
-  <p:cSld>
-    <p:spTree>
-      <p:nvGrpSpPr>
-        <p:cNvPr id="1" name=""/>
-        <p:cNvGrpSpPr/>
-        <p:nvPr/>
-      </p:nvGrpSpPr>
-      <p:grpSpPr/>
-      <p:sp>
-        <p:nvSpPr>
-          <p:cNvPr id="2" name="Title 1"/>
-          <p:cNvSpPr>
-            <a:spLocks noGrp="1"/>
-          </p:cNvSpPr>
-          <p:nvPr>
-            <p:ph type="title"/>
-          </p:nvPr>
-        </p:nvSpPr>
-        <p:spPr/>
-        <p:txBody>
-          <a:bodyPr/>
-          <a:p>
-            <a:pPr algn="ctr"/>
-            <a:r>
-              <a:rPr lang="en-US"/>
-              <a:t>Kết quả</a:t>
-            </a:r>
-            <a:endParaRPr lang="en-US"/>
-          </a:p>
-        </p:txBody>
-      </p:sp>
-      <p:pic>
-        <p:nvPicPr>
-          <p:cNvPr id="5" name="Content Placeholder 4"/>
-          <p:cNvPicPr>
-            <a:picLocks noChangeAspect="1"/>
-          </p:cNvPicPr>
-          <p:nvPr>
-            <p:ph sz="quarter" idx="16"/>
-          </p:nvPr>
-        </p:nvPicPr>
-        <p:blipFill>
-          <a:blip r:embed="rId1"/>
-          <a:stretch>
-            <a:fillRect/>
-          </a:stretch>
-        </p:blipFill>
-        <p:spPr>
-          <a:xfrm>
-            <a:off x="1665605" y="1941195"/>
-            <a:ext cx="3696335" cy="3684905"/>
-          </a:xfrm>
-          <a:prstGeom prst="rect">
-            <a:avLst/>
-          </a:prstGeom>
-        </p:spPr>
-      </p:pic>
-      <p:pic>
-        <p:nvPicPr>
-          <p:cNvPr id="6" name="Content Placeholder 5"/>
-          <p:cNvPicPr>
-            <a:picLocks noChangeAspect="1"/>
+            <a:picLocks noGrp="1" noChangeAspect="1" noChangeArrowheads="1"/>
           </p:cNvPicPr>
           <p:nvPr>
             <p:ph sz="quarter" idx="15"/>
           </p:nvPr>
         </p:nvPicPr>
         <p:blipFill>
-          <a:blip r:embed="rId2"/>
+          <a:blip r:embed="rId1">
+            <a:extLst>
+              <a:ext uri="{28A0092B-C50C-407E-A947-70E740481C1C}">
+                <a14:useLocalDpi xmlns:a14="http://schemas.microsoft.com/office/drawing/2010/main" val="0"/>
+              </a:ext>
+            </a:extLst>
+          </a:blip>
+          <a:srcRect/>
           <a:stretch>
             <a:fillRect/>
           </a:stretch>
         </p:blipFill>
-        <p:spPr>
-          <a:xfrm>
-            <a:off x="6916420" y="1941195"/>
-            <a:ext cx="3696335" cy="3684905"/>
+        <p:spPr bwMode="auto">
+          <a:xfrm>
+            <a:off x="0" y="-10160"/>
+            <a:ext cx="12191999" cy="6857999"/>
           </a:xfrm>
           <a:prstGeom prst="rect">
             <a:avLst/>
           </a:prstGeom>
-        </p:spPr>
-      </p:pic>
-    </p:spTree>
-  </p:cSld>
-  <p:clrMapOvr>
-    <a:masterClrMapping/>
-  </p:clrMapOvr>
-</p:sld>
-</file>
-
-<file path=ppt/slides/slide25.xml><?xml version="1.0" encoding="utf-8"?>
-<p:sld xmlns:a="http://schemas.openxmlformats.org/drawingml/2006/main" xmlns:r="http://schemas.openxmlformats.org/officeDocument/2006/relationships" xmlns:p="http://schemas.openxmlformats.org/presentationml/2006/main">
-  <p:cSld>
-    <p:spTree>
-      <p:nvGrpSpPr>
-        <p:cNvPr id="1" name=""/>
-        <p:cNvGrpSpPr/>
-        <p:nvPr/>
-      </p:nvGrpSpPr>
-      <p:grpSpPr/>
-      <p:sp>
-        <p:nvSpPr>
-          <p:cNvPr id="2" name="Title 1"/>
-          <p:cNvSpPr>
-            <a:spLocks noGrp="1"/>
-          </p:cNvSpPr>
-          <p:nvPr>
-            <p:ph type="title"/>
-          </p:nvPr>
-        </p:nvSpPr>
-        <p:spPr>
-          <a:xfrm>
-            <a:off x="6297930" y="346710"/>
-            <a:ext cx="5084445" cy="1764665"/>
-          </a:xfrm>
-        </p:spPr>
-        <p:txBody>
-          <a:bodyPr/>
-          <a:p>
-            <a:r>
-              <a:rPr lang="en-US"/>
-              <a:t>Quy trình phát triển web</a:t>
-            </a:r>
-            <a:endParaRPr lang="en-US"/>
-          </a:p>
-        </p:txBody>
-      </p:sp>
-      <p:sp>
-        <p:nvSpPr>
-          <p:cNvPr id="4" name="Subtitle 3"/>
-          <p:cNvSpPr>
-            <a:spLocks noGrp="1"/>
-          </p:cNvSpPr>
-          <p:nvPr>
-            <p:ph type="subTitle" idx="1"/>
-          </p:nvPr>
-        </p:nvSpPr>
-        <p:spPr>
-          <a:xfrm>
-            <a:off x="6327808" y="2262759"/>
-            <a:ext cx="4591906" cy="1024128"/>
-          </a:xfrm>
-        </p:spPr>
-        <p:txBody>
-          <a:bodyPr/>
-          <a:p>
-            <a:r>
-              <a:rPr lang="en-US" sz="2800"/>
-              <a:t>1.Xác định yêu cầu (Requirement Analysis):</a:t>
-            </a:r>
-            <a:endParaRPr lang="en-US" sz="2800"/>
-          </a:p>
-          <a:p>
-            <a:endParaRPr lang="en-US"/>
-          </a:p>
-          <a:p>
-            <a:r>
-              <a:rPr lang="en-US"/>
-              <a:t>Thu thập thông tin từ khách hàng hoặc chủ dự án để hiểu rõ mục tiêu và yêu cầu của dự án web.</a:t>
-            </a:r>
-            <a:endParaRPr lang="en-US"/>
-          </a:p>
-          <a:p>
-            <a:r>
-              <a:rPr lang="en-US"/>
-              <a:t>Xác định đối tượng sử dụng, tính năng cần có, và các hạn chế kỹ thuật.</a:t>
-            </a:r>
-            <a:endParaRPr lang="en-US"/>
-          </a:p>
-        </p:txBody>
-      </p:sp>
-      <p:pic>
-        <p:nvPicPr>
-          <p:cNvPr id="5" name="Picture Placeholder 4"/>
-          <p:cNvPicPr>
-            <a:picLocks noChangeAspect="1"/>
-          </p:cNvPicPr>
-          <p:nvPr>
-            <p:ph type="pic" sz="quarter" idx="10"/>
-          </p:nvPr>
-        </p:nvPicPr>
-        <p:blipFill>
-          <a:blip r:embed="rId1"/>
-          <a:stretch>
-            <a:fillRect/>
-          </a:stretch>
-        </p:blipFill>
-        <p:spPr>
-          <a:xfrm>
-            <a:off x="1005840" y="2091055"/>
-            <a:ext cx="4324985" cy="2775585"/>
-          </a:xfrm>
-          <a:prstGeom prst="rect">
-            <a:avLst/>
-          </a:prstGeom>
+          <a:noFill/>
+          <a:extLst>
+            <a:ext uri="{909E8E84-426E-40DD-AFC4-6F175D3DCCD1}">
+              <a14:hiddenFill xmlns:a14="http://schemas.microsoft.com/office/drawing/2010/main">
+                <a:solidFill>
+                  <a:srgbClr val="FFFFFF"/>
+                </a:solidFill>
+              </a14:hiddenFill>
+            </a:ext>
+          </a:extLst>
         </p:spPr>
       </p:pic>
     </p:spTree>
@@ -14192,1105 +12424,14 @@
     <a:masterClrMapping/>
   </p:clrMapOvr>
   <mc:AlternateContent xmlns:mc="http://schemas.openxmlformats.org/markup-compatibility/2006">
-    <mc:Choice xmlns:p14="http://schemas.microsoft.com/office/powerpoint/2010/main" Requires="p14">
-      <p:transition spd="slow" p14:dur="1000">
-        <p:wheel spokes="8"/>
+    <mc:Choice xmlns:p15="http://schemas.microsoft.com/office/powerpoint/2012/main" Requires="p15">
+      <p:transition xmlns:p14="http://schemas.microsoft.com/office/powerpoint/2010/main" spd="slow" Requires="p14" p14:dur="1250">
+        <p15:prstTrans prst="peelOff"/>
       </p:transition>
     </mc:Choice>
     <mc:Fallback>
       <p:transition spd="slow">
-        <p:wheel spokes="8"/>
-      </p:transition>
-    </mc:Fallback>
-  </mc:AlternateContent>
-</p:sld>
-</file>
-
-<file path=ppt/slides/slide26.xml><?xml version="1.0" encoding="utf-8"?>
-<p:sld xmlns:a="http://schemas.openxmlformats.org/drawingml/2006/main" xmlns:r="http://schemas.openxmlformats.org/officeDocument/2006/relationships" xmlns:p="http://schemas.openxmlformats.org/presentationml/2006/main">
-  <p:cSld>
-    <p:spTree>
-      <p:nvGrpSpPr>
-        <p:cNvPr id="1" name=""/>
-        <p:cNvGrpSpPr/>
-        <p:nvPr/>
-      </p:nvGrpSpPr>
-      <p:grpSpPr/>
-      <p:sp>
-        <p:nvSpPr>
-          <p:cNvPr id="4" name="Subtitle 3"/>
-          <p:cNvSpPr>
-            <a:spLocks noGrp="1"/>
-          </p:cNvSpPr>
-          <p:nvPr>
-            <p:ph type="subTitle" idx="1"/>
-          </p:nvPr>
-        </p:nvSpPr>
-        <p:spPr>
-          <a:xfrm>
-            <a:off x="872490" y="767715"/>
-            <a:ext cx="5222875" cy="1024255"/>
-          </a:xfrm>
-        </p:spPr>
-        <p:txBody>
-          <a:bodyPr/>
-          <a:p>
-            <a:r>
-              <a:rPr lang="en-US" sz="3200"/>
-              <a:t>2.Lập kế hoạch (Planning):</a:t>
-            </a:r>
-            <a:endParaRPr lang="en-US" sz="3200"/>
-          </a:p>
-          <a:p>
-            <a:endParaRPr lang="en-US"/>
-          </a:p>
-          <a:p>
-            <a:r>
-              <a:rPr lang="en-US" sz="2400"/>
-              <a:t>Xác định nguồn lực, thời gian và ngân sách cần thiết cho dự án.</a:t>
-            </a:r>
-            <a:endParaRPr lang="en-US" sz="2400"/>
-          </a:p>
-          <a:p>
-            <a:r>
-              <a:rPr lang="en-US" sz="2400"/>
-              <a:t>Tạo lịch trình và kế hoạch công việc.</a:t>
-            </a:r>
-            <a:endParaRPr lang="en-US" sz="2400"/>
-          </a:p>
-          <a:p>
-            <a:r>
-              <a:rPr lang="en-US" sz="2400"/>
-              <a:t>Xác định công nghệ và framework phù hợp.</a:t>
-            </a:r>
-            <a:endParaRPr lang="en-US" sz="2400"/>
-          </a:p>
-        </p:txBody>
-      </p:sp>
-      <p:sp>
-        <p:nvSpPr>
-          <p:cNvPr id="5" name="Subtitle 3"/>
-          <p:cNvSpPr>
-            <a:spLocks noGrp="1"/>
-          </p:cNvSpPr>
-          <p:nvPr/>
-        </p:nvSpPr>
-        <p:spPr>
-          <a:xfrm>
-            <a:off x="6300503" y="767969"/>
-            <a:ext cx="4591906" cy="1024128"/>
-          </a:xfrm>
-          <a:prstGeom prst="rect">
-            <a:avLst/>
-          </a:prstGeom>
-        </p:spPr>
-        <p:txBody>
-          <a:bodyPr vert="horz" lIns="91440" tIns="45720" rIns="91440" bIns="45720" rtlCol="0">
-            <a:noAutofit/>
-          </a:bodyPr>
-          <a:lstStyle>
-            <a:lvl1pPr marL="0" indent="0" algn="l" defTabSz="914400" rtl="0" eaLnBrk="1" latinLnBrk="0" hangingPunct="1">
-              <a:lnSpc>
-                <a:spcPct val="100000"/>
-              </a:lnSpc>
-              <a:spcBef>
-                <a:spcPts val="1000"/>
-              </a:spcBef>
-              <a:spcAft>
-                <a:spcPts val="1200"/>
-              </a:spcAft>
-              <a:buFontTx/>
-              <a:buNone/>
-              <a:defRPr lang="en-US" sz="2200" b="1" kern="1200" dirty="0">
-                <a:solidFill>
-                  <a:schemeClr val="tx2"/>
-                </a:solidFill>
-                <a:latin typeface="Segoe UI Semibold" panose="020B0702040204020203" pitchFamily="34" charset="0"/>
-                <a:ea typeface="+mn-ea"/>
-                <a:cs typeface="Segoe UI Semibold" panose="020B0702040204020203" pitchFamily="34" charset="0"/>
-              </a:defRPr>
-            </a:lvl1pPr>
-            <a:lvl2pPr marL="457200" indent="0" algn="ctr" defTabSz="914400" rtl="0" eaLnBrk="1" latinLnBrk="0" hangingPunct="1">
-              <a:lnSpc>
-                <a:spcPct val="150000"/>
-              </a:lnSpc>
-              <a:spcBef>
-                <a:spcPts val="1000"/>
-              </a:spcBef>
-              <a:spcAft>
-                <a:spcPts val="1200"/>
-              </a:spcAft>
-              <a:buFont typeface="Arial" panose="020B0604020202020204" pitchFamily="34" charset="0"/>
-              <a:buNone/>
-              <a:defRPr lang="en-US" sz="2000" kern="1200" dirty="0">
-                <a:solidFill>
-                  <a:schemeClr val="tx1"/>
-                </a:solidFill>
-                <a:latin typeface="+mn-lt"/>
-                <a:ea typeface="+mn-ea"/>
-                <a:cs typeface="+mn-cs"/>
-              </a:defRPr>
-            </a:lvl2pPr>
-            <a:lvl3pPr marL="914400" indent="0" algn="ctr" defTabSz="914400" rtl="0" eaLnBrk="1" latinLnBrk="0" hangingPunct="1">
-              <a:lnSpc>
-                <a:spcPct val="150000"/>
-              </a:lnSpc>
-              <a:spcBef>
-                <a:spcPts val="1000"/>
-              </a:spcBef>
-              <a:spcAft>
-                <a:spcPts val="1200"/>
-              </a:spcAft>
-              <a:buFont typeface="Arial" panose="020B0604020202020204" pitchFamily="34" charset="0"/>
-              <a:buNone/>
-              <a:defRPr lang="en-US" sz="1800" kern="1200" dirty="0">
-                <a:solidFill>
-                  <a:schemeClr val="tx1"/>
-                </a:solidFill>
-                <a:latin typeface="+mn-lt"/>
-                <a:ea typeface="+mn-ea"/>
-                <a:cs typeface="+mn-cs"/>
-              </a:defRPr>
-            </a:lvl3pPr>
-            <a:lvl4pPr marL="1371600" indent="0" algn="ctr" defTabSz="914400" rtl="0" eaLnBrk="1" latinLnBrk="0" hangingPunct="1">
-              <a:lnSpc>
-                <a:spcPct val="150000"/>
-              </a:lnSpc>
-              <a:spcBef>
-                <a:spcPts val="1000"/>
-              </a:spcBef>
-              <a:spcAft>
-                <a:spcPts val="1200"/>
-              </a:spcAft>
-              <a:buFont typeface="Arial" panose="020B0604020202020204" pitchFamily="34" charset="0"/>
-              <a:buNone/>
-              <a:defRPr lang="en-US" sz="1600" kern="1200" dirty="0" smtClean="0">
-                <a:solidFill>
-                  <a:schemeClr val="tx1"/>
-                </a:solidFill>
-                <a:latin typeface="+mn-lt"/>
-                <a:ea typeface="+mn-ea"/>
-                <a:cs typeface="+mn-cs"/>
-              </a:defRPr>
-            </a:lvl4pPr>
-            <a:lvl5pPr marL="1828800" indent="0" algn="ctr" defTabSz="914400" rtl="0" eaLnBrk="1" latinLnBrk="0" hangingPunct="1">
-              <a:lnSpc>
-                <a:spcPct val="150000"/>
-              </a:lnSpc>
-              <a:spcBef>
-                <a:spcPts val="1000"/>
-              </a:spcBef>
-              <a:spcAft>
-                <a:spcPts val="1200"/>
-              </a:spcAft>
-              <a:buFont typeface="Arial" panose="020B0604020202020204" pitchFamily="34" charset="0"/>
-              <a:buNone/>
-              <a:defRPr lang="en-US" sz="1600" kern="1200" dirty="0" smtClean="0">
-                <a:solidFill>
-                  <a:schemeClr val="tx1"/>
-                </a:solidFill>
-                <a:latin typeface="+mn-lt"/>
-                <a:ea typeface="+mn-ea"/>
-                <a:cs typeface="+mn-cs"/>
-              </a:defRPr>
-            </a:lvl5pPr>
-            <a:lvl6pPr marL="2286000" indent="0" algn="ctr" defTabSz="914400" rtl="0" eaLnBrk="1" latinLnBrk="0" hangingPunct="1">
-              <a:lnSpc>
-                <a:spcPct val="150000"/>
-              </a:lnSpc>
-              <a:spcBef>
-                <a:spcPts val="1000"/>
-              </a:spcBef>
-              <a:spcAft>
-                <a:spcPts val="1200"/>
-              </a:spcAft>
-              <a:buFont typeface="Arial" panose="020B0604020202020204" pitchFamily="34" charset="0"/>
-              <a:buNone/>
-              <a:defRPr lang="en-US" sz="1600" kern="1200" dirty="0" smtClean="0">
-                <a:solidFill>
-                  <a:schemeClr val="tx1"/>
-                </a:solidFill>
-                <a:latin typeface="+mn-lt"/>
-                <a:ea typeface="+mn-ea"/>
-                <a:cs typeface="+mn-cs"/>
-              </a:defRPr>
-            </a:lvl6pPr>
-            <a:lvl7pPr marL="2743200" indent="0" algn="ctr" defTabSz="914400" rtl="0" eaLnBrk="1" latinLnBrk="0" hangingPunct="1">
-              <a:lnSpc>
-                <a:spcPct val="150000"/>
-              </a:lnSpc>
-              <a:spcBef>
-                <a:spcPts val="1000"/>
-              </a:spcBef>
-              <a:spcAft>
-                <a:spcPts val="1200"/>
-              </a:spcAft>
-              <a:buFont typeface="Arial" panose="020B0604020202020204" pitchFamily="34" charset="0"/>
-              <a:buNone/>
-              <a:defRPr lang="en-US" sz="1600" kern="1200" dirty="0" smtClean="0">
-                <a:solidFill>
-                  <a:schemeClr val="tx1"/>
-                </a:solidFill>
-                <a:latin typeface="+mn-lt"/>
-                <a:ea typeface="+mn-ea"/>
-                <a:cs typeface="+mn-cs"/>
-              </a:defRPr>
-            </a:lvl7pPr>
-            <a:lvl8pPr marL="3200400" indent="0" algn="ctr" defTabSz="914400" rtl="0" eaLnBrk="1" latinLnBrk="0" hangingPunct="1">
-              <a:lnSpc>
-                <a:spcPct val="150000"/>
-              </a:lnSpc>
-              <a:spcBef>
-                <a:spcPts val="1000"/>
-              </a:spcBef>
-              <a:spcAft>
-                <a:spcPts val="1200"/>
-              </a:spcAft>
-              <a:buFont typeface="Arial" panose="020B0604020202020204" pitchFamily="34" charset="0"/>
-              <a:buNone/>
-              <a:defRPr lang="en-US" sz="1600" kern="1200" dirty="0" smtClean="0">
-                <a:solidFill>
-                  <a:schemeClr val="tx1"/>
-                </a:solidFill>
-                <a:latin typeface="+mn-lt"/>
-                <a:ea typeface="+mn-ea"/>
-                <a:cs typeface="+mn-cs"/>
-              </a:defRPr>
-            </a:lvl8pPr>
-            <a:lvl9pPr marL="3657600" indent="0" algn="ctr" defTabSz="914400" rtl="0" eaLnBrk="1" latinLnBrk="0" hangingPunct="1">
-              <a:lnSpc>
-                <a:spcPct val="90000"/>
-              </a:lnSpc>
-              <a:spcBef>
-                <a:spcPct val="30000"/>
-              </a:spcBef>
-              <a:buFont typeface="Arial" panose="020B0604020202020204" pitchFamily="34" charset="0"/>
-              <a:buNone/>
-              <a:defRPr sz="1600" kern="1200">
-                <a:solidFill>
-                  <a:schemeClr val="tx1"/>
-                </a:solidFill>
-                <a:latin typeface="+mn-lt"/>
-                <a:ea typeface="+mn-ea"/>
-                <a:cs typeface="+mn-cs"/>
-              </a:defRPr>
-            </a:lvl9pPr>
-          </a:lstStyle>
-          <a:p>
-            <a:r>
-              <a:rPr lang="en-US" sz="3200"/>
-              <a:t>3.Thiết kế (Design):</a:t>
-            </a:r>
-            <a:endParaRPr lang="en-US" sz="3200"/>
-          </a:p>
-          <a:p>
-            <a:endParaRPr lang="en-US"/>
-          </a:p>
-          <a:p>
-            <a:r>
-              <a:rPr lang="en-US" sz="2400"/>
-              <a:t>Tạo wireframe hoặc mockup để hiển thị cấu trúc và giao diện trang web.</a:t>
-            </a:r>
-            <a:endParaRPr lang="en-US" sz="2400"/>
-          </a:p>
-          <a:p>
-            <a:r>
-              <a:rPr lang="en-US" sz="2400"/>
-              <a:t>Thiết kế giao diện người dùng (UI) và trải nghiệm người dùng (UX).</a:t>
-            </a:r>
-            <a:endParaRPr lang="en-US" sz="2400"/>
-          </a:p>
-          <a:p>
-            <a:r>
-              <a:rPr lang="en-US" sz="2400"/>
-              <a:t>Lựa chọn màu sắc, hình ảnh, và font chữ phù hợp với thương hiệu.</a:t>
-            </a:r>
-            <a:endParaRPr lang="en-US" sz="2400"/>
-          </a:p>
-        </p:txBody>
-      </p:sp>
-    </p:spTree>
-  </p:cSld>
-  <p:clrMapOvr>
-    <a:masterClrMapping/>
-  </p:clrMapOvr>
-  <mc:AlternateContent xmlns:mc="http://schemas.openxmlformats.org/markup-compatibility/2006">
-    <mc:Choice xmlns:p14="http://schemas.microsoft.com/office/powerpoint/2010/main" Requires="p14">
-      <p:transition spd="slow" p14:dur="1600">
-        <p:blinds/>
-      </p:transition>
-    </mc:Choice>
-    <mc:Fallback>
-      <p:transition spd="slow">
-        <p:blinds/>
-      </p:transition>
-    </mc:Fallback>
-  </mc:AlternateContent>
-</p:sld>
-</file>
-
-<file path=ppt/slides/slide27.xml><?xml version="1.0" encoding="utf-8"?>
-<p:sld xmlns:a="http://schemas.openxmlformats.org/drawingml/2006/main" xmlns:r="http://schemas.openxmlformats.org/officeDocument/2006/relationships" xmlns:p="http://schemas.openxmlformats.org/presentationml/2006/main">
-  <p:cSld>
-    <p:spTree>
-      <p:nvGrpSpPr>
-        <p:cNvPr id="1" name=""/>
-        <p:cNvGrpSpPr/>
-        <p:nvPr/>
-      </p:nvGrpSpPr>
-      <p:grpSpPr/>
-      <p:sp>
-        <p:nvSpPr>
-          <p:cNvPr id="4" name="Subtitle 3"/>
-          <p:cNvSpPr>
-            <a:spLocks noGrp="1"/>
-          </p:cNvSpPr>
-          <p:nvPr>
-            <p:ph type="subTitle" idx="1"/>
-          </p:nvPr>
-        </p:nvSpPr>
-        <p:spPr>
-          <a:xfrm>
-            <a:off x="434975" y="367665"/>
-            <a:ext cx="5470525" cy="1024255"/>
-          </a:xfrm>
-        </p:spPr>
-        <p:txBody>
-          <a:bodyPr/>
-          <a:p>
-            <a:r>
-              <a:rPr lang="en-US" sz="3200"/>
-              <a:t>4.Phát triển (Development):</a:t>
-            </a:r>
-            <a:endParaRPr lang="en-US" sz="3200"/>
-          </a:p>
-          <a:p>
-            <a:endParaRPr lang="en-US"/>
-          </a:p>
-          <a:p>
-            <a:r>
-              <a:rPr lang="en-US" sz="2400"/>
-              <a:t>Lập trình front-end: Xây dựng giao diện người dùng bằng HTML, CSS và JavaScript.</a:t>
-            </a:r>
-            <a:endParaRPr lang="en-US" sz="2400"/>
-          </a:p>
-          <a:p>
-            <a:r>
-              <a:rPr lang="en-US" sz="2400"/>
-              <a:t>Lập trình back-end: Xây dựng logic và cơ sở dữ liệu của ứng dụng bằng các ngôn ngữ lập trình như PHP, Python, Ruby, hoặc Node.js.</a:t>
-            </a:r>
-            <a:endParaRPr lang="en-US" sz="2400"/>
-          </a:p>
-          <a:p>
-            <a:r>
-              <a:rPr lang="en-US" sz="2400"/>
-              <a:t>Tạo cơ sở dữ liệu và quản lý dữ liệu.</a:t>
-            </a:r>
-            <a:endParaRPr lang="en-US" sz="2400"/>
-          </a:p>
-        </p:txBody>
-      </p:sp>
-      <p:sp>
-        <p:nvSpPr>
-          <p:cNvPr id="5" name="Subtitle 3"/>
-          <p:cNvSpPr>
-            <a:spLocks noGrp="1"/>
-          </p:cNvSpPr>
-          <p:nvPr/>
-        </p:nvSpPr>
-        <p:spPr>
-          <a:xfrm>
-            <a:off x="6580538" y="367919"/>
-            <a:ext cx="4591906" cy="1024128"/>
-          </a:xfrm>
-          <a:prstGeom prst="rect">
-            <a:avLst/>
-          </a:prstGeom>
-        </p:spPr>
-        <p:txBody>
-          <a:bodyPr vert="horz" lIns="91440" tIns="45720" rIns="91440" bIns="45720" rtlCol="0">
-            <a:noAutofit/>
-          </a:bodyPr>
-          <a:lstStyle>
-            <a:lvl1pPr marL="0" indent="0" algn="l" defTabSz="914400" rtl="0" eaLnBrk="1" latinLnBrk="0" hangingPunct="1">
-              <a:lnSpc>
-                <a:spcPct val="100000"/>
-              </a:lnSpc>
-              <a:spcBef>
-                <a:spcPts val="1000"/>
-              </a:spcBef>
-              <a:spcAft>
-                <a:spcPts val="1200"/>
-              </a:spcAft>
-              <a:buFontTx/>
-              <a:buNone/>
-              <a:defRPr lang="en-US" sz="2200" b="1" kern="1200" dirty="0">
-                <a:solidFill>
-                  <a:schemeClr val="tx2"/>
-                </a:solidFill>
-                <a:latin typeface="Segoe UI Semibold" panose="020B0702040204020203" pitchFamily="34" charset="0"/>
-                <a:ea typeface="+mn-ea"/>
-                <a:cs typeface="Segoe UI Semibold" panose="020B0702040204020203" pitchFamily="34" charset="0"/>
-              </a:defRPr>
-            </a:lvl1pPr>
-            <a:lvl2pPr marL="457200" indent="0" algn="ctr" defTabSz="914400" rtl="0" eaLnBrk="1" latinLnBrk="0" hangingPunct="1">
-              <a:lnSpc>
-                <a:spcPct val="150000"/>
-              </a:lnSpc>
-              <a:spcBef>
-                <a:spcPts val="1000"/>
-              </a:spcBef>
-              <a:spcAft>
-                <a:spcPts val="1200"/>
-              </a:spcAft>
-              <a:buFont typeface="Arial" panose="020B0604020202020204" pitchFamily="34" charset="0"/>
-              <a:buNone/>
-              <a:defRPr lang="en-US" sz="2000" kern="1200" dirty="0">
-                <a:solidFill>
-                  <a:schemeClr val="tx1"/>
-                </a:solidFill>
-                <a:latin typeface="+mn-lt"/>
-                <a:ea typeface="+mn-ea"/>
-                <a:cs typeface="+mn-cs"/>
-              </a:defRPr>
-            </a:lvl2pPr>
-            <a:lvl3pPr marL="914400" indent="0" algn="ctr" defTabSz="914400" rtl="0" eaLnBrk="1" latinLnBrk="0" hangingPunct="1">
-              <a:lnSpc>
-                <a:spcPct val="150000"/>
-              </a:lnSpc>
-              <a:spcBef>
-                <a:spcPts val="1000"/>
-              </a:spcBef>
-              <a:spcAft>
-                <a:spcPts val="1200"/>
-              </a:spcAft>
-              <a:buFont typeface="Arial" panose="020B0604020202020204" pitchFamily="34" charset="0"/>
-              <a:buNone/>
-              <a:defRPr lang="en-US" sz="1800" kern="1200" dirty="0">
-                <a:solidFill>
-                  <a:schemeClr val="tx1"/>
-                </a:solidFill>
-                <a:latin typeface="+mn-lt"/>
-                <a:ea typeface="+mn-ea"/>
-                <a:cs typeface="+mn-cs"/>
-              </a:defRPr>
-            </a:lvl3pPr>
-            <a:lvl4pPr marL="1371600" indent="0" algn="ctr" defTabSz="914400" rtl="0" eaLnBrk="1" latinLnBrk="0" hangingPunct="1">
-              <a:lnSpc>
-                <a:spcPct val="150000"/>
-              </a:lnSpc>
-              <a:spcBef>
-                <a:spcPts val="1000"/>
-              </a:spcBef>
-              <a:spcAft>
-                <a:spcPts val="1200"/>
-              </a:spcAft>
-              <a:buFont typeface="Arial" panose="020B0604020202020204" pitchFamily="34" charset="0"/>
-              <a:buNone/>
-              <a:defRPr lang="en-US" sz="1600" kern="1200" dirty="0" smtClean="0">
-                <a:solidFill>
-                  <a:schemeClr val="tx1"/>
-                </a:solidFill>
-                <a:latin typeface="+mn-lt"/>
-                <a:ea typeface="+mn-ea"/>
-                <a:cs typeface="+mn-cs"/>
-              </a:defRPr>
-            </a:lvl4pPr>
-            <a:lvl5pPr marL="1828800" indent="0" algn="ctr" defTabSz="914400" rtl="0" eaLnBrk="1" latinLnBrk="0" hangingPunct="1">
-              <a:lnSpc>
-                <a:spcPct val="150000"/>
-              </a:lnSpc>
-              <a:spcBef>
-                <a:spcPts val="1000"/>
-              </a:spcBef>
-              <a:spcAft>
-                <a:spcPts val="1200"/>
-              </a:spcAft>
-              <a:buFont typeface="Arial" panose="020B0604020202020204" pitchFamily="34" charset="0"/>
-              <a:buNone/>
-              <a:defRPr lang="en-US" sz="1600" kern="1200" dirty="0" smtClean="0">
-                <a:solidFill>
-                  <a:schemeClr val="tx1"/>
-                </a:solidFill>
-                <a:latin typeface="+mn-lt"/>
-                <a:ea typeface="+mn-ea"/>
-                <a:cs typeface="+mn-cs"/>
-              </a:defRPr>
-            </a:lvl5pPr>
-            <a:lvl6pPr marL="2286000" indent="0" algn="ctr" defTabSz="914400" rtl="0" eaLnBrk="1" latinLnBrk="0" hangingPunct="1">
-              <a:lnSpc>
-                <a:spcPct val="150000"/>
-              </a:lnSpc>
-              <a:spcBef>
-                <a:spcPts val="1000"/>
-              </a:spcBef>
-              <a:spcAft>
-                <a:spcPts val="1200"/>
-              </a:spcAft>
-              <a:buFont typeface="Arial" panose="020B0604020202020204" pitchFamily="34" charset="0"/>
-              <a:buNone/>
-              <a:defRPr lang="en-US" sz="1600" kern="1200" dirty="0" smtClean="0">
-                <a:solidFill>
-                  <a:schemeClr val="tx1"/>
-                </a:solidFill>
-                <a:latin typeface="+mn-lt"/>
-                <a:ea typeface="+mn-ea"/>
-                <a:cs typeface="+mn-cs"/>
-              </a:defRPr>
-            </a:lvl6pPr>
-            <a:lvl7pPr marL="2743200" indent="0" algn="ctr" defTabSz="914400" rtl="0" eaLnBrk="1" latinLnBrk="0" hangingPunct="1">
-              <a:lnSpc>
-                <a:spcPct val="150000"/>
-              </a:lnSpc>
-              <a:spcBef>
-                <a:spcPts val="1000"/>
-              </a:spcBef>
-              <a:spcAft>
-                <a:spcPts val="1200"/>
-              </a:spcAft>
-              <a:buFont typeface="Arial" panose="020B0604020202020204" pitchFamily="34" charset="0"/>
-              <a:buNone/>
-              <a:defRPr lang="en-US" sz="1600" kern="1200" dirty="0" smtClean="0">
-                <a:solidFill>
-                  <a:schemeClr val="tx1"/>
-                </a:solidFill>
-                <a:latin typeface="+mn-lt"/>
-                <a:ea typeface="+mn-ea"/>
-                <a:cs typeface="+mn-cs"/>
-              </a:defRPr>
-            </a:lvl7pPr>
-            <a:lvl8pPr marL="3200400" indent="0" algn="ctr" defTabSz="914400" rtl="0" eaLnBrk="1" latinLnBrk="0" hangingPunct="1">
-              <a:lnSpc>
-                <a:spcPct val="150000"/>
-              </a:lnSpc>
-              <a:spcBef>
-                <a:spcPts val="1000"/>
-              </a:spcBef>
-              <a:spcAft>
-                <a:spcPts val="1200"/>
-              </a:spcAft>
-              <a:buFont typeface="Arial" panose="020B0604020202020204" pitchFamily="34" charset="0"/>
-              <a:buNone/>
-              <a:defRPr lang="en-US" sz="1600" kern="1200" dirty="0" smtClean="0">
-                <a:solidFill>
-                  <a:schemeClr val="tx1"/>
-                </a:solidFill>
-                <a:latin typeface="+mn-lt"/>
-                <a:ea typeface="+mn-ea"/>
-                <a:cs typeface="+mn-cs"/>
-              </a:defRPr>
-            </a:lvl8pPr>
-            <a:lvl9pPr marL="3657600" indent="0" algn="ctr" defTabSz="914400" rtl="0" eaLnBrk="1" latinLnBrk="0" hangingPunct="1">
-              <a:lnSpc>
-                <a:spcPct val="90000"/>
-              </a:lnSpc>
-              <a:spcBef>
-                <a:spcPct val="30000"/>
-              </a:spcBef>
-              <a:buFont typeface="Arial" panose="020B0604020202020204" pitchFamily="34" charset="0"/>
-              <a:buNone/>
-              <a:defRPr sz="1600" kern="1200">
-                <a:solidFill>
-                  <a:schemeClr val="tx1"/>
-                </a:solidFill>
-                <a:latin typeface="+mn-lt"/>
-                <a:ea typeface="+mn-ea"/>
-                <a:cs typeface="+mn-cs"/>
-              </a:defRPr>
-            </a:lvl9pPr>
-          </a:lstStyle>
-          <a:p>
-            <a:r>
-              <a:rPr lang="en-US" sz="3200"/>
-              <a:t>5.Kiểm thử (Testing):</a:t>
-            </a:r>
-            <a:endParaRPr lang="en-US" sz="3200"/>
-          </a:p>
-          <a:p>
-            <a:endParaRPr lang="en-US"/>
-          </a:p>
-          <a:p>
-            <a:r>
-              <a:rPr lang="en-US" sz="2400"/>
-              <a:t>Kiểm tra tính năng của trang web để đảm bảo hoạt động đúng và không có lỗi.</a:t>
-            </a:r>
-            <a:endParaRPr lang="en-US" sz="2400"/>
-          </a:p>
-          <a:p>
-            <a:r>
-              <a:rPr lang="en-US" sz="2400"/>
-              <a:t>Kiểm tra tương tác người dùng và kiểm tra độ tương thích với các trình duyệt web khác nhau.</a:t>
-            </a:r>
-            <a:endParaRPr lang="en-US" sz="2400"/>
-          </a:p>
-          <a:p>
-            <a:r>
-              <a:rPr lang="en-US" sz="2400"/>
-              <a:t>Thực hiện kiểm thử bảo mật để bảo vệ dự án khỏi các lỗ hổng bảo mật.</a:t>
-            </a:r>
-            <a:endParaRPr lang="en-US" sz="2400"/>
-          </a:p>
-        </p:txBody>
-      </p:sp>
-    </p:spTree>
-  </p:cSld>
-  <p:clrMapOvr>
-    <a:masterClrMapping/>
-  </p:clrMapOvr>
-  <mc:AlternateContent xmlns:mc="http://schemas.openxmlformats.org/markup-compatibility/2006">
-    <mc:Choice xmlns:p14="http://schemas.microsoft.com/office/powerpoint/2010/main" Requires="p14">
-      <p:transition spd="slow" p14:dur="1600">
-        <p:blinds/>
-      </p:transition>
-    </mc:Choice>
-    <mc:Fallback>
-      <p:transition spd="slow">
-        <p:blinds/>
-      </p:transition>
-    </mc:Fallback>
-  </mc:AlternateContent>
-</p:sld>
-</file>
-
-<file path=ppt/slides/slide28.xml><?xml version="1.0" encoding="utf-8"?>
-<p:sld xmlns:a="http://schemas.openxmlformats.org/drawingml/2006/main" xmlns:r="http://schemas.openxmlformats.org/officeDocument/2006/relationships" xmlns:p="http://schemas.openxmlformats.org/presentationml/2006/main">
-  <p:cSld>
-    <p:spTree>
-      <p:nvGrpSpPr>
-        <p:cNvPr id="1" name=""/>
-        <p:cNvGrpSpPr/>
-        <p:nvPr/>
-      </p:nvGrpSpPr>
-      <p:grpSpPr/>
-      <p:sp>
-        <p:nvSpPr>
-          <p:cNvPr id="3" name="Picture Placeholder 2"/>
-          <p:cNvSpPr>
-            <a:spLocks noGrp="1"/>
-          </p:cNvSpPr>
-          <p:nvPr>
-            <p:ph type="pic" sz="quarter" idx="10"/>
-          </p:nvPr>
-        </p:nvSpPr>
-        <p:spPr/>
-      </p:sp>
-      <p:sp>
-        <p:nvSpPr>
-          <p:cNvPr id="4" name="Subtitle 3"/>
-          <p:cNvSpPr>
-            <a:spLocks noGrp="1"/>
-          </p:cNvSpPr>
-          <p:nvPr>
-            <p:ph type="subTitle" idx="1"/>
-          </p:nvPr>
-        </p:nvSpPr>
-        <p:spPr>
-          <a:xfrm>
-            <a:off x="478155" y="530225"/>
-            <a:ext cx="5090160" cy="1024255"/>
-          </a:xfrm>
-        </p:spPr>
-        <p:txBody>
-          <a:bodyPr/>
-          <a:p>
-            <a:r>
-              <a:rPr lang="en-US" sz="3200"/>
-              <a:t>6.Triển khai (Deployment):</a:t>
-            </a:r>
-            <a:endParaRPr lang="en-US" sz="3200"/>
-          </a:p>
-          <a:p>
-            <a:endParaRPr lang="en-US"/>
-          </a:p>
-          <a:p>
-            <a:r>
-              <a:rPr lang="en-US" sz="2400"/>
-              <a:t>Đưa trang web hoặc ứng dụng lên máy chủ hoặc nền tảng hosting.</a:t>
-            </a:r>
-            <a:endParaRPr lang="en-US" sz="2400"/>
-          </a:p>
-          <a:p>
-            <a:r>
-              <a:rPr lang="en-US" sz="2400"/>
-              <a:t>Cấu hình môi trường sản phẩm cuối cùng.</a:t>
-            </a:r>
-            <a:endParaRPr lang="en-US" sz="2400"/>
-          </a:p>
-          <a:p>
-            <a:r>
-              <a:rPr lang="en-US" sz="2400"/>
-              <a:t>Kiểm tra lại trước khi đưa vào sử dụng thực tế.</a:t>
-            </a:r>
-            <a:endParaRPr lang="en-US" sz="2400"/>
-          </a:p>
-        </p:txBody>
-      </p:sp>
-      <p:sp>
-        <p:nvSpPr>
-          <p:cNvPr id="5" name="Subtitle 3"/>
-          <p:cNvSpPr>
-            <a:spLocks noGrp="1"/>
-          </p:cNvSpPr>
-          <p:nvPr/>
-        </p:nvSpPr>
-        <p:spPr>
-          <a:xfrm>
-            <a:off x="5760085" y="746760"/>
-            <a:ext cx="6637655" cy="1024255"/>
-          </a:xfrm>
-          <a:prstGeom prst="rect">
-            <a:avLst/>
-          </a:prstGeom>
-        </p:spPr>
-        <p:txBody>
-          <a:bodyPr vert="horz" lIns="91440" tIns="45720" rIns="91440" bIns="45720" rtlCol="0">
-            <a:noAutofit/>
-          </a:bodyPr>
-          <a:lstStyle>
-            <a:lvl1pPr marL="0" indent="0" algn="l" defTabSz="914400" rtl="0" eaLnBrk="1" latinLnBrk="0" hangingPunct="1">
-              <a:lnSpc>
-                <a:spcPct val="100000"/>
-              </a:lnSpc>
-              <a:spcBef>
-                <a:spcPts val="1000"/>
-              </a:spcBef>
-              <a:spcAft>
-                <a:spcPts val="1200"/>
-              </a:spcAft>
-              <a:buFontTx/>
-              <a:buNone/>
-              <a:defRPr lang="en-US" sz="2200" b="1" kern="1200" dirty="0">
-                <a:solidFill>
-                  <a:schemeClr val="tx2"/>
-                </a:solidFill>
-                <a:latin typeface="Segoe UI Semibold" panose="020B0702040204020203" pitchFamily="34" charset="0"/>
-                <a:ea typeface="+mn-ea"/>
-                <a:cs typeface="Segoe UI Semibold" panose="020B0702040204020203" pitchFamily="34" charset="0"/>
-              </a:defRPr>
-            </a:lvl1pPr>
-            <a:lvl2pPr marL="457200" indent="0" algn="ctr" defTabSz="914400" rtl="0" eaLnBrk="1" latinLnBrk="0" hangingPunct="1">
-              <a:lnSpc>
-                <a:spcPct val="150000"/>
-              </a:lnSpc>
-              <a:spcBef>
-                <a:spcPts val="1000"/>
-              </a:spcBef>
-              <a:spcAft>
-                <a:spcPts val="1200"/>
-              </a:spcAft>
-              <a:buFont typeface="Arial" panose="020B0604020202020204" pitchFamily="34" charset="0"/>
-              <a:buNone/>
-              <a:defRPr lang="en-US" sz="2000" kern="1200" dirty="0">
-                <a:solidFill>
-                  <a:schemeClr val="tx1"/>
-                </a:solidFill>
-                <a:latin typeface="+mn-lt"/>
-                <a:ea typeface="+mn-ea"/>
-                <a:cs typeface="+mn-cs"/>
-              </a:defRPr>
-            </a:lvl2pPr>
-            <a:lvl3pPr marL="914400" indent="0" algn="ctr" defTabSz="914400" rtl="0" eaLnBrk="1" latinLnBrk="0" hangingPunct="1">
-              <a:lnSpc>
-                <a:spcPct val="150000"/>
-              </a:lnSpc>
-              <a:spcBef>
-                <a:spcPts val="1000"/>
-              </a:spcBef>
-              <a:spcAft>
-                <a:spcPts val="1200"/>
-              </a:spcAft>
-              <a:buFont typeface="Arial" panose="020B0604020202020204" pitchFamily="34" charset="0"/>
-              <a:buNone/>
-              <a:defRPr lang="en-US" sz="1800" kern="1200" dirty="0">
-                <a:solidFill>
-                  <a:schemeClr val="tx1"/>
-                </a:solidFill>
-                <a:latin typeface="+mn-lt"/>
-                <a:ea typeface="+mn-ea"/>
-                <a:cs typeface="+mn-cs"/>
-              </a:defRPr>
-            </a:lvl3pPr>
-            <a:lvl4pPr marL="1371600" indent="0" algn="ctr" defTabSz="914400" rtl="0" eaLnBrk="1" latinLnBrk="0" hangingPunct="1">
-              <a:lnSpc>
-                <a:spcPct val="150000"/>
-              </a:lnSpc>
-              <a:spcBef>
-                <a:spcPts val="1000"/>
-              </a:spcBef>
-              <a:spcAft>
-                <a:spcPts val="1200"/>
-              </a:spcAft>
-              <a:buFont typeface="Arial" panose="020B0604020202020204" pitchFamily="34" charset="0"/>
-              <a:buNone/>
-              <a:defRPr lang="en-US" sz="1600" kern="1200" dirty="0" smtClean="0">
-                <a:solidFill>
-                  <a:schemeClr val="tx1"/>
-                </a:solidFill>
-                <a:latin typeface="+mn-lt"/>
-                <a:ea typeface="+mn-ea"/>
-                <a:cs typeface="+mn-cs"/>
-              </a:defRPr>
-            </a:lvl4pPr>
-            <a:lvl5pPr marL="1828800" indent="0" algn="ctr" defTabSz="914400" rtl="0" eaLnBrk="1" latinLnBrk="0" hangingPunct="1">
-              <a:lnSpc>
-                <a:spcPct val="150000"/>
-              </a:lnSpc>
-              <a:spcBef>
-                <a:spcPts val="1000"/>
-              </a:spcBef>
-              <a:spcAft>
-                <a:spcPts val="1200"/>
-              </a:spcAft>
-              <a:buFont typeface="Arial" panose="020B0604020202020204" pitchFamily="34" charset="0"/>
-              <a:buNone/>
-              <a:defRPr lang="en-US" sz="1600" kern="1200" dirty="0" smtClean="0">
-                <a:solidFill>
-                  <a:schemeClr val="tx1"/>
-                </a:solidFill>
-                <a:latin typeface="+mn-lt"/>
-                <a:ea typeface="+mn-ea"/>
-                <a:cs typeface="+mn-cs"/>
-              </a:defRPr>
-            </a:lvl5pPr>
-            <a:lvl6pPr marL="2286000" indent="0" algn="ctr" defTabSz="914400" rtl="0" eaLnBrk="1" latinLnBrk="0" hangingPunct="1">
-              <a:lnSpc>
-                <a:spcPct val="150000"/>
-              </a:lnSpc>
-              <a:spcBef>
-                <a:spcPts val="1000"/>
-              </a:spcBef>
-              <a:spcAft>
-                <a:spcPts val="1200"/>
-              </a:spcAft>
-              <a:buFont typeface="Arial" panose="020B0604020202020204" pitchFamily="34" charset="0"/>
-              <a:buNone/>
-              <a:defRPr lang="en-US" sz="1600" kern="1200" dirty="0" smtClean="0">
-                <a:solidFill>
-                  <a:schemeClr val="tx1"/>
-                </a:solidFill>
-                <a:latin typeface="+mn-lt"/>
-                <a:ea typeface="+mn-ea"/>
-                <a:cs typeface="+mn-cs"/>
-              </a:defRPr>
-            </a:lvl6pPr>
-            <a:lvl7pPr marL="2743200" indent="0" algn="ctr" defTabSz="914400" rtl="0" eaLnBrk="1" latinLnBrk="0" hangingPunct="1">
-              <a:lnSpc>
-                <a:spcPct val="150000"/>
-              </a:lnSpc>
-              <a:spcBef>
-                <a:spcPts val="1000"/>
-              </a:spcBef>
-              <a:spcAft>
-                <a:spcPts val="1200"/>
-              </a:spcAft>
-              <a:buFont typeface="Arial" panose="020B0604020202020204" pitchFamily="34" charset="0"/>
-              <a:buNone/>
-              <a:defRPr lang="en-US" sz="1600" kern="1200" dirty="0" smtClean="0">
-                <a:solidFill>
-                  <a:schemeClr val="tx1"/>
-                </a:solidFill>
-                <a:latin typeface="+mn-lt"/>
-                <a:ea typeface="+mn-ea"/>
-                <a:cs typeface="+mn-cs"/>
-              </a:defRPr>
-            </a:lvl7pPr>
-            <a:lvl8pPr marL="3200400" indent="0" algn="ctr" defTabSz="914400" rtl="0" eaLnBrk="1" latinLnBrk="0" hangingPunct="1">
-              <a:lnSpc>
-                <a:spcPct val="150000"/>
-              </a:lnSpc>
-              <a:spcBef>
-                <a:spcPts val="1000"/>
-              </a:spcBef>
-              <a:spcAft>
-                <a:spcPts val="1200"/>
-              </a:spcAft>
-              <a:buFont typeface="Arial" panose="020B0604020202020204" pitchFamily="34" charset="0"/>
-              <a:buNone/>
-              <a:defRPr lang="en-US" sz="1600" kern="1200" dirty="0" smtClean="0">
-                <a:solidFill>
-                  <a:schemeClr val="tx1"/>
-                </a:solidFill>
-                <a:latin typeface="+mn-lt"/>
-                <a:ea typeface="+mn-ea"/>
-                <a:cs typeface="+mn-cs"/>
-              </a:defRPr>
-            </a:lvl8pPr>
-            <a:lvl9pPr marL="3657600" indent="0" algn="ctr" defTabSz="914400" rtl="0" eaLnBrk="1" latinLnBrk="0" hangingPunct="1">
-              <a:lnSpc>
-                <a:spcPct val="90000"/>
-              </a:lnSpc>
-              <a:spcBef>
-                <a:spcPct val="30000"/>
-              </a:spcBef>
-              <a:buFont typeface="Arial" panose="020B0604020202020204" pitchFamily="34" charset="0"/>
-              <a:buNone/>
-              <a:defRPr sz="1600" kern="1200">
-                <a:solidFill>
-                  <a:schemeClr val="tx1"/>
-                </a:solidFill>
-                <a:latin typeface="+mn-lt"/>
-                <a:ea typeface="+mn-ea"/>
-                <a:cs typeface="+mn-cs"/>
-              </a:defRPr>
-            </a:lvl9pPr>
-          </a:lstStyle>
-          <a:p>
-            <a:pPr>
-              <a:lnSpc>
-                <a:spcPct val="40000"/>
-              </a:lnSpc>
-            </a:pPr>
-            <a:r>
-              <a:rPr lang="en-US" sz="3200"/>
-              <a:t>7.Bảo trì và cải tiến</a:t>
-            </a:r>
-            <a:endParaRPr lang="en-US" sz="3200"/>
-          </a:p>
-          <a:p>
-            <a:pPr>
-              <a:lnSpc>
-                <a:spcPct val="40000"/>
-              </a:lnSpc>
-            </a:pPr>
-            <a:r>
-              <a:rPr lang="en-US" sz="3200"/>
-              <a:t>(Maintenance and Enhancement):</a:t>
-            </a:r>
-            <a:endParaRPr lang="en-US" sz="2400"/>
-          </a:p>
-          <a:p>
-            <a:endParaRPr lang="en-US" sz="2400"/>
-          </a:p>
-          <a:p>
-            <a:r>
-              <a:rPr lang="en-US" sz="2400"/>
-              <a:t>Theo dõi và duy trì trang web để đảm bảo tính ổn định và hiệu suất.</a:t>
-            </a:r>
-            <a:endParaRPr lang="en-US" sz="2400"/>
-          </a:p>
-          <a:p>
-            <a:r>
-              <a:rPr lang="en-US" sz="2400"/>
-              <a:t>Thực hiện các cải tiến, bảo mật và nâng cấp theo thời gian khi cần thiết.</a:t>
-            </a:r>
-            <a:endParaRPr lang="en-US" sz="2400"/>
-          </a:p>
-        </p:txBody>
-      </p:sp>
-    </p:spTree>
-  </p:cSld>
-  <p:clrMapOvr>
-    <a:masterClrMapping/>
-  </p:clrMapOvr>
-  <mc:AlternateContent xmlns:mc="http://schemas.openxmlformats.org/markup-compatibility/2006">
-    <mc:Choice xmlns:p14="http://schemas.microsoft.com/office/powerpoint/2010/main" Requires="p14">
-      <p:transition spd="slow" p14:dur="1200">
-        <p:dissolve/>
-      </p:transition>
-    </mc:Choice>
-    <mc:Fallback>
-      <p:transition spd="slow">
-        <p:dissolve/>
-      </p:transition>
-    </mc:Fallback>
-  </mc:AlternateContent>
-</p:sld>
-</file>
-
-<file path=ppt/slides/slide29.xml><?xml version="1.0" encoding="utf-8"?>
-<p:sld xmlns:a="http://schemas.openxmlformats.org/drawingml/2006/main" xmlns:r="http://schemas.openxmlformats.org/officeDocument/2006/relationships" xmlns:p="http://schemas.openxmlformats.org/presentationml/2006/main">
-  <p:cSld>
-    <p:spTree>
-      <p:nvGrpSpPr>
-        <p:cNvPr id="1" name=""/>
-        <p:cNvGrpSpPr/>
-        <p:nvPr/>
-      </p:nvGrpSpPr>
-      <p:grpSpPr/>
-      <p:sp>
-        <p:nvSpPr>
-          <p:cNvPr id="4" name="Subtitle 3"/>
-          <p:cNvSpPr>
-            <a:spLocks noGrp="1"/>
-          </p:cNvSpPr>
-          <p:nvPr>
-            <p:ph type="subTitle" idx="1"/>
-          </p:nvPr>
-        </p:nvSpPr>
-        <p:spPr>
-          <a:xfrm>
-            <a:off x="6424930" y="1608455"/>
-            <a:ext cx="5207635" cy="1024255"/>
-          </a:xfrm>
-        </p:spPr>
-        <p:txBody>
-          <a:bodyPr/>
-          <a:p>
-            <a:r>
-              <a:rPr lang="en-US" sz="3200"/>
-              <a:t>8.Quản lý dự án (Project Management):</a:t>
-            </a:r>
-            <a:endParaRPr lang="en-US" sz="3200"/>
-          </a:p>
-          <a:p>
-            <a:endParaRPr lang="en-US"/>
-          </a:p>
-          <a:p>
-            <a:r>
-              <a:rPr lang="en-US" sz="2400"/>
-              <a:t>Theo dõi tiến độ dự án, quản lý nguồn lực và ngân sách.</a:t>
-            </a:r>
-            <a:endParaRPr lang="en-US" sz="2400"/>
-          </a:p>
-          <a:p>
-            <a:r>
-              <a:rPr lang="en-US" sz="2400"/>
-              <a:t>Tương tác với khách hàng hoặc chủ dự án để báo cáo và cập nhật.</a:t>
-            </a:r>
-            <a:endParaRPr lang="en-US" sz="2400"/>
-          </a:p>
-        </p:txBody>
-      </p:sp>
-      <p:pic>
-        <p:nvPicPr>
-          <p:cNvPr id="5" name="Picture Placeholder 4"/>
-          <p:cNvPicPr>
-            <a:picLocks noChangeAspect="1"/>
-          </p:cNvPicPr>
-          <p:nvPr>
-            <p:ph type="pic" sz="quarter" idx="10"/>
-          </p:nvPr>
-        </p:nvPicPr>
-        <p:blipFill>
-          <a:blip r:embed="rId1"/>
-          <a:stretch>
-            <a:fillRect/>
-          </a:stretch>
-        </p:blipFill>
-        <p:spPr>
-          <a:xfrm>
-            <a:off x="1005840" y="2070735"/>
-            <a:ext cx="4324985" cy="2816225"/>
-          </a:xfrm>
-          <a:prstGeom prst="rect">
-            <a:avLst/>
-          </a:prstGeom>
-        </p:spPr>
-      </p:pic>
-    </p:spTree>
-  </p:cSld>
-  <p:clrMapOvr>
-    <a:masterClrMapping/>
-  </p:clrMapOvr>
-  <mc:AlternateContent xmlns:mc="http://schemas.openxmlformats.org/markup-compatibility/2006">
-    <mc:Choice xmlns:p14="http://schemas.microsoft.com/office/powerpoint/2010/main" Requires="p14">
-      <p:transition spd="med" p14:dur="750">
-        <p:newsflash/>
-      </p:transition>
-    </mc:Choice>
-    <mc:Fallback>
-      <p:transition spd="med">
-        <p:newsflash/>
+        <p:fade/>
       </p:transition>
     </mc:Fallback>
   </mc:AlternateContent>
@@ -15444,7 +12585,46 @@
                 <a:effectLst/>
                 <a:latin typeface="Times New Roman" panose="02020603050405020304" pitchFamily="18" charset="0"/>
               </a:rPr>
-              <a:t>-HTML (HyperText Markup Language) là ngôn ngữ đánh dấu sử dụng để tạo và định dạng nội dung trên trang web. Nó là một phần quan trọng của phát triển web và cho phép bạn tạo cấu trúc trang web bằng cách sử dụng các thẻ và các phần tử khác</a:t>
+              <a:t>-Responsive website” là website có thể hiển thị tốt, phản hồi nhanh khi người dùng truy cập bằng điện thoại, máy tính bảng. </a:t>
+            </a:r>
+            <a:br>
+              <a:rPr lang="vi-VN" sz="2400" b="0" i="0" dirty="0">
+                <a:solidFill>
+                  <a:srgbClr val="000000"/>
+                </a:solidFill>
+                <a:effectLst/>
+                <a:latin typeface="Times New Roman" panose="02020603050405020304" pitchFamily="18" charset="0"/>
+              </a:rPr>
+            </a:br>
+            <a:r>
+              <a:rPr lang="vi-VN" sz="2400" b="0" i="0" dirty="0">
+                <a:solidFill>
+                  <a:srgbClr val="000000"/>
+                </a:solidFill>
+                <a:effectLst/>
+                <a:latin typeface="Times New Roman" panose="02020603050405020304" pitchFamily="18" charset="0"/>
+              </a:rPr>
+              <a:t> </a:t>
+            </a:r>
+            <a:r>
+              <a:rPr lang="en-US" altLang="vi-VN" sz="2400" b="0" i="0" dirty="0">
+                <a:solidFill>
+                  <a:srgbClr val="000000"/>
+                </a:solidFill>
+                <a:effectLst/>
+                <a:latin typeface="Times New Roman" panose="02020603050405020304" pitchFamily="18" charset="0"/>
+              </a:rPr>
+              <a:t>C</a:t>
+            </a:r>
+            <a:r>
+              <a:rPr lang="vi-VN" sz="2400" b="0" i="0" dirty="0">
+                <a:solidFill>
+                  <a:srgbClr val="000000"/>
+                </a:solidFill>
+                <a:effectLst/>
+                <a:latin typeface="Times New Roman" panose="02020603050405020304" pitchFamily="18" charset="0"/>
+              </a:rPr>
+              <a:t>ó khả năng tự điều chỉnh giao diện dựa trên kích thước màn hình và thiết bị mà nó được truy cập</a:t>
             </a:r>
             <a:br>
               <a:rPr lang="vi-VN" sz="1800" b="0" i="0" dirty="0">
@@ -15873,7 +13053,7 @@
         <p:spPr>
           <a:xfrm>
             <a:off x="540385" y="1168400"/>
-            <a:ext cx="2731135" cy="958215"/>
+            <a:ext cx="4637405" cy="958215"/>
           </a:xfrm>
           <a:prstGeom prst="rect">
             <a:avLst/>
@@ -15901,8 +13081,10 @@
           </a:lstStyle>
           <a:p>
             <a:r>
-              <a:rPr lang="en-US" sz="4000"/>
-              <a:t>I.HTML</a:t>
+              <a:rPr lang="en-US" sz="4000" dirty="0">
+                <a:sym typeface="+mn-ea"/>
+              </a:rPr>
+              <a:t>Response Website</a:t>
             </a:r>
             <a:endParaRPr lang="en-US" sz="4000"/>
           </a:p>
@@ -15928,260 +13110,6 @@
 </p:sld>
 </file>
 
-<file path=ppt/slides/slide30.xml><?xml version="1.0" encoding="utf-8"?>
-<p:sld xmlns:a="http://schemas.openxmlformats.org/drawingml/2006/main" xmlns:r="http://schemas.openxmlformats.org/officeDocument/2006/relationships" xmlns:p="http://schemas.openxmlformats.org/presentationml/2006/main">
-  <p:cSld>
-    <p:spTree>
-      <p:nvGrpSpPr>
-        <p:cNvPr id="1" name=""/>
-        <p:cNvGrpSpPr/>
-        <p:nvPr/>
-      </p:nvGrpSpPr>
-      <p:grpSpPr/>
-      <p:sp>
-        <p:nvSpPr>
-          <p:cNvPr id="2" name="Title 1"/>
-          <p:cNvSpPr>
-            <a:spLocks noGrp="1"/>
-          </p:cNvSpPr>
-          <p:nvPr>
-            <p:ph type="title"/>
-          </p:nvPr>
-        </p:nvSpPr>
-        <p:spPr>
-          <a:xfrm>
-            <a:off x="1660525" y="2835275"/>
-            <a:ext cx="3328035" cy="1764665"/>
-          </a:xfrm>
-        </p:spPr>
-        <p:txBody>
-          <a:bodyPr/>
-          <a:p>
-            <a:r>
-              <a:rPr lang="en-US"/>
-              <a:t>Tổng kết</a:t>
-            </a:r>
-            <a:endParaRPr lang="en-US"/>
-          </a:p>
-        </p:txBody>
-      </p:sp>
-      <p:sp>
-        <p:nvSpPr>
-          <p:cNvPr id="4" name="Subtitle 3"/>
-          <p:cNvSpPr>
-            <a:spLocks noGrp="1"/>
-          </p:cNvSpPr>
-          <p:nvPr>
-            <p:ph type="subTitle" idx="1"/>
-          </p:nvPr>
-        </p:nvSpPr>
-        <p:spPr>
-          <a:xfrm>
-            <a:off x="6185535" y="1000760"/>
-            <a:ext cx="4591685" cy="2265680"/>
-          </a:xfrm>
-        </p:spPr>
-        <p:txBody>
-          <a:bodyPr/>
-          <a:p>
-            <a:r>
-              <a:rPr lang="en-US" sz="3200">
-                <a:solidFill>
-                  <a:schemeClr val="tx1"/>
-                </a:solidFill>
-                <a:effectLst>
-                  <a:outerShdw blurRad="38100" dist="19050" dir="2700000" algn="tl" rotWithShape="0">
-                    <a:schemeClr val="dk1">
-                      <a:alpha val="40000"/>
-                    </a:schemeClr>
-                  </a:outerShdw>
-                </a:effectLst>
-              </a:rPr>
-              <a:t>HTML</a:t>
-            </a:r>
-            <a:endParaRPr lang="en-US" sz="3200">
-              <a:solidFill>
-                <a:schemeClr val="tx1"/>
-              </a:solidFill>
-              <a:effectLst>
-                <a:outerShdw blurRad="38100" dist="19050" dir="2700000" algn="tl" rotWithShape="0">
-                  <a:schemeClr val="dk1">
-                    <a:alpha val="40000"/>
-                  </a:schemeClr>
-                </a:outerShdw>
-              </a:effectLst>
-            </a:endParaRPr>
-          </a:p>
-          <a:p>
-            <a:r>
-              <a:rPr lang="en-US" sz="2400"/>
-              <a:t>Định dạng web (cấu trúc , bố cục)</a:t>
-            </a:r>
-            <a:endParaRPr lang="en-US" sz="2400"/>
-          </a:p>
-          <a:p>
-            <a:r>
-              <a:rPr lang="en-US" sz="3200">
-                <a:solidFill>
-                  <a:schemeClr val="tx1"/>
-                </a:solidFill>
-                <a:effectLst>
-                  <a:outerShdw blurRad="38100" dist="19050" dir="2700000" algn="tl" rotWithShape="0">
-                    <a:schemeClr val="dk1">
-                      <a:alpha val="40000"/>
-                    </a:schemeClr>
-                  </a:outerShdw>
-                </a:effectLst>
-              </a:rPr>
-              <a:t>CSS</a:t>
-            </a:r>
-            <a:endParaRPr lang="en-US" sz="3200">
-              <a:solidFill>
-                <a:schemeClr val="tx1"/>
-              </a:solidFill>
-              <a:effectLst>
-                <a:outerShdw blurRad="38100" dist="19050" dir="2700000" algn="tl" rotWithShape="0">
-                  <a:schemeClr val="dk1">
-                    <a:alpha val="40000"/>
-                  </a:schemeClr>
-                </a:outerShdw>
-              </a:effectLst>
-            </a:endParaRPr>
-          </a:p>
-          <a:p>
-            <a:r>
-              <a:rPr lang="en-US" sz="2400"/>
-              <a:t>Tùy chỉnh thuộc tích tạo sự hấp dẫn cho người dùng </a:t>
-            </a:r>
-            <a:endParaRPr lang="en-US" sz="2400"/>
-          </a:p>
-          <a:p>
-            <a:r>
-              <a:rPr lang="en-US" sz="3200">
-                <a:solidFill>
-                  <a:schemeClr val="tx1"/>
-                </a:solidFill>
-                <a:effectLst>
-                  <a:outerShdw blurRad="38100" dist="19050" dir="2700000" algn="tl" rotWithShape="0">
-                    <a:schemeClr val="dk1">
-                      <a:alpha val="40000"/>
-                    </a:schemeClr>
-                  </a:outerShdw>
-                </a:effectLst>
-              </a:rPr>
-              <a:t>JAVA SCRIPT</a:t>
-            </a:r>
-            <a:endParaRPr lang="en-US" sz="3200"/>
-          </a:p>
-          <a:p>
-            <a:r>
-              <a:rPr lang="en-US" sz="2400"/>
-              <a:t>Tạo các sự kiện cho người dùng tương tác với web</a:t>
-            </a:r>
-            <a:endParaRPr lang="en-US" sz="2400"/>
-          </a:p>
-        </p:txBody>
-      </p:sp>
-    </p:spTree>
-  </p:cSld>
-  <p:clrMapOvr>
-    <a:masterClrMapping/>
-  </p:clrMapOvr>
-  <mc:AlternateContent xmlns:mc="http://schemas.openxmlformats.org/markup-compatibility/2006">
-    <mc:Choice xmlns:p15="http://schemas.microsoft.com/office/powerpoint/2012/main" Requires="p15">
-      <p:transition xmlns:p14="http://schemas.microsoft.com/office/powerpoint/2010/main" spd="slow" Requires="p14" p14:dur="1250">
-        <p15:prstTrans prst="airplane"/>
-      </p:transition>
-    </mc:Choice>
-    <mc:Fallback>
-      <p:transition spd="slow">
-        <p:fade/>
-      </p:transition>
-    </mc:Fallback>
-  </mc:AlternateContent>
-</p:sld>
-</file>
-
-<file path=ppt/slides/slide31.xml><?xml version="1.0" encoding="utf-8"?>
-<p:sld xmlns:a="http://schemas.openxmlformats.org/drawingml/2006/main" xmlns:r="http://schemas.openxmlformats.org/officeDocument/2006/relationships" xmlns:p="http://schemas.openxmlformats.org/presentationml/2006/main">
-  <p:cSld>
-    <p:spTree>
-      <p:nvGrpSpPr>
-        <p:cNvPr id="1" name=""/>
-        <p:cNvGrpSpPr/>
-        <p:nvPr/>
-      </p:nvGrpSpPr>
-      <p:grpSpPr>
-        <a:xfrm>
-          <a:off x="0" y="0"/>
-          <a:ext cx="0" cy="0"/>
-          <a:chOff x="0" y="0"/>
-          <a:chExt cx="0" cy="0"/>
-        </a:xfrm>
-      </p:grpSpPr>
-      <p:pic>
-        <p:nvPicPr>
-          <p:cNvPr id="2050" name="Picture 2" descr="Hình ảnh cảm ơn đã lắng nghe cho PowerPoint - Thợ Sửa Máy Giặt [ Tìm ..."/>
-          <p:cNvPicPr>
-            <a:picLocks noGrp="1" noChangeAspect="1" noChangeArrowheads="1"/>
-          </p:cNvPicPr>
-          <p:nvPr>
-            <p:ph sz="quarter" idx="15"/>
-          </p:nvPr>
-        </p:nvPicPr>
-        <p:blipFill>
-          <a:blip r:embed="rId1">
-            <a:extLst>
-              <a:ext uri="{28A0092B-C50C-407E-A947-70E740481C1C}">
-                <a14:useLocalDpi xmlns:a14="http://schemas.microsoft.com/office/drawing/2010/main" val="0"/>
-              </a:ext>
-            </a:extLst>
-          </a:blip>
-          <a:srcRect/>
-          <a:stretch>
-            <a:fillRect/>
-          </a:stretch>
-        </p:blipFill>
-        <p:spPr bwMode="auto">
-          <a:xfrm>
-            <a:off x="0" y="-10160"/>
-            <a:ext cx="12191999" cy="6857999"/>
-          </a:xfrm>
-          <a:prstGeom prst="rect">
-            <a:avLst/>
-          </a:prstGeom>
-          <a:noFill/>
-          <a:extLst>
-            <a:ext uri="{909E8E84-426E-40DD-AFC4-6F175D3DCCD1}">
-              <a14:hiddenFill xmlns:a14="http://schemas.microsoft.com/office/drawing/2010/main">
-                <a:solidFill>
-                  <a:srgbClr val="FFFFFF"/>
-                </a:solidFill>
-              </a14:hiddenFill>
-            </a:ext>
-          </a:extLst>
-        </p:spPr>
-      </p:pic>
-    </p:spTree>
-  </p:cSld>
-  <p:clrMapOvr>
-    <a:masterClrMapping/>
-  </p:clrMapOvr>
-  <mc:AlternateContent xmlns:mc="http://schemas.openxmlformats.org/markup-compatibility/2006">
-    <mc:Choice xmlns:p15="http://schemas.microsoft.com/office/powerpoint/2012/main" Requires="p15">
-      <p:transition xmlns:p14="http://schemas.microsoft.com/office/powerpoint/2010/main" spd="slow" Requires="p14" p14:dur="1250">
-        <p15:prstTrans prst="peelOff"/>
-      </p:transition>
-    </mc:Choice>
-    <mc:Fallback>
-      <p:transition spd="slow">
-        <p:fade/>
-      </p:transition>
-    </mc:Fallback>
-  </mc:AlternateContent>
-</p:sld>
-</file>
-
 <file path=ppt/slides/slide4.xml><?xml version="1.0" encoding="utf-8"?>
 <p:sld xmlns:a="http://schemas.openxmlformats.org/drawingml/2006/main" xmlns:r="http://schemas.openxmlformats.org/officeDocument/2006/relationships" xmlns:p="http://schemas.openxmlformats.org/presentationml/2006/main">
   <p:cSld>
@@ -16204,7 +13132,7 @@
         </p:nvSpPr>
         <p:spPr>
           <a:xfrm>
-            <a:off x="6372225" y="1054100"/>
+            <a:off x="596265" y="461010"/>
             <a:ext cx="4590415" cy="958215"/>
           </a:xfrm>
         </p:spPr>
@@ -16212,10 +13140,10 @@
           <a:bodyPr/>
           <a:p>
             <a:r>
-              <a:rPr lang="en-US"/>
-              <a:t>Ghi chú</a:t>
-            </a:r>
-            <a:endParaRPr lang="en-US"/>
+              <a:rPr lang="en-US" sz="4000"/>
+              <a:t>Đặc trưng</a:t>
+            </a:r>
+            <a:endParaRPr lang="en-US" sz="4000"/>
           </a:p>
         </p:txBody>
       </p:sp>
@@ -16231,7 +13159,7 @@
         </p:nvSpPr>
         <p:spPr>
           <a:xfrm>
-            <a:off x="6370988" y="2130679"/>
+            <a:off x="1088423" y="1557909"/>
             <a:ext cx="4591906" cy="1024128"/>
           </a:xfrm>
         </p:spPr>
@@ -16239,60 +13167,149 @@
           <a:bodyPr/>
           <a:p>
             <a:r>
-              <a:rPr lang="en-US"/>
-              <a:t>Thẻ html là có cấu trúc là một chữ liền không có ký tự đặc biệt và nằm trong cặp “&lt;” và “&gt;”</a:t>
-            </a:r>
-            <a:endParaRPr lang="en-US"/>
-          </a:p>
-          <a:p>
-            <a:r>
-              <a:rPr lang="en-US"/>
-              <a:t>Thẻ html có thẻ đóng và thẻ mở(có thẻ không có thẻ đóng)</a:t>
-            </a:r>
-            <a:endParaRPr lang="en-US"/>
-          </a:p>
-          <a:p>
-            <a:r>
-              <a:rPr lang="en-US"/>
-              <a:t>Thẻ html này có thẻ chứa 1 hoặc nhiều thẻ html khác</a:t>
-            </a:r>
-            <a:endParaRPr lang="en-US"/>
-          </a:p>
-          <a:p>
-            <a:r>
-              <a:rPr lang="en-US"/>
-              <a:t>Thẻ html có 2 thuộc tính chính : thuộc tính và sự kiện</a:t>
-            </a:r>
-            <a:endParaRPr lang="en-US"/>
-          </a:p>
-        </p:txBody>
-      </p:sp>
-      <p:pic>
-        <p:nvPicPr>
-          <p:cNvPr id="5" name="Picture Placeholder 4"/>
-          <p:cNvPicPr>
-            <a:picLocks noChangeAspect="1"/>
-          </p:cNvPicPr>
-          <p:nvPr>
-            <p:ph type="pic" sz="quarter" idx="10"/>
-          </p:nvPr>
-        </p:nvPicPr>
-        <p:blipFill>
-          <a:blip r:embed="rId1"/>
-          <a:stretch>
-            <a:fillRect/>
-          </a:stretch>
-        </p:blipFill>
-        <p:spPr>
-          <a:xfrm>
-            <a:off x="1471930" y="2130425"/>
-            <a:ext cx="3669665" cy="2666365"/>
+              <a:rPr lang="en-US" sz="2800"/>
+              <a:t>Media Queries</a:t>
+            </a:r>
+            <a:endParaRPr lang="en-US" sz="2800"/>
+          </a:p>
+          <a:p>
+            <a:r>
+              <a:rPr lang="en-US" sz="2800"/>
+              <a:t>Grid Systems</a:t>
+            </a:r>
+            <a:endParaRPr lang="en-US" sz="2800"/>
+          </a:p>
+          <a:p>
+            <a:r>
+              <a:rPr lang="en-US" sz="2800"/>
+              <a:t>Flexible Images</a:t>
+            </a:r>
+            <a:endParaRPr lang="en-US" sz="2800"/>
+          </a:p>
+          <a:p>
+            <a:r>
+              <a:rPr lang="en-US" sz="2800"/>
+              <a:t>Responsive Typography</a:t>
+            </a:r>
+            <a:endParaRPr lang="en-US" sz="2800"/>
+          </a:p>
+        </p:txBody>
+      </p:sp>
+      <p:sp>
+        <p:nvSpPr>
+          <p:cNvPr id="3" name="Title 1"/>
+          <p:cNvSpPr>
+            <a:spLocks noGrp="1"/>
+          </p:cNvSpPr>
+          <p:nvPr/>
+        </p:nvSpPr>
+        <p:spPr>
+          <a:xfrm>
+            <a:off x="6530975" y="1927225"/>
+            <a:ext cx="5109845" cy="1814830"/>
           </a:xfrm>
           <a:prstGeom prst="rect">
             <a:avLst/>
           </a:prstGeom>
         </p:spPr>
-      </p:pic>
+        <p:txBody>
+          <a:bodyPr vert="horz" lIns="91440" tIns="45720" rIns="91440" bIns="45720" rtlCol="0" anchor="t" anchorCtr="0">
+            <a:noAutofit/>
+          </a:bodyPr>
+          <a:lstStyle>
+            <a:lvl1pPr algn="ctr" defTabSz="914400" rtl="0" eaLnBrk="1" latinLnBrk="0" hangingPunct="1">
+              <a:spcBef>
+                <a:spcPct val="0"/>
+              </a:spcBef>
+              <a:buNone/>
+              <a:defRPr sz="3200" b="1" kern="1200">
+                <a:solidFill>
+                  <a:schemeClr val="tx2"/>
+                </a:solidFill>
+                <a:latin typeface="+mn-lt"/>
+                <a:ea typeface="+mj-ea"/>
+                <a:cs typeface="+mj-cs"/>
+              </a:defRPr>
+            </a:lvl1pPr>
+          </a:lstStyle>
+          <a:p>
+            <a:pPr algn="l"/>
+            <a:r>
+              <a:rPr lang="en-US" sz="2400" dirty="0"/>
+              <a:t>SEO tốt hơn </a:t>
+            </a:r>
+            <a:endParaRPr lang="en-US" sz="2400" dirty="0"/>
+          </a:p>
+          <a:p>
+            <a:pPr algn="l"/>
+            <a:br>
+              <a:rPr lang="en-US" sz="2400" dirty="0"/>
+            </a:br>
+            <a:r>
+              <a:rPr lang="en-US" sz="2400" dirty="0"/>
+              <a:t>Không cần thiết kế mới trang web</a:t>
+            </a:r>
+            <a:endParaRPr lang="en-US" sz="2400" dirty="0"/>
+          </a:p>
+          <a:p>
+            <a:pPr algn="l"/>
+            <a:br>
+              <a:rPr lang="en-US" sz="2400" dirty="0"/>
+            </a:br>
+            <a:r>
+              <a:rPr lang="en-US" sz="2400" dirty="0"/>
+              <a:t>Dễ quản lý và tiết kiệm chi phí </a:t>
+            </a:r>
+            <a:endParaRPr lang="en-US" sz="2400" dirty="0"/>
+          </a:p>
+        </p:txBody>
+      </p:sp>
+      <p:sp>
+        <p:nvSpPr>
+          <p:cNvPr id="8" name="Title 5"/>
+          <p:cNvSpPr>
+            <a:spLocks noGrp="1"/>
+          </p:cNvSpPr>
+          <p:nvPr/>
+        </p:nvSpPr>
+        <p:spPr>
+          <a:xfrm>
+            <a:off x="6530975" y="599440"/>
+            <a:ext cx="2355215" cy="958215"/>
+          </a:xfrm>
+          <a:prstGeom prst="rect">
+            <a:avLst/>
+          </a:prstGeom>
+        </p:spPr>
+        <p:txBody>
+          <a:bodyPr vert="horz" lIns="91440" tIns="45720" rIns="91440" bIns="45720" rtlCol="0" anchor="t" anchorCtr="0">
+            <a:noAutofit/>
+          </a:bodyPr>
+          <a:lstStyle>
+            <a:lvl1pPr algn="l" defTabSz="914400" rtl="0" eaLnBrk="1" latinLnBrk="0" hangingPunct="1">
+              <a:spcBef>
+                <a:spcPct val="0"/>
+              </a:spcBef>
+              <a:buNone/>
+              <a:defRPr sz="5400" b="1" kern="1200">
+                <a:solidFill>
+                  <a:schemeClr val="tx2"/>
+                </a:solidFill>
+                <a:latin typeface="+mn-lt"/>
+                <a:ea typeface="+mj-ea"/>
+                <a:cs typeface="+mj-cs"/>
+              </a:defRPr>
+            </a:lvl1pPr>
+          </a:lstStyle>
+          <a:p>
+            <a:r>
+              <a:rPr lang="en-US" sz="4000"/>
+              <a:t>Ưu điểm</a:t>
+            </a:r>
+            <a:endParaRPr lang="en-US" sz="4000"/>
+          </a:p>
+        </p:txBody>
+      </p:sp>
     </p:spTree>
   </p:cSld>
   <p:clrMapOvr>
@@ -16332,97 +13349,6 @@
       </p:grpSpPr>
       <p:sp>
         <p:nvSpPr>
-          <p:cNvPr id="2" name="Title 1"/>
-          <p:cNvSpPr>
-            <a:spLocks noGrp="1"/>
-          </p:cNvSpPr>
-          <p:nvPr>
-            <p:ph type="title"/>
-          </p:nvPr>
-        </p:nvSpPr>
-        <p:spPr>
-          <a:xfrm>
-            <a:off x="961952" y="823523"/>
-            <a:ext cx="10403457" cy="5210353"/>
-          </a:xfrm>
-        </p:spPr>
-        <p:txBody>
-          <a:bodyPr/>
-          <a:lstStyle/>
-          <a:p>
-            <a:pPr algn="l"/>
-            <a:r>
-              <a:rPr lang="en-US" sz="2400">
-                <a:sym typeface="+mn-ea"/>
-              </a:rPr>
-              <a:t>Thẻ &lt;html&gt;: Đây là thẻ gốc của mọi trang HTML và định nghĩa toàn bộ trang web. </a:t>
-            </a:r>
-            <a:br>
-              <a:rPr lang="en-US" sz="2400"/>
-            </a:br>
-            <a:br>
-              <a:rPr lang="en-US" sz="2400"/>
-            </a:br>
-            <a:r>
-              <a:rPr lang="en-US" sz="2400">
-                <a:sym typeface="+mn-ea"/>
-              </a:rPr>
-              <a:t>Thẻ &lt;head&gt;: Chứa thông tin về trang web, bao gồm tiêu đề, thẻ &lt;meta&gt;, thẻ &lt;link&gt; và các thẻ khác.</a:t>
-            </a:r>
-            <a:br>
-              <a:rPr lang="en-US" sz="2400"/>
-            </a:br>
-            <a:br>
-              <a:rPr lang="en-US" sz="2400"/>
-            </a:br>
-            <a:r>
-              <a:rPr lang="en-US" sz="2400">
-                <a:sym typeface="+mn-ea"/>
-              </a:rPr>
-              <a:t>Thẻ &lt;title&gt;: Xác định tiêu đề của trang web, hiển thị trên thanh tiêu đề trình duyệt.</a:t>
-            </a:r>
-            <a:br>
-              <a:rPr lang="en-US" sz="2400"/>
-            </a:br>
-            <a:br>
-              <a:rPr lang="en-US" sz="2400"/>
-            </a:br>
-            <a:r>
-              <a:rPr lang="en-US" sz="2400">
-                <a:sym typeface="+mn-ea"/>
-              </a:rPr>
-              <a:t>Thẻ &lt;meta&gt;: Chứa thông tin về trang web, như ngôn ngữ, tập tin mã hóa, và mô tả trang.</a:t>
-            </a:r>
-            <a:br>
-              <a:rPr lang="en-US" sz="2400"/>
-            </a:br>
-            <a:br>
-              <a:rPr lang="en-US" sz="2400"/>
-            </a:br>
-            <a:r>
-              <a:rPr lang="en-US" sz="2400">
-                <a:sym typeface="+mn-ea"/>
-              </a:rPr>
-              <a:t>Thẻ &lt;link&gt;: Được sử dụng để liên kết các tệp CSS, biểu đồ, và các tài liệu khác với trang web.</a:t>
-            </a:r>
-            <a:br>
-              <a:rPr lang="en-US" sz="2400"/>
-            </a:br>
-            <a:br>
-              <a:rPr lang="en-US" sz="2400"/>
-            </a:br>
-            <a:r>
-              <a:rPr lang="en-US" sz="2400">
-                <a:sym typeface="+mn-ea"/>
-              </a:rPr>
-              <a:t>Thẻ &lt;style&gt;: Chứa mã CSS để định dạng trang web.</a:t>
-            </a:r>
-            <a:endParaRPr lang="en-US" sz="2400" dirty="0"/>
-          </a:p>
-        </p:txBody>
-      </p:sp>
-      <p:sp>
-        <p:nvSpPr>
           <p:cNvPr id="3" name="Title 5"/>
           <p:cNvSpPr>
             <a:spLocks noGrp="1"/>
@@ -16432,7 +13358,7 @@
         <p:spPr>
           <a:xfrm>
             <a:off x="962025" y="86360"/>
-            <a:ext cx="10000615" cy="958215"/>
+            <a:ext cx="3834130" cy="958215"/>
           </a:xfrm>
           <a:prstGeom prst="rect">
             <a:avLst/>
@@ -16461,12 +13387,64 @@
           <a:p>
             <a:r>
               <a:rPr lang="en-US" sz="3600"/>
-              <a:t>Các loại thẻ html phổ biến </a:t>
+              <a:t>Thực hành</a:t>
             </a:r>
             <a:endParaRPr lang="en-US" sz="3600"/>
           </a:p>
         </p:txBody>
       </p:sp>
+      <p:pic>
+        <p:nvPicPr>
+          <p:cNvPr id="4" name="Content Placeholder 3"/>
+          <p:cNvPicPr>
+            <a:picLocks noChangeAspect="1"/>
+          </p:cNvPicPr>
+          <p:nvPr>
+            <p:ph sz="quarter" idx="15"/>
+          </p:nvPr>
+        </p:nvPicPr>
+        <p:blipFill>
+          <a:blip r:embed="rId1"/>
+          <a:stretch>
+            <a:fillRect/>
+          </a:stretch>
+        </p:blipFill>
+        <p:spPr>
+          <a:xfrm>
+            <a:off x="696595" y="1811655"/>
+            <a:ext cx="5139055" cy="3136900"/>
+          </a:xfrm>
+          <a:prstGeom prst="rect">
+            <a:avLst/>
+          </a:prstGeom>
+        </p:spPr>
+      </p:pic>
+      <p:pic>
+        <p:nvPicPr>
+          <p:cNvPr id="6" name="Content Placeholder 5"/>
+          <p:cNvPicPr>
+            <a:picLocks noChangeAspect="1"/>
+          </p:cNvPicPr>
+          <p:nvPr>
+            <p:ph sz="quarter" idx="16"/>
+          </p:nvPr>
+        </p:nvPicPr>
+        <p:blipFill>
+          <a:blip r:embed="rId2"/>
+          <a:stretch>
+            <a:fillRect/>
+          </a:stretch>
+        </p:blipFill>
+        <p:spPr>
+          <a:xfrm>
+            <a:off x="6258560" y="1358265"/>
+            <a:ext cx="5139055" cy="3590290"/>
+          </a:xfrm>
+          <a:prstGeom prst="rect">
+            <a:avLst/>
+          </a:prstGeom>
+        </p:spPr>
+      </p:pic>
     </p:spTree>
   </p:cSld>
   <p:clrMapOvr>
@@ -16496,155 +13474,111 @@
         <p:cNvGrpSpPr/>
         <p:nvPr/>
       </p:nvGrpSpPr>
-      <p:grpSpPr>
-        <a:xfrm>
-          <a:off x="0" y="0"/>
-          <a:ext cx="0" cy="0"/>
-          <a:chOff x="0" y="0"/>
-          <a:chExt cx="0" cy="0"/>
-        </a:xfrm>
-      </p:grpSpPr>
-      <p:sp>
-        <p:nvSpPr>
-          <p:cNvPr id="2" name="Title 1"/>
+      <p:grpSpPr/>
+      <p:sp>
+        <p:nvSpPr>
+          <p:cNvPr id="4" name="Subtitle 3"/>
           <p:cNvSpPr>
             <a:spLocks noGrp="1"/>
           </p:cNvSpPr>
           <p:nvPr>
-            <p:ph type="title"/>
+            <p:ph type="subTitle" idx="1"/>
           </p:nvPr>
         </p:nvSpPr>
         <p:spPr>
           <a:xfrm>
-            <a:off x="676147" y="442467"/>
-            <a:ext cx="10839781" cy="5437058"/>
+            <a:off x="6096000" y="2469515"/>
+            <a:ext cx="5488305" cy="2516505"/>
           </a:xfrm>
         </p:spPr>
         <p:txBody>
           <a:bodyPr/>
-          <a:lstStyle/>
-          <a:p>
-            <a:pPr algn="l"/>
-            <a:r>
-              <a:rPr lang="en-US" sz="2400">
-                <a:sym typeface="+mn-ea"/>
-              </a:rPr>
-              <a:t>Thẻ &lt;body&gt;: Đây là nơi chứa nội dung chính của trang web, bao gồm văn bản, hình ảnh, và các phần khác.</a:t>
-            </a:r>
-            <a:br>
-              <a:rPr lang="en-US" sz="2400">
-                <a:sym typeface="+mn-ea"/>
-              </a:rPr>
-            </a:br>
-            <a:br>
-              <a:rPr lang="en-US" sz="2400">
-                <a:sym typeface="+mn-ea"/>
-              </a:rPr>
-            </a:br>
-            <a:r>
-              <a:rPr lang="en-US" sz="2400">
-                <a:sym typeface="+mn-ea"/>
-              </a:rPr>
-              <a:t>Thẻ &lt;h1&gt;, &lt;h2&gt;, &lt;h3&gt;, &lt;h4&gt;, &lt;h5&gt;, &lt;h6&gt;: Được sử dụng để tạo tiêu đề với các mức độ khác nhau, với &lt;h1&gt; là tiêu đề lớn nhất và &lt;h6&gt; là tiêu đề nhỏ nhất.</a:t>
-            </a:r>
-            <a:br>
-              <a:rPr lang="en-US" sz="2400">
-                <a:sym typeface="+mn-ea"/>
-              </a:rPr>
-            </a:br>
-            <a:br>
-              <a:rPr lang="en-US" sz="2400">
-                <a:sym typeface="+mn-ea"/>
-              </a:rPr>
-            </a:br>
-            <a:r>
-              <a:rPr lang="en-US" sz="2400">
-                <a:sym typeface="+mn-ea"/>
-              </a:rPr>
-              <a:t>Thẻ &lt;p&gt;: Sử dụng để định dạng đoạn văn bản.</a:t>
-            </a:r>
-            <a:br>
-              <a:rPr lang="en-US" sz="2400">
-                <a:sym typeface="+mn-ea"/>
-              </a:rPr>
-            </a:br>
-            <a:br>
-              <a:rPr lang="vi-VN" sz="2400" b="0" i="0" dirty="0">
-                <a:solidFill>
-                  <a:srgbClr val="000000"/>
-                </a:solidFill>
-                <a:effectLst/>
-                <a:latin typeface="Times New Roman" panose="02020603050405020304" pitchFamily="18" charset="0"/>
-              </a:rPr>
-            </a:br>
-            <a:r>
-              <a:rPr lang="en-US" sz="2400">
-                <a:sym typeface="+mn-ea"/>
-              </a:rPr>
-              <a:t>Thẻ &lt;a&gt;: Tạo liên kết đến các trang web khác hoặc tài liệu.</a:t>
-            </a:r>
-            <a:br>
+          <a:p>
+            <a:r>
               <a:rPr lang="en-US" sz="2400"/>
-            </a:br>
-            <a:br>
-              <a:rPr lang="en-US" sz="2400"/>
-            </a:br>
-            <a:r>
-              <a:rPr lang="en-US" sz="2400">
-                <a:sym typeface="+mn-ea"/>
-              </a:rPr>
-              <a:t>Thẻ &lt;img&gt;: Để hiển thị hình ảnh trên trang web.</a:t>
-            </a:r>
-            <a:br>
-              <a:rPr lang="en-US" sz="2400"/>
-            </a:br>
-            <a:br>
-              <a:rPr lang="en-US" sz="2400"/>
-            </a:br>
-            <a:r>
-              <a:rPr lang="en-US" sz="2400">
-                <a:sym typeface="+mn-ea"/>
-              </a:rPr>
-              <a:t>Thẻ &lt;ul&gt; và &lt;ol&gt;: Dùng để tạo danh sách không sắp xếp (unordered list) và danh sách có sắp xếp (ordered list) tương ứng.</a:t>
-            </a:r>
-            <a:br>
-              <a:rPr lang="en-US" sz="2400">
-                <a:sym typeface="+mn-ea"/>
-              </a:rPr>
-            </a:br>
-            <a:br>
-              <a:rPr lang="en-US" sz="2400"/>
-            </a:br>
-            <a:r>
-              <a:rPr lang="en-US" sz="2400">
-                <a:sym typeface="+mn-ea"/>
-              </a:rPr>
-              <a:t>Thẻ &lt;li&gt;: Được sử dụng để định nghĩa các mục trong danh sách.</a:t>
-            </a:r>
-            <a:br>
-              <a:rPr lang="en-US" sz="2400"/>
-            </a:br>
-            <a:endParaRPr lang="en-US" sz="2400" dirty="0"/>
-          </a:p>
-        </p:txBody>
-      </p:sp>
+              <a:t>HTML5 và CSS3 là hai phiên bản mới nhất của ngôn ngữ đánh dấu siêu văn bản (HTML) và ngôn ngữ định kiểu (CSS) tương ứng. Cả hai phiên bản này đều có các tính năng và cải tiến mới so với các phiên bản trước đó</a:t>
+            </a:r>
+            <a:endParaRPr lang="en-US" sz="2400"/>
+          </a:p>
+        </p:txBody>
+      </p:sp>
+      <p:sp>
+        <p:nvSpPr>
+          <p:cNvPr id="7" name="Title 5"/>
+          <p:cNvSpPr>
+            <a:spLocks noGrp="1"/>
+          </p:cNvSpPr>
+          <p:nvPr/>
+        </p:nvSpPr>
+        <p:spPr>
+          <a:xfrm>
+            <a:off x="6755765" y="1127125"/>
+            <a:ext cx="4169410" cy="958215"/>
+          </a:xfrm>
+          <a:prstGeom prst="rect">
+            <a:avLst/>
+          </a:prstGeom>
+        </p:spPr>
+        <p:txBody>
+          <a:bodyPr vert="horz" lIns="91440" tIns="45720" rIns="91440" bIns="45720" rtlCol="0" anchor="t" anchorCtr="0">
+            <a:noAutofit/>
+          </a:bodyPr>
+          <a:lstStyle>
+            <a:lvl1pPr algn="l" defTabSz="914400" rtl="0" eaLnBrk="1" latinLnBrk="0" hangingPunct="1">
+              <a:spcBef>
+                <a:spcPct val="0"/>
+              </a:spcBef>
+              <a:buNone/>
+              <a:defRPr sz="5400" b="1" kern="1200">
+                <a:solidFill>
+                  <a:schemeClr val="tx2"/>
+                </a:solidFill>
+                <a:latin typeface="+mn-lt"/>
+                <a:ea typeface="+mj-ea"/>
+                <a:cs typeface="+mj-cs"/>
+              </a:defRPr>
+            </a:lvl1pPr>
+          </a:lstStyle>
+          <a:p>
+            <a:r>
+              <a:rPr lang="en-US" sz="4000"/>
+              <a:t>HTML5 và CSS3</a:t>
+            </a:r>
+            <a:endParaRPr lang="en-US" sz="4000"/>
+          </a:p>
+        </p:txBody>
+      </p:sp>
+      <p:pic>
+        <p:nvPicPr>
+          <p:cNvPr id="5" name="Picture Placeholder 4"/>
+          <p:cNvPicPr>
+            <a:picLocks noChangeAspect="1"/>
+          </p:cNvPicPr>
+          <p:nvPr>
+            <p:ph type="pic" sz="quarter" idx="10"/>
+          </p:nvPr>
+        </p:nvPicPr>
+        <p:blipFill>
+          <a:blip r:embed="rId1"/>
+          <a:stretch>
+            <a:fillRect/>
+          </a:stretch>
+        </p:blipFill>
+        <p:spPr>
+          <a:xfrm>
+            <a:off x="1070610" y="1998345"/>
+            <a:ext cx="4324985" cy="3081655"/>
+          </a:xfrm>
+          <a:prstGeom prst="rect">
+            <a:avLst/>
+          </a:prstGeom>
+        </p:spPr>
+      </p:pic>
     </p:spTree>
   </p:cSld>
   <p:clrMapOvr>
     <a:masterClrMapping/>
   </p:clrMapOvr>
-  <mc:AlternateContent xmlns:mc="http://schemas.openxmlformats.org/markup-compatibility/2006">
-    <mc:Choice xmlns:p14="http://schemas.microsoft.com/office/powerpoint/2010/main" Requires="p14">
-      <p:transition spd="slow" p14:dur="1000">
-        <p:comb/>
-      </p:transition>
-    </mc:Choice>
-    <mc:Fallback>
-      <p:transition spd="slow">
-        <p:comb/>
-      </p:transition>
-    </mc:Fallback>
-  </mc:AlternateContent>
 </p:sld>
 </file>
 
@@ -16677,8 +13611,8 @@
         </p:nvSpPr>
         <p:spPr>
           <a:xfrm>
-            <a:off x="624713" y="205612"/>
-            <a:ext cx="11119104" cy="5946015"/>
+            <a:off x="208915" y="1090930"/>
+            <a:ext cx="11118850" cy="4072890"/>
           </a:xfrm>
         </p:spPr>
         <p:txBody>
@@ -16687,487 +13621,53 @@
           <a:p>
             <a:pPr algn="l"/>
             <a:r>
-              <a:rPr lang="en-US" sz="2400">
-                <a:sym typeface="+mn-ea"/>
-              </a:rPr>
-              <a:t>Thẻ &lt;div&gt;: Được sử dụng để tạo các khối hoặc phần riêng biệt trên trang web, thường kết hợp với CSS để định dạng.</a:t>
+              <a:rPr lang="en-US" sz="2000" dirty="0"/>
+              <a:t> *HTML5 bổ sung nhiều phần tử ngữ nghĩa mới như &lt;header&gt;, &lt;footer&gt;, &lt;article&gt;, &lt;section&gt; và &lt;nav&gt;, giúp việc xây dựng trang web trở nên dễ dàng hơn và giúp máy chủ và trình duyệt hiểu cấu trúc trang web một cách tốt hơn.</a:t>
             </a:r>
             <a:br>
-              <a:rPr lang="en-US" sz="2400">
-                <a:sym typeface="+mn-ea"/>
-              </a:rPr>
+              <a:rPr lang="en-US" sz="2000" dirty="0"/>
             </a:br>
             <a:br>
-              <a:rPr lang="en-US" sz="2400">
-                <a:sym typeface="+mn-ea"/>
-              </a:rPr>
+              <a:rPr lang="en-US" sz="2000" dirty="0"/>
             </a:br>
             <a:r>
-              <a:rPr lang="en-US" sz="2400">
-                <a:sym typeface="+mn-ea"/>
-              </a:rPr>
-              <a:t>Thẻ &lt;span&gt;: Được sử dụng để định dạng một phần của văn bản hoặc một phần nhỏ hơn của nội dung.</a:t>
+              <a:rPr lang="en-US" sz="2000" dirty="0"/>
+              <a:t>*Form Controls: HTML5 cung cấp nhiều điều khiển biểu mẫu mới như input types, input attributes và form elements để xây dựng các biểu mẫu tương tác phức tạp hơn.</a:t>
             </a:r>
             <a:br>
-              <a:rPr lang="en-US" sz="2400">
-                <a:sym typeface="+mn-ea"/>
-              </a:rPr>
+              <a:rPr lang="en-US" sz="2000" dirty="0"/>
             </a:br>
             <a:br>
-              <a:rPr lang="en-US" sz="2400">
-                <a:sym typeface="+mn-ea"/>
-              </a:rPr>
+              <a:rPr lang="en-US" sz="2000" dirty="0"/>
             </a:br>
             <a:r>
-              <a:rPr lang="en-US" sz="2400">
-                <a:sym typeface="+mn-ea"/>
-              </a:rPr>
-              <a:t>Thẻ &lt;table&gt;: Sử dụng để tạo bảng trên trang web, với các thẻ &lt;tr&gt; (dòng), &lt;th&gt; (tiêu đề cột), và &lt;td&gt; (dữ liệu cột).</a:t>
+              <a:rPr lang="en-US" sz="2000" dirty="0"/>
+              <a:t>*Multimedia Support: HTML5 hỗ trợ tích hợp âm thanh, video và đồ họa vector thông qua các phần tử như &lt;audio&gt;, &lt;video&gt; và &lt;canvas&gt;.</a:t>
             </a:r>
             <a:br>
-              <a:rPr lang="en-US" sz="2400">
-                <a:sym typeface="+mn-ea"/>
-              </a:rPr>
+              <a:rPr lang="en-US" sz="2000" dirty="0"/>
             </a:br>
             <a:br>
-              <a:rPr lang="en-US" sz="2400">
-                <a:sym typeface="+mn-ea"/>
-              </a:rPr>
+              <a:rPr lang="en-US" sz="2000" dirty="0"/>
             </a:br>
             <a:r>
-              <a:rPr lang="en-US" sz="2400">
-                <a:sym typeface="+mn-ea"/>
-              </a:rPr>
-              <a:t>Thẻ &lt;form&gt;: Được sử dụng để tạo mẫu nhập dữ liệu từ người dùng, thường bao gồm các thẻ như &lt;input&gt;, &lt;button&gt;, và &lt;select&gt;.</a:t>
+              <a:rPr lang="en-US" sz="2000" dirty="0"/>
+              <a:t>*Offline and Storage: HTML5 cung cấp khả năng lưu trữ dữ liệu cục bộ trên máy khách và làm việc ngoại tuyến thông qua localStorage và sessionStorage.</a:t>
             </a:r>
             <a:br>
-              <a:rPr lang="en-US" sz="2400">
-                <a:sym typeface="+mn-ea"/>
-              </a:rPr>
+              <a:rPr lang="en-US" sz="2000" dirty="0"/>
             </a:br>
             <a:br>
-              <a:rPr lang="en-US" sz="2400">
-                <a:sym typeface="+mn-ea"/>
-              </a:rPr>
+              <a:rPr lang="en-US" sz="2000" dirty="0"/>
             </a:br>
             <a:r>
-              <a:rPr lang="en-US" sz="2400">
-                <a:sym typeface="+mn-ea"/>
-              </a:rPr>
-              <a:t>Thẻ &lt;input&gt;: Sử dụng để tạo các trường nhập liệu trong mẫu và có nhiều loại, chẳng hạn như text, password, checkbox, radio, và nhiều loại khác.</a:t>
-            </a:r>
-            <a:br>
-              <a:rPr lang="en-US" sz="2400">
-                <a:sym typeface="+mn-ea"/>
-              </a:rPr>
-            </a:br>
-            <a:br>
-              <a:rPr lang="en-US" sz="2400">
-                <a:sym typeface="+mn-ea"/>
-              </a:rPr>
-            </a:br>
-            <a:r>
-              <a:rPr lang="en-US" sz="2400">
-                <a:sym typeface="+mn-ea"/>
-              </a:rPr>
-              <a:t>Thẻ &lt;button&gt;: Tạo nút trên trang web, thường được sử dụng trong mẫu để gửi dữ liệu.</a:t>
-            </a:r>
-            <a:endParaRPr lang="en-US" sz="2400" dirty="0"/>
-          </a:p>
-        </p:txBody>
-      </p:sp>
-    </p:spTree>
-  </p:cSld>
-  <p:clrMapOvr>
-    <a:masterClrMapping/>
-  </p:clrMapOvr>
-  <mc:AlternateContent xmlns:mc="http://schemas.openxmlformats.org/markup-compatibility/2006">
-    <mc:Choice xmlns:p14="http://schemas.microsoft.com/office/powerpoint/2010/main" Requires="p14">
-      <p:transition spd="slow" p14:dur="1000">
-        <p:comb/>
-      </p:transition>
-    </mc:Choice>
-    <mc:Fallback>
-      <p:transition spd="slow">
-        <p:comb/>
-      </p:transition>
-    </mc:Fallback>
-  </mc:AlternateContent>
-</p:sld>
-</file>
-
-<file path=ppt/slides/slide8.xml><?xml version="1.0" encoding="utf-8"?>
-<p:sld xmlns:a="http://schemas.openxmlformats.org/drawingml/2006/main" xmlns:r="http://schemas.openxmlformats.org/officeDocument/2006/relationships" xmlns:p="http://schemas.openxmlformats.org/presentationml/2006/main">
-  <p:cSld>
-    <p:spTree>
-      <p:nvGrpSpPr>
-        <p:cNvPr id="1" name=""/>
-        <p:cNvGrpSpPr/>
-        <p:nvPr/>
-      </p:nvGrpSpPr>
-      <p:grpSpPr>
-        <a:xfrm>
-          <a:off x="0" y="0"/>
-          <a:ext cx="0" cy="0"/>
-          <a:chOff x="0" y="0"/>
-          <a:chExt cx="0" cy="0"/>
-        </a:xfrm>
-      </p:grpSpPr>
-      <p:sp>
-        <p:nvSpPr>
-          <p:cNvPr id="2" name="Title 1"/>
-          <p:cNvSpPr>
-            <a:spLocks noGrp="1"/>
-          </p:cNvSpPr>
-          <p:nvPr>
-            <p:ph type="title"/>
-          </p:nvPr>
-        </p:nvSpPr>
-        <p:spPr>
-          <a:xfrm>
-            <a:off x="288290" y="3102610"/>
-            <a:ext cx="11118850" cy="320040"/>
-          </a:xfrm>
-        </p:spPr>
-        <p:txBody>
-          <a:bodyPr/>
-          <a:lstStyle/>
-          <a:p>
-            <a:pPr algn="l"/>
-            <a:r>
-              <a:rPr lang="en-US" sz="2400" dirty="0"/>
-              <a:t>Tạo project html (</a:t>
-            </a:r>
-            <a:r>
-              <a:rPr lang="en-US" sz="2400" dirty="0">
-                <a:sym typeface="+mn-ea"/>
-              </a:rPr>
-              <a:t>Visual Studio Code)</a:t>
-            </a:r>
-            <a:br>
-              <a:rPr lang="en-US" sz="1800" dirty="0"/>
-            </a:br>
-            <a:endParaRPr lang="en-US" sz="1800" dirty="0"/>
-          </a:p>
-        </p:txBody>
-      </p:sp>
-      <p:sp>
-        <p:nvSpPr>
-          <p:cNvPr id="12" name="Title 1"/>
-          <p:cNvSpPr>
-            <a:spLocks noGrp="1"/>
-          </p:cNvSpPr>
-          <p:nvPr/>
-        </p:nvSpPr>
-        <p:spPr>
-          <a:xfrm>
-            <a:off x="374015" y="3519170"/>
-            <a:ext cx="1908175" cy="320040"/>
-          </a:xfrm>
-          <a:prstGeom prst="rect">
-            <a:avLst/>
-          </a:prstGeom>
-        </p:spPr>
-        <p:txBody>
-          <a:bodyPr vert="horz" lIns="91440" tIns="45720" rIns="91440" bIns="45720" rtlCol="0" anchor="t" anchorCtr="0">
-            <a:noAutofit/>
-          </a:bodyPr>
-          <a:lstStyle>
-            <a:lvl1pPr algn="ctr" defTabSz="914400" rtl="0" eaLnBrk="1" latinLnBrk="0" hangingPunct="1">
-              <a:spcBef>
-                <a:spcPct val="0"/>
-              </a:spcBef>
-              <a:buNone/>
-              <a:defRPr sz="3200" b="1" kern="1200">
-                <a:solidFill>
-                  <a:schemeClr val="tx2"/>
-                </a:solidFill>
-                <a:latin typeface="+mn-lt"/>
-                <a:ea typeface="+mj-ea"/>
-                <a:cs typeface="+mj-cs"/>
-              </a:defRPr>
-            </a:lvl1pPr>
-          </a:lstStyle>
-          <a:p>
-            <a:pPr algn="l"/>
-            <a:r>
               <a:rPr lang="en-US" sz="2000" dirty="0"/>
-              <a:t>B1:</a:t>
+              <a:t>*Geolocation: HTML5 cung cấp khả năng xác định vị trí địa lý của người dùng thông qua API Geolocation.</a:t>
             </a:r>
             <a:endParaRPr lang="en-US" sz="2000" dirty="0"/>
           </a:p>
         </p:txBody>
       </p:sp>
-      <p:sp>
-        <p:nvSpPr>
-          <p:cNvPr id="13" name="Title 1"/>
-          <p:cNvSpPr>
-            <a:spLocks noGrp="1"/>
-          </p:cNvSpPr>
-          <p:nvPr/>
-        </p:nvSpPr>
-        <p:spPr>
-          <a:xfrm>
-            <a:off x="3246120" y="3583940"/>
-            <a:ext cx="1908175" cy="320040"/>
-          </a:xfrm>
-          <a:prstGeom prst="rect">
-            <a:avLst/>
-          </a:prstGeom>
-        </p:spPr>
-        <p:txBody>
-          <a:bodyPr vert="horz" lIns="91440" tIns="45720" rIns="91440" bIns="45720" rtlCol="0" anchor="t" anchorCtr="0">
-            <a:noAutofit/>
-          </a:bodyPr>
-          <a:lstStyle>
-            <a:lvl1pPr algn="ctr" defTabSz="914400" rtl="0" eaLnBrk="1" latinLnBrk="0" hangingPunct="1">
-              <a:spcBef>
-                <a:spcPct val="0"/>
-              </a:spcBef>
-              <a:buNone/>
-              <a:defRPr sz="3200" b="1" kern="1200">
-                <a:solidFill>
-                  <a:schemeClr val="tx2"/>
-                </a:solidFill>
-                <a:latin typeface="+mn-lt"/>
-                <a:ea typeface="+mj-ea"/>
-                <a:cs typeface="+mj-cs"/>
-              </a:defRPr>
-            </a:lvl1pPr>
-          </a:lstStyle>
-          <a:p>
-            <a:pPr algn="l"/>
-            <a:r>
-              <a:rPr lang="en-US" sz="2200" dirty="0"/>
-              <a:t>B2:</a:t>
-            </a:r>
-            <a:endParaRPr lang="en-US" sz="2200" dirty="0"/>
-          </a:p>
-        </p:txBody>
-      </p:sp>
-      <p:pic>
-        <p:nvPicPr>
-          <p:cNvPr id="14" name="Picture 2"/>
-          <p:cNvPicPr>
-            <a:picLocks noChangeAspect="1"/>
-          </p:cNvPicPr>
-          <p:nvPr/>
-        </p:nvPicPr>
-        <p:blipFill>
-          <a:blip r:embed="rId1"/>
-          <a:stretch>
-            <a:fillRect/>
-          </a:stretch>
-        </p:blipFill>
-        <p:spPr>
-          <a:xfrm>
-            <a:off x="815340" y="4194493"/>
-            <a:ext cx="1466850" cy="1285875"/>
-          </a:xfrm>
-          <a:prstGeom prst="rect">
-            <a:avLst/>
-          </a:prstGeom>
-          <a:noFill/>
-          <a:ln>
-            <a:noFill/>
-          </a:ln>
-        </p:spPr>
-      </p:pic>
-      <p:pic>
-        <p:nvPicPr>
-          <p:cNvPr id="16" name="Picture 15"/>
-          <p:cNvPicPr>
-            <a:picLocks noChangeAspect="1"/>
-          </p:cNvPicPr>
-          <p:nvPr/>
-        </p:nvPicPr>
-        <p:blipFill>
-          <a:blip r:embed="rId2"/>
-          <a:stretch>
-            <a:fillRect/>
-          </a:stretch>
-        </p:blipFill>
-        <p:spPr>
-          <a:xfrm>
-            <a:off x="3820160" y="4065270"/>
-            <a:ext cx="2571750" cy="2352675"/>
-          </a:xfrm>
-          <a:prstGeom prst="rect">
-            <a:avLst/>
-          </a:prstGeom>
-        </p:spPr>
-      </p:pic>
-      <p:pic>
-        <p:nvPicPr>
-          <p:cNvPr id="17" name="Picture 16"/>
-          <p:cNvPicPr>
-            <a:picLocks noChangeAspect="1"/>
-          </p:cNvPicPr>
-          <p:nvPr/>
-        </p:nvPicPr>
-        <p:blipFill>
-          <a:blip r:embed="rId3"/>
-          <a:stretch>
-            <a:fillRect/>
-          </a:stretch>
-        </p:blipFill>
-        <p:spPr>
-          <a:xfrm>
-            <a:off x="7929880" y="4160520"/>
-            <a:ext cx="3600450" cy="2257425"/>
-          </a:xfrm>
-          <a:prstGeom prst="rect">
-            <a:avLst/>
-          </a:prstGeom>
-        </p:spPr>
-      </p:pic>
-      <p:sp>
-        <p:nvSpPr>
-          <p:cNvPr id="18" name="Title 1"/>
-          <p:cNvSpPr>
-            <a:spLocks noGrp="1"/>
-          </p:cNvSpPr>
-          <p:nvPr/>
-        </p:nvSpPr>
-        <p:spPr>
-          <a:xfrm>
-            <a:off x="7472045" y="3583940"/>
-            <a:ext cx="1908175" cy="320040"/>
-          </a:xfrm>
-          <a:prstGeom prst="rect">
-            <a:avLst/>
-          </a:prstGeom>
-        </p:spPr>
-        <p:txBody>
-          <a:bodyPr vert="horz" lIns="91440" tIns="45720" rIns="91440" bIns="45720" rtlCol="0" anchor="t" anchorCtr="0">
-            <a:noAutofit/>
-          </a:bodyPr>
-          <a:lstStyle>
-            <a:lvl1pPr algn="ctr" defTabSz="914400" rtl="0" eaLnBrk="1" latinLnBrk="0" hangingPunct="1">
-              <a:spcBef>
-                <a:spcPct val="0"/>
-              </a:spcBef>
-              <a:buNone/>
-              <a:defRPr sz="3200" b="1" kern="1200">
-                <a:solidFill>
-                  <a:schemeClr val="tx2"/>
-                </a:solidFill>
-                <a:latin typeface="+mn-lt"/>
-                <a:ea typeface="+mj-ea"/>
-                <a:cs typeface="+mj-cs"/>
-              </a:defRPr>
-            </a:lvl1pPr>
-          </a:lstStyle>
-          <a:p>
-            <a:pPr algn="l"/>
-            <a:r>
-              <a:rPr lang="en-US" sz="2200" dirty="0"/>
-              <a:t>B3:</a:t>
-            </a:r>
-            <a:endParaRPr lang="en-US" sz="2200" dirty="0"/>
-          </a:p>
-        </p:txBody>
-      </p:sp>
-      <p:pic>
-        <p:nvPicPr>
-          <p:cNvPr id="5" name="Picture Placeholder 4"/>
-          <p:cNvPicPr>
-            <a:picLocks noChangeAspect="1"/>
-          </p:cNvPicPr>
-          <p:nvPr>
-            <p:ph type="pic" sz="quarter" idx="14"/>
-          </p:nvPr>
-        </p:nvPicPr>
-        <p:blipFill>
-          <a:blip r:embed="rId4"/>
-          <a:stretch>
-            <a:fillRect/>
-          </a:stretch>
-        </p:blipFill>
-        <p:spPr>
-          <a:xfrm>
-            <a:off x="9782810" y="864870"/>
-            <a:ext cx="2073275" cy="2049145"/>
-          </a:xfrm>
-          <a:prstGeom prst="rect">
-            <a:avLst/>
-          </a:prstGeom>
-        </p:spPr>
-      </p:pic>
-      <p:pic>
-        <p:nvPicPr>
-          <p:cNvPr id="8" name="Picture 7"/>
-          <p:cNvPicPr>
-            <a:picLocks noChangeAspect="1"/>
-          </p:cNvPicPr>
-          <p:nvPr/>
-        </p:nvPicPr>
-        <p:blipFill>
-          <a:blip r:embed="rId5"/>
-          <a:stretch>
-            <a:fillRect/>
-          </a:stretch>
-        </p:blipFill>
-        <p:spPr>
-          <a:xfrm>
-            <a:off x="6576695" y="865505"/>
-            <a:ext cx="2679700" cy="2048510"/>
-          </a:xfrm>
-          <a:prstGeom prst="rect">
-            <a:avLst/>
-          </a:prstGeom>
-        </p:spPr>
-      </p:pic>
-      <p:pic>
-        <p:nvPicPr>
-          <p:cNvPr id="9" name="Picture 8"/>
-          <p:cNvPicPr>
-            <a:picLocks noChangeAspect="1"/>
-          </p:cNvPicPr>
-          <p:nvPr/>
-        </p:nvPicPr>
-        <p:blipFill>
-          <a:blip r:embed="rId6"/>
-          <a:stretch>
-            <a:fillRect/>
-          </a:stretch>
-        </p:blipFill>
-        <p:spPr>
-          <a:xfrm>
-            <a:off x="3684905" y="865505"/>
-            <a:ext cx="2453005" cy="2049145"/>
-          </a:xfrm>
-          <a:prstGeom prst="rect">
-            <a:avLst/>
-          </a:prstGeom>
-        </p:spPr>
-      </p:pic>
-      <p:pic>
-        <p:nvPicPr>
-          <p:cNvPr id="11" name="Content Placeholder 10"/>
-          <p:cNvPicPr>
-            <a:picLocks noChangeAspect="1"/>
-          </p:cNvPicPr>
-          <p:nvPr>
-            <p:ph sz="quarter" idx="15"/>
-          </p:nvPr>
-        </p:nvPicPr>
-        <p:blipFill>
-          <a:blip r:embed="rId7"/>
-          <a:stretch>
-            <a:fillRect/>
-          </a:stretch>
-        </p:blipFill>
-        <p:spPr>
-          <a:xfrm>
-            <a:off x="288290" y="865505"/>
-            <a:ext cx="2957830" cy="2049145"/>
-          </a:xfrm>
-          <a:prstGeom prst="rect">
-            <a:avLst/>
-          </a:prstGeom>
-        </p:spPr>
-      </p:pic>
       <p:sp>
         <p:nvSpPr>
           <p:cNvPr id="7" name="Title 5"/>
@@ -17208,7 +13708,7 @@
           <a:p>
             <a:r>
               <a:rPr lang="en-US" sz="3600"/>
-              <a:t>Thực hành </a:t>
+              <a:t>HTML5 </a:t>
             </a:r>
             <a:endParaRPr lang="en-US" sz="3600"/>
           </a:p>
@@ -17252,7 +13752,7 @@
                             </p:stCondLst>
                             <p:childTnLst>
                               <p:par>
-                                <p:cTn id="5" presetID="18" presetClass="entr" presetSubtype="12" fill="hold" nodeType="clickEffect">
+                                <p:cTn id="5" presetID="12" presetClass="entr" presetSubtype="4" fill="hold" grpId="0" nodeType="clickEffect">
                                   <p:stCondLst>
                                     <p:cond delay="0"/>
                                   </p:stCondLst>
@@ -17260,164 +13760,6 @@
                                     <p:set>
                                       <p:cBhvr>
                                         <p:cTn id="6" dur="1" fill="hold">
-                                          <p:stCondLst>
-                                            <p:cond delay="0"/>
-                                          </p:stCondLst>
-                                        </p:cTn>
-                                        <p:tgtEl>
-                                          <p:spTgt spid="5"/>
-                                        </p:tgtEl>
-                                        <p:attrNameLst>
-                                          <p:attrName>style.visibility</p:attrName>
-                                        </p:attrNameLst>
-                                      </p:cBhvr>
-                                      <p:to>
-                                        <p:strVal val="visible"/>
-                                      </p:to>
-                                    </p:set>
-                                    <p:animEffect transition="in" filter="strips(downLeft)">
-                                      <p:cBhvr>
-                                        <p:cTn id="7" dur="500"/>
-                                        <p:tgtEl>
-                                          <p:spTgt spid="5"/>
-                                        </p:tgtEl>
-                                      </p:cBhvr>
-                                    </p:animEffect>
-                                  </p:childTnLst>
-                                </p:cTn>
-                              </p:par>
-                              <p:par>
-                                <p:cTn id="8" presetID="18" presetClass="entr" presetSubtype="12" fill="hold" nodeType="withEffect">
-                                  <p:stCondLst>
-                                    <p:cond delay="0"/>
-                                  </p:stCondLst>
-                                  <p:childTnLst>
-                                    <p:set>
-                                      <p:cBhvr>
-                                        <p:cTn id="9" dur="1" fill="hold">
-                                          <p:stCondLst>
-                                            <p:cond delay="0"/>
-                                          </p:stCondLst>
-                                        </p:cTn>
-                                        <p:tgtEl>
-                                          <p:spTgt spid="8"/>
-                                        </p:tgtEl>
-                                        <p:attrNameLst>
-                                          <p:attrName>style.visibility</p:attrName>
-                                        </p:attrNameLst>
-                                      </p:cBhvr>
-                                      <p:to>
-                                        <p:strVal val="visible"/>
-                                      </p:to>
-                                    </p:set>
-                                    <p:animEffect transition="in" filter="strips(downLeft)">
-                                      <p:cBhvr>
-                                        <p:cTn id="10" dur="500"/>
-                                        <p:tgtEl>
-                                          <p:spTgt spid="8"/>
-                                        </p:tgtEl>
-                                      </p:cBhvr>
-                                    </p:animEffect>
-                                  </p:childTnLst>
-                                </p:cTn>
-                              </p:par>
-                              <p:par>
-                                <p:cTn id="11" presetID="18" presetClass="entr" presetSubtype="12" fill="hold" nodeType="withEffect">
-                                  <p:stCondLst>
-                                    <p:cond delay="0"/>
-                                  </p:stCondLst>
-                                  <p:childTnLst>
-                                    <p:set>
-                                      <p:cBhvr>
-                                        <p:cTn id="12" dur="1" fill="hold">
-                                          <p:stCondLst>
-                                            <p:cond delay="0"/>
-                                          </p:stCondLst>
-                                        </p:cTn>
-                                        <p:tgtEl>
-                                          <p:spTgt spid="9"/>
-                                        </p:tgtEl>
-                                        <p:attrNameLst>
-                                          <p:attrName>style.visibility</p:attrName>
-                                        </p:attrNameLst>
-                                      </p:cBhvr>
-                                      <p:to>
-                                        <p:strVal val="visible"/>
-                                      </p:to>
-                                    </p:set>
-                                    <p:animEffect transition="in" filter="strips(downLeft)">
-                                      <p:cBhvr>
-                                        <p:cTn id="13" dur="500"/>
-                                        <p:tgtEl>
-                                          <p:spTgt spid="9"/>
-                                        </p:tgtEl>
-                                      </p:cBhvr>
-                                    </p:animEffect>
-                                  </p:childTnLst>
-                                </p:cTn>
-                              </p:par>
-                              <p:par>
-                                <p:cTn id="14" presetID="18" presetClass="entr" presetSubtype="12" fill="hold" nodeType="withEffect">
-                                  <p:stCondLst>
-                                    <p:cond delay="0"/>
-                                  </p:stCondLst>
-                                  <p:childTnLst>
-                                    <p:set>
-                                      <p:cBhvr>
-                                        <p:cTn id="15" dur="1" fill="hold">
-                                          <p:stCondLst>
-                                            <p:cond delay="0"/>
-                                          </p:stCondLst>
-                                        </p:cTn>
-                                        <p:tgtEl>
-                                          <p:spTgt spid="11"/>
-                                        </p:tgtEl>
-                                        <p:attrNameLst>
-                                          <p:attrName>style.visibility</p:attrName>
-                                        </p:attrNameLst>
-                                      </p:cBhvr>
-                                      <p:to>
-                                        <p:strVal val="visible"/>
-                                      </p:to>
-                                    </p:set>
-                                    <p:animEffect transition="in" filter="strips(downLeft)">
-                                      <p:cBhvr>
-                                        <p:cTn id="16" dur="500"/>
-                                        <p:tgtEl>
-                                          <p:spTgt spid="11"/>
-                                        </p:tgtEl>
-                                      </p:cBhvr>
-                                    </p:animEffect>
-                                  </p:childTnLst>
-                                </p:cTn>
-                              </p:par>
-                            </p:childTnLst>
-                          </p:cTn>
-                        </p:par>
-                      </p:childTnLst>
-                    </p:cTn>
-                  </p:par>
-                  <p:par>
-                    <p:cTn id="17" fill="hold">
-                      <p:stCondLst>
-                        <p:cond delay="indefinite"/>
-                      </p:stCondLst>
-                      <p:childTnLst>
-                        <p:par>
-                          <p:cTn id="18" fill="hold">
-                            <p:stCondLst>
-                              <p:cond delay="0"/>
-                            </p:stCondLst>
-                            <p:childTnLst>
-                              <p:par>
-                                <p:cTn id="19" presetID="12" presetClass="entr" presetSubtype="4" fill="hold" grpId="0" nodeType="clickEffect">
-                                  <p:stCondLst>
-                                    <p:cond delay="0"/>
-                                  </p:stCondLst>
-                                  <p:childTnLst>
-                                    <p:set>
-                                      <p:cBhvr>
-                                        <p:cTn id="20" dur="1" fill="hold">
                                           <p:stCondLst>
                                             <p:cond delay="0"/>
                                           </p:stCondLst>
@@ -17435,7 +13777,7 @@
                                     </p:set>
                                     <p:anim calcmode="lin" valueType="num">
                                       <p:cBhvr additive="base">
-                                        <p:cTn id="21" dur="500"/>
+                                        <p:cTn id="7" dur="500"/>
                                         <p:tgtEl>
                                           <p:spTgt spid="2"/>
                                         </p:tgtEl>
@@ -17458,237 +13800,9 @@
                                     </p:anim>
                                     <p:animEffect transition="in" filter="wipe(up)">
                                       <p:cBhvr>
-                                        <p:cTn id="22" dur="500"/>
+                                        <p:cTn id="8" dur="500"/>
                                         <p:tgtEl>
                                           <p:spTgt spid="2"/>
-                                        </p:tgtEl>
-                                      </p:cBhvr>
-                                    </p:animEffect>
-                                  </p:childTnLst>
-                                </p:cTn>
-                              </p:par>
-                            </p:childTnLst>
-                          </p:cTn>
-                        </p:par>
-                      </p:childTnLst>
-                    </p:cTn>
-                  </p:par>
-                  <p:par>
-                    <p:cTn id="23" fill="hold">
-                      <p:stCondLst>
-                        <p:cond delay="indefinite"/>
-                      </p:stCondLst>
-                      <p:childTnLst>
-                        <p:par>
-                          <p:cTn id="24" fill="hold">
-                            <p:stCondLst>
-                              <p:cond delay="0"/>
-                            </p:stCondLst>
-                            <p:childTnLst>
-                              <p:par>
-                                <p:cTn id="25" presetID="18" presetClass="entr" presetSubtype="12" fill="hold" grpId="0" nodeType="clickEffect">
-                                  <p:stCondLst>
-                                    <p:cond delay="0"/>
-                                  </p:stCondLst>
-                                  <p:childTnLst>
-                                    <p:set>
-                                      <p:cBhvr>
-                                        <p:cTn id="26" dur="1" fill="hold">
-                                          <p:stCondLst>
-                                            <p:cond delay="0"/>
-                                          </p:stCondLst>
-                                        </p:cTn>
-                                        <p:tgtEl>
-                                          <p:spTgt spid="12"/>
-                                        </p:tgtEl>
-                                        <p:attrNameLst>
-                                          <p:attrName>style.visibility</p:attrName>
-                                        </p:attrNameLst>
-                                      </p:cBhvr>
-                                      <p:to>
-                                        <p:strVal val="visible"/>
-                                      </p:to>
-                                    </p:set>
-                                    <p:animEffect transition="in" filter="strips(downLeft)">
-                                      <p:cBhvr>
-                                        <p:cTn id="27" dur="500"/>
-                                        <p:tgtEl>
-                                          <p:spTgt spid="12"/>
-                                        </p:tgtEl>
-                                      </p:cBhvr>
-                                    </p:animEffect>
-                                  </p:childTnLst>
-                                </p:cTn>
-                              </p:par>
-                              <p:par>
-                                <p:cTn id="28" presetID="18" presetClass="entr" presetSubtype="12" fill="hold" grpId="0" nodeType="withEffect">
-                                  <p:stCondLst>
-                                    <p:cond delay="0"/>
-                                  </p:stCondLst>
-                                  <p:childTnLst>
-                                    <p:set>
-                                      <p:cBhvr>
-                                        <p:cTn id="29" dur="1" fill="hold">
-                                          <p:stCondLst>
-                                            <p:cond delay="0"/>
-                                          </p:stCondLst>
-                                        </p:cTn>
-                                        <p:tgtEl>
-                                          <p:spTgt spid="13"/>
-                                        </p:tgtEl>
-                                        <p:attrNameLst>
-                                          <p:attrName>style.visibility</p:attrName>
-                                        </p:attrNameLst>
-                                      </p:cBhvr>
-                                      <p:to>
-                                        <p:strVal val="visible"/>
-                                      </p:to>
-                                    </p:set>
-                                    <p:animEffect transition="in" filter="strips(downLeft)">
-                                      <p:cBhvr>
-                                        <p:cTn id="30" dur="500"/>
-                                        <p:tgtEl>
-                                          <p:spTgt spid="13"/>
-                                        </p:tgtEl>
-                                      </p:cBhvr>
-                                    </p:animEffect>
-                                  </p:childTnLst>
-                                </p:cTn>
-                              </p:par>
-                              <p:par>
-                                <p:cTn id="31" presetID="18" presetClass="entr" presetSubtype="12" fill="hold" nodeType="withEffect">
-                                  <p:stCondLst>
-                                    <p:cond delay="0"/>
-                                  </p:stCondLst>
-                                  <p:childTnLst>
-                                    <p:set>
-                                      <p:cBhvr>
-                                        <p:cTn id="32" dur="1" fill="hold">
-                                          <p:stCondLst>
-                                            <p:cond delay="0"/>
-                                          </p:stCondLst>
-                                        </p:cTn>
-                                        <p:tgtEl>
-                                          <p:spTgt spid="14"/>
-                                        </p:tgtEl>
-                                        <p:attrNameLst>
-                                          <p:attrName>style.visibility</p:attrName>
-                                        </p:attrNameLst>
-                                      </p:cBhvr>
-                                      <p:to>
-                                        <p:strVal val="visible"/>
-                                      </p:to>
-                                    </p:set>
-                                    <p:animEffect transition="in" filter="strips(downLeft)">
-                                      <p:cBhvr>
-                                        <p:cTn id="33" dur="500"/>
-                                        <p:tgtEl>
-                                          <p:spTgt spid="14"/>
-                                        </p:tgtEl>
-                                      </p:cBhvr>
-                                    </p:animEffect>
-                                  </p:childTnLst>
-                                </p:cTn>
-                              </p:par>
-                              <p:par>
-                                <p:cTn id="34" presetID="18" presetClass="entr" presetSubtype="12" fill="hold" nodeType="withEffect">
-                                  <p:stCondLst>
-                                    <p:cond delay="0"/>
-                                  </p:stCondLst>
-                                  <p:childTnLst>
-                                    <p:set>
-                                      <p:cBhvr>
-                                        <p:cTn id="35" dur="1" fill="hold">
-                                          <p:stCondLst>
-                                            <p:cond delay="0"/>
-                                          </p:stCondLst>
-                                        </p:cTn>
-                                        <p:tgtEl>
-                                          <p:spTgt spid="16"/>
-                                        </p:tgtEl>
-                                        <p:attrNameLst>
-                                          <p:attrName>style.visibility</p:attrName>
-                                        </p:attrNameLst>
-                                      </p:cBhvr>
-                                      <p:to>
-                                        <p:strVal val="visible"/>
-                                      </p:to>
-                                    </p:set>
-                                    <p:animEffect transition="in" filter="strips(downLeft)">
-                                      <p:cBhvr>
-                                        <p:cTn id="36" dur="500"/>
-                                        <p:tgtEl>
-                                          <p:spTgt spid="16"/>
-                                        </p:tgtEl>
-                                      </p:cBhvr>
-                                    </p:animEffect>
-                                  </p:childTnLst>
-                                </p:cTn>
-                              </p:par>
-                              <p:par>
-                                <p:cTn id="37" presetID="18" presetClass="entr" presetSubtype="12" fill="hold" nodeType="withEffect">
-                                  <p:stCondLst>
-                                    <p:cond delay="0"/>
-                                  </p:stCondLst>
-                                  <p:childTnLst>
-                                    <p:set>
-                                      <p:cBhvr>
-                                        <p:cTn id="38" dur="1" fill="hold">
-                                          <p:stCondLst>
-                                            <p:cond delay="0"/>
-                                          </p:stCondLst>
-                                        </p:cTn>
-                                        <p:tgtEl>
-                                          <p:spTgt spid="17"/>
-                                        </p:tgtEl>
-                                        <p:attrNameLst>
-                                          <p:attrName>style.visibility</p:attrName>
-                                        </p:attrNameLst>
-                                      </p:cBhvr>
-                                      <p:to>
-                                        <p:strVal val="visible"/>
-                                      </p:to>
-                                    </p:set>
-                                    <p:animEffect transition="in" filter="strips(downLeft)">
-                                      <p:cBhvr>
-                                        <p:cTn id="39" dur="500"/>
-                                        <p:tgtEl>
-                                          <p:spTgt spid="17"/>
-                                        </p:tgtEl>
-                                      </p:cBhvr>
-                                    </p:animEffect>
-                                  </p:childTnLst>
-                                </p:cTn>
-                              </p:par>
-                              <p:par>
-                                <p:cTn id="40" presetID="18" presetClass="entr" presetSubtype="12" fill="hold" grpId="0" nodeType="withEffect">
-                                  <p:stCondLst>
-                                    <p:cond delay="0"/>
-                                  </p:stCondLst>
-                                  <p:childTnLst>
-                                    <p:set>
-                                      <p:cBhvr>
-                                        <p:cTn id="41" dur="1" fill="hold">
-                                          <p:stCondLst>
-                                            <p:cond delay="0"/>
-                                          </p:stCondLst>
-                                        </p:cTn>
-                                        <p:tgtEl>
-                                          <p:spTgt spid="18"/>
-                                        </p:tgtEl>
-                                        <p:attrNameLst>
-                                          <p:attrName>style.visibility</p:attrName>
-                                        </p:attrNameLst>
-                                      </p:cBhvr>
-                                      <p:to>
-                                        <p:strVal val="visible"/>
-                                      </p:to>
-                                    </p:set>
-                                    <p:animEffect transition="in" filter="strips(downLeft)">
-                                      <p:cBhvr>
-                                        <p:cTn id="42" dur="500"/>
-                                        <p:tgtEl>
-                                          <p:spTgt spid="18"/>
                                         </p:tgtEl>
                                       </p:cBhvr>
                                     </p:animEffect>
@@ -17725,14 +13839,108 @@
     <p:bldLst>
       <p:bldP spid="2" grpId="0"/>
       <p:bldP spid="2" grpId="1"/>
-      <p:bldP spid="12" grpId="0"/>
-      <p:bldP spid="13" grpId="0"/>
-      <p:bldP spid="18" grpId="0"/>
-      <p:bldP spid="12" grpId="1"/>
-      <p:bldP spid="13" grpId="1"/>
-      <p:bldP spid="18" grpId="1"/>
     </p:bldLst>
   </p:timing>
+</p:sld>
+</file>
+
+<file path=ppt/slides/slide8.xml><?xml version="1.0" encoding="utf-8"?>
+<p:sld xmlns:a="http://schemas.openxmlformats.org/drawingml/2006/main" xmlns:r="http://schemas.openxmlformats.org/officeDocument/2006/relationships" xmlns:p="http://schemas.openxmlformats.org/presentationml/2006/main">
+  <p:cSld>
+    <p:spTree>
+      <p:nvGrpSpPr>
+        <p:cNvPr id="1" name=""/>
+        <p:cNvGrpSpPr/>
+        <p:nvPr/>
+      </p:nvGrpSpPr>
+      <p:grpSpPr/>
+      <p:sp>
+        <p:nvSpPr>
+          <p:cNvPr id="2" name="Title 1"/>
+          <p:cNvSpPr>
+            <a:spLocks noGrp="1"/>
+          </p:cNvSpPr>
+          <p:nvPr>
+            <p:ph type="title"/>
+          </p:nvPr>
+        </p:nvSpPr>
+        <p:spPr>
+          <a:xfrm>
+            <a:off x="329565" y="150495"/>
+            <a:ext cx="4590415" cy="911225"/>
+          </a:xfrm>
+        </p:spPr>
+        <p:txBody>
+          <a:bodyPr/>
+          <a:p>
+            <a:r>
+              <a:rPr lang="en-US" sz="3600"/>
+              <a:t>CSS3</a:t>
+            </a:r>
+            <a:endParaRPr lang="en-US" sz="3600"/>
+          </a:p>
+        </p:txBody>
+      </p:sp>
+      <p:sp>
+        <p:nvSpPr>
+          <p:cNvPr id="4" name="Subtitle 3"/>
+          <p:cNvSpPr>
+            <a:spLocks noGrp="1"/>
+          </p:cNvSpPr>
+          <p:nvPr>
+            <p:ph type="subTitle" idx="1"/>
+          </p:nvPr>
+        </p:nvSpPr>
+        <p:spPr>
+          <a:xfrm>
+            <a:off x="874395" y="1200785"/>
+            <a:ext cx="10095865" cy="1554480"/>
+          </a:xfrm>
+        </p:spPr>
+        <p:txBody>
+          <a:bodyPr/>
+          <a:p>
+            <a:r>
+              <a:rPr lang="en-US" sz="2000"/>
+              <a:t>Selectors: CSS3 cung cấp nhiều cách lựa chọn yêu cầu phức tạp hơn như các lựa chọn phổ biến, lựa chọn thuộc tính và lựa chọn con.</a:t>
+            </a:r>
+            <a:endParaRPr lang="en-US" sz="2000"/>
+          </a:p>
+          <a:p>
+            <a:r>
+              <a:rPr lang="en-US" sz="2000"/>
+              <a:t>Box Model: CSS3 cung cấp các tính năng mới cho mô hình hộp bao gồm box-sizing và các tính năng khác để tùy chỉnh việc định kiểu và định vị.</a:t>
+            </a:r>
+            <a:endParaRPr lang="en-US" sz="2000"/>
+          </a:p>
+          <a:p>
+            <a:r>
+              <a:rPr lang="en-US" sz="2000"/>
+              <a:t>Media Queries: CSS3 hỗ trợ media queries cho phép điều chỉnh kiểu dáng dựa trên các yếu tố như kích thước màn hình, độ phân giải, và hướng.</a:t>
+            </a:r>
+            <a:endParaRPr lang="en-US" sz="2000"/>
+          </a:p>
+          <a:p>
+            <a:r>
+              <a:rPr lang="en-US" sz="2000"/>
+              <a:t>Transitions and Animations: CSS3 cung cấp khả năng tạo hiệu ứng chuyển động và hoạt ảnh bằng cách sử dụng transitions và keyframe animations.</a:t>
+            </a:r>
+            <a:endParaRPr lang="en-US" sz="2000"/>
+          </a:p>
+          <a:p>
+            <a:r>
+              <a:rPr lang="en-US" sz="2000"/>
+              <a:t>Flexbox and Grid: CSS3 giới thiệu Flexbox và Grid, cung cấp các công cụ mạnh mẽ để tạo bố cục linh hoạt và đáp ứng.</a:t>
+            </a:r>
+            <a:endParaRPr lang="en-US" sz="2000"/>
+          </a:p>
+        </p:txBody>
+      </p:sp>
+    </p:spTree>
+  </p:cSld>
+  <p:clrMapOvr>
+    <a:masterClrMapping/>
+  </p:clrMapOvr>
 </p:sld>
 </file>
 
@@ -17748,7 +13956,7 @@
       <p:grpSpPr/>
       <p:sp>
         <p:nvSpPr>
-          <p:cNvPr id="9" name="Title 8"/>
+          <p:cNvPr id="2" name="Title 1"/>
           <p:cNvSpPr>
             <a:spLocks noGrp="1"/>
           </p:cNvSpPr>
@@ -17758,18 +13966,44 @@
         </p:nvSpPr>
         <p:spPr>
           <a:xfrm>
-            <a:off x="521208" y="350393"/>
-            <a:ext cx="11119104" cy="640080"/>
+            <a:off x="6300470" y="1925320"/>
+            <a:ext cx="5477510" cy="1764665"/>
           </a:xfrm>
         </p:spPr>
         <p:txBody>
           <a:bodyPr/>
           <a:p>
             <a:r>
-              <a:rPr lang="en-US" sz="4400"/>
-              <a:t>Ví dụ</a:t>
-            </a:r>
-            <a:endParaRPr lang="en-US" sz="4400"/>
+              <a:rPr sz="4000">
+                <a:sym typeface="+mn-ea"/>
+              </a:rPr>
+              <a:t>Thiết kế trang web thân thiện(SEO)</a:t>
+            </a:r>
+            <a:endParaRPr lang="en-US" sz="4000">
+              <a:sym typeface="+mn-ea"/>
+            </a:endParaRPr>
+          </a:p>
+        </p:txBody>
+      </p:sp>
+      <p:sp>
+        <p:nvSpPr>
+          <p:cNvPr id="4" name="Subtitle 3"/>
+          <p:cNvSpPr>
+            <a:spLocks noGrp="1"/>
+          </p:cNvSpPr>
+          <p:nvPr>
+            <p:ph type="subTitle" idx="1"/>
+          </p:nvPr>
+        </p:nvSpPr>
+        <p:spPr/>
+        <p:txBody>
+          <a:bodyPr/>
+          <a:p>
+            <a:r>
+              <a:rPr lang="en-US"/>
+              <a:t>&lt;SEO&gt;</a:t>
+            </a:r>
+            <a:endParaRPr lang="en-US"/>
           </a:p>
         </p:txBody>
       </p:sp>
@@ -17780,7 +14014,7 @@
             <a:picLocks noChangeAspect="1"/>
           </p:cNvPicPr>
           <p:nvPr>
-            <p:ph type="pic" sz="quarter" idx="14"/>
+            <p:ph type="pic" sz="quarter" idx="10"/>
           </p:nvPr>
         </p:nvPicPr>
         <p:blipFill>
@@ -17791,34 +14025,8 @@
         </p:blipFill>
         <p:spPr>
           <a:xfrm>
-            <a:off x="810260" y="1424940"/>
-            <a:ext cx="5100955" cy="4657090"/>
-          </a:xfrm>
-          <a:prstGeom prst="rect">
-            <a:avLst/>
-          </a:prstGeom>
-        </p:spPr>
-      </p:pic>
-      <p:pic>
-        <p:nvPicPr>
-          <p:cNvPr id="11" name="Content Placeholder 10"/>
-          <p:cNvPicPr>
-            <a:picLocks noChangeAspect="1"/>
-          </p:cNvPicPr>
-          <p:nvPr>
-            <p:ph sz="quarter" idx="15"/>
-          </p:nvPr>
-        </p:nvPicPr>
-        <p:blipFill>
-          <a:blip r:embed="rId2"/>
-          <a:stretch>
-            <a:fillRect/>
-          </a:stretch>
-        </p:blipFill>
-        <p:spPr>
-          <a:xfrm>
-            <a:off x="6558915" y="2101215"/>
-            <a:ext cx="4951095" cy="3181350"/>
+            <a:off x="1005840" y="2127250"/>
+            <a:ext cx="4324985" cy="2703195"/>
           </a:xfrm>
           <a:prstGeom prst="rect">
             <a:avLst/>
@@ -17833,12 +14041,12 @@
   <mc:AlternateContent xmlns:mc="http://schemas.openxmlformats.org/markup-compatibility/2006">
     <mc:Choice xmlns:p14="http://schemas.microsoft.com/office/powerpoint/2010/main" Requires="p14">
       <p:transition spd="slow" p14:dur="1000">
-        <p:wipe/>
+        <p:wheel spokes="8"/>
       </p:transition>
     </mc:Choice>
     <mc:Fallback>
       <p:transition spd="slow">
-        <p:wipe/>
+        <p:wheel spokes="8"/>
       </p:transition>
     </mc:Fallback>
   </mc:AlternateContent>

--- a/NHOM19-CNWEB/NHÓM 19-HTMLCSSJS.pptx
+++ b/NHOM19-CNWEB/NHÓM 19-HTMLCSSJS.pptx
@@ -12262,12 +12262,7 @@
             <p:ph type="title"/>
           </p:nvPr>
         </p:nvSpPr>
-        <p:spPr>
-          <a:xfrm>
-            <a:off x="4283456" y="196342"/>
-            <a:ext cx="4590288" cy="1764792"/>
-          </a:xfrm>
-        </p:spPr>
+        <p:spPr/>
         <p:txBody>
           <a:bodyPr/>
           <a:p>
@@ -12279,6 +12274,58 @@
           </a:p>
         </p:txBody>
       </p:sp>
+      <p:pic>
+        <p:nvPicPr>
+          <p:cNvPr id="3" name="Content Placeholder 2"/>
+          <p:cNvPicPr>
+            <a:picLocks noChangeAspect="1"/>
+          </p:cNvPicPr>
+          <p:nvPr>
+            <p:ph sz="quarter" idx="15"/>
+          </p:nvPr>
+        </p:nvPicPr>
+        <p:blipFill>
+          <a:blip r:embed="rId1"/>
+          <a:stretch>
+            <a:fillRect/>
+          </a:stretch>
+        </p:blipFill>
+        <p:spPr>
+          <a:xfrm>
+            <a:off x="640080" y="2267585"/>
+            <a:ext cx="5139055" cy="3154680"/>
+          </a:xfrm>
+          <a:prstGeom prst="rect">
+            <a:avLst/>
+          </a:prstGeom>
+        </p:spPr>
+      </p:pic>
+      <p:pic>
+        <p:nvPicPr>
+          <p:cNvPr id="4" name="Picture Placeholder 3"/>
+          <p:cNvPicPr>
+            <a:picLocks noChangeAspect="1"/>
+          </p:cNvPicPr>
+          <p:nvPr>
+            <p:ph type="pic" sz="quarter" idx="14"/>
+          </p:nvPr>
+        </p:nvPicPr>
+        <p:blipFill>
+          <a:blip r:embed="rId2"/>
+          <a:stretch>
+            <a:fillRect/>
+          </a:stretch>
+        </p:blipFill>
+        <p:spPr>
+          <a:xfrm>
+            <a:off x="6437630" y="2431415"/>
+            <a:ext cx="5120640" cy="2827020"/>
+          </a:xfrm>
+          <a:prstGeom prst="rect">
+            <a:avLst/>
+          </a:prstGeom>
+        </p:spPr>
+      </p:pic>
     </p:spTree>
   </p:cSld>
   <p:clrMapOvr>
